--- a/präsi-projekt-obj-geom.pptx
+++ b/präsi-projekt-obj-geom.pptx
@@ -3751,9 +3751,10 @@
           <a:lstStyle/>
           <a:p>
             <a:r>
-              <a:rPr lang="de-CH" dirty="0"/>
-              <a:t>Gitternetz</a:t>
-            </a:r>
+              <a:rPr lang="de-CH" dirty="0" smtClean="0"/>
+              <a:t>Gitternetz </a:t>
+            </a:r>
+            <a:endParaRPr lang="de-CH" dirty="0"/>
           </a:p>
         </p:txBody>
       </p:sp>
@@ -3772,6 +3773,10 @@
           <a:bodyPr/>
           <a:lstStyle/>
           <a:p>
+            <a:r>
+              <a:rPr lang="de-CH" smtClean="0"/>
+              <a:t>asdas</a:t>
+            </a:r>
             <a:endParaRPr lang="de-CH"/>
           </a:p>
         </p:txBody>

--- a/präsi-projekt-obj-geom.pptx
+++ b/präsi-projekt-obj-geom.pptx
@@ -7,11 +7,14 @@
   <p:sldIdLst>
     <p:sldId id="256" r:id="rId2"/>
     <p:sldId id="257" r:id="rId3"/>
-    <p:sldId id="259" r:id="rId4"/>
-    <p:sldId id="261" r:id="rId5"/>
-    <p:sldId id="262" r:id="rId6"/>
-    <p:sldId id="258" r:id="rId7"/>
-    <p:sldId id="260" r:id="rId8"/>
+    <p:sldId id="263" r:id="rId4"/>
+    <p:sldId id="259" r:id="rId5"/>
+    <p:sldId id="264" r:id="rId6"/>
+    <p:sldId id="265" r:id="rId7"/>
+    <p:sldId id="261" r:id="rId8"/>
+    <p:sldId id="262" r:id="rId9"/>
+    <p:sldId id="258" r:id="rId10"/>
+    <p:sldId id="260" r:id="rId11"/>
   </p:sldIdLst>
   <p:sldSz cx="9144000" cy="6858000" type="screen4x3"/>
   <p:notesSz cx="6858000" cy="9144000"/>
@@ -3404,11 +3407,7 @@
           <a:p>
             <a:r>
               <a:rPr lang="de-CH" sz="1800" dirty="0" smtClean="0"/>
-              <a:t>Objektorientierte </a:t>
-            </a:r>
-            <a:r>
-              <a:rPr lang="de-CH" sz="1800" dirty="0" smtClean="0"/>
-              <a:t>Geometrie</a:t>
+              <a:t>Objektorientierte Geometrie</a:t>
             </a:r>
             <a:r>
               <a:rPr lang="de-CH" sz="3100" dirty="0" smtClean="0"/>
@@ -3475,6 +3474,119 @@
     <p:extLst>
       <p:ext uri="{BB962C8B-B14F-4D97-AF65-F5344CB8AC3E}">
         <p14:creationId xmlns:p14="http://schemas.microsoft.com/office/powerpoint/2010/main" val="2656328099"/>
+      </p:ext>
+    </p:extLst>
+  </p:cSld>
+  <p:clrMapOvr>
+    <a:masterClrMapping/>
+  </p:clrMapOvr>
+</p:sld>
+</file>
+
+<file path=ppt/slides/slide10.xml><?xml version="1.0" encoding="utf-8"?>
+<p:sld xmlns:a="http://schemas.openxmlformats.org/drawingml/2006/main" xmlns:r="http://schemas.openxmlformats.org/officeDocument/2006/relationships" xmlns:p="http://schemas.openxmlformats.org/presentationml/2006/main">
+  <p:cSld>
+    <p:spTree>
+      <p:nvGrpSpPr>
+        <p:cNvPr id="1" name=""/>
+        <p:cNvGrpSpPr/>
+        <p:nvPr/>
+      </p:nvGrpSpPr>
+      <p:grpSpPr>
+        <a:xfrm>
+          <a:off x="0" y="0"/>
+          <a:ext cx="0" cy="0"/>
+          <a:chOff x="0" y="0"/>
+          <a:chExt cx="0" cy="0"/>
+        </a:xfrm>
+      </p:grpSpPr>
+      <p:sp>
+        <p:nvSpPr>
+          <p:cNvPr id="2" name="Titel 1"/>
+          <p:cNvSpPr>
+            <a:spLocks noGrp="1"/>
+          </p:cNvSpPr>
+          <p:nvPr>
+            <p:ph type="title"/>
+          </p:nvPr>
+        </p:nvSpPr>
+        <p:spPr/>
+        <p:txBody>
+          <a:bodyPr/>
+          <a:lstStyle/>
+          <a:p>
+            <a:r>
+              <a:rPr lang="de-CH" dirty="0" smtClean="0"/>
+              <a:t>Fragen</a:t>
+            </a:r>
+            <a:endParaRPr lang="de-CH" dirty="0"/>
+          </a:p>
+        </p:txBody>
+      </p:sp>
+      <p:sp>
+        <p:nvSpPr>
+          <p:cNvPr id="3" name="Inhaltsplatzhalter 2"/>
+          <p:cNvSpPr>
+            <a:spLocks noGrp="1"/>
+          </p:cNvSpPr>
+          <p:nvPr>
+            <p:ph idx="1"/>
+          </p:nvPr>
+        </p:nvSpPr>
+        <p:spPr/>
+        <p:txBody>
+          <a:bodyPr/>
+          <a:lstStyle/>
+          <a:p>
+            <a:endParaRPr lang="de-CH" dirty="0"/>
+          </a:p>
+        </p:txBody>
+      </p:sp>
+      <p:pic>
+        <p:nvPicPr>
+          <p:cNvPr id="2050" name="Picture 2" descr="http://www.sando.at/hp/img/Fragezeichen.jpg"/>
+          <p:cNvPicPr>
+            <a:picLocks noChangeAspect="1" noChangeArrowheads="1"/>
+          </p:cNvPicPr>
+          <p:nvPr/>
+        </p:nvPicPr>
+        <p:blipFill>
+          <a:blip r:embed="rId2">
+            <a:extLst>
+              <a:ext uri="{28A0092B-C50C-407E-A947-70E740481C1C}">
+                <a14:useLocalDpi xmlns:a14="http://schemas.microsoft.com/office/drawing/2010/main" val="0"/>
+              </a:ext>
+            </a:extLst>
+          </a:blip>
+          <a:srcRect/>
+          <a:stretch>
+            <a:fillRect/>
+          </a:stretch>
+        </p:blipFill>
+        <p:spPr bwMode="auto">
+          <a:xfrm>
+            <a:off x="5796136" y="3285702"/>
+            <a:ext cx="3219450" cy="3381375"/>
+          </a:xfrm>
+          <a:prstGeom prst="rect">
+            <a:avLst/>
+          </a:prstGeom>
+          <a:noFill/>
+          <a:extLst>
+            <a:ext uri="{909E8E84-426E-40DD-AFC4-6F175D3DCCD1}">
+              <a14:hiddenFill xmlns:a14="http://schemas.microsoft.com/office/drawing/2010/main">
+                <a:solidFill>
+                  <a:srgbClr val="FFFFFF"/>
+                </a:solidFill>
+              </a14:hiddenFill>
+            </a:ext>
+          </a:extLst>
+        </p:spPr>
+      </p:pic>
+    </p:spTree>
+    <p:extLst>
+      <p:ext uri="{BB962C8B-B14F-4D97-AF65-F5344CB8AC3E}">
+        <p14:creationId xmlns:p14="http://schemas.microsoft.com/office/powerpoint/2010/main" val="827410420"/>
       </p:ext>
     </p:extLst>
   </p:cSld>
@@ -3538,7 +3650,6 @@
               <a:rPr lang="de-CH" dirty="0"/>
               <a:t> Viewer</a:t>
             </a:r>
-            <a:endParaRPr lang="de-CH" dirty="0"/>
           </a:p>
         </p:txBody>
       </p:sp>
@@ -3568,9 +3679,17 @@
             <a:endParaRPr lang="de-CH" dirty="0" smtClean="0"/>
           </a:p>
           <a:p>
-            <a:endParaRPr lang="de-CH" dirty="0"/>
-          </a:p>
-          <a:p>
+            <a:endParaRPr lang="de-CH" dirty="0" smtClean="0"/>
+          </a:p>
+          <a:p>
+            <a:r>
+              <a:rPr lang="de-CH" b="1" dirty="0" smtClean="0"/>
+              <a:t>Features</a:t>
+            </a:r>
+            <a:endParaRPr lang="de-CH" b="1" dirty="0"/>
+          </a:p>
+          <a:p>
+            <a:pPr lvl="1"/>
             <a:r>
               <a:rPr lang="de-CH" dirty="0" err="1" smtClean="0"/>
               <a:t>Wavefront</a:t>
@@ -3581,19 +3700,21 @@
             </a:r>
           </a:p>
           <a:p>
+            <a:pPr lvl="1"/>
             <a:r>
               <a:rPr lang="de-CH" dirty="0" smtClean="0"/>
               <a:t>Kamera-Mausrotation</a:t>
             </a:r>
           </a:p>
           <a:p>
+            <a:pPr lvl="1"/>
             <a:r>
               <a:rPr lang="de-CH" dirty="0" smtClean="0"/>
               <a:t>Gitternetz</a:t>
             </a:r>
           </a:p>
           <a:p>
-            <a:pPr lvl="1"/>
+            <a:pPr lvl="2"/>
             <a:r>
               <a:rPr lang="de-CH" dirty="0" smtClean="0"/>
               <a:t>Projektion-</a:t>
@@ -3608,13 +3729,21 @@
             </a:r>
           </a:p>
           <a:p>
+            <a:pPr lvl="1"/>
             <a:r>
               <a:rPr lang="de-CH" dirty="0" smtClean="0"/>
               <a:t>Beleuchtung</a:t>
             </a:r>
           </a:p>
           <a:p>
-            <a:pPr lvl="1"/>
+            <a:pPr lvl="2"/>
+            <a:r>
+              <a:rPr lang="de-CH" dirty="0" smtClean="0"/>
+              <a:t>Punktlicht</a:t>
+            </a:r>
+          </a:p>
+          <a:p>
+            <a:pPr lvl="2"/>
             <a:r>
               <a:rPr lang="de-CH" dirty="0" err="1" smtClean="0"/>
               <a:t>Phong-Shading</a:t>
@@ -3622,12 +3751,11 @@
             <a:endParaRPr lang="de-CH" dirty="0" smtClean="0"/>
           </a:p>
           <a:p>
-            <a:pPr lvl="1"/>
+            <a:pPr lvl="2"/>
             <a:r>
               <a:rPr lang="de-CH" dirty="0" smtClean="0"/>
-              <a:t>Punktlicht</a:t>
-            </a:r>
-            <a:endParaRPr lang="de-CH" dirty="0"/>
+              <a:t>GLSL</a:t>
+            </a:r>
           </a:p>
         </p:txBody>
       </p:sp>
@@ -3673,42 +3801,76 @@
         </p:nvSpPr>
         <p:spPr/>
         <p:txBody>
-          <a:bodyPr>
-            <a:normAutofit/>
-          </a:bodyPr>
+          <a:bodyPr/>
+          <a:lstStyle/>
+          <a:p>
+            <a:r>
+              <a:rPr lang="de-CH" dirty="0" err="1" smtClean="0"/>
+              <a:t>Wavefront</a:t>
+            </a:r>
+            <a:endParaRPr lang="de-CH" dirty="0"/>
+          </a:p>
+        </p:txBody>
+      </p:sp>
+      <p:sp>
+        <p:nvSpPr>
+          <p:cNvPr id="3" name="Inhaltsplatzhalter 2"/>
+          <p:cNvSpPr>
+            <a:spLocks noGrp="1"/>
+          </p:cNvSpPr>
+          <p:nvPr>
+            <p:ph idx="1"/>
+          </p:nvPr>
+        </p:nvSpPr>
+        <p:spPr/>
+        <p:txBody>
+          <a:bodyPr/>
           <a:lstStyle/>
           <a:p>
             <a:r>
               <a:rPr lang="de-CH" dirty="0" smtClean="0"/>
-              <a:t>Kamera-Mausrotation</a:t>
-            </a:r>
-            <a:endParaRPr lang="de-CH" dirty="0"/>
-          </a:p>
-        </p:txBody>
-      </p:sp>
-      <p:sp>
-        <p:nvSpPr>
-          <p:cNvPr id="3" name="Inhaltsplatzhalter 2"/>
-          <p:cNvSpPr>
-            <a:spLocks noGrp="1"/>
-          </p:cNvSpPr>
-          <p:nvPr>
-            <p:ph idx="1"/>
-          </p:nvPr>
-        </p:nvSpPr>
-        <p:spPr/>
-        <p:txBody>
-          <a:bodyPr/>
-          <a:lstStyle/>
-          <a:p>
-            <a:endParaRPr lang="de-CH"/>
+              <a:t>Knoten</a:t>
+            </a:r>
+          </a:p>
+          <a:p>
+            <a:r>
+              <a:rPr lang="de-CH" dirty="0" smtClean="0"/>
+              <a:t>v </a:t>
+            </a:r>
+            <a:r>
+              <a:rPr lang="de-CH" dirty="0"/>
+              <a:t>1.000000 1.000000 -</a:t>
+            </a:r>
+            <a:r>
+              <a:rPr lang="de-CH" dirty="0" smtClean="0"/>
+              <a:t>0.999999</a:t>
+            </a:r>
+          </a:p>
+          <a:p>
+            <a:endParaRPr lang="de-CH" dirty="0" smtClean="0"/>
+          </a:p>
+          <a:p>
+            <a:r>
+              <a:rPr lang="de-CH" dirty="0" smtClean="0"/>
+              <a:t>Normalen</a:t>
+            </a:r>
+          </a:p>
+          <a:p>
+            <a:r>
+              <a:rPr lang="de-CH" dirty="0" err="1"/>
+              <a:t>vn</a:t>
+            </a:r>
+            <a:r>
+              <a:rPr lang="de-CH" dirty="0"/>
+              <a:t> 0.000000 -1.000000 0.000000</a:t>
+            </a:r>
           </a:p>
         </p:txBody>
       </p:sp>
     </p:spTree>
     <p:extLst>
       <p:ext uri="{BB962C8B-B14F-4D97-AF65-F5344CB8AC3E}">
-        <p14:creationId xmlns:p14="http://schemas.microsoft.com/office/powerpoint/2010/main" val="3767246220"/>
+        <p14:creationId xmlns:p14="http://schemas.microsoft.com/office/powerpoint/2010/main" val="3870029385"/>
       </p:ext>
     </p:extLst>
   </p:cSld>
@@ -3747,44 +3909,309 @@
         </p:nvSpPr>
         <p:spPr/>
         <p:txBody>
+          <a:bodyPr>
+            <a:normAutofit/>
+          </a:bodyPr>
+          <a:lstStyle/>
+          <a:p>
+            <a:r>
+              <a:rPr lang="de-CH" dirty="0" smtClean="0"/>
+              <a:t>Kamera-Mausrotation</a:t>
+            </a:r>
+            <a:endParaRPr lang="de-CH" dirty="0"/>
+          </a:p>
+        </p:txBody>
+      </p:sp>
+      <p:sp>
+        <p:nvSpPr>
+          <p:cNvPr id="3" name="Inhaltsplatzhalter 2"/>
+          <p:cNvSpPr>
+            <a:spLocks noGrp="1"/>
+          </p:cNvSpPr>
+          <p:nvPr>
+            <p:ph idx="1"/>
+          </p:nvPr>
+        </p:nvSpPr>
+        <p:spPr/>
+        <p:txBody>
           <a:bodyPr/>
           <a:lstStyle/>
           <a:p>
             <a:r>
               <a:rPr lang="de-CH" dirty="0" smtClean="0"/>
-              <a:t>Gitternetz </a:t>
-            </a:r>
+              <a:t>Side </a:t>
+            </a:r>
+            <a:r>
+              <a:rPr lang="de-CH" dirty="0" err="1" smtClean="0"/>
+              <a:t>view</a:t>
+            </a:r>
+            <a:r>
+              <a:rPr lang="de-CH" dirty="0" smtClean="0"/>
+              <a:t>		Side </a:t>
+            </a:r>
+            <a:r>
+              <a:rPr lang="de-CH" dirty="0" err="1" smtClean="0"/>
+              <a:t>view</a:t>
+            </a:r>
+            <a:r>
+              <a:rPr lang="de-CH" dirty="0" smtClean="0"/>
+              <a:t>		        Top </a:t>
+            </a:r>
+            <a:r>
+              <a:rPr lang="de-CH" dirty="0" err="1" smtClean="0"/>
+              <a:t>view</a:t>
+            </a:r>
+            <a:endParaRPr lang="de-CH" dirty="0" smtClean="0"/>
+          </a:p>
+          <a:p>
             <a:endParaRPr lang="de-CH" dirty="0"/>
           </a:p>
         </p:txBody>
       </p:sp>
-      <p:sp>
-        <p:nvSpPr>
-          <p:cNvPr id="3" name="Inhaltsplatzhalter 2"/>
-          <p:cNvSpPr>
-            <a:spLocks noGrp="1"/>
-          </p:cNvSpPr>
-          <p:nvPr>
-            <p:ph idx="1"/>
-          </p:nvPr>
-        </p:nvSpPr>
-        <p:spPr/>
-        <p:txBody>
-          <a:bodyPr/>
-          <a:lstStyle/>
-          <a:p>
-            <a:r>
-              <a:rPr lang="de-CH" smtClean="0"/>
-              <a:t>asdas</a:t>
-            </a:r>
-            <a:endParaRPr lang="de-CH"/>
+      <p:pic>
+        <p:nvPicPr>
+          <p:cNvPr id="3075" name="Picture 3"/>
+          <p:cNvPicPr>
+            <a:picLocks noChangeAspect="1" noChangeArrowheads="1"/>
+          </p:cNvPicPr>
+          <p:nvPr/>
+        </p:nvPicPr>
+        <p:blipFill>
+          <a:blip r:embed="rId2">
+            <a:extLst>
+              <a:ext uri="{28A0092B-C50C-407E-A947-70E740481C1C}">
+                <a14:useLocalDpi xmlns:a14="http://schemas.microsoft.com/office/drawing/2010/main" val="0"/>
+              </a:ext>
+            </a:extLst>
+          </a:blip>
+          <a:srcRect/>
+          <a:stretch>
+            <a:fillRect/>
+          </a:stretch>
+        </p:blipFill>
+        <p:spPr bwMode="auto">
+          <a:xfrm>
+            <a:off x="601321" y="2924944"/>
+            <a:ext cx="7981950" cy="3286125"/>
+          </a:xfrm>
+          <a:prstGeom prst="rect">
+            <a:avLst/>
+          </a:prstGeom>
+          <a:noFill/>
+          <a:ln>
+            <a:noFill/>
+          </a:ln>
+          <a:extLst>
+            <a:ext uri="{909E8E84-426E-40DD-AFC4-6F175D3DCCD1}">
+              <a14:hiddenFill xmlns:a14="http://schemas.microsoft.com/office/drawing/2010/main">
+                <a:solidFill>
+                  <a:schemeClr val="accent1"/>
+                </a:solidFill>
+              </a14:hiddenFill>
+            </a:ext>
+            <a:ext uri="{91240B29-F687-4F45-9708-019B960494DF}">
+              <a14:hiddenLine xmlns:a14="http://schemas.microsoft.com/office/drawing/2010/main" w="9525">
+                <a:solidFill>
+                  <a:schemeClr val="tx1"/>
+                </a:solidFill>
+                <a:miter lim="800000"/>
+                <a:headEnd/>
+                <a:tailEnd/>
+              </a14:hiddenLine>
+            </a:ext>
+          </a:extLst>
+        </p:spPr>
+      </p:pic>
+      <p:sp>
+        <p:nvSpPr>
+          <p:cNvPr id="4" name="Rechteck 3"/>
+          <p:cNvSpPr/>
+          <p:nvPr/>
+        </p:nvSpPr>
+        <p:spPr>
+          <a:xfrm>
+            <a:off x="699398" y="2520913"/>
+            <a:ext cx="1224136" cy="792088"/>
+          </a:xfrm>
+          <a:prstGeom prst="rect">
+            <a:avLst/>
+          </a:prstGeom>
+        </p:spPr>
+        <p:style>
+          <a:lnRef idx="1">
+            <a:schemeClr val="accent1"/>
+          </a:lnRef>
+          <a:fillRef idx="2">
+            <a:schemeClr val="accent1"/>
+          </a:fillRef>
+          <a:effectRef idx="1">
+            <a:schemeClr val="accent1"/>
+          </a:effectRef>
+          <a:fontRef idx="minor">
+            <a:schemeClr val="dk1"/>
+          </a:fontRef>
+        </p:style>
+        <p:txBody>
+          <a:bodyPr rtlCol="0" anchor="ctr"/>
+          <a:lstStyle/>
+          <a:p>
+            <a:pPr algn="ctr"/>
+            <a:r>
+              <a:rPr lang="de-CH" sz="1600" dirty="0" err="1" smtClean="0"/>
+              <a:t>Distance</a:t>
+            </a:r>
+            <a:r>
+              <a:rPr lang="de-CH" sz="1600" dirty="0" smtClean="0"/>
+              <a:t> </a:t>
+            </a:r>
+            <a:r>
+              <a:rPr lang="de-CH" sz="1600" dirty="0" err="1" smtClean="0"/>
+              <a:t>to</a:t>
+            </a:r>
+            <a:r>
+              <a:rPr lang="de-CH" sz="1600" dirty="0" smtClean="0"/>
+              <a:t> </a:t>
+            </a:r>
+            <a:r>
+              <a:rPr lang="de-CH" sz="1600" dirty="0" err="1" smtClean="0"/>
+              <a:t>model</a:t>
+            </a:r>
+            <a:endParaRPr lang="de-CH" sz="1600" dirty="0"/>
+          </a:p>
+        </p:txBody>
+      </p:sp>
+      <p:sp>
+        <p:nvSpPr>
+          <p:cNvPr id="7" name="Rechteck 6"/>
+          <p:cNvSpPr/>
+          <p:nvPr/>
+        </p:nvSpPr>
+        <p:spPr>
+          <a:xfrm>
+            <a:off x="3563888" y="2528900"/>
+            <a:ext cx="1656184" cy="792088"/>
+          </a:xfrm>
+          <a:prstGeom prst="rect">
+            <a:avLst/>
+          </a:prstGeom>
+        </p:spPr>
+        <p:style>
+          <a:lnRef idx="1">
+            <a:schemeClr val="accent1"/>
+          </a:lnRef>
+          <a:fillRef idx="2">
+            <a:schemeClr val="accent1"/>
+          </a:fillRef>
+          <a:effectRef idx="1">
+            <a:schemeClr val="accent1"/>
+          </a:effectRef>
+          <a:fontRef idx="minor">
+            <a:schemeClr val="dk1"/>
+          </a:fontRef>
+        </p:style>
+        <p:txBody>
+          <a:bodyPr rtlCol="0" anchor="ctr"/>
+          <a:lstStyle/>
+          <a:p>
+            <a:pPr algn="ctr"/>
+            <a:r>
+              <a:rPr lang="de-CH" sz="1600" dirty="0" smtClean="0"/>
+              <a:t>y-rotation </a:t>
+            </a:r>
+            <a:r>
+              <a:rPr lang="de-CH" sz="1600" dirty="0" err="1" smtClean="0"/>
+              <a:t>of</a:t>
+            </a:r>
+            <a:r>
+              <a:rPr lang="de-CH" sz="1600" dirty="0" smtClean="0"/>
+              <a:t> </a:t>
+            </a:r>
+            <a:r>
+              <a:rPr lang="de-CH" sz="1600" dirty="0" err="1" smtClean="0"/>
+              <a:t>the</a:t>
+            </a:r>
+            <a:r>
+              <a:rPr lang="de-CH" sz="1600" dirty="0" smtClean="0"/>
+              <a:t> </a:t>
+            </a:r>
+            <a:r>
+              <a:rPr lang="de-CH" sz="1600" dirty="0" err="1" smtClean="0"/>
+              <a:t>camera</a:t>
+            </a:r>
+            <a:r>
+              <a:rPr lang="de-CH" sz="1600" dirty="0" smtClean="0"/>
+              <a:t> (</a:t>
+            </a:r>
+            <a:r>
+              <a:rPr lang="de-CH" sz="1600" dirty="0" err="1" smtClean="0"/>
+              <a:t>pitch</a:t>
+            </a:r>
+            <a:r>
+              <a:rPr lang="de-CH" sz="1600" dirty="0" smtClean="0"/>
+              <a:t>)</a:t>
+            </a:r>
+            <a:endParaRPr lang="de-CH" sz="1600" dirty="0"/>
+          </a:p>
+        </p:txBody>
+      </p:sp>
+      <p:sp>
+        <p:nvSpPr>
+          <p:cNvPr id="8" name="Rechteck 7"/>
+          <p:cNvSpPr/>
+          <p:nvPr/>
+        </p:nvSpPr>
+        <p:spPr>
+          <a:xfrm>
+            <a:off x="6519078" y="2270050"/>
+            <a:ext cx="1656184" cy="792088"/>
+          </a:xfrm>
+          <a:prstGeom prst="rect">
+            <a:avLst/>
+          </a:prstGeom>
+        </p:spPr>
+        <p:style>
+          <a:lnRef idx="1">
+            <a:schemeClr val="accent1"/>
+          </a:lnRef>
+          <a:fillRef idx="2">
+            <a:schemeClr val="accent1"/>
+          </a:fillRef>
+          <a:effectRef idx="1">
+            <a:schemeClr val="accent1"/>
+          </a:effectRef>
+          <a:fontRef idx="minor">
+            <a:schemeClr val="dk1"/>
+          </a:fontRef>
+        </p:style>
+        <p:txBody>
+          <a:bodyPr rtlCol="0" anchor="ctr"/>
+          <a:lstStyle/>
+          <a:p>
+            <a:pPr algn="ctr"/>
+            <a:r>
+              <a:rPr lang="de-CH" sz="1600" dirty="0" smtClean="0"/>
+              <a:t>Angle </a:t>
+            </a:r>
+            <a:r>
+              <a:rPr lang="de-CH" sz="1600" dirty="0" err="1" smtClean="0"/>
+              <a:t>around</a:t>
+            </a:r>
+            <a:r>
+              <a:rPr lang="de-CH" sz="1600" dirty="0" smtClean="0"/>
+              <a:t> </a:t>
+            </a:r>
+            <a:r>
+              <a:rPr lang="de-CH" sz="1600" dirty="0" err="1" smtClean="0"/>
+              <a:t>model</a:t>
+            </a:r>
+            <a:endParaRPr lang="de-CH" sz="1600" dirty="0"/>
           </a:p>
         </p:txBody>
       </p:sp>
     </p:spTree>
     <p:extLst>
       <p:ext uri="{BB962C8B-B14F-4D97-AF65-F5344CB8AC3E}">
-        <p14:creationId xmlns:p14="http://schemas.microsoft.com/office/powerpoint/2010/main" val="2366725241"/>
+        <p14:creationId xmlns:p14="http://schemas.microsoft.com/office/powerpoint/2010/main" val="3767246220"/>
       </p:ext>
     </p:extLst>
   </p:cSld>
@@ -3823,6 +4250,841 @@
         </p:nvSpPr>
         <p:spPr/>
         <p:txBody>
+          <a:bodyPr/>
+          <a:lstStyle/>
+          <a:p>
+            <a:r>
+              <a:rPr lang="de-CH" dirty="0" smtClean="0"/>
+              <a:t>Kamera-Position</a:t>
+            </a:r>
+            <a:endParaRPr lang="de-CH" dirty="0"/>
+          </a:p>
+        </p:txBody>
+      </p:sp>
+      <p:sp>
+        <p:nvSpPr>
+          <p:cNvPr id="3" name="Inhaltsplatzhalter 2"/>
+          <p:cNvSpPr>
+            <a:spLocks noGrp="1"/>
+          </p:cNvSpPr>
+          <p:nvPr>
+            <p:ph idx="1"/>
+          </p:nvPr>
+        </p:nvSpPr>
+        <p:spPr/>
+        <p:txBody>
+          <a:bodyPr>
+            <a:normAutofit lnSpcReduction="10000"/>
+          </a:bodyPr>
+          <a:lstStyle/>
+          <a:p>
+            <a:endParaRPr lang="de-CH" dirty="0" smtClean="0"/>
+          </a:p>
+          <a:p>
+            <a:endParaRPr lang="de-CH" dirty="0"/>
+          </a:p>
+          <a:p>
+            <a:endParaRPr lang="de-CH" dirty="0" smtClean="0"/>
+          </a:p>
+          <a:p>
+            <a:endParaRPr lang="de-CH" dirty="0"/>
+          </a:p>
+          <a:p>
+            <a:endParaRPr lang="de-CH" dirty="0" smtClean="0"/>
+          </a:p>
+          <a:p>
+            <a:endParaRPr lang="de-CH" dirty="0"/>
+          </a:p>
+          <a:p>
+            <a:endParaRPr lang="de-CH" dirty="0" smtClean="0"/>
+          </a:p>
+          <a:p>
+            <a:endParaRPr lang="de-CH" dirty="0" smtClean="0"/>
+          </a:p>
+          <a:p>
+            <a:r>
+              <a:rPr lang="de-CH" sz="1800" dirty="0" err="1" smtClean="0">
+                <a:solidFill>
+                  <a:srgbClr val="0070C0"/>
+                </a:solidFill>
+              </a:rPr>
+              <a:t>offsetX</a:t>
+            </a:r>
+            <a:r>
+              <a:rPr lang="de-CH" sz="1800" dirty="0" smtClean="0">
+                <a:solidFill>
+                  <a:srgbClr val="0070C0"/>
+                </a:solidFill>
+              </a:rPr>
+              <a:t> </a:t>
+            </a:r>
+            <a:r>
+              <a:rPr lang="de-CH" sz="1800" dirty="0">
+                <a:solidFill>
+                  <a:srgbClr val="0070C0"/>
+                </a:solidFill>
+              </a:rPr>
+              <a:t>= </a:t>
+            </a:r>
+            <a:r>
+              <a:rPr lang="de-CH" sz="1800" dirty="0" err="1">
+                <a:solidFill>
+                  <a:srgbClr val="0070C0"/>
+                </a:solidFill>
+              </a:rPr>
+              <a:t>horizontalDistance</a:t>
+            </a:r>
+            <a:r>
+              <a:rPr lang="de-CH" sz="1800" dirty="0">
+                <a:solidFill>
+                  <a:srgbClr val="0070C0"/>
+                </a:solidFill>
+              </a:rPr>
+              <a:t> </a:t>
+            </a:r>
+            <a:r>
+              <a:rPr lang="de-CH" sz="1800" dirty="0" smtClean="0">
+                <a:solidFill>
+                  <a:srgbClr val="0070C0"/>
+                </a:solidFill>
+              </a:rPr>
+              <a:t>* </a:t>
+            </a:r>
+            <a:r>
+              <a:rPr lang="de-CH" sz="1800" i="1" dirty="0" smtClean="0">
+                <a:solidFill>
+                  <a:srgbClr val="0070C0"/>
+                </a:solidFill>
+              </a:rPr>
+              <a:t>sin</a:t>
+            </a:r>
+            <a:r>
+              <a:rPr lang="de-CH" sz="1800" dirty="0" smtClean="0">
+                <a:solidFill>
+                  <a:srgbClr val="0070C0"/>
+                </a:solidFill>
+              </a:rPr>
+              <a:t>(</a:t>
+            </a:r>
+            <a:r>
+              <a:rPr lang="de-CH" sz="1800" b="1" dirty="0" err="1" smtClean="0">
+                <a:solidFill>
+                  <a:srgbClr val="FF0000"/>
+                </a:solidFill>
+              </a:rPr>
+              <a:t>angleAroundModel</a:t>
+            </a:r>
+            <a:r>
+              <a:rPr lang="de-CH" sz="1800" dirty="0" smtClean="0">
+                <a:solidFill>
+                  <a:srgbClr val="0070C0"/>
+                </a:solidFill>
+              </a:rPr>
+              <a:t>);</a:t>
+            </a:r>
+            <a:r>
+              <a:rPr lang="de-CH" sz="1800" dirty="0"/>
+              <a:t/>
+            </a:r>
+            <a:br>
+              <a:rPr lang="de-CH" sz="1800" dirty="0"/>
+            </a:br>
+            <a:r>
+              <a:rPr lang="de-CH" sz="1800" dirty="0" err="1" smtClean="0">
+                <a:solidFill>
+                  <a:srgbClr val="00B050"/>
+                </a:solidFill>
+              </a:rPr>
+              <a:t>offsetZ</a:t>
+            </a:r>
+            <a:r>
+              <a:rPr lang="de-CH" sz="1800" dirty="0" smtClean="0">
+                <a:solidFill>
+                  <a:srgbClr val="00B050"/>
+                </a:solidFill>
+              </a:rPr>
+              <a:t> </a:t>
+            </a:r>
+            <a:r>
+              <a:rPr lang="de-CH" sz="1800" dirty="0">
+                <a:solidFill>
+                  <a:srgbClr val="00B050"/>
+                </a:solidFill>
+              </a:rPr>
+              <a:t>= </a:t>
+            </a:r>
+            <a:r>
+              <a:rPr lang="de-CH" sz="1800" dirty="0" err="1">
+                <a:solidFill>
+                  <a:srgbClr val="00B050"/>
+                </a:solidFill>
+              </a:rPr>
+              <a:t>horizontalDistance</a:t>
+            </a:r>
+            <a:r>
+              <a:rPr lang="de-CH" sz="1800" dirty="0">
+                <a:solidFill>
+                  <a:srgbClr val="00B050"/>
+                </a:solidFill>
+              </a:rPr>
+              <a:t> * </a:t>
+            </a:r>
+            <a:r>
+              <a:rPr lang="de-CH" sz="1800" i="1" dirty="0" smtClean="0">
+                <a:solidFill>
+                  <a:srgbClr val="00B050"/>
+                </a:solidFill>
+              </a:rPr>
+              <a:t>cos</a:t>
+            </a:r>
+            <a:r>
+              <a:rPr lang="de-CH" sz="1800" dirty="0" smtClean="0">
+                <a:solidFill>
+                  <a:srgbClr val="00B050"/>
+                </a:solidFill>
+              </a:rPr>
+              <a:t>(</a:t>
+            </a:r>
+            <a:r>
+              <a:rPr lang="de-CH" sz="1800" b="1" dirty="0" err="1" smtClean="0">
+                <a:solidFill>
+                  <a:srgbClr val="FF0000"/>
+                </a:solidFill>
+              </a:rPr>
+              <a:t>angleAroundModel</a:t>
+            </a:r>
+            <a:r>
+              <a:rPr lang="de-CH" sz="1800" dirty="0" smtClean="0">
+                <a:solidFill>
+                  <a:srgbClr val="00B050"/>
+                </a:solidFill>
+              </a:rPr>
+              <a:t>);</a:t>
+            </a:r>
+          </a:p>
+          <a:p>
+            <a:r>
+              <a:rPr lang="de-CH" sz="1800" b="1" dirty="0" err="1" smtClean="0"/>
+              <a:t>position</a:t>
+            </a:r>
+            <a:r>
+              <a:rPr lang="de-CH" sz="1800" dirty="0" err="1" smtClean="0"/>
+              <a:t>.</a:t>
+            </a:r>
+            <a:r>
+              <a:rPr lang="de-CH" sz="1800" b="1" dirty="0" err="1" smtClean="0"/>
+              <a:t>x</a:t>
+            </a:r>
+            <a:r>
+              <a:rPr lang="de-CH" sz="1800" b="1" dirty="0" smtClean="0"/>
+              <a:t> </a:t>
+            </a:r>
+            <a:r>
+              <a:rPr lang="de-CH" sz="1800" dirty="0"/>
+              <a:t>= - </a:t>
+            </a:r>
+            <a:r>
+              <a:rPr lang="de-CH" sz="1800" dirty="0" err="1"/>
+              <a:t>offsetX</a:t>
+            </a:r>
+            <a:r>
+              <a:rPr lang="de-CH" sz="1800" dirty="0" smtClean="0"/>
+              <a:t>;</a:t>
+            </a:r>
+          </a:p>
+          <a:p>
+            <a:r>
+              <a:rPr lang="de-CH" sz="1800" b="1" dirty="0" err="1" smtClean="0"/>
+              <a:t>position</a:t>
+            </a:r>
+            <a:r>
+              <a:rPr lang="de-CH" sz="1800" dirty="0" err="1" smtClean="0"/>
+              <a:t>.</a:t>
+            </a:r>
+            <a:r>
+              <a:rPr lang="de-CH" sz="1800" b="1" dirty="0" err="1" smtClean="0"/>
+              <a:t>z</a:t>
+            </a:r>
+            <a:r>
+              <a:rPr lang="de-CH" sz="1800" b="1" dirty="0" smtClean="0"/>
+              <a:t> </a:t>
+            </a:r>
+            <a:r>
+              <a:rPr lang="de-CH" sz="1800" dirty="0"/>
+              <a:t>= - </a:t>
+            </a:r>
+            <a:r>
+              <a:rPr lang="de-CH" sz="1800" dirty="0" err="1"/>
+              <a:t>offsetZ</a:t>
+            </a:r>
+            <a:r>
+              <a:rPr lang="de-CH" sz="1800" dirty="0" smtClean="0"/>
+              <a:t>;</a:t>
+            </a:r>
+          </a:p>
+          <a:p>
+            <a:r>
+              <a:rPr lang="de-CH" sz="1800" b="1" dirty="0" err="1" smtClean="0"/>
+              <a:t>position</a:t>
+            </a:r>
+            <a:r>
+              <a:rPr lang="de-CH" sz="1800" dirty="0" err="1" smtClean="0"/>
+              <a:t>.</a:t>
+            </a:r>
+            <a:r>
+              <a:rPr lang="de-CH" sz="1800" b="1" dirty="0" err="1" smtClean="0"/>
+              <a:t>y</a:t>
+            </a:r>
+            <a:r>
+              <a:rPr lang="de-CH" sz="1800" b="1" dirty="0" smtClean="0"/>
+              <a:t> </a:t>
+            </a:r>
+            <a:r>
+              <a:rPr lang="de-CH" sz="1800" dirty="0"/>
+              <a:t>= </a:t>
+            </a:r>
+            <a:r>
+              <a:rPr lang="de-CH" sz="1800" dirty="0" err="1"/>
+              <a:t>verticalDistance</a:t>
+            </a:r>
+            <a:r>
+              <a:rPr lang="de-CH" sz="1800" dirty="0" smtClean="0"/>
+              <a:t>;</a:t>
+            </a:r>
+            <a:endParaRPr lang="de-CH" sz="1800" dirty="0"/>
+          </a:p>
+        </p:txBody>
+      </p:sp>
+      <p:pic>
+        <p:nvPicPr>
+          <p:cNvPr id="4099" name="Picture 3"/>
+          <p:cNvPicPr>
+            <a:picLocks noChangeAspect="1" noChangeArrowheads="1"/>
+          </p:cNvPicPr>
+          <p:nvPr/>
+        </p:nvPicPr>
+        <p:blipFill>
+          <a:blip r:embed="rId2">
+            <a:extLst>
+              <a:ext uri="{28A0092B-C50C-407E-A947-70E740481C1C}">
+                <a14:useLocalDpi xmlns:a14="http://schemas.microsoft.com/office/drawing/2010/main" val="0"/>
+              </a:ext>
+            </a:extLst>
+          </a:blip>
+          <a:srcRect/>
+          <a:stretch>
+            <a:fillRect/>
+          </a:stretch>
+        </p:blipFill>
+        <p:spPr bwMode="auto">
+          <a:xfrm>
+            <a:off x="2483768" y="1484784"/>
+            <a:ext cx="3901656" cy="2913137"/>
+          </a:xfrm>
+          <a:prstGeom prst="rect">
+            <a:avLst/>
+          </a:prstGeom>
+          <a:noFill/>
+          <a:ln>
+            <a:noFill/>
+          </a:ln>
+          <a:extLst>
+            <a:ext uri="{909E8E84-426E-40DD-AFC4-6F175D3DCCD1}">
+              <a14:hiddenFill xmlns:a14="http://schemas.microsoft.com/office/drawing/2010/main">
+                <a:solidFill>
+                  <a:schemeClr val="accent1"/>
+                </a:solidFill>
+              </a14:hiddenFill>
+            </a:ext>
+            <a:ext uri="{91240B29-F687-4F45-9708-019B960494DF}">
+              <a14:hiddenLine xmlns:a14="http://schemas.microsoft.com/office/drawing/2010/main" w="9525">
+                <a:solidFill>
+                  <a:schemeClr val="tx1"/>
+                </a:solidFill>
+                <a:miter lim="800000"/>
+                <a:headEnd/>
+                <a:tailEnd/>
+              </a14:hiddenLine>
+            </a:ext>
+          </a:extLst>
+        </p:spPr>
+      </p:pic>
+    </p:spTree>
+    <p:extLst>
+      <p:ext uri="{BB962C8B-B14F-4D97-AF65-F5344CB8AC3E}">
+        <p14:creationId xmlns:p14="http://schemas.microsoft.com/office/powerpoint/2010/main" val="855530621"/>
+      </p:ext>
+    </p:extLst>
+  </p:cSld>
+  <p:clrMapOvr>
+    <a:masterClrMapping/>
+  </p:clrMapOvr>
+</p:sld>
+</file>
+
+<file path=ppt/slides/slide6.xml><?xml version="1.0" encoding="utf-8"?>
+<p:sld xmlns:a="http://schemas.openxmlformats.org/drawingml/2006/main" xmlns:r="http://schemas.openxmlformats.org/officeDocument/2006/relationships" xmlns:p="http://schemas.openxmlformats.org/presentationml/2006/main">
+  <p:cSld>
+    <p:spTree>
+      <p:nvGrpSpPr>
+        <p:cNvPr id="1" name=""/>
+        <p:cNvGrpSpPr/>
+        <p:nvPr/>
+      </p:nvGrpSpPr>
+      <p:grpSpPr>
+        <a:xfrm>
+          <a:off x="0" y="0"/>
+          <a:ext cx="0" cy="0"/>
+          <a:chOff x="0" y="0"/>
+          <a:chExt cx="0" cy="0"/>
+        </a:xfrm>
+      </p:grpSpPr>
+      <p:sp>
+        <p:nvSpPr>
+          <p:cNvPr id="2" name="Titel 1"/>
+          <p:cNvSpPr>
+            <a:spLocks noGrp="1"/>
+          </p:cNvSpPr>
+          <p:nvPr>
+            <p:ph type="title"/>
+          </p:nvPr>
+        </p:nvSpPr>
+        <p:spPr/>
+        <p:txBody>
+          <a:bodyPr/>
+          <a:lstStyle/>
+          <a:p>
+            <a:r>
+              <a:rPr lang="de-CH" dirty="0" smtClean="0"/>
+              <a:t>Kamera-Rotation</a:t>
+            </a:r>
+            <a:endParaRPr lang="de-CH" dirty="0"/>
+          </a:p>
+        </p:txBody>
+      </p:sp>
+      <p:sp>
+        <p:nvSpPr>
+          <p:cNvPr id="3" name="Inhaltsplatzhalter 2"/>
+          <p:cNvSpPr>
+            <a:spLocks noGrp="1"/>
+          </p:cNvSpPr>
+          <p:nvPr>
+            <p:ph idx="1"/>
+          </p:nvPr>
+        </p:nvSpPr>
+        <p:spPr/>
+        <p:txBody>
+          <a:bodyPr/>
+          <a:lstStyle/>
+          <a:p>
+            <a:r>
+              <a:rPr lang="de-CH" dirty="0" smtClean="0"/>
+              <a:t>Kamera Rotation (Blickrichtung) bestimmen</a:t>
+            </a:r>
+          </a:p>
+          <a:p>
+            <a:endParaRPr lang="de-CH" dirty="0" smtClean="0"/>
+          </a:p>
+          <a:p>
+            <a:endParaRPr lang="de-CH" dirty="0"/>
+          </a:p>
+          <a:p>
+            <a:endParaRPr lang="de-CH" dirty="0" smtClean="0"/>
+          </a:p>
+          <a:p>
+            <a:endParaRPr lang="de-CH" dirty="0"/>
+          </a:p>
+          <a:p>
+            <a:endParaRPr lang="de-CH" dirty="0"/>
+          </a:p>
+          <a:p>
+            <a:endParaRPr lang="de-CH" dirty="0" smtClean="0"/>
+          </a:p>
+          <a:p>
+            <a:endParaRPr lang="de-CH" dirty="0" smtClean="0"/>
+          </a:p>
+          <a:p>
+            <a:r>
+              <a:rPr lang="de-CH" dirty="0" err="1" smtClean="0"/>
+              <a:t>pitch</a:t>
+            </a:r>
+            <a:r>
+              <a:rPr lang="de-CH" dirty="0" smtClean="0"/>
+              <a:t> </a:t>
+            </a:r>
+            <a:r>
+              <a:rPr lang="de-CH" dirty="0"/>
+              <a:t>= </a:t>
+            </a:r>
+            <a:r>
+              <a:rPr lang="de-CH" dirty="0" err="1" smtClean="0"/>
+              <a:t>pitch</a:t>
+            </a:r>
+            <a:r>
+              <a:rPr lang="de-CH" dirty="0" smtClean="0"/>
+              <a:t> - </a:t>
+            </a:r>
+            <a:r>
+              <a:rPr lang="de-CH" dirty="0" err="1" smtClean="0"/>
+              <a:t>Mouse.</a:t>
+            </a:r>
+            <a:r>
+              <a:rPr lang="de-CH" i="1" dirty="0" err="1" smtClean="0"/>
+              <a:t>getDY</a:t>
+            </a:r>
+            <a:r>
+              <a:rPr lang="de-CH" dirty="0" smtClean="0"/>
+              <a:t>();</a:t>
+            </a:r>
+          </a:p>
+          <a:p>
+            <a:r>
+              <a:rPr lang="de-CH" b="1" dirty="0" err="1" smtClean="0">
+                <a:solidFill>
+                  <a:srgbClr val="92D050"/>
+                </a:solidFill>
+              </a:rPr>
+              <a:t>yaw</a:t>
+            </a:r>
+            <a:r>
+              <a:rPr lang="de-CH" b="1" dirty="0" smtClean="0">
+                <a:solidFill>
+                  <a:srgbClr val="92D050"/>
+                </a:solidFill>
+              </a:rPr>
+              <a:t> </a:t>
+            </a:r>
+            <a:r>
+              <a:rPr lang="de-CH" dirty="0"/>
+              <a:t>= </a:t>
+            </a:r>
+            <a:r>
+              <a:rPr lang="de-CH" dirty="0"/>
+              <a:t>180 </a:t>
+            </a:r>
+            <a:r>
+              <a:rPr lang="de-CH" dirty="0"/>
+              <a:t>- </a:t>
+            </a:r>
+            <a:r>
+              <a:rPr lang="de-CH" dirty="0" err="1" smtClean="0"/>
+              <a:t>angleAroundModel</a:t>
+            </a:r>
+            <a:r>
+              <a:rPr lang="de-CH" dirty="0" smtClean="0"/>
+              <a:t>;</a:t>
+            </a:r>
+            <a:endParaRPr lang="de-CH" dirty="0"/>
+          </a:p>
+        </p:txBody>
+      </p:sp>
+      <p:pic>
+        <p:nvPicPr>
+          <p:cNvPr id="5122" name="Picture 2"/>
+          <p:cNvPicPr>
+            <a:picLocks noChangeAspect="1" noChangeArrowheads="1"/>
+          </p:cNvPicPr>
+          <p:nvPr/>
+        </p:nvPicPr>
+        <p:blipFill>
+          <a:blip r:embed="rId2">
+            <a:extLst>
+              <a:ext uri="{28A0092B-C50C-407E-A947-70E740481C1C}">
+                <a14:useLocalDpi xmlns:a14="http://schemas.microsoft.com/office/drawing/2010/main" val="0"/>
+              </a:ext>
+            </a:extLst>
+          </a:blip>
+          <a:srcRect/>
+          <a:stretch>
+            <a:fillRect/>
+          </a:stretch>
+        </p:blipFill>
+        <p:spPr bwMode="auto">
+          <a:xfrm>
+            <a:off x="683568" y="2204864"/>
+            <a:ext cx="4248472" cy="2582135"/>
+          </a:xfrm>
+          <a:prstGeom prst="rect">
+            <a:avLst/>
+          </a:prstGeom>
+          <a:noFill/>
+          <a:ln>
+            <a:noFill/>
+          </a:ln>
+          <a:extLst>
+            <a:ext uri="{909E8E84-426E-40DD-AFC4-6F175D3DCCD1}">
+              <a14:hiddenFill xmlns:a14="http://schemas.microsoft.com/office/drawing/2010/main">
+                <a:solidFill>
+                  <a:schemeClr val="accent1"/>
+                </a:solidFill>
+              </a14:hiddenFill>
+            </a:ext>
+            <a:ext uri="{91240B29-F687-4F45-9708-019B960494DF}">
+              <a14:hiddenLine xmlns:a14="http://schemas.microsoft.com/office/drawing/2010/main" w="9525">
+                <a:solidFill>
+                  <a:schemeClr val="tx1"/>
+                </a:solidFill>
+                <a:miter lim="800000"/>
+                <a:headEnd/>
+                <a:tailEnd/>
+              </a14:hiddenLine>
+            </a:ext>
+          </a:extLst>
+        </p:spPr>
+      </p:pic>
+      <p:pic>
+        <p:nvPicPr>
+          <p:cNvPr id="5126" name="Picture 6" descr="http://doc.aldebaran.com/2-1/_images/rollPitchYaw.png"/>
+          <p:cNvPicPr>
+            <a:picLocks noChangeAspect="1" noChangeArrowheads="1"/>
+          </p:cNvPicPr>
+          <p:nvPr/>
+        </p:nvPicPr>
+        <p:blipFill>
+          <a:blip r:embed="rId3">
+            <a:extLst>
+              <a:ext uri="{28A0092B-C50C-407E-A947-70E740481C1C}">
+                <a14:useLocalDpi xmlns:a14="http://schemas.microsoft.com/office/drawing/2010/main" val="0"/>
+              </a:ext>
+            </a:extLst>
+          </a:blip>
+          <a:srcRect/>
+          <a:stretch>
+            <a:fillRect/>
+          </a:stretch>
+        </p:blipFill>
+        <p:spPr bwMode="auto">
+          <a:xfrm>
+            <a:off x="5436096" y="2060848"/>
+            <a:ext cx="3312368" cy="3227653"/>
+          </a:xfrm>
+          <a:prstGeom prst="rect">
+            <a:avLst/>
+          </a:prstGeom>
+          <a:noFill/>
+          <a:extLst>
+            <a:ext uri="{909E8E84-426E-40DD-AFC4-6F175D3DCCD1}">
+              <a14:hiddenFill xmlns:a14="http://schemas.microsoft.com/office/drawing/2010/main">
+                <a:solidFill>
+                  <a:srgbClr val="FFFFFF"/>
+                </a:solidFill>
+              </a14:hiddenFill>
+            </a:ext>
+          </a:extLst>
+        </p:spPr>
+      </p:pic>
+    </p:spTree>
+    <p:extLst>
+      <p:ext uri="{BB962C8B-B14F-4D97-AF65-F5344CB8AC3E}">
+        <p14:creationId xmlns:p14="http://schemas.microsoft.com/office/powerpoint/2010/main" val="813252076"/>
+      </p:ext>
+    </p:extLst>
+  </p:cSld>
+  <p:clrMapOvr>
+    <a:masterClrMapping/>
+  </p:clrMapOvr>
+</p:sld>
+</file>
+
+<file path=ppt/slides/slide7.xml><?xml version="1.0" encoding="utf-8"?>
+<p:sld xmlns:a="http://schemas.openxmlformats.org/drawingml/2006/main" xmlns:r="http://schemas.openxmlformats.org/officeDocument/2006/relationships" xmlns:p="http://schemas.openxmlformats.org/presentationml/2006/main">
+  <p:cSld>
+    <p:spTree>
+      <p:nvGrpSpPr>
+        <p:cNvPr id="1" name=""/>
+        <p:cNvGrpSpPr/>
+        <p:nvPr/>
+      </p:nvGrpSpPr>
+      <p:grpSpPr>
+        <a:xfrm>
+          <a:off x="0" y="0"/>
+          <a:ext cx="0" cy="0"/>
+          <a:chOff x="0" y="0"/>
+          <a:chExt cx="0" cy="0"/>
+        </a:xfrm>
+      </p:grpSpPr>
+      <p:sp>
+        <p:nvSpPr>
+          <p:cNvPr id="2" name="Titel 1"/>
+          <p:cNvSpPr>
+            <a:spLocks noGrp="1"/>
+          </p:cNvSpPr>
+          <p:nvPr>
+            <p:ph type="title"/>
+          </p:nvPr>
+        </p:nvSpPr>
+        <p:spPr/>
+        <p:txBody>
+          <a:bodyPr/>
+          <a:lstStyle/>
+          <a:p>
+            <a:r>
+              <a:rPr lang="de-CH" dirty="0" smtClean="0"/>
+              <a:t>Gitternetz </a:t>
+            </a:r>
+            <a:endParaRPr lang="de-CH" dirty="0"/>
+          </a:p>
+        </p:txBody>
+      </p:sp>
+      <p:sp>
+        <p:nvSpPr>
+          <p:cNvPr id="3" name="Inhaltsplatzhalter 2"/>
+          <p:cNvSpPr>
+            <a:spLocks noGrp="1"/>
+          </p:cNvSpPr>
+          <p:nvPr>
+            <p:ph idx="1"/>
+          </p:nvPr>
+        </p:nvSpPr>
+        <p:spPr/>
+        <p:txBody>
+          <a:bodyPr/>
+          <a:lstStyle/>
+          <a:p>
+            <a:r>
+              <a:rPr lang="de-CH" dirty="0" smtClean="0"/>
+              <a:t>2 Vertices im Speicher</a:t>
+            </a:r>
+          </a:p>
+          <a:p>
+            <a:pPr lvl="1"/>
+            <a:r>
+              <a:rPr lang="de-CH" dirty="0" smtClean="0"/>
+              <a:t>P1(0,0,0) und </a:t>
+            </a:r>
+            <a:r>
+              <a:rPr lang="de-CH" dirty="0" smtClean="0"/>
+              <a:t>P2(1,0,0)</a:t>
+            </a:r>
+          </a:p>
+          <a:p>
+            <a:r>
+              <a:rPr lang="de-CH" dirty="0" smtClean="0"/>
+              <a:t>Jede Linie referenziert P1 und P2</a:t>
+            </a:r>
+          </a:p>
+          <a:p>
+            <a:r>
+              <a:rPr lang="de-CH" dirty="0" smtClean="0"/>
+              <a:t>Bestimmung der Position mit einer Transformations-Matrix</a:t>
+            </a:r>
+          </a:p>
+          <a:p>
+            <a:r>
+              <a:rPr lang="de-CH" dirty="0" smtClean="0"/>
+              <a:t>Transformation</a:t>
+            </a:r>
+            <a:r>
+              <a:rPr lang="de-CH" dirty="0"/>
+              <a:t>: Translation, Rotation, </a:t>
+            </a:r>
+            <a:r>
+              <a:rPr lang="de-CH" dirty="0" err="1" smtClean="0"/>
+              <a:t>Scale</a:t>
+            </a:r>
+            <a:endParaRPr lang="de-CH" dirty="0"/>
+          </a:p>
+          <a:p>
+            <a:endParaRPr lang="de-CH" dirty="0"/>
+          </a:p>
+        </p:txBody>
+      </p:sp>
+      <p:pic>
+        <p:nvPicPr>
+          <p:cNvPr id="2051" name="Picture 3"/>
+          <p:cNvPicPr>
+            <a:picLocks noChangeAspect="1" noChangeArrowheads="1"/>
+          </p:cNvPicPr>
+          <p:nvPr/>
+        </p:nvPicPr>
+        <p:blipFill>
+          <a:blip r:embed="rId2">
+            <a:extLst>
+              <a:ext uri="{28A0092B-C50C-407E-A947-70E740481C1C}">
+                <a14:useLocalDpi xmlns:a14="http://schemas.microsoft.com/office/drawing/2010/main" val="0"/>
+              </a:ext>
+            </a:extLst>
+          </a:blip>
+          <a:srcRect/>
+          <a:stretch>
+            <a:fillRect/>
+          </a:stretch>
+        </p:blipFill>
+        <p:spPr bwMode="auto">
+          <a:xfrm>
+            <a:off x="2915816" y="4077072"/>
+            <a:ext cx="3384418" cy="2383160"/>
+          </a:xfrm>
+          <a:prstGeom prst="rect">
+            <a:avLst/>
+          </a:prstGeom>
+          <a:noFill/>
+          <a:ln>
+            <a:noFill/>
+          </a:ln>
+          <a:extLst>
+            <a:ext uri="{909E8E84-426E-40DD-AFC4-6F175D3DCCD1}">
+              <a14:hiddenFill xmlns:a14="http://schemas.microsoft.com/office/drawing/2010/main">
+                <a:solidFill>
+                  <a:schemeClr val="accent1"/>
+                </a:solidFill>
+              </a14:hiddenFill>
+            </a:ext>
+            <a:ext uri="{91240B29-F687-4F45-9708-019B960494DF}">
+              <a14:hiddenLine xmlns:a14="http://schemas.microsoft.com/office/drawing/2010/main" w="9525">
+                <a:solidFill>
+                  <a:schemeClr val="tx1"/>
+                </a:solidFill>
+                <a:miter lim="800000"/>
+                <a:headEnd/>
+                <a:tailEnd/>
+              </a14:hiddenLine>
+            </a:ext>
+          </a:extLst>
+        </p:spPr>
+      </p:pic>
+    </p:spTree>
+    <p:extLst>
+      <p:ext uri="{BB962C8B-B14F-4D97-AF65-F5344CB8AC3E}">
+        <p14:creationId xmlns:p14="http://schemas.microsoft.com/office/powerpoint/2010/main" val="2366725241"/>
+      </p:ext>
+    </p:extLst>
+  </p:cSld>
+  <p:clrMapOvr>
+    <a:masterClrMapping/>
+  </p:clrMapOvr>
+</p:sld>
+</file>
+
+<file path=ppt/slides/slide8.xml><?xml version="1.0" encoding="utf-8"?>
+<p:sld xmlns:a="http://schemas.openxmlformats.org/drawingml/2006/main" xmlns:r="http://schemas.openxmlformats.org/officeDocument/2006/relationships" xmlns:p="http://schemas.openxmlformats.org/presentationml/2006/main">
+  <p:cSld>
+    <p:spTree>
+      <p:nvGrpSpPr>
+        <p:cNvPr id="1" name=""/>
+        <p:cNvGrpSpPr/>
+        <p:nvPr/>
+      </p:nvGrpSpPr>
+      <p:grpSpPr>
+        <a:xfrm>
+          <a:off x="0" y="0"/>
+          <a:ext cx="0" cy="0"/>
+          <a:chOff x="0" y="0"/>
+          <a:chExt cx="0" cy="0"/>
+        </a:xfrm>
+      </p:grpSpPr>
+      <p:sp>
+        <p:nvSpPr>
+          <p:cNvPr id="2" name="Titel 1"/>
+          <p:cNvSpPr>
+            <a:spLocks noGrp="1"/>
+          </p:cNvSpPr>
+          <p:nvPr>
+            <p:ph type="title"/>
+          </p:nvPr>
+        </p:nvSpPr>
+        <p:spPr/>
+        <p:txBody>
           <a:bodyPr>
             <a:normAutofit/>
           </a:bodyPr>
@@ -3830,7 +5092,7 @@
           <a:p>
             <a:r>
               <a:rPr lang="de-CH" dirty="0" smtClean="0"/>
-              <a:t>Beleuchtung </a:t>
+              <a:t>Beleuchtung: </a:t>
             </a:r>
             <a:r>
               <a:rPr lang="de-CH" dirty="0" err="1"/>
@@ -3944,9 +5206,14 @@
           </a:p>
           <a:p>
             <a:r>
+              <a:rPr lang="de-CH" sz="1400" b="1" dirty="0" err="1" smtClean="0"/>
+              <a:t>Ambient</a:t>
+            </a:r>
+            <a:r>
               <a:rPr lang="de-CH" sz="1400" b="1" dirty="0" smtClean="0"/>
-              <a:t>Max-Funktion</a:t>
-            </a:r>
+              <a:t> (Max-Funktion)</a:t>
+            </a:r>
+            <a:endParaRPr lang="de-CH" sz="1400" b="1" dirty="0" smtClean="0"/>
           </a:p>
           <a:p>
             <a:r>
@@ -4242,8 +5509,8 @@
           </a:p>
           <a:p>
             <a:r>
-              <a:rPr lang="de-CH" sz="1200" b="1" dirty="0" err="1" smtClean="0"/>
-              <a:t>Relektion</a:t>
+              <a:rPr lang="de-CH" sz="1200" b="1" dirty="0" smtClean="0"/>
+              <a:t>Reflektion</a:t>
             </a:r>
             <a:endParaRPr lang="de-CH" sz="1200" b="1" dirty="0" smtClean="0"/>
           </a:p>
@@ -4494,7 +5761,7 @@
       </p:pic>
       <p:pic>
         <p:nvPicPr>
-          <p:cNvPr id="3078" name="Picture 6"/>
+          <p:cNvPr id="1027" name="Picture 3"/>
           <p:cNvPicPr>
             <a:picLocks noChangeAspect="1" noChangeArrowheads="1"/>
           </p:cNvPicPr>
@@ -4515,8 +5782,8 @@
         </p:blipFill>
         <p:spPr bwMode="auto">
           <a:xfrm>
-            <a:off x="4932039" y="2092201"/>
-            <a:ext cx="3291349" cy="2536503"/>
+            <a:off x="5004048" y="2089500"/>
+            <a:ext cx="3312368" cy="2543813"/>
           </a:xfrm>
           <a:prstGeom prst="rect">
             <a:avLst/>
@@ -4559,7 +5826,7 @@
 </p:sld>
 </file>
 
-<file path=ppt/slides/slide6.xml><?xml version="1.0" encoding="utf-8"?>
+<file path=ppt/slides/slide9.xml><?xml version="1.0" encoding="utf-8"?>
 <p:sld xmlns:a="http://schemas.openxmlformats.org/drawingml/2006/main" xmlns:r="http://schemas.openxmlformats.org/officeDocument/2006/relationships" xmlns:p="http://schemas.openxmlformats.org/presentationml/2006/main">
   <p:cSld>
     <p:spTree>
@@ -4676,119 +5943,6 @@
     <p:extLst>
       <p:ext uri="{BB962C8B-B14F-4D97-AF65-F5344CB8AC3E}">
         <p14:creationId xmlns:p14="http://schemas.microsoft.com/office/powerpoint/2010/main" val="1063946259"/>
-      </p:ext>
-    </p:extLst>
-  </p:cSld>
-  <p:clrMapOvr>
-    <a:masterClrMapping/>
-  </p:clrMapOvr>
-</p:sld>
-</file>
-
-<file path=ppt/slides/slide7.xml><?xml version="1.0" encoding="utf-8"?>
-<p:sld xmlns:a="http://schemas.openxmlformats.org/drawingml/2006/main" xmlns:r="http://schemas.openxmlformats.org/officeDocument/2006/relationships" xmlns:p="http://schemas.openxmlformats.org/presentationml/2006/main">
-  <p:cSld>
-    <p:spTree>
-      <p:nvGrpSpPr>
-        <p:cNvPr id="1" name=""/>
-        <p:cNvGrpSpPr/>
-        <p:nvPr/>
-      </p:nvGrpSpPr>
-      <p:grpSpPr>
-        <a:xfrm>
-          <a:off x="0" y="0"/>
-          <a:ext cx="0" cy="0"/>
-          <a:chOff x="0" y="0"/>
-          <a:chExt cx="0" cy="0"/>
-        </a:xfrm>
-      </p:grpSpPr>
-      <p:sp>
-        <p:nvSpPr>
-          <p:cNvPr id="2" name="Titel 1"/>
-          <p:cNvSpPr>
-            <a:spLocks noGrp="1"/>
-          </p:cNvSpPr>
-          <p:nvPr>
-            <p:ph type="title"/>
-          </p:nvPr>
-        </p:nvSpPr>
-        <p:spPr/>
-        <p:txBody>
-          <a:bodyPr/>
-          <a:lstStyle/>
-          <a:p>
-            <a:r>
-              <a:rPr lang="de-CH" dirty="0" smtClean="0"/>
-              <a:t>Fragen</a:t>
-            </a:r>
-            <a:endParaRPr lang="de-CH" dirty="0"/>
-          </a:p>
-        </p:txBody>
-      </p:sp>
-      <p:sp>
-        <p:nvSpPr>
-          <p:cNvPr id="3" name="Inhaltsplatzhalter 2"/>
-          <p:cNvSpPr>
-            <a:spLocks noGrp="1"/>
-          </p:cNvSpPr>
-          <p:nvPr>
-            <p:ph idx="1"/>
-          </p:nvPr>
-        </p:nvSpPr>
-        <p:spPr/>
-        <p:txBody>
-          <a:bodyPr/>
-          <a:lstStyle/>
-          <a:p>
-            <a:endParaRPr lang="de-CH" dirty="0"/>
-          </a:p>
-        </p:txBody>
-      </p:sp>
-      <p:pic>
-        <p:nvPicPr>
-          <p:cNvPr id="2050" name="Picture 2" descr="http://www.sando.at/hp/img/Fragezeichen.jpg"/>
-          <p:cNvPicPr>
-            <a:picLocks noChangeAspect="1" noChangeArrowheads="1"/>
-          </p:cNvPicPr>
-          <p:nvPr/>
-        </p:nvPicPr>
-        <p:blipFill>
-          <a:blip r:embed="rId2">
-            <a:extLst>
-              <a:ext uri="{28A0092B-C50C-407E-A947-70E740481C1C}">
-                <a14:useLocalDpi xmlns:a14="http://schemas.microsoft.com/office/drawing/2010/main" val="0"/>
-              </a:ext>
-            </a:extLst>
-          </a:blip>
-          <a:srcRect/>
-          <a:stretch>
-            <a:fillRect/>
-          </a:stretch>
-        </p:blipFill>
-        <p:spPr bwMode="auto">
-          <a:xfrm>
-            <a:off x="5796136" y="3285702"/>
-            <a:ext cx="3219450" cy="3381375"/>
-          </a:xfrm>
-          <a:prstGeom prst="rect">
-            <a:avLst/>
-          </a:prstGeom>
-          <a:noFill/>
-          <a:extLst>
-            <a:ext uri="{909E8E84-426E-40DD-AFC4-6F175D3DCCD1}">
-              <a14:hiddenFill xmlns:a14="http://schemas.microsoft.com/office/drawing/2010/main">
-                <a:solidFill>
-                  <a:srgbClr val="FFFFFF"/>
-                </a:solidFill>
-              </a14:hiddenFill>
-            </a:ext>
-          </a:extLst>
-        </p:spPr>
-      </p:pic>
-    </p:spTree>
-    <p:extLst>
-      <p:ext uri="{BB962C8B-B14F-4D97-AF65-F5344CB8AC3E}">
-        <p14:creationId xmlns:p14="http://schemas.microsoft.com/office/powerpoint/2010/main" val="827410420"/>
       </p:ext>
     </p:extLst>
   </p:cSld>

--- a/präsi-projekt-obj-geom.pptx
+++ b/präsi-projekt-obj-geom.pptx
@@ -4514,13 +4514,14 @@
               <a:t>= - </a:t>
             </a:r>
             <a:r>
-              <a:rPr lang="de-CH" sz="1800" dirty="0" err="1"/>
+              <a:rPr lang="de-CH" sz="1800" dirty="0" err="1" smtClean="0"/>
               <a:t>offsetZ</a:t>
             </a:r>
             <a:r>
-              <a:rPr lang="de-CH" sz="1800" dirty="0" smtClean="0"/>
+              <a:rPr lang="de-CH" sz="1800" smtClean="0"/>
               <a:t>;</a:t>
             </a:r>
+            <a:endParaRPr lang="de-CH" sz="1800" dirty="0" smtClean="0"/>
           </a:p>
           <a:p>
             <a:r>
@@ -4756,15 +4757,7 @@
             </a:r>
             <a:r>
               <a:rPr lang="de-CH" dirty="0"/>
-              <a:t>= </a:t>
-            </a:r>
-            <a:r>
-              <a:rPr lang="de-CH" dirty="0"/>
-              <a:t>180 </a:t>
-            </a:r>
-            <a:r>
-              <a:rPr lang="de-CH" dirty="0"/>
-              <a:t>- </a:t>
+              <a:t>= 180 - </a:t>
             </a:r>
             <a:r>
               <a:rPr lang="de-CH" dirty="0" err="1" smtClean="0"/>
@@ -4950,11 +4943,7 @@
             <a:pPr lvl="1"/>
             <a:r>
               <a:rPr lang="de-CH" dirty="0" smtClean="0"/>
-              <a:t>P1(0,0,0) und </a:t>
-            </a:r>
-            <a:r>
-              <a:rPr lang="de-CH" dirty="0" smtClean="0"/>
-              <a:t>P2(1,0,0)</a:t>
+              <a:t>P1(0,0,0) und P2(1,0,0)</a:t>
             </a:r>
           </a:p>
           <a:p>
@@ -5213,7 +5202,6 @@
               <a:rPr lang="de-CH" sz="1400" b="1" dirty="0" smtClean="0"/>
               <a:t> (Max-Funktion)</a:t>
             </a:r>
-            <a:endParaRPr lang="de-CH" sz="1400" b="1" dirty="0" smtClean="0"/>
           </a:p>
           <a:p>
             <a:r>
@@ -5512,7 +5500,6 @@
               <a:rPr lang="de-CH" sz="1200" b="1" dirty="0" smtClean="0"/>
               <a:t>Reflektion</a:t>
             </a:r>
-            <a:endParaRPr lang="de-CH" sz="1200" b="1" dirty="0" smtClean="0"/>
           </a:p>
           <a:p>
             <a:r>

--- a/präsi-projekt-obj-geom.pptx
+++ b/präsi-projekt-obj-geom.pptx
@@ -6,14 +6,14 @@
   </p:sldMasterIdLst>
   <p:sldIdLst>
     <p:sldId id="256" r:id="rId2"/>
-    <p:sldId id="257" r:id="rId3"/>
-    <p:sldId id="263" r:id="rId4"/>
-    <p:sldId id="259" r:id="rId5"/>
-    <p:sldId id="264" r:id="rId6"/>
-    <p:sldId id="265" r:id="rId7"/>
-    <p:sldId id="261" r:id="rId8"/>
-    <p:sldId id="262" r:id="rId9"/>
-    <p:sldId id="258" r:id="rId10"/>
+    <p:sldId id="258" r:id="rId3"/>
+    <p:sldId id="257" r:id="rId4"/>
+    <p:sldId id="263" r:id="rId5"/>
+    <p:sldId id="259" r:id="rId6"/>
+    <p:sldId id="264" r:id="rId7"/>
+    <p:sldId id="265" r:id="rId8"/>
+    <p:sldId id="261" r:id="rId9"/>
+    <p:sldId id="262" r:id="rId10"/>
     <p:sldId id="260" r:id="rId11"/>
   </p:sldIdLst>
   <p:sldSz cx="9144000" cy="6858000" type="screen4x3"/>
@@ -304,7 +304,7 @@
           <a:p>
             <a:fld id="{1BA50D42-C9CD-4801-B293-61D1F53EC57E}" type="datetimeFigureOut">
               <a:rPr lang="de-DE" smtClean="0"/>
-              <a:t>05.01.2016</a:t>
+              <a:t>08.01.2016</a:t>
             </a:fld>
             <a:endParaRPr lang="de-DE"/>
           </a:p>
@@ -504,7 +504,7 @@
           <a:p>
             <a:fld id="{1BA50D42-C9CD-4801-B293-61D1F53EC57E}" type="datetimeFigureOut">
               <a:rPr lang="de-DE" smtClean="0"/>
-              <a:t>05.01.2016</a:t>
+              <a:t>08.01.2016</a:t>
             </a:fld>
             <a:endParaRPr lang="de-DE"/>
           </a:p>
@@ -679,7 +679,7 @@
           <a:p>
             <a:fld id="{1BA50D42-C9CD-4801-B293-61D1F53EC57E}" type="datetimeFigureOut">
               <a:rPr lang="de-DE" smtClean="0"/>
-              <a:t>05.01.2016</a:t>
+              <a:t>08.01.2016</a:t>
             </a:fld>
             <a:endParaRPr lang="de-DE"/>
           </a:p>
@@ -844,7 +844,7 @@
           <a:p>
             <a:fld id="{1BA50D42-C9CD-4801-B293-61D1F53EC57E}" type="datetimeFigureOut">
               <a:rPr lang="de-DE" smtClean="0"/>
-              <a:t>05.01.2016</a:t>
+              <a:t>08.01.2016</a:t>
             </a:fld>
             <a:endParaRPr lang="de-DE"/>
           </a:p>
@@ -1092,7 +1092,7 @@
           <a:p>
             <a:fld id="{1BA50D42-C9CD-4801-B293-61D1F53EC57E}" type="datetimeFigureOut">
               <a:rPr lang="de-DE" smtClean="0"/>
-              <a:t>05.01.2016</a:t>
+              <a:t>08.01.2016</a:t>
             </a:fld>
             <a:endParaRPr lang="de-DE"/>
           </a:p>
@@ -1410,7 +1410,7 @@
           <a:p>
             <a:fld id="{1BA50D42-C9CD-4801-B293-61D1F53EC57E}" type="datetimeFigureOut">
               <a:rPr lang="de-DE" smtClean="0"/>
-              <a:t>05.01.2016</a:t>
+              <a:t>08.01.2016</a:t>
             </a:fld>
             <a:endParaRPr lang="de-DE"/>
           </a:p>
@@ -1876,7 +1876,7 @@
           <a:p>
             <a:fld id="{1BA50D42-C9CD-4801-B293-61D1F53EC57E}" type="datetimeFigureOut">
               <a:rPr lang="de-DE" smtClean="0"/>
-              <a:t>05.01.2016</a:t>
+              <a:t>08.01.2016</a:t>
             </a:fld>
             <a:endParaRPr lang="de-DE"/>
           </a:p>
@@ -2024,7 +2024,7 @@
           <a:p>
             <a:fld id="{1BA50D42-C9CD-4801-B293-61D1F53EC57E}" type="datetimeFigureOut">
               <a:rPr lang="de-DE" smtClean="0"/>
-              <a:t>05.01.2016</a:t>
+              <a:t>08.01.2016</a:t>
             </a:fld>
             <a:endParaRPr lang="de-DE"/>
           </a:p>
@@ -2114,7 +2114,7 @@
           <a:p>
             <a:fld id="{1BA50D42-C9CD-4801-B293-61D1F53EC57E}" type="datetimeFigureOut">
               <a:rPr lang="de-DE" smtClean="0"/>
-              <a:t>05.01.2016</a:t>
+              <a:t>08.01.2016</a:t>
             </a:fld>
             <a:endParaRPr lang="de-DE"/>
           </a:p>
@@ -2388,7 +2388,7 @@
           <a:p>
             <a:fld id="{1BA50D42-C9CD-4801-B293-61D1F53EC57E}" type="datetimeFigureOut">
               <a:rPr lang="de-DE" smtClean="0"/>
-              <a:t>05.01.2016</a:t>
+              <a:t>08.01.2016</a:t>
             </a:fld>
             <a:endParaRPr lang="de-DE"/>
           </a:p>
@@ -2693,7 +2693,7 @@
           <a:p>
             <a:fld id="{1BA50D42-C9CD-4801-B293-61D1F53EC57E}" type="datetimeFigureOut">
               <a:rPr lang="de-DE" smtClean="0"/>
-              <a:t>05.01.2016</a:t>
+              <a:t>08.01.2016</a:t>
             </a:fld>
             <a:endParaRPr lang="de-DE"/>
           </a:p>
@@ -2991,7 +2991,7 @@
           <a:p>
             <a:fld id="{1BA50D42-C9CD-4801-B293-61D1F53EC57E}" type="datetimeFigureOut">
               <a:rPr lang="de-DE" smtClean="0"/>
-              <a:t>05.01.2016</a:t>
+              <a:t>08.01.2016</a:t>
             </a:fld>
             <a:endParaRPr lang="de-DE"/>
           </a:p>
@@ -3480,6 +3480,13 @@
   <p:clrMapOvr>
     <a:masterClrMapping/>
   </p:clrMapOvr>
+  <p:timing>
+    <p:tnLst>
+      <p:par>
+        <p:cTn id="1" dur="indefinite" restart="never" nodeType="tmRoot"/>
+      </p:par>
+    </p:tnLst>
+  </p:timing>
 </p:sld>
 </file>
 
@@ -3593,6 +3600,13 @@
   <p:clrMapOvr>
     <a:masterClrMapping/>
   </p:clrMapOvr>
+  <p:timing>
+    <p:tnLst>
+      <p:par>
+        <p:cTn id="1" dur="indefinite" restart="never" nodeType="tmRoot"/>
+      </p:par>
+    </p:tnLst>
+  </p:timing>
 </p:sld>
 </file>
 
@@ -3625,31 +3639,14 @@
         </p:nvSpPr>
         <p:spPr/>
         <p:txBody>
-          <a:bodyPr>
-            <a:normAutofit/>
-          </a:bodyPr>
-          <a:lstStyle/>
-          <a:p>
-            <a:r>
-              <a:rPr lang="de-CH" dirty="0"/>
-              <a:t>Projekt </a:t>
-            </a:r>
-            <a:r>
-              <a:rPr lang="de-CH" dirty="0" err="1"/>
-              <a:t>OpenGl</a:t>
-            </a:r>
-            <a:r>
-              <a:rPr lang="de-CH" dirty="0"/>
-              <a:t> </a:t>
-            </a:r>
-            <a:r>
-              <a:rPr lang="de-CH" dirty="0" err="1"/>
-              <a:t>Wavefront</a:t>
-            </a:r>
-            <a:r>
-              <a:rPr lang="de-CH" dirty="0"/>
-              <a:t> Viewer</a:t>
-            </a:r>
+          <a:bodyPr/>
+          <a:lstStyle/>
+          <a:p>
+            <a:r>
+              <a:rPr lang="de-CH" dirty="0" smtClean="0"/>
+              <a:t>Demo</a:t>
+            </a:r>
+            <a:endParaRPr lang="de-CH" dirty="0"/>
           </a:p>
         </p:txBody>
       </p:sp>
@@ -3668,107 +3665,49 @@
           <a:bodyPr/>
           <a:lstStyle/>
           <a:p>
-            <a:r>
-              <a:rPr lang="de-CH" dirty="0" smtClean="0"/>
-              <a:t>OpenGL / GLSL / Java </a:t>
-            </a:r>
-            <a:r>
-              <a:rPr lang="de-CH" dirty="0"/>
-              <a:t>/ LWJGL </a:t>
-            </a:r>
-            <a:endParaRPr lang="de-CH" dirty="0" smtClean="0"/>
-          </a:p>
-          <a:p>
-            <a:endParaRPr lang="de-CH" dirty="0" smtClean="0"/>
-          </a:p>
-          <a:p>
-            <a:r>
-              <a:rPr lang="de-CH" b="1" dirty="0" smtClean="0"/>
-              <a:t>Features</a:t>
-            </a:r>
-            <a:endParaRPr lang="de-CH" b="1" dirty="0"/>
-          </a:p>
-          <a:p>
-            <a:pPr lvl="1"/>
-            <a:r>
-              <a:rPr lang="de-CH" dirty="0" err="1" smtClean="0"/>
-              <a:t>Wavefront</a:t>
-            </a:r>
-            <a:r>
-              <a:rPr lang="de-CH" dirty="0" smtClean="0"/>
-              <a:t> OBJ öffnen</a:t>
-            </a:r>
-          </a:p>
-          <a:p>
-            <a:pPr lvl="1"/>
-            <a:r>
-              <a:rPr lang="de-CH" dirty="0" smtClean="0"/>
-              <a:t>Kamera-Mausrotation</a:t>
-            </a:r>
-          </a:p>
-          <a:p>
-            <a:pPr lvl="1"/>
-            <a:r>
-              <a:rPr lang="de-CH" dirty="0" smtClean="0"/>
-              <a:t>Gitternetz</a:t>
-            </a:r>
-          </a:p>
-          <a:p>
-            <a:pPr lvl="2"/>
-            <a:r>
-              <a:rPr lang="de-CH" dirty="0" smtClean="0"/>
-              <a:t>Projektion-</a:t>
-            </a:r>
-            <a:r>
-              <a:rPr lang="de-CH" dirty="0"/>
-              <a:t>, Transformation- und View </a:t>
-            </a:r>
-            <a:r>
-              <a:rPr lang="de-CH" dirty="0" smtClean="0"/>
-              <a:t>Matrix</a:t>
-            </a:r>
-          </a:p>
-          <a:p>
-            <a:pPr lvl="1"/>
-            <a:r>
-              <a:rPr lang="de-CH" dirty="0" smtClean="0"/>
-              <a:t>Beleuchtung</a:t>
-            </a:r>
-          </a:p>
-          <a:p>
-            <a:pPr lvl="2"/>
-            <a:r>
-              <a:rPr lang="de-CH" dirty="0" smtClean="0"/>
-              <a:t>Punktlicht</a:t>
-            </a:r>
-          </a:p>
-          <a:p>
-            <a:pPr lvl="2"/>
-            <a:r>
-              <a:rPr lang="de-CH" dirty="0" err="1" smtClean="0"/>
-              <a:t>Phong-Shading</a:t>
-            </a:r>
-            <a:endParaRPr lang="de-CH" dirty="0" smtClean="0"/>
-          </a:p>
-          <a:p>
-            <a:pPr lvl="2"/>
-            <a:r>
-              <a:rPr lang="de-CH" dirty="0" smtClean="0"/>
-              <a:t>GLSL</a:t>
-            </a:r>
-          </a:p>
-        </p:txBody>
-      </p:sp>
+            <a:endParaRPr lang="de-CH" dirty="0"/>
+          </a:p>
+        </p:txBody>
+      </p:sp>
+      <p:pic>
+        <p:nvPicPr>
+          <p:cNvPr id="5" name="Grafik 4"/>
+          <p:cNvPicPr/>
+          <p:nvPr/>
+        </p:nvPicPr>
+        <p:blipFill>
+          <a:blip r:embed="rId2"/>
+          <a:stretch>
+            <a:fillRect/>
+          </a:stretch>
+        </p:blipFill>
+        <p:spPr>
+          <a:xfrm>
+            <a:off x="971600" y="1628800"/>
+            <a:ext cx="7272808" cy="4868900"/>
+          </a:xfrm>
+          <a:prstGeom prst="rect">
+            <a:avLst/>
+          </a:prstGeom>
+        </p:spPr>
+      </p:pic>
     </p:spTree>
     <p:extLst>
       <p:ext uri="{BB962C8B-B14F-4D97-AF65-F5344CB8AC3E}">
-        <p14:creationId xmlns:p14="http://schemas.microsoft.com/office/powerpoint/2010/main" val="1338620769"/>
+        <p14:creationId xmlns:p14="http://schemas.microsoft.com/office/powerpoint/2010/main" val="1063946259"/>
       </p:ext>
     </p:extLst>
   </p:cSld>
   <p:clrMapOvr>
     <a:masterClrMapping/>
   </p:clrMapOvr>
+  <p:timing>
+    <p:tnLst>
+      <p:par>
+        <p:cTn id="1" dur="indefinite" restart="never" nodeType="tmRoot"/>
+      </p:par>
+    </p:tnLst>
+  </p:timing>
 </p:sld>
 </file>
 
@@ -3801,13 +3740,196 @@
         </p:nvSpPr>
         <p:spPr/>
         <p:txBody>
+          <a:bodyPr>
+            <a:normAutofit/>
+          </a:bodyPr>
+          <a:lstStyle/>
+          <a:p>
+            <a:r>
+              <a:rPr lang="de-CH" dirty="0"/>
+              <a:t>Projekt </a:t>
+            </a:r>
+            <a:r>
+              <a:rPr lang="de-CH" dirty="0" err="1"/>
+              <a:t>OpenGl</a:t>
+            </a:r>
+            <a:r>
+              <a:rPr lang="de-CH" dirty="0"/>
+              <a:t> </a:t>
+            </a:r>
+            <a:r>
+              <a:rPr lang="de-CH" dirty="0" err="1"/>
+              <a:t>Wavefront</a:t>
+            </a:r>
+            <a:r>
+              <a:rPr lang="de-CH" dirty="0"/>
+              <a:t> Viewer</a:t>
+            </a:r>
+          </a:p>
+        </p:txBody>
+      </p:sp>
+      <p:sp>
+        <p:nvSpPr>
+          <p:cNvPr id="3" name="Inhaltsplatzhalter 2"/>
+          <p:cNvSpPr>
+            <a:spLocks noGrp="1"/>
+          </p:cNvSpPr>
+          <p:nvPr>
+            <p:ph idx="1"/>
+          </p:nvPr>
+        </p:nvSpPr>
+        <p:spPr/>
+        <p:txBody>
           <a:bodyPr/>
           <a:lstStyle/>
           <a:p>
+            <a:r>
+              <a:rPr lang="de-CH" dirty="0" smtClean="0"/>
+              <a:t>OpenGL / GLSL / Java </a:t>
+            </a:r>
+            <a:r>
+              <a:rPr lang="de-CH" dirty="0"/>
+              <a:t>/ LWJGL </a:t>
+            </a:r>
+            <a:endParaRPr lang="de-CH" dirty="0" smtClean="0"/>
+          </a:p>
+          <a:p>
+            <a:endParaRPr lang="de-CH" dirty="0" smtClean="0"/>
+          </a:p>
+          <a:p>
+            <a:r>
+              <a:rPr lang="de-CH" b="1" dirty="0" smtClean="0"/>
+              <a:t>Features</a:t>
+            </a:r>
+            <a:endParaRPr lang="de-CH" b="1" dirty="0"/>
+          </a:p>
+          <a:p>
+            <a:pPr lvl="1"/>
             <a:r>
               <a:rPr lang="de-CH" dirty="0" err="1" smtClean="0"/>
               <a:t>Wavefront</a:t>
             </a:r>
+            <a:r>
+              <a:rPr lang="de-CH" dirty="0" smtClean="0"/>
+              <a:t> OBJ öffnen</a:t>
+            </a:r>
+          </a:p>
+          <a:p>
+            <a:pPr lvl="1"/>
+            <a:r>
+              <a:rPr lang="de-CH" dirty="0" smtClean="0"/>
+              <a:t>Kamera-Mausrotation</a:t>
+            </a:r>
+          </a:p>
+          <a:p>
+            <a:pPr lvl="1"/>
+            <a:r>
+              <a:rPr lang="de-CH" dirty="0" smtClean="0"/>
+              <a:t>Gitternetz</a:t>
+            </a:r>
+          </a:p>
+          <a:p>
+            <a:pPr lvl="2"/>
+            <a:r>
+              <a:rPr lang="de-CH" dirty="0" smtClean="0"/>
+              <a:t>Projektion-</a:t>
+            </a:r>
+            <a:r>
+              <a:rPr lang="de-CH" dirty="0"/>
+              <a:t>, Transformation- und View </a:t>
+            </a:r>
+            <a:r>
+              <a:rPr lang="de-CH" dirty="0" smtClean="0"/>
+              <a:t>Matrix</a:t>
+            </a:r>
+          </a:p>
+          <a:p>
+            <a:pPr lvl="1"/>
+            <a:r>
+              <a:rPr lang="de-CH" dirty="0" smtClean="0"/>
+              <a:t>Beleuchtung</a:t>
+            </a:r>
+          </a:p>
+          <a:p>
+            <a:pPr lvl="2"/>
+            <a:r>
+              <a:rPr lang="de-CH" dirty="0" smtClean="0"/>
+              <a:t>Punktlicht</a:t>
+            </a:r>
+          </a:p>
+          <a:p>
+            <a:pPr lvl="2"/>
+            <a:r>
+              <a:rPr lang="de-CH" dirty="0" err="1" smtClean="0"/>
+              <a:t>Phong-Shading</a:t>
+            </a:r>
+            <a:endParaRPr lang="de-CH" dirty="0" smtClean="0"/>
+          </a:p>
+          <a:p>
+            <a:pPr lvl="2"/>
+            <a:r>
+              <a:rPr lang="de-CH" dirty="0" smtClean="0"/>
+              <a:t>GLSL</a:t>
+            </a:r>
+          </a:p>
+        </p:txBody>
+      </p:sp>
+    </p:spTree>
+    <p:extLst>
+      <p:ext uri="{BB962C8B-B14F-4D97-AF65-F5344CB8AC3E}">
+        <p14:creationId xmlns:p14="http://schemas.microsoft.com/office/powerpoint/2010/main" val="1338620769"/>
+      </p:ext>
+    </p:extLst>
+  </p:cSld>
+  <p:clrMapOvr>
+    <a:masterClrMapping/>
+  </p:clrMapOvr>
+  <p:timing>
+    <p:tnLst>
+      <p:par>
+        <p:cTn id="1" dur="indefinite" restart="never" nodeType="tmRoot"/>
+      </p:par>
+    </p:tnLst>
+  </p:timing>
+</p:sld>
+</file>
+
+<file path=ppt/slides/slide4.xml><?xml version="1.0" encoding="utf-8"?>
+<p:sld xmlns:a="http://schemas.openxmlformats.org/drawingml/2006/main" xmlns:r="http://schemas.openxmlformats.org/officeDocument/2006/relationships" xmlns:p="http://schemas.openxmlformats.org/presentationml/2006/main">
+  <p:cSld>
+    <p:spTree>
+      <p:nvGrpSpPr>
+        <p:cNvPr id="1" name=""/>
+        <p:cNvGrpSpPr/>
+        <p:nvPr/>
+      </p:nvGrpSpPr>
+      <p:grpSpPr>
+        <a:xfrm>
+          <a:off x="0" y="0"/>
+          <a:ext cx="0" cy="0"/>
+          <a:chOff x="0" y="0"/>
+          <a:chExt cx="0" cy="0"/>
+        </a:xfrm>
+      </p:grpSpPr>
+      <p:sp>
+        <p:nvSpPr>
+          <p:cNvPr id="2" name="Titel 1"/>
+          <p:cNvSpPr>
+            <a:spLocks noGrp="1"/>
+          </p:cNvSpPr>
+          <p:nvPr>
+            <p:ph type="title"/>
+          </p:nvPr>
+        </p:nvSpPr>
+        <p:spPr/>
+        <p:txBody>
+          <a:bodyPr/>
+          <a:lstStyle/>
+          <a:p>
+            <a:r>
+              <a:rPr lang="de-CH" dirty="0" err="1" smtClean="0"/>
+              <a:t>Wavefront</a:t>
+            </a:r>
             <a:endParaRPr lang="de-CH" dirty="0"/>
           </a:p>
         </p:txBody>
@@ -3835,15 +3957,7 @@
           <a:p>
             <a:r>
               <a:rPr lang="de-CH" dirty="0" smtClean="0"/>
-              <a:t>v </a:t>
-            </a:r>
-            <a:r>
-              <a:rPr lang="de-CH" dirty="0"/>
-              <a:t>1.000000 1.000000 -</a:t>
-            </a:r>
-            <a:r>
-              <a:rPr lang="de-CH" dirty="0" smtClean="0"/>
-              <a:t>0.999999</a:t>
+              <a:t>v 1.0 1.0 -1.0</a:t>
             </a:r>
           </a:p>
           <a:p>
@@ -3862,8 +3976,21 @@
             </a:r>
             <a:r>
               <a:rPr lang="de-CH" dirty="0"/>
-              <a:t> 0.000000 -1.000000 0.000000</a:t>
-            </a:r>
+              <a:t> </a:t>
+            </a:r>
+            <a:r>
+              <a:rPr lang="de-CH" dirty="0" smtClean="0"/>
+              <a:t>0.0 </a:t>
+            </a:r>
+            <a:r>
+              <a:rPr lang="de-CH" dirty="0"/>
+              <a:t>-</a:t>
+            </a:r>
+            <a:r>
+              <a:rPr lang="de-CH" dirty="0" smtClean="0"/>
+              <a:t>1.0 0.0</a:t>
+            </a:r>
+            <a:endParaRPr lang="de-CH" dirty="0"/>
           </a:p>
         </p:txBody>
       </p:sp>
@@ -3877,10 +4004,17 @@
   <p:clrMapOvr>
     <a:masterClrMapping/>
   </p:clrMapOvr>
+  <p:timing>
+    <p:tnLst>
+      <p:par>
+        <p:cTn id="1" dur="indefinite" restart="never" nodeType="tmRoot"/>
+      </p:par>
+    </p:tnLst>
+  </p:timing>
 </p:sld>
 </file>
 
-<file path=ppt/slides/slide4.xml><?xml version="1.0" encoding="utf-8"?>
+<file path=ppt/slides/slide5.xml><?xml version="1.0" encoding="utf-8"?>
 <p:sld xmlns:a="http://schemas.openxmlformats.org/drawingml/2006/main" xmlns:r="http://schemas.openxmlformats.org/officeDocument/2006/relationships" xmlns:p="http://schemas.openxmlformats.org/presentationml/2006/main">
   <p:cSld>
     <p:spTree>
@@ -4218,10 +4352,17 @@
   <p:clrMapOvr>
     <a:masterClrMapping/>
   </p:clrMapOvr>
+  <p:timing>
+    <p:tnLst>
+      <p:par>
+        <p:cTn id="1" dur="indefinite" restart="never" nodeType="tmRoot"/>
+      </p:par>
+    </p:tnLst>
+  </p:timing>
 </p:sld>
 </file>
 
-<file path=ppt/slides/slide5.xml><?xml version="1.0" encoding="utf-8"?>
+<file path=ppt/slides/slide6.xml><?xml version="1.0" encoding="utf-8"?>
 <p:sld xmlns:a="http://schemas.openxmlformats.org/drawingml/2006/main" xmlns:r="http://schemas.openxmlformats.org/officeDocument/2006/relationships" xmlns:p="http://schemas.openxmlformats.org/presentationml/2006/main">
   <p:cSld>
     <p:spTree>
@@ -4620,10 +4761,17 @@
   <p:clrMapOvr>
     <a:masterClrMapping/>
   </p:clrMapOvr>
+  <p:timing>
+    <p:tnLst>
+      <p:par>
+        <p:cTn id="1" dur="indefinite" restart="never" nodeType="tmRoot"/>
+      </p:par>
+    </p:tnLst>
+  </p:timing>
 </p:sld>
 </file>
 
-<file path=ppt/slides/slide6.xml><?xml version="1.0" encoding="utf-8"?>
+<file path=ppt/slides/slide7.xml><?xml version="1.0" encoding="utf-8"?>
 <p:sld xmlns:a="http://schemas.openxmlformats.org/drawingml/2006/main" xmlns:r="http://schemas.openxmlformats.org/officeDocument/2006/relationships" xmlns:p="http://schemas.openxmlformats.org/presentationml/2006/main">
   <p:cSld>
     <p:spTree>
@@ -4876,10 +5024,17 @@
   <p:clrMapOvr>
     <a:masterClrMapping/>
   </p:clrMapOvr>
+  <p:timing>
+    <p:tnLst>
+      <p:par>
+        <p:cTn id="1" dur="indefinite" restart="never" nodeType="tmRoot"/>
+      </p:par>
+    </p:tnLst>
+  </p:timing>
 </p:sld>
 </file>
 
-<file path=ppt/slides/slide7.xml><?xml version="1.0" encoding="utf-8"?>
+<file path=ppt/slides/slide8.xml><?xml version="1.0" encoding="utf-8"?>
 <p:sld xmlns:a="http://schemas.openxmlformats.org/drawingml/2006/main" xmlns:r="http://schemas.openxmlformats.org/officeDocument/2006/relationships" xmlns:p="http://schemas.openxmlformats.org/presentationml/2006/main">
   <p:cSld>
     <p:spTree>
@@ -5042,10 +5197,17 @@
   <p:clrMapOvr>
     <a:masterClrMapping/>
   </p:clrMapOvr>
+  <p:timing>
+    <p:tnLst>
+      <p:par>
+        <p:cTn id="1" dur="indefinite" restart="never" nodeType="tmRoot"/>
+      </p:par>
+    </p:tnLst>
+  </p:timing>
 </p:sld>
 </file>
 
-<file path=ppt/slides/slide8.xml><?xml version="1.0" encoding="utf-8"?>
+<file path=ppt/slides/slide9.xml><?xml version="1.0" encoding="utf-8"?>
 <p:sld xmlns:a="http://schemas.openxmlformats.org/drawingml/2006/main" xmlns:r="http://schemas.openxmlformats.org/officeDocument/2006/relationships" xmlns:p="http://schemas.openxmlformats.org/presentationml/2006/main">
   <p:cSld>
     <p:spTree>
@@ -5093,7 +5255,7 @@
             </a:r>
             <a:r>
               <a:rPr lang="de-CH" dirty="0" err="1" smtClean="0"/>
-              <a:t>Shading</a:t>
+              <a:t>Reflection</a:t>
             </a:r>
             <a:endParaRPr lang="de-CH" dirty="0"/>
           </a:p>
@@ -5810,132 +5972,13 @@
   <p:clrMapOvr>
     <a:masterClrMapping/>
   </p:clrMapOvr>
-</p:sld>
-</file>
-
-<file path=ppt/slides/slide9.xml><?xml version="1.0" encoding="utf-8"?>
-<p:sld xmlns:a="http://schemas.openxmlformats.org/drawingml/2006/main" xmlns:r="http://schemas.openxmlformats.org/officeDocument/2006/relationships" xmlns:p="http://schemas.openxmlformats.org/presentationml/2006/main">
-  <p:cSld>
-    <p:spTree>
-      <p:nvGrpSpPr>
-        <p:cNvPr id="1" name=""/>
-        <p:cNvGrpSpPr/>
-        <p:nvPr/>
-      </p:nvGrpSpPr>
-      <p:grpSpPr>
-        <a:xfrm>
-          <a:off x="0" y="0"/>
-          <a:ext cx="0" cy="0"/>
-          <a:chOff x="0" y="0"/>
-          <a:chExt cx="0" cy="0"/>
-        </a:xfrm>
-      </p:grpSpPr>
-      <p:sp>
-        <p:nvSpPr>
-          <p:cNvPr id="2" name="Titel 1"/>
-          <p:cNvSpPr>
-            <a:spLocks noGrp="1"/>
-          </p:cNvSpPr>
-          <p:nvPr>
-            <p:ph type="title"/>
-          </p:nvPr>
-        </p:nvSpPr>
-        <p:spPr/>
-        <p:txBody>
-          <a:bodyPr/>
-          <a:lstStyle/>
-          <a:p>
-            <a:r>
-              <a:rPr lang="de-CH" dirty="0" smtClean="0"/>
-              <a:t>Demo</a:t>
-            </a:r>
-            <a:endParaRPr lang="de-CH" dirty="0"/>
-          </a:p>
-        </p:txBody>
-      </p:sp>
-      <p:sp>
-        <p:nvSpPr>
-          <p:cNvPr id="3" name="Inhaltsplatzhalter 2"/>
-          <p:cNvSpPr>
-            <a:spLocks noGrp="1"/>
-          </p:cNvSpPr>
-          <p:nvPr>
-            <p:ph idx="1"/>
-          </p:nvPr>
-        </p:nvSpPr>
-        <p:spPr/>
-        <p:txBody>
-          <a:bodyPr/>
-          <a:lstStyle/>
-          <a:p>
-            <a:endParaRPr lang="de-CH"/>
-          </a:p>
-        </p:txBody>
-      </p:sp>
-      <p:pic>
-        <p:nvPicPr>
-          <p:cNvPr id="1027" name="Picture 3"/>
-          <p:cNvPicPr>
-            <a:picLocks noChangeAspect="1" noChangeArrowheads="1"/>
-          </p:cNvPicPr>
-          <p:nvPr/>
-        </p:nvPicPr>
-        <p:blipFill>
-          <a:blip r:embed="rId2">
-            <a:extLst>
-              <a:ext uri="{28A0092B-C50C-407E-A947-70E740481C1C}">
-                <a14:useLocalDpi xmlns:a14="http://schemas.microsoft.com/office/drawing/2010/main" val="0"/>
-              </a:ext>
-            </a:extLst>
-          </a:blip>
-          <a:srcRect/>
-          <a:stretch>
-            <a:fillRect/>
-          </a:stretch>
-        </p:blipFill>
-        <p:spPr bwMode="auto">
-          <a:xfrm>
-            <a:off x="971600" y="1739766"/>
-            <a:ext cx="7056784" cy="4723963"/>
-          </a:xfrm>
-          <a:prstGeom prst="rect">
-            <a:avLst/>
-          </a:prstGeom>
-          <a:noFill/>
-          <a:ln>
-            <a:noFill/>
-          </a:ln>
-          <a:extLst>
-            <a:ext uri="{909E8E84-426E-40DD-AFC4-6F175D3DCCD1}">
-              <a14:hiddenFill xmlns:a14="http://schemas.microsoft.com/office/drawing/2010/main">
-                <a:solidFill>
-                  <a:schemeClr val="accent1"/>
-                </a:solidFill>
-              </a14:hiddenFill>
-            </a:ext>
-            <a:ext uri="{91240B29-F687-4F45-9708-019B960494DF}">
-              <a14:hiddenLine xmlns:a14="http://schemas.microsoft.com/office/drawing/2010/main" w="9525">
-                <a:solidFill>
-                  <a:schemeClr val="tx1"/>
-                </a:solidFill>
-                <a:miter lim="800000"/>
-                <a:headEnd/>
-                <a:tailEnd/>
-              </a14:hiddenLine>
-            </a:ext>
-          </a:extLst>
-        </p:spPr>
-      </p:pic>
-    </p:spTree>
-    <p:extLst>
-      <p:ext uri="{BB962C8B-B14F-4D97-AF65-F5344CB8AC3E}">
-        <p14:creationId xmlns:p14="http://schemas.microsoft.com/office/powerpoint/2010/main" val="1063946259"/>
-      </p:ext>
-    </p:extLst>
-  </p:cSld>
-  <p:clrMapOvr>
-    <a:masterClrMapping/>
-  </p:clrMapOvr>
+  <p:timing>
+    <p:tnLst>
+      <p:par>
+        <p:cTn id="1" dur="indefinite" restart="never" nodeType="tmRoot"/>
+      </p:par>
+    </p:tnLst>
+  </p:timing>
 </p:sld>
 </file>
 

--- a/präsi-projekt-obj-geom.pptx
+++ b/präsi-projekt-obj-geom.pptx
@@ -4449,7 +4449,7 @@
                   <a:srgbClr val="0070C0"/>
                 </a:solidFill>
               </a:rPr>
-              <a:t>offsetX</a:t>
+              <a:t>posX</a:t>
             </a:r>
             <a:r>
               <a:rPr lang="de-CH" sz="1800" dirty="0" smtClean="0">
@@ -4460,51 +4460,27 @@
               <a:t> </a:t>
             </a:r>
             <a:r>
-              <a:rPr lang="de-CH" sz="1800" dirty="0">
-                <a:solidFill>
-                  <a:srgbClr val="0070C0"/>
-                </a:solidFill>
-              </a:rPr>
+              <a:rPr lang="de-CH" sz="1800" dirty="0" smtClean="0"/>
               <a:t>= </a:t>
             </a:r>
             <a:r>
-              <a:rPr lang="de-CH" sz="1800" dirty="0" err="1">
-                <a:solidFill>
-                  <a:srgbClr val="0070C0"/>
-                </a:solidFill>
-              </a:rPr>
+              <a:rPr lang="de-CH" sz="1800" dirty="0" err="1"/>
               <a:t>horizontalDistance</a:t>
             </a:r>
             <a:r>
-              <a:rPr lang="de-CH" sz="1800" dirty="0">
-                <a:solidFill>
-                  <a:srgbClr val="0070C0"/>
-                </a:solidFill>
-              </a:rPr>
+              <a:rPr lang="de-CH" sz="1800" dirty="0"/>
               <a:t> </a:t>
             </a:r>
             <a:r>
-              <a:rPr lang="de-CH" sz="1800" dirty="0" smtClean="0">
-                <a:solidFill>
-                  <a:srgbClr val="0070C0"/>
-                </a:solidFill>
-              </a:rPr>
+              <a:rPr lang="de-CH" sz="1800" dirty="0" smtClean="0"/>
               <a:t>* </a:t>
             </a:r>
             <a:r>
-              <a:rPr lang="de-CH" sz="1800" i="1" dirty="0" smtClean="0">
-                <a:solidFill>
-                  <a:srgbClr val="0070C0"/>
-                </a:solidFill>
-              </a:rPr>
+              <a:rPr lang="de-CH" sz="1800" i="1" dirty="0" smtClean="0"/>
               <a:t>sin</a:t>
             </a:r>
             <a:r>
-              <a:rPr lang="de-CH" sz="1800" dirty="0" smtClean="0">
-                <a:solidFill>
-                  <a:srgbClr val="0070C0"/>
-                </a:solidFill>
-              </a:rPr>
+              <a:rPr lang="de-CH" sz="1800" dirty="0" smtClean="0"/>
               <a:t>(</a:t>
             </a:r>
             <a:r>
@@ -4536,7 +4512,7 @@
                   <a:srgbClr val="00B050"/>
                 </a:solidFill>
               </a:rPr>
-              <a:t>offsetZ</a:t>
+              <a:t>posY</a:t>
             </a:r>
             <a:r>
               <a:rPr lang="de-CH" sz="1800" dirty="0" smtClean="0">
@@ -4547,43 +4523,23 @@
               <a:t> </a:t>
             </a:r>
             <a:r>
-              <a:rPr lang="de-CH" sz="1800" dirty="0">
-                <a:solidFill>
-                  <a:srgbClr val="00B050"/>
-                </a:solidFill>
-              </a:rPr>
+              <a:rPr lang="de-CH" sz="1800" dirty="0"/>
               <a:t>= </a:t>
             </a:r>
             <a:r>
-              <a:rPr lang="de-CH" sz="1800" dirty="0" err="1">
-                <a:solidFill>
-                  <a:srgbClr val="00B050"/>
-                </a:solidFill>
-              </a:rPr>
+              <a:rPr lang="de-CH" sz="1800" dirty="0" err="1"/>
               <a:t>horizontalDistance</a:t>
             </a:r>
             <a:r>
-              <a:rPr lang="de-CH" sz="1800" dirty="0">
-                <a:solidFill>
-                  <a:srgbClr val="00B050"/>
-                </a:solidFill>
-              </a:rPr>
+              <a:rPr lang="de-CH" sz="1800" dirty="0"/>
               <a:t> * </a:t>
             </a:r>
             <a:r>
-              <a:rPr lang="de-CH" sz="1800" i="1" dirty="0" smtClean="0">
-                <a:solidFill>
-                  <a:srgbClr val="00B050"/>
-                </a:solidFill>
-              </a:rPr>
+              <a:rPr lang="de-CH" sz="1800" i="1" dirty="0" smtClean="0"/>
               <a:t>cos</a:t>
             </a:r>
             <a:r>
-              <a:rPr lang="de-CH" sz="1800" dirty="0" smtClean="0">
-                <a:solidFill>
-                  <a:srgbClr val="00B050"/>
-                </a:solidFill>
-              </a:rPr>
+              <a:rPr lang="de-CH" sz="1800" dirty="0" smtClean="0"/>
               <a:t>(</a:t>
             </a:r>
             <a:r>
@@ -4625,13 +4581,14 @@
               <a:t>= - </a:t>
             </a:r>
             <a:r>
-              <a:rPr lang="de-CH" sz="1800" dirty="0" err="1"/>
-              <a:t>offsetX</a:t>
+              <a:rPr lang="de-CH" sz="1800" dirty="0" err="1" smtClean="0"/>
+              <a:t>posX</a:t>
             </a:r>
             <a:r>
               <a:rPr lang="de-CH" sz="1800" dirty="0" smtClean="0"/>
               <a:t>;</a:t>
             </a:r>
+            <a:endParaRPr lang="de-CH" sz="1800" dirty="0" smtClean="0"/>
           </a:p>
           <a:p>
             <a:r>
@@ -4656,10 +4613,10 @@
             </a:r>
             <a:r>
               <a:rPr lang="de-CH" sz="1800" dirty="0" err="1" smtClean="0"/>
-              <a:t>offsetZ</a:t>
-            </a:r>
-            <a:r>
-              <a:rPr lang="de-CH" sz="1800" smtClean="0"/>
+              <a:t>posY</a:t>
+            </a:r>
+            <a:r>
+              <a:rPr lang="de-CH" sz="1800" dirty="0" smtClean="0"/>
               <a:t>;</a:t>
             </a:r>
             <a:endParaRPr lang="de-CH" sz="1800" dirty="0" smtClean="0"/>
@@ -5103,8 +5060,16 @@
           </a:p>
           <a:p>
             <a:r>
+              <a:rPr lang="de-CH" smtClean="0"/>
+              <a:t>Jeder Geradenabschnitt </a:t>
+            </a:r>
+            <a:r>
               <a:rPr lang="de-CH" dirty="0" smtClean="0"/>
-              <a:t>Jede Linie referenziert P1 und P2</a:t>
+              <a:t>referenziert </a:t>
+            </a:r>
+            <a:r>
+              <a:rPr lang="de-CH" dirty="0" smtClean="0"/>
+              <a:t>P1 und P2</a:t>
             </a:r>
           </a:p>
           <a:p>
@@ -5123,8 +5088,8 @@
               <a:t>: Translation, Rotation, </a:t>
             </a:r>
             <a:r>
-              <a:rPr lang="de-CH" dirty="0" err="1" smtClean="0"/>
-              <a:t>Scale</a:t>
+              <a:rPr lang="de-CH" dirty="0" smtClean="0"/>
+              <a:t>Streckung</a:t>
             </a:r>
             <a:endParaRPr lang="de-CH" dirty="0"/>
           </a:p>

--- a/präsi-projekt-obj-geom.pptx
+++ b/präsi-projekt-obj-geom.pptx
@@ -4,15 +4,18 @@
   <p:sldMasterIdLst>
     <p:sldMasterId id="2147483852" r:id="rId1"/>
   </p:sldMasterIdLst>
+  <p:notesMasterIdLst>
+    <p:notesMasterId r:id="rId12"/>
+  </p:notesMasterIdLst>
   <p:sldIdLst>
     <p:sldId id="256" r:id="rId2"/>
     <p:sldId id="258" r:id="rId3"/>
     <p:sldId id="257" r:id="rId4"/>
     <p:sldId id="263" r:id="rId5"/>
-    <p:sldId id="259" r:id="rId6"/>
-    <p:sldId id="264" r:id="rId7"/>
-    <p:sldId id="265" r:id="rId8"/>
-    <p:sldId id="261" r:id="rId9"/>
+    <p:sldId id="261" r:id="rId6"/>
+    <p:sldId id="259" r:id="rId7"/>
+    <p:sldId id="264" r:id="rId8"/>
+    <p:sldId id="265" r:id="rId9"/>
     <p:sldId id="262" r:id="rId10"/>
     <p:sldId id="260" r:id="rId11"/>
   </p:sldIdLst>
@@ -116,6 +119,1156 @@
 </p:presentation>
 </file>
 
+<file path=ppt/notesMasters/notesMaster1.xml><?xml version="1.0" encoding="utf-8"?>
+<p:notesMaster xmlns:a="http://schemas.openxmlformats.org/drawingml/2006/main" xmlns:r="http://schemas.openxmlformats.org/officeDocument/2006/relationships" xmlns:p="http://schemas.openxmlformats.org/presentationml/2006/main">
+  <p:cSld>
+    <p:bg>
+      <p:bgRef idx="1001">
+        <a:schemeClr val="bg1"/>
+      </p:bgRef>
+    </p:bg>
+    <p:spTree>
+      <p:nvGrpSpPr>
+        <p:cNvPr id="1" name=""/>
+        <p:cNvGrpSpPr/>
+        <p:nvPr/>
+      </p:nvGrpSpPr>
+      <p:grpSpPr>
+        <a:xfrm>
+          <a:off x="0" y="0"/>
+          <a:ext cx="0" cy="0"/>
+          <a:chOff x="0" y="0"/>
+          <a:chExt cx="0" cy="0"/>
+        </a:xfrm>
+      </p:grpSpPr>
+      <p:sp>
+        <p:nvSpPr>
+          <p:cNvPr id="2" name="Kopfzeilenplatzhalter 1"/>
+          <p:cNvSpPr>
+            <a:spLocks noGrp="1"/>
+          </p:cNvSpPr>
+          <p:nvPr>
+            <p:ph type="hdr" sz="quarter"/>
+          </p:nvPr>
+        </p:nvSpPr>
+        <p:spPr>
+          <a:xfrm>
+            <a:off x="0" y="0"/>
+            <a:ext cx="2971800" cy="457200"/>
+          </a:xfrm>
+          <a:prstGeom prst="rect">
+            <a:avLst/>
+          </a:prstGeom>
+        </p:spPr>
+        <p:txBody>
+          <a:bodyPr vert="horz" lIns="91440" tIns="45720" rIns="91440" bIns="45720" rtlCol="0"/>
+          <a:lstStyle>
+            <a:lvl1pPr algn="l">
+              <a:defRPr sz="1200"/>
+            </a:lvl1pPr>
+          </a:lstStyle>
+          <a:p>
+            <a:endParaRPr lang="de-CH"/>
+          </a:p>
+        </p:txBody>
+      </p:sp>
+      <p:sp>
+        <p:nvSpPr>
+          <p:cNvPr id="3" name="Datumsplatzhalter 2"/>
+          <p:cNvSpPr>
+            <a:spLocks noGrp="1"/>
+          </p:cNvSpPr>
+          <p:nvPr>
+            <p:ph type="dt" idx="1"/>
+          </p:nvPr>
+        </p:nvSpPr>
+        <p:spPr>
+          <a:xfrm>
+            <a:off x="3884613" y="0"/>
+            <a:ext cx="2971800" cy="457200"/>
+          </a:xfrm>
+          <a:prstGeom prst="rect">
+            <a:avLst/>
+          </a:prstGeom>
+        </p:spPr>
+        <p:txBody>
+          <a:bodyPr vert="horz" lIns="91440" tIns="45720" rIns="91440" bIns="45720" rtlCol="0"/>
+          <a:lstStyle>
+            <a:lvl1pPr algn="r">
+              <a:defRPr sz="1200"/>
+            </a:lvl1pPr>
+          </a:lstStyle>
+          <a:p>
+            <a:fld id="{0A124C12-A3F9-436B-B427-937D56D33E8E}" type="datetimeFigureOut">
+              <a:rPr lang="de-CH" smtClean="0"/>
+              <a:t>11.01.2016</a:t>
+            </a:fld>
+            <a:endParaRPr lang="de-CH"/>
+          </a:p>
+        </p:txBody>
+      </p:sp>
+      <p:sp>
+        <p:nvSpPr>
+          <p:cNvPr id="4" name="Folienbildplatzhalter 3"/>
+          <p:cNvSpPr>
+            <a:spLocks noGrp="1" noRot="1" noChangeAspect="1"/>
+          </p:cNvSpPr>
+          <p:nvPr>
+            <p:ph type="sldImg" idx="2"/>
+          </p:nvPr>
+        </p:nvSpPr>
+        <p:spPr>
+          <a:xfrm>
+            <a:off x="1143000" y="685800"/>
+            <a:ext cx="4572000" cy="3429000"/>
+          </a:xfrm>
+          <a:prstGeom prst="rect">
+            <a:avLst/>
+          </a:prstGeom>
+          <a:noFill/>
+          <a:ln w="12700">
+            <a:solidFill>
+              <a:prstClr val="black"/>
+            </a:solidFill>
+          </a:ln>
+        </p:spPr>
+        <p:txBody>
+          <a:bodyPr vert="horz" lIns="91440" tIns="45720" rIns="91440" bIns="45720" rtlCol="0" anchor="ctr"/>
+          <a:lstStyle/>
+          <a:p>
+            <a:endParaRPr lang="de-CH"/>
+          </a:p>
+        </p:txBody>
+      </p:sp>
+      <p:sp>
+        <p:nvSpPr>
+          <p:cNvPr id="5" name="Notizenplatzhalter 4"/>
+          <p:cNvSpPr>
+            <a:spLocks noGrp="1"/>
+          </p:cNvSpPr>
+          <p:nvPr>
+            <p:ph type="body" sz="quarter" idx="3"/>
+          </p:nvPr>
+        </p:nvSpPr>
+        <p:spPr>
+          <a:xfrm>
+            <a:off x="685800" y="4343400"/>
+            <a:ext cx="5486400" cy="4114800"/>
+          </a:xfrm>
+          <a:prstGeom prst="rect">
+            <a:avLst/>
+          </a:prstGeom>
+        </p:spPr>
+        <p:txBody>
+          <a:bodyPr vert="horz" lIns="91440" tIns="45720" rIns="91440" bIns="45720" rtlCol="0"/>
+          <a:lstStyle/>
+          <a:p>
+            <a:pPr lvl="0"/>
+            <a:r>
+              <a:rPr lang="de-DE" smtClean="0"/>
+              <a:t>Textmasterformat bearbeiten</a:t>
+            </a:r>
+          </a:p>
+          <a:p>
+            <a:pPr lvl="1"/>
+            <a:r>
+              <a:rPr lang="de-DE" smtClean="0"/>
+              <a:t>Zweite Ebene</a:t>
+            </a:r>
+          </a:p>
+          <a:p>
+            <a:pPr lvl="2"/>
+            <a:r>
+              <a:rPr lang="de-DE" smtClean="0"/>
+              <a:t>Dritte Ebene</a:t>
+            </a:r>
+          </a:p>
+          <a:p>
+            <a:pPr lvl="3"/>
+            <a:r>
+              <a:rPr lang="de-DE" smtClean="0"/>
+              <a:t>Vierte Ebene</a:t>
+            </a:r>
+          </a:p>
+          <a:p>
+            <a:pPr lvl="4"/>
+            <a:r>
+              <a:rPr lang="de-DE" smtClean="0"/>
+              <a:t>Fünfte Ebene</a:t>
+            </a:r>
+            <a:endParaRPr lang="de-CH"/>
+          </a:p>
+        </p:txBody>
+      </p:sp>
+      <p:sp>
+        <p:nvSpPr>
+          <p:cNvPr id="6" name="Fußzeilenplatzhalter 5"/>
+          <p:cNvSpPr>
+            <a:spLocks noGrp="1"/>
+          </p:cNvSpPr>
+          <p:nvPr>
+            <p:ph type="ftr" sz="quarter" idx="4"/>
+          </p:nvPr>
+        </p:nvSpPr>
+        <p:spPr>
+          <a:xfrm>
+            <a:off x="0" y="8685213"/>
+            <a:ext cx="2971800" cy="457200"/>
+          </a:xfrm>
+          <a:prstGeom prst="rect">
+            <a:avLst/>
+          </a:prstGeom>
+        </p:spPr>
+        <p:txBody>
+          <a:bodyPr vert="horz" lIns="91440" tIns="45720" rIns="91440" bIns="45720" rtlCol="0" anchor="b"/>
+          <a:lstStyle>
+            <a:lvl1pPr algn="l">
+              <a:defRPr sz="1200"/>
+            </a:lvl1pPr>
+          </a:lstStyle>
+          <a:p>
+            <a:endParaRPr lang="de-CH"/>
+          </a:p>
+        </p:txBody>
+      </p:sp>
+      <p:sp>
+        <p:nvSpPr>
+          <p:cNvPr id="7" name="Foliennummernplatzhalter 6"/>
+          <p:cNvSpPr>
+            <a:spLocks noGrp="1"/>
+          </p:cNvSpPr>
+          <p:nvPr>
+            <p:ph type="sldNum" sz="quarter" idx="5"/>
+          </p:nvPr>
+        </p:nvSpPr>
+        <p:spPr>
+          <a:xfrm>
+            <a:off x="3884613" y="8685213"/>
+            <a:ext cx="2971800" cy="457200"/>
+          </a:xfrm>
+          <a:prstGeom prst="rect">
+            <a:avLst/>
+          </a:prstGeom>
+        </p:spPr>
+        <p:txBody>
+          <a:bodyPr vert="horz" lIns="91440" tIns="45720" rIns="91440" bIns="45720" rtlCol="0" anchor="b"/>
+          <a:lstStyle>
+            <a:lvl1pPr algn="r">
+              <a:defRPr sz="1200"/>
+            </a:lvl1pPr>
+          </a:lstStyle>
+          <a:p>
+            <a:fld id="{82D390B4-DAD9-43BC-9C7F-06927147A7BB}" type="slidenum">
+              <a:rPr lang="de-CH" smtClean="0"/>
+              <a:t>‹Nr.›</a:t>
+            </a:fld>
+            <a:endParaRPr lang="de-CH"/>
+          </a:p>
+        </p:txBody>
+      </p:sp>
+    </p:spTree>
+    <p:extLst>
+      <p:ext uri="{BB962C8B-B14F-4D97-AF65-F5344CB8AC3E}">
+        <p14:creationId xmlns:p14="http://schemas.microsoft.com/office/powerpoint/2010/main" val="1010442449"/>
+      </p:ext>
+    </p:extLst>
+  </p:cSld>
+  <p:clrMap bg1="lt1" tx1="dk1" bg2="lt2" tx2="dk2" accent1="accent1" accent2="accent2" accent3="accent3" accent4="accent4" accent5="accent5" accent6="accent6" hlink="hlink" folHlink="folHlink"/>
+  <p:notesStyle>
+    <a:lvl1pPr marL="0" algn="l" defTabSz="914400" rtl="0" eaLnBrk="1" latinLnBrk="0" hangingPunct="1">
+      <a:defRPr sz="1200" kern="1200">
+        <a:solidFill>
+          <a:schemeClr val="tx1"/>
+        </a:solidFill>
+        <a:latin typeface="+mn-lt"/>
+        <a:ea typeface="+mn-ea"/>
+        <a:cs typeface="+mn-cs"/>
+      </a:defRPr>
+    </a:lvl1pPr>
+    <a:lvl2pPr marL="457200" algn="l" defTabSz="914400" rtl="0" eaLnBrk="1" latinLnBrk="0" hangingPunct="1">
+      <a:defRPr sz="1200" kern="1200">
+        <a:solidFill>
+          <a:schemeClr val="tx1"/>
+        </a:solidFill>
+        <a:latin typeface="+mn-lt"/>
+        <a:ea typeface="+mn-ea"/>
+        <a:cs typeface="+mn-cs"/>
+      </a:defRPr>
+    </a:lvl2pPr>
+    <a:lvl3pPr marL="914400" algn="l" defTabSz="914400" rtl="0" eaLnBrk="1" latinLnBrk="0" hangingPunct="1">
+      <a:defRPr sz="1200" kern="1200">
+        <a:solidFill>
+          <a:schemeClr val="tx1"/>
+        </a:solidFill>
+        <a:latin typeface="+mn-lt"/>
+        <a:ea typeface="+mn-ea"/>
+        <a:cs typeface="+mn-cs"/>
+      </a:defRPr>
+    </a:lvl3pPr>
+    <a:lvl4pPr marL="1371600" algn="l" defTabSz="914400" rtl="0" eaLnBrk="1" latinLnBrk="0" hangingPunct="1">
+      <a:defRPr sz="1200" kern="1200">
+        <a:solidFill>
+          <a:schemeClr val="tx1"/>
+        </a:solidFill>
+        <a:latin typeface="+mn-lt"/>
+        <a:ea typeface="+mn-ea"/>
+        <a:cs typeface="+mn-cs"/>
+      </a:defRPr>
+    </a:lvl4pPr>
+    <a:lvl5pPr marL="1828800" algn="l" defTabSz="914400" rtl="0" eaLnBrk="1" latinLnBrk="0" hangingPunct="1">
+      <a:defRPr sz="1200" kern="1200">
+        <a:solidFill>
+          <a:schemeClr val="tx1"/>
+        </a:solidFill>
+        <a:latin typeface="+mn-lt"/>
+        <a:ea typeface="+mn-ea"/>
+        <a:cs typeface="+mn-cs"/>
+      </a:defRPr>
+    </a:lvl5pPr>
+    <a:lvl6pPr marL="2286000" algn="l" defTabSz="914400" rtl="0" eaLnBrk="1" latinLnBrk="0" hangingPunct="1">
+      <a:defRPr sz="1200" kern="1200">
+        <a:solidFill>
+          <a:schemeClr val="tx1"/>
+        </a:solidFill>
+        <a:latin typeface="+mn-lt"/>
+        <a:ea typeface="+mn-ea"/>
+        <a:cs typeface="+mn-cs"/>
+      </a:defRPr>
+    </a:lvl6pPr>
+    <a:lvl7pPr marL="2743200" algn="l" defTabSz="914400" rtl="0" eaLnBrk="1" latinLnBrk="0" hangingPunct="1">
+      <a:defRPr sz="1200" kern="1200">
+        <a:solidFill>
+          <a:schemeClr val="tx1"/>
+        </a:solidFill>
+        <a:latin typeface="+mn-lt"/>
+        <a:ea typeface="+mn-ea"/>
+        <a:cs typeface="+mn-cs"/>
+      </a:defRPr>
+    </a:lvl7pPr>
+    <a:lvl8pPr marL="3200400" algn="l" defTabSz="914400" rtl="0" eaLnBrk="1" latinLnBrk="0" hangingPunct="1">
+      <a:defRPr sz="1200" kern="1200">
+        <a:solidFill>
+          <a:schemeClr val="tx1"/>
+        </a:solidFill>
+        <a:latin typeface="+mn-lt"/>
+        <a:ea typeface="+mn-ea"/>
+        <a:cs typeface="+mn-cs"/>
+      </a:defRPr>
+    </a:lvl8pPr>
+    <a:lvl9pPr marL="3657600" algn="l" defTabSz="914400" rtl="0" eaLnBrk="1" latinLnBrk="0" hangingPunct="1">
+      <a:defRPr sz="1200" kern="1200">
+        <a:solidFill>
+          <a:schemeClr val="tx1"/>
+        </a:solidFill>
+        <a:latin typeface="+mn-lt"/>
+        <a:ea typeface="+mn-ea"/>
+        <a:cs typeface="+mn-cs"/>
+      </a:defRPr>
+    </a:lvl9pPr>
+  </p:notesStyle>
+</p:notesMaster>
+</file>
+
+<file path=ppt/notesSlides/notesSlide1.xml><?xml version="1.0" encoding="utf-8"?>
+<p:notes xmlns:a="http://schemas.openxmlformats.org/drawingml/2006/main" xmlns:r="http://schemas.openxmlformats.org/officeDocument/2006/relationships" xmlns:p="http://schemas.openxmlformats.org/presentationml/2006/main">
+  <p:cSld>
+    <p:spTree>
+      <p:nvGrpSpPr>
+        <p:cNvPr id="1" name=""/>
+        <p:cNvGrpSpPr/>
+        <p:nvPr/>
+      </p:nvGrpSpPr>
+      <p:grpSpPr>
+        <a:xfrm>
+          <a:off x="0" y="0"/>
+          <a:ext cx="0" cy="0"/>
+          <a:chOff x="0" y="0"/>
+          <a:chExt cx="0" cy="0"/>
+        </a:xfrm>
+      </p:grpSpPr>
+      <p:sp>
+        <p:nvSpPr>
+          <p:cNvPr id="2" name="Folienbildplatzhalter 1"/>
+          <p:cNvSpPr>
+            <a:spLocks noGrp="1" noRot="1" noChangeAspect="1"/>
+          </p:cNvSpPr>
+          <p:nvPr>
+            <p:ph type="sldImg"/>
+          </p:nvPr>
+        </p:nvSpPr>
+        <p:spPr/>
+      </p:sp>
+      <p:sp>
+        <p:nvSpPr>
+          <p:cNvPr id="3" name="Notizenplatzhalter 2"/>
+          <p:cNvSpPr>
+            <a:spLocks noGrp="1"/>
+          </p:cNvSpPr>
+          <p:nvPr>
+            <p:ph type="body" idx="1"/>
+          </p:nvPr>
+        </p:nvSpPr>
+        <p:spPr/>
+        <p:txBody>
+          <a:bodyPr/>
+          <a:lstStyle/>
+          <a:p>
+            <a:r>
+              <a:rPr lang="de-CH" dirty="0" err="1" smtClean="0"/>
+              <a:t>joel</a:t>
+            </a:r>
+            <a:endParaRPr lang="de-CH" dirty="0"/>
+          </a:p>
+        </p:txBody>
+      </p:sp>
+      <p:sp>
+        <p:nvSpPr>
+          <p:cNvPr id="4" name="Foliennummernplatzhalter 3"/>
+          <p:cNvSpPr>
+            <a:spLocks noGrp="1"/>
+          </p:cNvSpPr>
+          <p:nvPr>
+            <p:ph type="sldNum" sz="quarter" idx="10"/>
+          </p:nvPr>
+        </p:nvSpPr>
+        <p:spPr/>
+        <p:txBody>
+          <a:bodyPr/>
+          <a:lstStyle/>
+          <a:p>
+            <a:fld id="{82D390B4-DAD9-43BC-9C7F-06927147A7BB}" type="slidenum">
+              <a:rPr lang="de-CH" smtClean="0"/>
+              <a:t>2</a:t>
+            </a:fld>
+            <a:endParaRPr lang="de-CH"/>
+          </a:p>
+        </p:txBody>
+      </p:sp>
+    </p:spTree>
+    <p:extLst>
+      <p:ext uri="{BB962C8B-B14F-4D97-AF65-F5344CB8AC3E}">
+        <p14:creationId xmlns:p14="http://schemas.microsoft.com/office/powerpoint/2010/main" val="1451443135"/>
+      </p:ext>
+    </p:extLst>
+  </p:cSld>
+  <p:clrMapOvr>
+    <a:masterClrMapping/>
+  </p:clrMapOvr>
+</p:notes>
+</file>
+
+<file path=ppt/notesSlides/notesSlide2.xml><?xml version="1.0" encoding="utf-8"?>
+<p:notes xmlns:a="http://schemas.openxmlformats.org/drawingml/2006/main" xmlns:r="http://schemas.openxmlformats.org/officeDocument/2006/relationships" xmlns:p="http://schemas.openxmlformats.org/presentationml/2006/main">
+  <p:cSld>
+    <p:spTree>
+      <p:nvGrpSpPr>
+        <p:cNvPr id="1" name=""/>
+        <p:cNvGrpSpPr/>
+        <p:nvPr/>
+      </p:nvGrpSpPr>
+      <p:grpSpPr>
+        <a:xfrm>
+          <a:off x="0" y="0"/>
+          <a:ext cx="0" cy="0"/>
+          <a:chOff x="0" y="0"/>
+          <a:chExt cx="0" cy="0"/>
+        </a:xfrm>
+      </p:grpSpPr>
+      <p:sp>
+        <p:nvSpPr>
+          <p:cNvPr id="2" name="Folienbildplatzhalter 1"/>
+          <p:cNvSpPr>
+            <a:spLocks noGrp="1" noRot="1" noChangeAspect="1"/>
+          </p:cNvSpPr>
+          <p:nvPr>
+            <p:ph type="sldImg"/>
+          </p:nvPr>
+        </p:nvSpPr>
+        <p:spPr/>
+      </p:sp>
+      <p:sp>
+        <p:nvSpPr>
+          <p:cNvPr id="3" name="Notizenplatzhalter 2"/>
+          <p:cNvSpPr>
+            <a:spLocks noGrp="1"/>
+          </p:cNvSpPr>
+          <p:nvPr>
+            <p:ph type="body" idx="1"/>
+          </p:nvPr>
+        </p:nvSpPr>
+        <p:spPr/>
+        <p:txBody>
+          <a:bodyPr/>
+          <a:lstStyle/>
+          <a:p>
+            <a:r>
+              <a:rPr lang="de-CH" dirty="0" err="1" smtClean="0"/>
+              <a:t>joel</a:t>
+            </a:r>
+            <a:endParaRPr lang="de-CH" dirty="0"/>
+          </a:p>
+        </p:txBody>
+      </p:sp>
+      <p:sp>
+        <p:nvSpPr>
+          <p:cNvPr id="4" name="Foliennummernplatzhalter 3"/>
+          <p:cNvSpPr>
+            <a:spLocks noGrp="1"/>
+          </p:cNvSpPr>
+          <p:nvPr>
+            <p:ph type="sldNum" sz="quarter" idx="10"/>
+          </p:nvPr>
+        </p:nvSpPr>
+        <p:spPr/>
+        <p:txBody>
+          <a:bodyPr/>
+          <a:lstStyle/>
+          <a:p>
+            <a:fld id="{82D390B4-DAD9-43BC-9C7F-06927147A7BB}" type="slidenum">
+              <a:rPr lang="de-CH" smtClean="0"/>
+              <a:t>3</a:t>
+            </a:fld>
+            <a:endParaRPr lang="de-CH"/>
+          </a:p>
+        </p:txBody>
+      </p:sp>
+    </p:spTree>
+    <p:extLst>
+      <p:ext uri="{BB962C8B-B14F-4D97-AF65-F5344CB8AC3E}">
+        <p14:creationId xmlns:p14="http://schemas.microsoft.com/office/powerpoint/2010/main" val="2334224695"/>
+      </p:ext>
+    </p:extLst>
+  </p:cSld>
+  <p:clrMapOvr>
+    <a:masterClrMapping/>
+  </p:clrMapOvr>
+</p:notes>
+</file>
+
+<file path=ppt/notesSlides/notesSlide3.xml><?xml version="1.0" encoding="utf-8"?>
+<p:notes xmlns:a="http://schemas.openxmlformats.org/drawingml/2006/main" xmlns:r="http://schemas.openxmlformats.org/officeDocument/2006/relationships" xmlns:p="http://schemas.openxmlformats.org/presentationml/2006/main">
+  <p:cSld>
+    <p:spTree>
+      <p:nvGrpSpPr>
+        <p:cNvPr id="1" name=""/>
+        <p:cNvGrpSpPr/>
+        <p:nvPr/>
+      </p:nvGrpSpPr>
+      <p:grpSpPr>
+        <a:xfrm>
+          <a:off x="0" y="0"/>
+          <a:ext cx="0" cy="0"/>
+          <a:chOff x="0" y="0"/>
+          <a:chExt cx="0" cy="0"/>
+        </a:xfrm>
+      </p:grpSpPr>
+      <p:sp>
+        <p:nvSpPr>
+          <p:cNvPr id="2" name="Folienbildplatzhalter 1"/>
+          <p:cNvSpPr>
+            <a:spLocks noGrp="1" noRot="1" noChangeAspect="1"/>
+          </p:cNvSpPr>
+          <p:nvPr>
+            <p:ph type="sldImg"/>
+          </p:nvPr>
+        </p:nvSpPr>
+        <p:spPr/>
+      </p:sp>
+      <p:sp>
+        <p:nvSpPr>
+          <p:cNvPr id="3" name="Notizenplatzhalter 2"/>
+          <p:cNvSpPr>
+            <a:spLocks noGrp="1"/>
+          </p:cNvSpPr>
+          <p:nvPr>
+            <p:ph type="body" idx="1"/>
+          </p:nvPr>
+        </p:nvSpPr>
+        <p:spPr/>
+        <p:txBody>
+          <a:bodyPr/>
+          <a:lstStyle/>
+          <a:p>
+            <a:r>
+              <a:rPr lang="de-CH" dirty="0" err="1" smtClean="0"/>
+              <a:t>Wavefront</a:t>
+            </a:r>
+            <a:r>
+              <a:rPr lang="de-CH" baseline="0" dirty="0" smtClean="0"/>
+              <a:t> zeigen - </a:t>
+            </a:r>
+            <a:r>
+              <a:rPr lang="de-CH" baseline="0" dirty="0" err="1" smtClean="0"/>
+              <a:t>joel</a:t>
+            </a:r>
+            <a:endParaRPr lang="de-CH" dirty="0"/>
+          </a:p>
+        </p:txBody>
+      </p:sp>
+      <p:sp>
+        <p:nvSpPr>
+          <p:cNvPr id="4" name="Foliennummernplatzhalter 3"/>
+          <p:cNvSpPr>
+            <a:spLocks noGrp="1"/>
+          </p:cNvSpPr>
+          <p:nvPr>
+            <p:ph type="sldNum" sz="quarter" idx="10"/>
+          </p:nvPr>
+        </p:nvSpPr>
+        <p:spPr/>
+        <p:txBody>
+          <a:bodyPr/>
+          <a:lstStyle/>
+          <a:p>
+            <a:fld id="{82D390B4-DAD9-43BC-9C7F-06927147A7BB}" type="slidenum">
+              <a:rPr lang="de-CH" smtClean="0"/>
+              <a:t>4</a:t>
+            </a:fld>
+            <a:endParaRPr lang="de-CH"/>
+          </a:p>
+        </p:txBody>
+      </p:sp>
+    </p:spTree>
+    <p:extLst>
+      <p:ext uri="{BB962C8B-B14F-4D97-AF65-F5344CB8AC3E}">
+        <p14:creationId xmlns:p14="http://schemas.microsoft.com/office/powerpoint/2010/main" val="3083298596"/>
+      </p:ext>
+    </p:extLst>
+  </p:cSld>
+  <p:clrMapOvr>
+    <a:masterClrMapping/>
+  </p:clrMapOvr>
+</p:notes>
+</file>
+
+<file path=ppt/notesSlides/notesSlide4.xml><?xml version="1.0" encoding="utf-8"?>
+<p:notes xmlns:a="http://schemas.openxmlformats.org/drawingml/2006/main" xmlns:r="http://schemas.openxmlformats.org/officeDocument/2006/relationships" xmlns:p="http://schemas.openxmlformats.org/presentationml/2006/main">
+  <p:cSld>
+    <p:spTree>
+      <p:nvGrpSpPr>
+        <p:cNvPr id="1" name=""/>
+        <p:cNvGrpSpPr/>
+        <p:nvPr/>
+      </p:nvGrpSpPr>
+      <p:grpSpPr>
+        <a:xfrm>
+          <a:off x="0" y="0"/>
+          <a:ext cx="0" cy="0"/>
+          <a:chOff x="0" y="0"/>
+          <a:chExt cx="0" cy="0"/>
+        </a:xfrm>
+      </p:grpSpPr>
+      <p:sp>
+        <p:nvSpPr>
+          <p:cNvPr id="2" name="Folienbildplatzhalter 1"/>
+          <p:cNvSpPr>
+            <a:spLocks noGrp="1" noRot="1" noChangeAspect="1"/>
+          </p:cNvSpPr>
+          <p:nvPr>
+            <p:ph type="sldImg"/>
+          </p:nvPr>
+        </p:nvSpPr>
+        <p:spPr/>
+      </p:sp>
+      <p:sp>
+        <p:nvSpPr>
+          <p:cNvPr id="3" name="Notizenplatzhalter 2"/>
+          <p:cNvSpPr>
+            <a:spLocks noGrp="1"/>
+          </p:cNvSpPr>
+          <p:nvPr>
+            <p:ph type="body" idx="1"/>
+          </p:nvPr>
+        </p:nvSpPr>
+        <p:spPr/>
+        <p:txBody>
+          <a:bodyPr/>
+          <a:lstStyle/>
+          <a:p>
+            <a:r>
+              <a:rPr lang="de-CH" dirty="0" err="1" smtClean="0"/>
+              <a:t>joel</a:t>
+            </a:r>
+            <a:endParaRPr lang="de-CH" dirty="0"/>
+          </a:p>
+        </p:txBody>
+      </p:sp>
+      <p:sp>
+        <p:nvSpPr>
+          <p:cNvPr id="4" name="Foliennummernplatzhalter 3"/>
+          <p:cNvSpPr>
+            <a:spLocks noGrp="1"/>
+          </p:cNvSpPr>
+          <p:nvPr>
+            <p:ph type="sldNum" sz="quarter" idx="10"/>
+          </p:nvPr>
+        </p:nvSpPr>
+        <p:spPr/>
+        <p:txBody>
+          <a:bodyPr/>
+          <a:lstStyle/>
+          <a:p>
+            <a:fld id="{82D390B4-DAD9-43BC-9C7F-06927147A7BB}" type="slidenum">
+              <a:rPr lang="de-CH" smtClean="0"/>
+              <a:t>5</a:t>
+            </a:fld>
+            <a:endParaRPr lang="de-CH"/>
+          </a:p>
+        </p:txBody>
+      </p:sp>
+    </p:spTree>
+    <p:extLst>
+      <p:ext uri="{BB962C8B-B14F-4D97-AF65-F5344CB8AC3E}">
+        <p14:creationId xmlns:p14="http://schemas.microsoft.com/office/powerpoint/2010/main" val="2123211641"/>
+      </p:ext>
+    </p:extLst>
+  </p:cSld>
+  <p:clrMapOvr>
+    <a:masterClrMapping/>
+  </p:clrMapOvr>
+</p:notes>
+</file>
+
+<file path=ppt/notesSlides/notesSlide5.xml><?xml version="1.0" encoding="utf-8"?>
+<p:notes xmlns:a="http://schemas.openxmlformats.org/drawingml/2006/main" xmlns:r="http://schemas.openxmlformats.org/officeDocument/2006/relationships" xmlns:p="http://schemas.openxmlformats.org/presentationml/2006/main">
+  <p:cSld>
+    <p:spTree>
+      <p:nvGrpSpPr>
+        <p:cNvPr id="1" name=""/>
+        <p:cNvGrpSpPr/>
+        <p:nvPr/>
+      </p:nvGrpSpPr>
+      <p:grpSpPr>
+        <a:xfrm>
+          <a:off x="0" y="0"/>
+          <a:ext cx="0" cy="0"/>
+          <a:chOff x="0" y="0"/>
+          <a:chExt cx="0" cy="0"/>
+        </a:xfrm>
+      </p:grpSpPr>
+      <p:sp>
+        <p:nvSpPr>
+          <p:cNvPr id="2" name="Folienbildplatzhalter 1"/>
+          <p:cNvSpPr>
+            <a:spLocks noGrp="1" noRot="1" noChangeAspect="1"/>
+          </p:cNvSpPr>
+          <p:nvPr>
+            <p:ph type="sldImg"/>
+          </p:nvPr>
+        </p:nvSpPr>
+        <p:spPr/>
+      </p:sp>
+      <p:sp>
+        <p:nvSpPr>
+          <p:cNvPr id="3" name="Notizenplatzhalter 2"/>
+          <p:cNvSpPr>
+            <a:spLocks noGrp="1"/>
+          </p:cNvSpPr>
+          <p:nvPr>
+            <p:ph type="body" idx="1"/>
+          </p:nvPr>
+        </p:nvSpPr>
+        <p:spPr/>
+        <p:txBody>
+          <a:bodyPr/>
+          <a:lstStyle/>
+          <a:p>
+            <a:r>
+              <a:rPr lang="de-CH" dirty="0" smtClean="0"/>
+              <a:t>koch</a:t>
+            </a:r>
+            <a:endParaRPr lang="de-CH" dirty="0"/>
+          </a:p>
+        </p:txBody>
+      </p:sp>
+      <p:sp>
+        <p:nvSpPr>
+          <p:cNvPr id="4" name="Foliennummernplatzhalter 3"/>
+          <p:cNvSpPr>
+            <a:spLocks noGrp="1"/>
+          </p:cNvSpPr>
+          <p:nvPr>
+            <p:ph type="sldNum" sz="quarter" idx="10"/>
+          </p:nvPr>
+        </p:nvSpPr>
+        <p:spPr/>
+        <p:txBody>
+          <a:bodyPr/>
+          <a:lstStyle/>
+          <a:p>
+            <a:fld id="{82D390B4-DAD9-43BC-9C7F-06927147A7BB}" type="slidenum">
+              <a:rPr lang="de-CH" smtClean="0"/>
+              <a:t>6</a:t>
+            </a:fld>
+            <a:endParaRPr lang="de-CH"/>
+          </a:p>
+        </p:txBody>
+      </p:sp>
+    </p:spTree>
+    <p:extLst>
+      <p:ext uri="{BB962C8B-B14F-4D97-AF65-F5344CB8AC3E}">
+        <p14:creationId xmlns:p14="http://schemas.microsoft.com/office/powerpoint/2010/main" val="3124091088"/>
+      </p:ext>
+    </p:extLst>
+  </p:cSld>
+  <p:clrMapOvr>
+    <a:masterClrMapping/>
+  </p:clrMapOvr>
+</p:notes>
+</file>
+
+<file path=ppt/notesSlides/notesSlide6.xml><?xml version="1.0" encoding="utf-8"?>
+<p:notes xmlns:a="http://schemas.openxmlformats.org/drawingml/2006/main" xmlns:r="http://schemas.openxmlformats.org/officeDocument/2006/relationships" xmlns:p="http://schemas.openxmlformats.org/presentationml/2006/main">
+  <p:cSld>
+    <p:spTree>
+      <p:nvGrpSpPr>
+        <p:cNvPr id="1" name=""/>
+        <p:cNvGrpSpPr/>
+        <p:nvPr/>
+      </p:nvGrpSpPr>
+      <p:grpSpPr>
+        <a:xfrm>
+          <a:off x="0" y="0"/>
+          <a:ext cx="0" cy="0"/>
+          <a:chOff x="0" y="0"/>
+          <a:chExt cx="0" cy="0"/>
+        </a:xfrm>
+      </p:grpSpPr>
+      <p:sp>
+        <p:nvSpPr>
+          <p:cNvPr id="2" name="Folienbildplatzhalter 1"/>
+          <p:cNvSpPr>
+            <a:spLocks noGrp="1" noRot="1" noChangeAspect="1"/>
+          </p:cNvSpPr>
+          <p:nvPr>
+            <p:ph type="sldImg"/>
+          </p:nvPr>
+        </p:nvSpPr>
+        <p:spPr/>
+      </p:sp>
+      <p:sp>
+        <p:nvSpPr>
+          <p:cNvPr id="3" name="Notizenplatzhalter 2"/>
+          <p:cNvSpPr>
+            <a:spLocks noGrp="1"/>
+          </p:cNvSpPr>
+          <p:nvPr>
+            <p:ph type="body" idx="1"/>
+          </p:nvPr>
+        </p:nvSpPr>
+        <p:spPr/>
+        <p:txBody>
+          <a:bodyPr/>
+          <a:lstStyle/>
+          <a:p>
+            <a:r>
+              <a:rPr lang="de-CH" dirty="0" smtClean="0"/>
+              <a:t>koch</a:t>
+            </a:r>
+            <a:endParaRPr lang="de-CH" dirty="0"/>
+          </a:p>
+        </p:txBody>
+      </p:sp>
+      <p:sp>
+        <p:nvSpPr>
+          <p:cNvPr id="4" name="Foliennummernplatzhalter 3"/>
+          <p:cNvSpPr>
+            <a:spLocks noGrp="1"/>
+          </p:cNvSpPr>
+          <p:nvPr>
+            <p:ph type="sldNum" sz="quarter" idx="10"/>
+          </p:nvPr>
+        </p:nvSpPr>
+        <p:spPr/>
+        <p:txBody>
+          <a:bodyPr/>
+          <a:lstStyle/>
+          <a:p>
+            <a:fld id="{82D390B4-DAD9-43BC-9C7F-06927147A7BB}" type="slidenum">
+              <a:rPr lang="de-CH" smtClean="0"/>
+              <a:t>7</a:t>
+            </a:fld>
+            <a:endParaRPr lang="de-CH"/>
+          </a:p>
+        </p:txBody>
+      </p:sp>
+    </p:spTree>
+    <p:extLst>
+      <p:ext uri="{BB962C8B-B14F-4D97-AF65-F5344CB8AC3E}">
+        <p14:creationId xmlns:p14="http://schemas.microsoft.com/office/powerpoint/2010/main" val="247871348"/>
+      </p:ext>
+    </p:extLst>
+  </p:cSld>
+  <p:clrMapOvr>
+    <a:masterClrMapping/>
+  </p:clrMapOvr>
+</p:notes>
+</file>
+
+<file path=ppt/notesSlides/notesSlide7.xml><?xml version="1.0" encoding="utf-8"?>
+<p:notes xmlns:a="http://schemas.openxmlformats.org/drawingml/2006/main" xmlns:r="http://schemas.openxmlformats.org/officeDocument/2006/relationships" xmlns:p="http://schemas.openxmlformats.org/presentationml/2006/main">
+  <p:cSld>
+    <p:spTree>
+      <p:nvGrpSpPr>
+        <p:cNvPr id="1" name=""/>
+        <p:cNvGrpSpPr/>
+        <p:nvPr/>
+      </p:nvGrpSpPr>
+      <p:grpSpPr>
+        <a:xfrm>
+          <a:off x="0" y="0"/>
+          <a:ext cx="0" cy="0"/>
+          <a:chOff x="0" y="0"/>
+          <a:chExt cx="0" cy="0"/>
+        </a:xfrm>
+      </p:grpSpPr>
+      <p:sp>
+        <p:nvSpPr>
+          <p:cNvPr id="2" name="Folienbildplatzhalter 1"/>
+          <p:cNvSpPr>
+            <a:spLocks noGrp="1" noRot="1" noChangeAspect="1"/>
+          </p:cNvSpPr>
+          <p:nvPr>
+            <p:ph type="sldImg"/>
+          </p:nvPr>
+        </p:nvSpPr>
+        <p:spPr/>
+      </p:sp>
+      <p:sp>
+        <p:nvSpPr>
+          <p:cNvPr id="3" name="Notizenplatzhalter 2"/>
+          <p:cNvSpPr>
+            <a:spLocks noGrp="1"/>
+          </p:cNvSpPr>
+          <p:nvPr>
+            <p:ph type="body" idx="1"/>
+          </p:nvPr>
+        </p:nvSpPr>
+        <p:spPr/>
+        <p:txBody>
+          <a:bodyPr/>
+          <a:lstStyle/>
+          <a:p>
+            <a:r>
+              <a:rPr lang="de-CH" dirty="0" smtClean="0"/>
+              <a:t>koch</a:t>
+            </a:r>
+            <a:endParaRPr lang="de-CH" dirty="0"/>
+          </a:p>
+        </p:txBody>
+      </p:sp>
+      <p:sp>
+        <p:nvSpPr>
+          <p:cNvPr id="4" name="Foliennummernplatzhalter 3"/>
+          <p:cNvSpPr>
+            <a:spLocks noGrp="1"/>
+          </p:cNvSpPr>
+          <p:nvPr>
+            <p:ph type="sldNum" sz="quarter" idx="10"/>
+          </p:nvPr>
+        </p:nvSpPr>
+        <p:spPr/>
+        <p:txBody>
+          <a:bodyPr/>
+          <a:lstStyle/>
+          <a:p>
+            <a:fld id="{82D390B4-DAD9-43BC-9C7F-06927147A7BB}" type="slidenum">
+              <a:rPr lang="de-CH" smtClean="0"/>
+              <a:t>8</a:t>
+            </a:fld>
+            <a:endParaRPr lang="de-CH"/>
+          </a:p>
+        </p:txBody>
+      </p:sp>
+    </p:spTree>
+    <p:extLst>
+      <p:ext uri="{BB962C8B-B14F-4D97-AF65-F5344CB8AC3E}">
+        <p14:creationId xmlns:p14="http://schemas.microsoft.com/office/powerpoint/2010/main" val="2388992153"/>
+      </p:ext>
+    </p:extLst>
+  </p:cSld>
+  <p:clrMapOvr>
+    <a:masterClrMapping/>
+  </p:clrMapOvr>
+</p:notes>
+</file>
+
+<file path=ppt/notesSlides/notesSlide8.xml><?xml version="1.0" encoding="utf-8"?>
+<p:notes xmlns:a="http://schemas.openxmlformats.org/drawingml/2006/main" xmlns:r="http://schemas.openxmlformats.org/officeDocument/2006/relationships" xmlns:p="http://schemas.openxmlformats.org/presentationml/2006/main">
+  <p:cSld>
+    <p:spTree>
+      <p:nvGrpSpPr>
+        <p:cNvPr id="1" name=""/>
+        <p:cNvGrpSpPr/>
+        <p:nvPr/>
+      </p:nvGrpSpPr>
+      <p:grpSpPr>
+        <a:xfrm>
+          <a:off x="0" y="0"/>
+          <a:ext cx="0" cy="0"/>
+          <a:chOff x="0" y="0"/>
+          <a:chExt cx="0" cy="0"/>
+        </a:xfrm>
+      </p:grpSpPr>
+      <p:sp>
+        <p:nvSpPr>
+          <p:cNvPr id="2" name="Folienbildplatzhalter 1"/>
+          <p:cNvSpPr>
+            <a:spLocks noGrp="1" noRot="1" noChangeAspect="1"/>
+          </p:cNvSpPr>
+          <p:nvPr>
+            <p:ph type="sldImg"/>
+          </p:nvPr>
+        </p:nvSpPr>
+        <p:spPr/>
+      </p:sp>
+      <p:sp>
+        <p:nvSpPr>
+          <p:cNvPr id="3" name="Notizenplatzhalter 2"/>
+          <p:cNvSpPr>
+            <a:spLocks noGrp="1"/>
+          </p:cNvSpPr>
+          <p:nvPr>
+            <p:ph type="body" idx="1"/>
+          </p:nvPr>
+        </p:nvSpPr>
+        <p:spPr/>
+        <p:txBody>
+          <a:bodyPr/>
+          <a:lstStyle/>
+          <a:p>
+            <a:r>
+              <a:rPr lang="de-CH" dirty="0" smtClean="0"/>
+              <a:t>Koch</a:t>
+            </a:r>
+            <a:endParaRPr lang="de-CH" dirty="0"/>
+          </a:p>
+        </p:txBody>
+      </p:sp>
+      <p:sp>
+        <p:nvSpPr>
+          <p:cNvPr id="4" name="Foliennummernplatzhalter 3"/>
+          <p:cNvSpPr>
+            <a:spLocks noGrp="1"/>
+          </p:cNvSpPr>
+          <p:nvPr>
+            <p:ph type="sldNum" sz="quarter" idx="10"/>
+          </p:nvPr>
+        </p:nvSpPr>
+        <p:spPr/>
+        <p:txBody>
+          <a:bodyPr/>
+          <a:lstStyle/>
+          <a:p>
+            <a:fld id="{82D390B4-DAD9-43BC-9C7F-06927147A7BB}" type="slidenum">
+              <a:rPr lang="de-CH" smtClean="0"/>
+              <a:t>9</a:t>
+            </a:fld>
+            <a:endParaRPr lang="de-CH"/>
+          </a:p>
+        </p:txBody>
+      </p:sp>
+    </p:spTree>
+    <p:extLst>
+      <p:ext uri="{BB962C8B-B14F-4D97-AF65-F5344CB8AC3E}">
+        <p14:creationId xmlns:p14="http://schemas.microsoft.com/office/powerpoint/2010/main" val="4225703883"/>
+      </p:ext>
+    </p:extLst>
+  </p:cSld>
+  <p:clrMapOvr>
+    <a:masterClrMapping/>
+  </p:clrMapOvr>
+</p:notes>
+</file>
+
+<file path=ppt/notesSlides/notesSlide9.xml><?xml version="1.0" encoding="utf-8"?>
+<p:notes xmlns:a="http://schemas.openxmlformats.org/drawingml/2006/main" xmlns:r="http://schemas.openxmlformats.org/officeDocument/2006/relationships" xmlns:p="http://schemas.openxmlformats.org/presentationml/2006/main">
+  <p:cSld>
+    <p:spTree>
+      <p:nvGrpSpPr>
+        <p:cNvPr id="1" name=""/>
+        <p:cNvGrpSpPr/>
+        <p:nvPr/>
+      </p:nvGrpSpPr>
+      <p:grpSpPr>
+        <a:xfrm>
+          <a:off x="0" y="0"/>
+          <a:ext cx="0" cy="0"/>
+          <a:chOff x="0" y="0"/>
+          <a:chExt cx="0" cy="0"/>
+        </a:xfrm>
+      </p:grpSpPr>
+      <p:sp>
+        <p:nvSpPr>
+          <p:cNvPr id="2" name="Folienbildplatzhalter 1"/>
+          <p:cNvSpPr>
+            <a:spLocks noGrp="1" noRot="1" noChangeAspect="1"/>
+          </p:cNvSpPr>
+          <p:nvPr>
+            <p:ph type="sldImg"/>
+          </p:nvPr>
+        </p:nvSpPr>
+        <p:spPr/>
+      </p:sp>
+      <p:sp>
+        <p:nvSpPr>
+          <p:cNvPr id="3" name="Notizenplatzhalter 2"/>
+          <p:cNvSpPr>
+            <a:spLocks noGrp="1"/>
+          </p:cNvSpPr>
+          <p:nvPr>
+            <p:ph type="body" idx="1"/>
+          </p:nvPr>
+        </p:nvSpPr>
+        <p:spPr/>
+        <p:txBody>
+          <a:bodyPr/>
+          <a:lstStyle/>
+          <a:p>
+            <a:r>
+              <a:rPr lang="de-CH" dirty="0" smtClean="0"/>
+              <a:t>beide</a:t>
+            </a:r>
+            <a:endParaRPr lang="de-CH" dirty="0"/>
+          </a:p>
+        </p:txBody>
+      </p:sp>
+      <p:sp>
+        <p:nvSpPr>
+          <p:cNvPr id="4" name="Foliennummernplatzhalter 3"/>
+          <p:cNvSpPr>
+            <a:spLocks noGrp="1"/>
+          </p:cNvSpPr>
+          <p:nvPr>
+            <p:ph type="sldNum" sz="quarter" idx="10"/>
+          </p:nvPr>
+        </p:nvSpPr>
+        <p:spPr/>
+        <p:txBody>
+          <a:bodyPr/>
+          <a:lstStyle/>
+          <a:p>
+            <a:fld id="{82D390B4-DAD9-43BC-9C7F-06927147A7BB}" type="slidenum">
+              <a:rPr lang="de-CH" smtClean="0"/>
+              <a:t>10</a:t>
+            </a:fld>
+            <a:endParaRPr lang="de-CH"/>
+          </a:p>
+        </p:txBody>
+      </p:sp>
+    </p:spTree>
+    <p:extLst>
+      <p:ext uri="{BB962C8B-B14F-4D97-AF65-F5344CB8AC3E}">
+        <p14:creationId xmlns:p14="http://schemas.microsoft.com/office/powerpoint/2010/main" val="2291071018"/>
+      </p:ext>
+    </p:extLst>
+  </p:cSld>
+  <p:clrMapOvr>
+    <a:masterClrMapping/>
+  </p:clrMapOvr>
+</p:notes>
+</file>
+
 <file path=ppt/slideLayouts/slideLayout1.xml><?xml version="1.0" encoding="utf-8"?>
 <p:sldLayout xmlns:a="http://schemas.openxmlformats.org/drawingml/2006/main" xmlns:r="http://schemas.openxmlformats.org/officeDocument/2006/relationships" xmlns:p="http://schemas.openxmlformats.org/presentationml/2006/main" type="title" preserve="1">
   <p:cSld name="Titelfolie">
@@ -304,7 +1457,7 @@
           <a:p>
             <a:fld id="{1BA50D42-C9CD-4801-B293-61D1F53EC57E}" type="datetimeFigureOut">
               <a:rPr lang="de-DE" smtClean="0"/>
-              <a:t>08.01.2016</a:t>
+              <a:t>11.01.2016</a:t>
             </a:fld>
             <a:endParaRPr lang="de-DE"/>
           </a:p>
@@ -504,7 +1657,7 @@
           <a:p>
             <a:fld id="{1BA50D42-C9CD-4801-B293-61D1F53EC57E}" type="datetimeFigureOut">
               <a:rPr lang="de-DE" smtClean="0"/>
-              <a:t>08.01.2016</a:t>
+              <a:t>11.01.2016</a:t>
             </a:fld>
             <a:endParaRPr lang="de-DE"/>
           </a:p>
@@ -679,7 +1832,7 @@
           <a:p>
             <a:fld id="{1BA50D42-C9CD-4801-B293-61D1F53EC57E}" type="datetimeFigureOut">
               <a:rPr lang="de-DE" smtClean="0"/>
-              <a:t>08.01.2016</a:t>
+              <a:t>11.01.2016</a:t>
             </a:fld>
             <a:endParaRPr lang="de-DE"/>
           </a:p>
@@ -844,7 +1997,7 @@
           <a:p>
             <a:fld id="{1BA50D42-C9CD-4801-B293-61D1F53EC57E}" type="datetimeFigureOut">
               <a:rPr lang="de-DE" smtClean="0"/>
-              <a:t>08.01.2016</a:t>
+              <a:t>11.01.2016</a:t>
             </a:fld>
             <a:endParaRPr lang="de-DE"/>
           </a:p>
@@ -1092,7 +2245,7 @@
           <a:p>
             <a:fld id="{1BA50D42-C9CD-4801-B293-61D1F53EC57E}" type="datetimeFigureOut">
               <a:rPr lang="de-DE" smtClean="0"/>
-              <a:t>08.01.2016</a:t>
+              <a:t>11.01.2016</a:t>
             </a:fld>
             <a:endParaRPr lang="de-DE"/>
           </a:p>
@@ -1410,7 +2563,7 @@
           <a:p>
             <a:fld id="{1BA50D42-C9CD-4801-B293-61D1F53EC57E}" type="datetimeFigureOut">
               <a:rPr lang="de-DE" smtClean="0"/>
-              <a:t>08.01.2016</a:t>
+              <a:t>11.01.2016</a:t>
             </a:fld>
             <a:endParaRPr lang="de-DE"/>
           </a:p>
@@ -1876,7 +3029,7 @@
           <a:p>
             <a:fld id="{1BA50D42-C9CD-4801-B293-61D1F53EC57E}" type="datetimeFigureOut">
               <a:rPr lang="de-DE" smtClean="0"/>
-              <a:t>08.01.2016</a:t>
+              <a:t>11.01.2016</a:t>
             </a:fld>
             <a:endParaRPr lang="de-DE"/>
           </a:p>
@@ -2024,7 +3177,7 @@
           <a:p>
             <a:fld id="{1BA50D42-C9CD-4801-B293-61D1F53EC57E}" type="datetimeFigureOut">
               <a:rPr lang="de-DE" smtClean="0"/>
-              <a:t>08.01.2016</a:t>
+              <a:t>11.01.2016</a:t>
             </a:fld>
             <a:endParaRPr lang="de-DE"/>
           </a:p>
@@ -2114,7 +3267,7 @@
           <a:p>
             <a:fld id="{1BA50D42-C9CD-4801-B293-61D1F53EC57E}" type="datetimeFigureOut">
               <a:rPr lang="de-DE" smtClean="0"/>
-              <a:t>08.01.2016</a:t>
+              <a:t>11.01.2016</a:t>
             </a:fld>
             <a:endParaRPr lang="de-DE"/>
           </a:p>
@@ -2388,7 +3541,7 @@
           <a:p>
             <a:fld id="{1BA50D42-C9CD-4801-B293-61D1F53EC57E}" type="datetimeFigureOut">
               <a:rPr lang="de-DE" smtClean="0"/>
-              <a:t>08.01.2016</a:t>
+              <a:t>11.01.2016</a:t>
             </a:fld>
             <a:endParaRPr lang="de-DE"/>
           </a:p>
@@ -2693,7 +3846,7 @@
           <a:p>
             <a:fld id="{1BA50D42-C9CD-4801-B293-61D1F53EC57E}" type="datetimeFigureOut">
               <a:rPr lang="de-DE" smtClean="0"/>
-              <a:t>08.01.2016</a:t>
+              <a:t>11.01.2016</a:t>
             </a:fld>
             <a:endParaRPr lang="de-DE"/>
           </a:p>
@@ -2991,7 +4144,7 @@
           <a:p>
             <a:fld id="{1BA50D42-C9CD-4801-B293-61D1F53EC57E}" type="datetimeFigureOut">
               <a:rPr lang="de-DE" smtClean="0"/>
-              <a:t>08.01.2016</a:t>
+              <a:t>11.01.2016</a:t>
             </a:fld>
             <a:endParaRPr lang="de-DE"/>
           </a:p>
@@ -3558,7 +4711,7 @@
           <p:nvPr/>
         </p:nvPicPr>
         <p:blipFill>
-          <a:blip r:embed="rId2">
+          <a:blip r:embed="rId3">
             <a:extLst>
               <a:ext uri="{28A0092B-C50C-407E-A947-70E740481C1C}">
                 <a14:useLocalDpi xmlns:a14="http://schemas.microsoft.com/office/drawing/2010/main" val="0"/>
@@ -3676,7 +4829,7 @@
           <p:nvPr/>
         </p:nvPicPr>
         <p:blipFill>
-          <a:blip r:embed="rId2"/>
+          <a:blip r:embed="rId3"/>
           <a:stretch>
             <a:fillRect/>
           </a:stretch>
@@ -3955,9 +5108,10 @@
             </a:r>
           </a:p>
           <a:p>
+            <a:pPr lvl="1"/>
             <a:r>
               <a:rPr lang="de-CH" dirty="0" smtClean="0"/>
-              <a:t>v 1.0 1.0 -1.0</a:t>
+              <a:t>v 1.0  1.0  -1.0</a:t>
             </a:r>
           </a:p>
           <a:p>
@@ -3970,6 +5124,7 @@
             </a:r>
           </a:p>
           <a:p>
+            <a:pPr lvl="1"/>
             <a:r>
               <a:rPr lang="de-CH" dirty="0" err="1"/>
               <a:t>vn</a:t>
@@ -3980,16 +5135,31 @@
             </a:r>
             <a:r>
               <a:rPr lang="de-CH" dirty="0" smtClean="0"/>
-              <a:t>0.0 </a:t>
-            </a:r>
+              <a:t>0.0  -1.0  0.0</a:t>
+            </a:r>
+          </a:p>
+          <a:p>
+            <a:endParaRPr lang="de-CH" dirty="0" smtClean="0"/>
+          </a:p>
+          <a:p>
+            <a:r>
+              <a:rPr lang="de-CH" dirty="0" err="1" smtClean="0"/>
+              <a:t>Faces</a:t>
+            </a:r>
+            <a:endParaRPr lang="de-CH" dirty="0"/>
+          </a:p>
+          <a:p>
+            <a:pPr lvl="1"/>
             <a:r>
               <a:rPr lang="de-CH" dirty="0"/>
-              <a:t>-</a:t>
+              <a:t>f </a:t>
             </a:r>
             <a:r>
               <a:rPr lang="de-CH" dirty="0" smtClean="0"/>
-              <a:t>1.0 0.0</a:t>
-            </a:r>
+              <a:t>2/1/2  3/2/3  5/3/5</a:t>
+            </a:r>
+          </a:p>
+          <a:p>
             <a:endParaRPr lang="de-CH" dirty="0"/>
           </a:p>
         </p:txBody>
@@ -4043,6 +5213,179 @@
         </p:nvSpPr>
         <p:spPr/>
         <p:txBody>
+          <a:bodyPr/>
+          <a:lstStyle/>
+          <a:p>
+            <a:r>
+              <a:rPr lang="de-CH" dirty="0" smtClean="0"/>
+              <a:t>Gitternetz </a:t>
+            </a:r>
+            <a:endParaRPr lang="de-CH" dirty="0"/>
+          </a:p>
+        </p:txBody>
+      </p:sp>
+      <p:sp>
+        <p:nvSpPr>
+          <p:cNvPr id="3" name="Inhaltsplatzhalter 2"/>
+          <p:cNvSpPr>
+            <a:spLocks noGrp="1"/>
+          </p:cNvSpPr>
+          <p:nvPr>
+            <p:ph idx="1"/>
+          </p:nvPr>
+        </p:nvSpPr>
+        <p:spPr/>
+        <p:txBody>
+          <a:bodyPr/>
+          <a:lstStyle/>
+          <a:p>
+            <a:r>
+              <a:rPr lang="de-CH" dirty="0" smtClean="0"/>
+              <a:t>2 Vertices im Speicher</a:t>
+            </a:r>
+          </a:p>
+          <a:p>
+            <a:pPr lvl="1"/>
+            <a:r>
+              <a:rPr lang="de-CH" dirty="0" smtClean="0"/>
+              <a:t>P1(0,0,0) und P2(1,0,0)</a:t>
+            </a:r>
+          </a:p>
+          <a:p>
+            <a:r>
+              <a:rPr lang="de-CH" dirty="0" smtClean="0"/>
+              <a:t>Jeder Geradenabschnitt referenziert P1 und P2</a:t>
+            </a:r>
+          </a:p>
+          <a:p>
+            <a:r>
+              <a:rPr lang="de-CH" dirty="0" smtClean="0"/>
+              <a:t>Bestimmung der Position mit einer Transformations-Matrix</a:t>
+            </a:r>
+          </a:p>
+          <a:p>
+            <a:r>
+              <a:rPr lang="de-CH" dirty="0" smtClean="0"/>
+              <a:t>Transformation</a:t>
+            </a:r>
+            <a:r>
+              <a:rPr lang="de-CH" dirty="0"/>
+              <a:t>: Translation, Rotation, </a:t>
+            </a:r>
+            <a:r>
+              <a:rPr lang="de-CH" dirty="0" smtClean="0"/>
+              <a:t>Streckung</a:t>
+            </a:r>
+            <a:endParaRPr lang="de-CH" dirty="0"/>
+          </a:p>
+          <a:p>
+            <a:endParaRPr lang="de-CH" dirty="0"/>
+          </a:p>
+        </p:txBody>
+      </p:sp>
+      <p:pic>
+        <p:nvPicPr>
+          <p:cNvPr id="2051" name="Picture 3"/>
+          <p:cNvPicPr>
+            <a:picLocks noChangeAspect="1" noChangeArrowheads="1"/>
+          </p:cNvPicPr>
+          <p:nvPr/>
+        </p:nvPicPr>
+        <p:blipFill>
+          <a:blip r:embed="rId3">
+            <a:extLst>
+              <a:ext uri="{28A0092B-C50C-407E-A947-70E740481C1C}">
+                <a14:useLocalDpi xmlns:a14="http://schemas.microsoft.com/office/drawing/2010/main" val="0"/>
+              </a:ext>
+            </a:extLst>
+          </a:blip>
+          <a:srcRect/>
+          <a:stretch>
+            <a:fillRect/>
+          </a:stretch>
+        </p:blipFill>
+        <p:spPr bwMode="auto">
+          <a:xfrm>
+            <a:off x="2915816" y="4077072"/>
+            <a:ext cx="3384418" cy="2383160"/>
+          </a:xfrm>
+          <a:prstGeom prst="rect">
+            <a:avLst/>
+          </a:prstGeom>
+          <a:noFill/>
+          <a:ln>
+            <a:noFill/>
+          </a:ln>
+          <a:extLst>
+            <a:ext uri="{909E8E84-426E-40DD-AFC4-6F175D3DCCD1}">
+              <a14:hiddenFill xmlns:a14="http://schemas.microsoft.com/office/drawing/2010/main">
+                <a:solidFill>
+                  <a:schemeClr val="accent1"/>
+                </a:solidFill>
+              </a14:hiddenFill>
+            </a:ext>
+            <a:ext uri="{91240B29-F687-4F45-9708-019B960494DF}">
+              <a14:hiddenLine xmlns:a14="http://schemas.microsoft.com/office/drawing/2010/main" w="9525">
+                <a:solidFill>
+                  <a:schemeClr val="tx1"/>
+                </a:solidFill>
+                <a:miter lim="800000"/>
+                <a:headEnd/>
+                <a:tailEnd/>
+              </a14:hiddenLine>
+            </a:ext>
+          </a:extLst>
+        </p:spPr>
+      </p:pic>
+    </p:spTree>
+    <p:extLst>
+      <p:ext uri="{BB962C8B-B14F-4D97-AF65-F5344CB8AC3E}">
+        <p14:creationId xmlns:p14="http://schemas.microsoft.com/office/powerpoint/2010/main" val="2366725241"/>
+      </p:ext>
+    </p:extLst>
+  </p:cSld>
+  <p:clrMapOvr>
+    <a:masterClrMapping/>
+  </p:clrMapOvr>
+  <p:timing>
+    <p:tnLst>
+      <p:par>
+        <p:cTn id="1" dur="indefinite" restart="never" nodeType="tmRoot"/>
+      </p:par>
+    </p:tnLst>
+  </p:timing>
+</p:sld>
+</file>
+
+<file path=ppt/slides/slide6.xml><?xml version="1.0" encoding="utf-8"?>
+<p:sld xmlns:a="http://schemas.openxmlformats.org/drawingml/2006/main" xmlns:r="http://schemas.openxmlformats.org/officeDocument/2006/relationships" xmlns:p="http://schemas.openxmlformats.org/presentationml/2006/main">
+  <p:cSld>
+    <p:spTree>
+      <p:nvGrpSpPr>
+        <p:cNvPr id="1" name=""/>
+        <p:cNvGrpSpPr/>
+        <p:nvPr/>
+      </p:nvGrpSpPr>
+      <p:grpSpPr>
+        <a:xfrm>
+          <a:off x="0" y="0"/>
+          <a:ext cx="0" cy="0"/>
+          <a:chOff x="0" y="0"/>
+          <a:chExt cx="0" cy="0"/>
+        </a:xfrm>
+      </p:grpSpPr>
+      <p:sp>
+        <p:nvSpPr>
+          <p:cNvPr id="2" name="Titel 1"/>
+          <p:cNvSpPr>
+            <a:spLocks noGrp="1"/>
+          </p:cNvSpPr>
+          <p:nvPr>
+            <p:ph type="title"/>
+          </p:nvPr>
+        </p:nvSpPr>
+        <p:spPr/>
+        <p:txBody>
           <a:bodyPr>
             <a:normAutofit/>
           </a:bodyPr>
@@ -4111,7 +5454,7 @@
           <p:nvPr/>
         </p:nvPicPr>
         <p:blipFill>
-          <a:blip r:embed="rId2">
+          <a:blip r:embed="rId3">
             <a:extLst>
               <a:ext uri="{28A0092B-C50C-407E-A947-70E740481C1C}">
                 <a14:useLocalDpi xmlns:a14="http://schemas.microsoft.com/office/drawing/2010/main" val="0"/>
@@ -4362,7 +5705,7 @@
 </p:sld>
 </file>
 
-<file path=ppt/slides/slide6.xml><?xml version="1.0" encoding="utf-8"?>
+<file path=ppt/slides/slide7.xml><?xml version="1.0" encoding="utf-8"?>
 <p:sld xmlns:a="http://schemas.openxmlformats.org/drawingml/2006/main" xmlns:r="http://schemas.openxmlformats.org/officeDocument/2006/relationships" xmlns:p="http://schemas.openxmlformats.org/presentationml/2006/main">
   <p:cSld>
     <p:spTree>
@@ -4588,7 +5931,6 @@
               <a:rPr lang="de-CH" sz="1800" dirty="0" smtClean="0"/>
               <a:t>;</a:t>
             </a:r>
-            <a:endParaRPr lang="de-CH" sz="1800" dirty="0" smtClean="0"/>
           </a:p>
           <a:p>
             <a:r>
@@ -4619,7 +5961,6 @@
               <a:rPr lang="de-CH" sz="1800" dirty="0" smtClean="0"/>
               <a:t>;</a:t>
             </a:r>
-            <a:endParaRPr lang="de-CH" sz="1800" dirty="0" smtClean="0"/>
           </a:p>
           <a:p>
             <a:r>
@@ -4663,7 +6004,7 @@
           <p:nvPr/>
         </p:nvPicPr>
         <p:blipFill>
-          <a:blip r:embed="rId2">
+          <a:blip r:embed="rId3">
             <a:extLst>
               <a:ext uri="{28A0092B-C50C-407E-A947-70E740481C1C}">
                 <a14:useLocalDpi xmlns:a14="http://schemas.microsoft.com/office/drawing/2010/main" val="0"/>
@@ -4728,7 +6069,7 @@
 </p:sld>
 </file>
 
-<file path=ppt/slides/slide7.xml><?xml version="1.0" encoding="utf-8"?>
+<file path=ppt/slides/slide8.xml><?xml version="1.0" encoding="utf-8"?>
 <p:sld xmlns:a="http://schemas.openxmlformats.org/drawingml/2006/main" xmlns:r="http://schemas.openxmlformats.org/officeDocument/2006/relationships" xmlns:p="http://schemas.openxmlformats.org/presentationml/2006/main">
   <p:cSld>
     <p:spTree>
@@ -4885,7 +6226,7 @@
           <p:nvPr/>
         </p:nvPicPr>
         <p:blipFill>
-          <a:blip r:embed="rId2">
+          <a:blip r:embed="rId3">
             <a:extLst>
               <a:ext uri="{28A0092B-C50C-407E-A947-70E740481C1C}">
                 <a14:useLocalDpi xmlns:a14="http://schemas.microsoft.com/office/drawing/2010/main" val="0"/>
@@ -4939,7 +6280,7 @@
           <p:nvPr/>
         </p:nvPicPr>
         <p:blipFill>
-          <a:blip r:embed="rId3">
+          <a:blip r:embed="rId4">
             <a:extLst>
               <a:ext uri="{28A0092B-C50C-407E-A947-70E740481C1C}">
                 <a14:useLocalDpi xmlns:a14="http://schemas.microsoft.com/office/drawing/2010/main" val="0"/>
@@ -4975,187 +6316,6 @@
     <p:extLst>
       <p:ext uri="{BB962C8B-B14F-4D97-AF65-F5344CB8AC3E}">
         <p14:creationId xmlns:p14="http://schemas.microsoft.com/office/powerpoint/2010/main" val="813252076"/>
-      </p:ext>
-    </p:extLst>
-  </p:cSld>
-  <p:clrMapOvr>
-    <a:masterClrMapping/>
-  </p:clrMapOvr>
-  <p:timing>
-    <p:tnLst>
-      <p:par>
-        <p:cTn id="1" dur="indefinite" restart="never" nodeType="tmRoot"/>
-      </p:par>
-    </p:tnLst>
-  </p:timing>
-</p:sld>
-</file>
-
-<file path=ppt/slides/slide8.xml><?xml version="1.0" encoding="utf-8"?>
-<p:sld xmlns:a="http://schemas.openxmlformats.org/drawingml/2006/main" xmlns:r="http://schemas.openxmlformats.org/officeDocument/2006/relationships" xmlns:p="http://schemas.openxmlformats.org/presentationml/2006/main">
-  <p:cSld>
-    <p:spTree>
-      <p:nvGrpSpPr>
-        <p:cNvPr id="1" name=""/>
-        <p:cNvGrpSpPr/>
-        <p:nvPr/>
-      </p:nvGrpSpPr>
-      <p:grpSpPr>
-        <a:xfrm>
-          <a:off x="0" y="0"/>
-          <a:ext cx="0" cy="0"/>
-          <a:chOff x="0" y="0"/>
-          <a:chExt cx="0" cy="0"/>
-        </a:xfrm>
-      </p:grpSpPr>
-      <p:sp>
-        <p:nvSpPr>
-          <p:cNvPr id="2" name="Titel 1"/>
-          <p:cNvSpPr>
-            <a:spLocks noGrp="1"/>
-          </p:cNvSpPr>
-          <p:nvPr>
-            <p:ph type="title"/>
-          </p:nvPr>
-        </p:nvSpPr>
-        <p:spPr/>
-        <p:txBody>
-          <a:bodyPr/>
-          <a:lstStyle/>
-          <a:p>
-            <a:r>
-              <a:rPr lang="de-CH" dirty="0" smtClean="0"/>
-              <a:t>Gitternetz </a:t>
-            </a:r>
-            <a:endParaRPr lang="de-CH" dirty="0"/>
-          </a:p>
-        </p:txBody>
-      </p:sp>
-      <p:sp>
-        <p:nvSpPr>
-          <p:cNvPr id="3" name="Inhaltsplatzhalter 2"/>
-          <p:cNvSpPr>
-            <a:spLocks noGrp="1"/>
-          </p:cNvSpPr>
-          <p:nvPr>
-            <p:ph idx="1"/>
-          </p:nvPr>
-        </p:nvSpPr>
-        <p:spPr/>
-        <p:txBody>
-          <a:bodyPr/>
-          <a:lstStyle/>
-          <a:p>
-            <a:r>
-              <a:rPr lang="de-CH" dirty="0" smtClean="0"/>
-              <a:t>2 Vertices im Speicher</a:t>
-            </a:r>
-          </a:p>
-          <a:p>
-            <a:pPr lvl="1"/>
-            <a:r>
-              <a:rPr lang="de-CH" dirty="0" smtClean="0"/>
-              <a:t>P1(0,0,0) und P2(1,0,0)</a:t>
-            </a:r>
-          </a:p>
-          <a:p>
-            <a:r>
-              <a:rPr lang="de-CH" smtClean="0"/>
-              <a:t>Jeder Geradenabschnitt </a:t>
-            </a:r>
-            <a:r>
-              <a:rPr lang="de-CH" dirty="0" smtClean="0"/>
-              <a:t>referenziert </a:t>
-            </a:r>
-            <a:r>
-              <a:rPr lang="de-CH" dirty="0" smtClean="0"/>
-              <a:t>P1 und P2</a:t>
-            </a:r>
-          </a:p>
-          <a:p>
-            <a:r>
-              <a:rPr lang="de-CH" dirty="0" smtClean="0"/>
-              <a:t>Bestimmung der Position mit einer Transformations-Matrix</a:t>
-            </a:r>
-          </a:p>
-          <a:p>
-            <a:r>
-              <a:rPr lang="de-CH" dirty="0" smtClean="0"/>
-              <a:t>Transformation</a:t>
-            </a:r>
-            <a:r>
-              <a:rPr lang="de-CH" dirty="0"/>
-              <a:t>: Translation, Rotation, </a:t>
-            </a:r>
-            <a:r>
-              <a:rPr lang="de-CH" dirty="0" smtClean="0"/>
-              <a:t>Streckung</a:t>
-            </a:r>
-            <a:endParaRPr lang="de-CH" dirty="0"/>
-          </a:p>
-          <a:p>
-            <a:endParaRPr lang="de-CH" dirty="0"/>
-          </a:p>
-        </p:txBody>
-      </p:sp>
-      <p:pic>
-        <p:nvPicPr>
-          <p:cNvPr id="2051" name="Picture 3"/>
-          <p:cNvPicPr>
-            <a:picLocks noChangeAspect="1" noChangeArrowheads="1"/>
-          </p:cNvPicPr>
-          <p:nvPr/>
-        </p:nvPicPr>
-        <p:blipFill>
-          <a:blip r:embed="rId2">
-            <a:extLst>
-              <a:ext uri="{28A0092B-C50C-407E-A947-70E740481C1C}">
-                <a14:useLocalDpi xmlns:a14="http://schemas.microsoft.com/office/drawing/2010/main" val="0"/>
-              </a:ext>
-            </a:extLst>
-          </a:blip>
-          <a:srcRect/>
-          <a:stretch>
-            <a:fillRect/>
-          </a:stretch>
-        </p:blipFill>
-        <p:spPr bwMode="auto">
-          <a:xfrm>
-            <a:off x="2915816" y="4077072"/>
-            <a:ext cx="3384418" cy="2383160"/>
-          </a:xfrm>
-          <a:prstGeom prst="rect">
-            <a:avLst/>
-          </a:prstGeom>
-          <a:noFill/>
-          <a:ln>
-            <a:noFill/>
-          </a:ln>
-          <a:extLst>
-            <a:ext uri="{909E8E84-426E-40DD-AFC4-6F175D3DCCD1}">
-              <a14:hiddenFill xmlns:a14="http://schemas.microsoft.com/office/drawing/2010/main">
-                <a:solidFill>
-                  <a:schemeClr val="accent1"/>
-                </a:solidFill>
-              </a14:hiddenFill>
-            </a:ext>
-            <a:ext uri="{91240B29-F687-4F45-9708-019B960494DF}">
-              <a14:hiddenLine xmlns:a14="http://schemas.microsoft.com/office/drawing/2010/main" w="9525">
-                <a:solidFill>
-                  <a:schemeClr val="tx1"/>
-                </a:solidFill>
-                <a:miter lim="800000"/>
-                <a:headEnd/>
-                <a:tailEnd/>
-              </a14:hiddenLine>
-            </a:ext>
-          </a:extLst>
-        </p:spPr>
-      </p:pic>
-    </p:spTree>
-    <p:extLst>
-      <p:ext uri="{BB962C8B-B14F-4D97-AF65-F5344CB8AC3E}">
-        <p14:creationId xmlns:p14="http://schemas.microsoft.com/office/powerpoint/2010/main" val="2366725241"/>
       </p:ext>
     </p:extLst>
   </p:cSld>
@@ -5828,7 +6988,7 @@
           <p:nvPr/>
         </p:nvPicPr>
         <p:blipFill>
-          <a:blip r:embed="rId2">
+          <a:blip r:embed="rId3">
             <a:extLst>
               <a:ext uri="{28A0092B-C50C-407E-A947-70E740481C1C}">
                 <a14:useLocalDpi xmlns:a14="http://schemas.microsoft.com/office/drawing/2010/main" val="0"/>
@@ -5882,7 +7042,7 @@
           <p:nvPr/>
         </p:nvPicPr>
         <p:blipFill>
-          <a:blip r:embed="rId3">
+          <a:blip r:embed="rId4">
             <a:extLst>
               <a:ext uri="{28A0092B-C50C-407E-A947-70E740481C1C}">
                 <a14:useLocalDpi xmlns:a14="http://schemas.microsoft.com/office/drawing/2010/main" val="0"/>
@@ -6233,4 +7393,289 @@
   <a:objectDefaults/>
   <a:extraClrSchemeLst/>
 </a:theme>
+</file>
+
+<file path=ppt/theme/theme2.xml><?xml version="1.0" encoding="utf-8"?>
+<a:theme xmlns:a="http://schemas.openxmlformats.org/drawingml/2006/main" name="Larissa">
+  <a:themeElements>
+    <a:clrScheme name="Larissa">
+      <a:dk1>
+        <a:sysClr val="windowText" lastClr="000000"/>
+      </a:dk1>
+      <a:lt1>
+        <a:sysClr val="window" lastClr="FFFFFF"/>
+      </a:lt1>
+      <a:dk2>
+        <a:srgbClr val="1F497D"/>
+      </a:dk2>
+      <a:lt2>
+        <a:srgbClr val="EEECE1"/>
+      </a:lt2>
+      <a:accent1>
+        <a:srgbClr val="4F81BD"/>
+      </a:accent1>
+      <a:accent2>
+        <a:srgbClr val="C0504D"/>
+      </a:accent2>
+      <a:accent3>
+        <a:srgbClr val="9BBB59"/>
+      </a:accent3>
+      <a:accent4>
+        <a:srgbClr val="8064A2"/>
+      </a:accent4>
+      <a:accent5>
+        <a:srgbClr val="4BACC6"/>
+      </a:accent5>
+      <a:accent6>
+        <a:srgbClr val="F79646"/>
+      </a:accent6>
+      <a:hlink>
+        <a:srgbClr val="0000FF"/>
+      </a:hlink>
+      <a:folHlink>
+        <a:srgbClr val="800080"/>
+      </a:folHlink>
+    </a:clrScheme>
+    <a:fontScheme name="Larissa">
+      <a:majorFont>
+        <a:latin typeface="Calibri"/>
+        <a:ea typeface=""/>
+        <a:cs typeface=""/>
+        <a:font script="Jpan" typeface="ＭＳ Ｐゴシック"/>
+        <a:font script="Hang" typeface="맑은 고딕"/>
+        <a:font script="Hans" typeface="宋体"/>
+        <a:font script="Hant" typeface="新細明體"/>
+        <a:font script="Arab" typeface="Times New Roman"/>
+        <a:font script="Hebr" typeface="Times New Roman"/>
+        <a:font script="Thai" typeface="Angsana New"/>
+        <a:font script="Ethi" typeface="Nyala"/>
+        <a:font script="Beng" typeface="Vrinda"/>
+        <a:font script="Gujr" typeface="Shruti"/>
+        <a:font script="Khmr" typeface="MoolBoran"/>
+        <a:font script="Knda" typeface="Tunga"/>
+        <a:font script="Guru" typeface="Raavi"/>
+        <a:font script="Cans" typeface="Euphemia"/>
+        <a:font script="Cher" typeface="Plantagenet Cherokee"/>
+        <a:font script="Yiii" typeface="Microsoft Yi Baiti"/>
+        <a:font script="Tibt" typeface="Microsoft Himalaya"/>
+        <a:font script="Thaa" typeface="MV Boli"/>
+        <a:font script="Deva" typeface="Mangal"/>
+        <a:font script="Telu" typeface="Gautami"/>
+        <a:font script="Taml" typeface="Latha"/>
+        <a:font script="Syrc" typeface="Estrangelo Edessa"/>
+        <a:font script="Orya" typeface="Kalinga"/>
+        <a:font script="Mlym" typeface="Kartika"/>
+        <a:font script="Laoo" typeface="DokChampa"/>
+        <a:font script="Sinh" typeface="Iskoola Pota"/>
+        <a:font script="Mong" typeface="Mongolian Baiti"/>
+        <a:font script="Viet" typeface="Times New Roman"/>
+        <a:font script="Uigh" typeface="Microsoft Uighur"/>
+        <a:font script="Geor" typeface="Sylfaen"/>
+      </a:majorFont>
+      <a:minorFont>
+        <a:latin typeface="Calibri"/>
+        <a:ea typeface=""/>
+        <a:cs typeface=""/>
+        <a:font script="Jpan" typeface="ＭＳ Ｐゴシック"/>
+        <a:font script="Hang" typeface="맑은 고딕"/>
+        <a:font script="Hans" typeface="宋体"/>
+        <a:font script="Hant" typeface="新細明體"/>
+        <a:font script="Arab" typeface="Arial"/>
+        <a:font script="Hebr" typeface="Arial"/>
+        <a:font script="Thai" typeface="Cordia New"/>
+        <a:font script="Ethi" typeface="Nyala"/>
+        <a:font script="Beng" typeface="Vrinda"/>
+        <a:font script="Gujr" typeface="Shruti"/>
+        <a:font script="Khmr" typeface="DaunPenh"/>
+        <a:font script="Knda" typeface="Tunga"/>
+        <a:font script="Guru" typeface="Raavi"/>
+        <a:font script="Cans" typeface="Euphemia"/>
+        <a:font script="Cher" typeface="Plantagenet Cherokee"/>
+        <a:font script="Yiii" typeface="Microsoft Yi Baiti"/>
+        <a:font script="Tibt" typeface="Microsoft Himalaya"/>
+        <a:font script="Thaa" typeface="MV Boli"/>
+        <a:font script="Deva" typeface="Mangal"/>
+        <a:font script="Telu" typeface="Gautami"/>
+        <a:font script="Taml" typeface="Latha"/>
+        <a:font script="Syrc" typeface="Estrangelo Edessa"/>
+        <a:font script="Orya" typeface="Kalinga"/>
+        <a:font script="Mlym" typeface="Kartika"/>
+        <a:font script="Laoo" typeface="DokChampa"/>
+        <a:font script="Sinh" typeface="Iskoola Pota"/>
+        <a:font script="Mong" typeface="Mongolian Baiti"/>
+        <a:font script="Viet" typeface="Arial"/>
+        <a:font script="Uigh" typeface="Microsoft Uighur"/>
+        <a:font script="Geor" typeface="Sylfaen"/>
+      </a:minorFont>
+    </a:fontScheme>
+    <a:fmtScheme name="Larissa">
+      <a:fillStyleLst>
+        <a:solidFill>
+          <a:schemeClr val="phClr"/>
+        </a:solidFill>
+        <a:gradFill rotWithShape="1">
+          <a:gsLst>
+            <a:gs pos="0">
+              <a:schemeClr val="phClr">
+                <a:tint val="50000"/>
+                <a:satMod val="300000"/>
+              </a:schemeClr>
+            </a:gs>
+            <a:gs pos="35000">
+              <a:schemeClr val="phClr">
+                <a:tint val="37000"/>
+                <a:satMod val="300000"/>
+              </a:schemeClr>
+            </a:gs>
+            <a:gs pos="100000">
+              <a:schemeClr val="phClr">
+                <a:tint val="15000"/>
+                <a:satMod val="350000"/>
+              </a:schemeClr>
+            </a:gs>
+          </a:gsLst>
+          <a:lin ang="16200000" scaled="1"/>
+        </a:gradFill>
+        <a:gradFill rotWithShape="1">
+          <a:gsLst>
+            <a:gs pos="0">
+              <a:schemeClr val="phClr">
+                <a:shade val="51000"/>
+                <a:satMod val="130000"/>
+              </a:schemeClr>
+            </a:gs>
+            <a:gs pos="80000">
+              <a:schemeClr val="phClr">
+                <a:shade val="93000"/>
+                <a:satMod val="130000"/>
+              </a:schemeClr>
+            </a:gs>
+            <a:gs pos="100000">
+              <a:schemeClr val="phClr">
+                <a:shade val="94000"/>
+                <a:satMod val="135000"/>
+              </a:schemeClr>
+            </a:gs>
+          </a:gsLst>
+          <a:lin ang="16200000" scaled="0"/>
+        </a:gradFill>
+      </a:fillStyleLst>
+      <a:lnStyleLst>
+        <a:ln w="9525" cap="flat" cmpd="sng" algn="ctr">
+          <a:solidFill>
+            <a:schemeClr val="phClr">
+              <a:shade val="95000"/>
+              <a:satMod val="105000"/>
+            </a:schemeClr>
+          </a:solidFill>
+          <a:prstDash val="solid"/>
+        </a:ln>
+        <a:ln w="25400" cap="flat" cmpd="sng" algn="ctr">
+          <a:solidFill>
+            <a:schemeClr val="phClr"/>
+          </a:solidFill>
+          <a:prstDash val="solid"/>
+        </a:ln>
+        <a:ln w="38100" cap="flat" cmpd="sng" algn="ctr">
+          <a:solidFill>
+            <a:schemeClr val="phClr"/>
+          </a:solidFill>
+          <a:prstDash val="solid"/>
+        </a:ln>
+      </a:lnStyleLst>
+      <a:effectStyleLst>
+        <a:effectStyle>
+          <a:effectLst>
+            <a:outerShdw blurRad="40000" dist="20000" dir="5400000" rotWithShape="0">
+              <a:srgbClr val="000000">
+                <a:alpha val="38000"/>
+              </a:srgbClr>
+            </a:outerShdw>
+          </a:effectLst>
+        </a:effectStyle>
+        <a:effectStyle>
+          <a:effectLst>
+            <a:outerShdw blurRad="40000" dist="23000" dir="5400000" rotWithShape="0">
+              <a:srgbClr val="000000">
+                <a:alpha val="35000"/>
+              </a:srgbClr>
+            </a:outerShdw>
+          </a:effectLst>
+        </a:effectStyle>
+        <a:effectStyle>
+          <a:effectLst>
+            <a:outerShdw blurRad="40000" dist="23000" dir="5400000" rotWithShape="0">
+              <a:srgbClr val="000000">
+                <a:alpha val="35000"/>
+              </a:srgbClr>
+            </a:outerShdw>
+          </a:effectLst>
+          <a:scene3d>
+            <a:camera prst="orthographicFront">
+              <a:rot lat="0" lon="0" rev="0"/>
+            </a:camera>
+            <a:lightRig rig="threePt" dir="t">
+              <a:rot lat="0" lon="0" rev="1200000"/>
+            </a:lightRig>
+          </a:scene3d>
+          <a:sp3d>
+            <a:bevelT w="63500" h="25400"/>
+          </a:sp3d>
+        </a:effectStyle>
+      </a:effectStyleLst>
+      <a:bgFillStyleLst>
+        <a:solidFill>
+          <a:schemeClr val="phClr"/>
+        </a:solidFill>
+        <a:gradFill rotWithShape="1">
+          <a:gsLst>
+            <a:gs pos="0">
+              <a:schemeClr val="phClr">
+                <a:tint val="40000"/>
+                <a:satMod val="350000"/>
+              </a:schemeClr>
+            </a:gs>
+            <a:gs pos="40000">
+              <a:schemeClr val="phClr">
+                <a:tint val="45000"/>
+                <a:shade val="99000"/>
+                <a:satMod val="350000"/>
+              </a:schemeClr>
+            </a:gs>
+            <a:gs pos="100000">
+              <a:schemeClr val="phClr">
+                <a:shade val="20000"/>
+                <a:satMod val="255000"/>
+              </a:schemeClr>
+            </a:gs>
+          </a:gsLst>
+          <a:path path="circle">
+            <a:fillToRect l="50000" t="-80000" r="50000" b="180000"/>
+          </a:path>
+        </a:gradFill>
+        <a:gradFill rotWithShape="1">
+          <a:gsLst>
+            <a:gs pos="0">
+              <a:schemeClr val="phClr">
+                <a:tint val="80000"/>
+                <a:satMod val="300000"/>
+              </a:schemeClr>
+            </a:gs>
+            <a:gs pos="100000">
+              <a:schemeClr val="phClr">
+                <a:shade val="30000"/>
+                <a:satMod val="200000"/>
+              </a:schemeClr>
+            </a:gs>
+          </a:gsLst>
+          <a:path path="circle">
+            <a:fillToRect l="50000" t="50000" r="50000" b="50000"/>
+          </a:path>
+        </a:gradFill>
+      </a:bgFillStyleLst>
+    </a:fmtScheme>
+  </a:themeElements>
+  <a:objectDefaults/>
+  <a:extraClrSchemeLst/>
+</a:theme>
 </file>
--- a/präsi-projekt-obj-geom.pptx
+++ b/präsi-projekt-obj-geom.pptx
@@ -5,19 +5,20 @@
     <p:sldMasterId id="2147483852" r:id="rId1"/>
   </p:sldMasterIdLst>
   <p:notesMasterIdLst>
-    <p:notesMasterId r:id="rId12"/>
+    <p:notesMasterId r:id="rId13"/>
   </p:notesMasterIdLst>
   <p:sldIdLst>
     <p:sldId id="256" r:id="rId2"/>
     <p:sldId id="258" r:id="rId3"/>
-    <p:sldId id="257" r:id="rId4"/>
-    <p:sldId id="263" r:id="rId5"/>
-    <p:sldId id="261" r:id="rId6"/>
-    <p:sldId id="259" r:id="rId7"/>
-    <p:sldId id="264" r:id="rId8"/>
-    <p:sldId id="265" r:id="rId9"/>
-    <p:sldId id="262" r:id="rId10"/>
-    <p:sldId id="260" r:id="rId11"/>
+    <p:sldId id="266" r:id="rId4"/>
+    <p:sldId id="257" r:id="rId5"/>
+    <p:sldId id="263" r:id="rId6"/>
+    <p:sldId id="261" r:id="rId7"/>
+    <p:sldId id="259" r:id="rId8"/>
+    <p:sldId id="264" r:id="rId9"/>
+    <p:sldId id="265" r:id="rId10"/>
+    <p:sldId id="262" r:id="rId11"/>
+    <p:sldId id="260" r:id="rId12"/>
   </p:sldIdLst>
   <p:sldSz cx="9144000" cy="6858000" type="screen4x3"/>
   <p:notesSz cx="6858000" cy="9144000"/>
@@ -201,7 +202,7 @@
           <a:p>
             <a:fld id="{0A124C12-A3F9-436B-B427-937D56D33E8E}" type="datetimeFigureOut">
               <a:rPr lang="de-CH" smtClean="0"/>
-              <a:t>11.01.2016</a:t>
+              <a:t>13.01.2016</a:t>
             </a:fld>
             <a:endParaRPr lang="de-CH"/>
           </a:p>
@@ -557,6 +558,94 @@
 </p:notes>
 </file>
 
+<file path=ppt/notesSlides/notesSlide10.xml><?xml version="1.0" encoding="utf-8"?>
+<p:notes xmlns:a="http://schemas.openxmlformats.org/drawingml/2006/main" xmlns:r="http://schemas.openxmlformats.org/officeDocument/2006/relationships" xmlns:p="http://schemas.openxmlformats.org/presentationml/2006/main">
+  <p:cSld>
+    <p:spTree>
+      <p:nvGrpSpPr>
+        <p:cNvPr id="1" name=""/>
+        <p:cNvGrpSpPr/>
+        <p:nvPr/>
+      </p:nvGrpSpPr>
+      <p:grpSpPr>
+        <a:xfrm>
+          <a:off x="0" y="0"/>
+          <a:ext cx="0" cy="0"/>
+          <a:chOff x="0" y="0"/>
+          <a:chExt cx="0" cy="0"/>
+        </a:xfrm>
+      </p:grpSpPr>
+      <p:sp>
+        <p:nvSpPr>
+          <p:cNvPr id="2" name="Folienbildplatzhalter 1"/>
+          <p:cNvSpPr>
+            <a:spLocks noGrp="1" noRot="1" noChangeAspect="1"/>
+          </p:cNvSpPr>
+          <p:nvPr>
+            <p:ph type="sldImg"/>
+          </p:nvPr>
+        </p:nvSpPr>
+        <p:spPr/>
+      </p:sp>
+      <p:sp>
+        <p:nvSpPr>
+          <p:cNvPr id="3" name="Notizenplatzhalter 2"/>
+          <p:cNvSpPr>
+            <a:spLocks noGrp="1"/>
+          </p:cNvSpPr>
+          <p:nvPr>
+            <p:ph type="body" idx="1"/>
+          </p:nvPr>
+        </p:nvSpPr>
+        <p:spPr/>
+        <p:txBody>
+          <a:bodyPr/>
+          <a:lstStyle/>
+          <a:p>
+            <a:r>
+              <a:rPr lang="de-CH" dirty="0" smtClean="0"/>
+              <a:t>beide</a:t>
+            </a:r>
+            <a:endParaRPr lang="de-CH" dirty="0"/>
+          </a:p>
+        </p:txBody>
+      </p:sp>
+      <p:sp>
+        <p:nvSpPr>
+          <p:cNvPr id="4" name="Foliennummernplatzhalter 3"/>
+          <p:cNvSpPr>
+            <a:spLocks noGrp="1"/>
+          </p:cNvSpPr>
+          <p:nvPr>
+            <p:ph type="sldNum" sz="quarter" idx="10"/>
+          </p:nvPr>
+        </p:nvSpPr>
+        <p:spPr/>
+        <p:txBody>
+          <a:bodyPr/>
+          <a:lstStyle/>
+          <a:p>
+            <a:fld id="{82D390B4-DAD9-43BC-9C7F-06927147A7BB}" type="slidenum">
+              <a:rPr lang="de-CH" smtClean="0"/>
+              <a:t>11</a:t>
+            </a:fld>
+            <a:endParaRPr lang="de-CH"/>
+          </a:p>
+        </p:txBody>
+      </p:sp>
+    </p:spTree>
+    <p:extLst>
+      <p:ext uri="{BB962C8B-B14F-4D97-AF65-F5344CB8AC3E}">
+        <p14:creationId xmlns:p14="http://schemas.microsoft.com/office/powerpoint/2010/main" val="2291071018"/>
+      </p:ext>
+    </p:extLst>
+  </p:cSld>
+  <p:clrMapOvr>
+    <a:masterClrMapping/>
+  </p:clrMapOvr>
+</p:notes>
+</file>
+
 <file path=ppt/notesSlides/notesSlide2.xml><?xml version="1.0" encoding="utf-8"?>
 <p:notes xmlns:a="http://schemas.openxmlformats.org/drawingml/2006/main" xmlns:r="http://schemas.openxmlformats.org/officeDocument/2006/relationships" xmlns:p="http://schemas.openxmlformats.org/presentationml/2006/main">
   <p:cSld>
@@ -635,7 +724,7 @@
     </p:spTree>
     <p:extLst>
       <p:ext uri="{BB962C8B-B14F-4D97-AF65-F5344CB8AC3E}">
-        <p14:creationId xmlns:p14="http://schemas.microsoft.com/office/powerpoint/2010/main" val="2334224695"/>
+        <p14:creationId xmlns:p14="http://schemas.microsoft.com/office/powerpoint/2010/main" val="3115305498"/>
       </p:ext>
     </p:extLst>
   </p:cSld>
@@ -691,14 +780,6 @@
           <a:p>
             <a:r>
               <a:rPr lang="de-CH" dirty="0" err="1" smtClean="0"/>
-              <a:t>Wavefront</a:t>
-            </a:r>
-            <a:r>
-              <a:rPr lang="de-CH" baseline="0" dirty="0" smtClean="0"/>
-              <a:t> zeigen - </a:t>
-            </a:r>
-            <a:r>
-              <a:rPr lang="de-CH" baseline="0" dirty="0" err="1" smtClean="0"/>
               <a:t>joel</a:t>
             </a:r>
             <a:endParaRPr lang="de-CH" dirty="0"/>
@@ -731,7 +812,7 @@
     </p:spTree>
     <p:extLst>
       <p:ext uri="{BB962C8B-B14F-4D97-AF65-F5344CB8AC3E}">
-        <p14:creationId xmlns:p14="http://schemas.microsoft.com/office/powerpoint/2010/main" val="3083298596"/>
+        <p14:creationId xmlns:p14="http://schemas.microsoft.com/office/powerpoint/2010/main" val="2334224695"/>
       </p:ext>
     </p:extLst>
   </p:cSld>
@@ -787,6 +868,14 @@
           <a:p>
             <a:r>
               <a:rPr lang="de-CH" dirty="0" err="1" smtClean="0"/>
+              <a:t>Wavefront</a:t>
+            </a:r>
+            <a:r>
+              <a:rPr lang="de-CH" baseline="0" dirty="0" smtClean="0"/>
+              <a:t> zeigen - </a:t>
+            </a:r>
+            <a:r>
+              <a:rPr lang="de-CH" baseline="0" dirty="0" err="1" smtClean="0"/>
               <a:t>joel</a:t>
             </a:r>
             <a:endParaRPr lang="de-CH" dirty="0"/>
@@ -819,7 +908,7 @@
     </p:spTree>
     <p:extLst>
       <p:ext uri="{BB962C8B-B14F-4D97-AF65-F5344CB8AC3E}">
-        <p14:creationId xmlns:p14="http://schemas.microsoft.com/office/powerpoint/2010/main" val="2123211641"/>
+        <p14:creationId xmlns:p14="http://schemas.microsoft.com/office/powerpoint/2010/main" val="3083298596"/>
       </p:ext>
     </p:extLst>
   </p:cSld>
@@ -874,8 +963,8 @@
           <a:lstStyle/>
           <a:p>
             <a:r>
-              <a:rPr lang="de-CH" dirty="0" smtClean="0"/>
-              <a:t>koch</a:t>
+              <a:rPr lang="de-CH" dirty="0" err="1" smtClean="0"/>
+              <a:t>joel</a:t>
             </a:r>
             <a:endParaRPr lang="de-CH" dirty="0"/>
           </a:p>
@@ -907,7 +996,7 @@
     </p:spTree>
     <p:extLst>
       <p:ext uri="{BB962C8B-B14F-4D97-AF65-F5344CB8AC3E}">
-        <p14:creationId xmlns:p14="http://schemas.microsoft.com/office/powerpoint/2010/main" val="3124091088"/>
+        <p14:creationId xmlns:p14="http://schemas.microsoft.com/office/powerpoint/2010/main" val="2123211641"/>
       </p:ext>
     </p:extLst>
   </p:cSld>
@@ -995,7 +1084,7 @@
     </p:spTree>
     <p:extLst>
       <p:ext uri="{BB962C8B-B14F-4D97-AF65-F5344CB8AC3E}">
-        <p14:creationId xmlns:p14="http://schemas.microsoft.com/office/powerpoint/2010/main" val="247871348"/>
+        <p14:creationId xmlns:p14="http://schemas.microsoft.com/office/powerpoint/2010/main" val="3124091088"/>
       </p:ext>
     </p:extLst>
   </p:cSld>
@@ -1083,7 +1172,7 @@
     </p:spTree>
     <p:extLst>
       <p:ext uri="{BB962C8B-B14F-4D97-AF65-F5344CB8AC3E}">
-        <p14:creationId xmlns:p14="http://schemas.microsoft.com/office/powerpoint/2010/main" val="2388992153"/>
+        <p14:creationId xmlns:p14="http://schemas.microsoft.com/office/powerpoint/2010/main" val="247871348"/>
       </p:ext>
     </p:extLst>
   </p:cSld>
@@ -1139,7 +1228,7 @@
           <a:p>
             <a:r>
               <a:rPr lang="de-CH" dirty="0" smtClean="0"/>
-              <a:t>Koch</a:t>
+              <a:t>koch</a:t>
             </a:r>
             <a:endParaRPr lang="de-CH" dirty="0"/>
           </a:p>
@@ -1171,7 +1260,7 @@
     </p:spTree>
     <p:extLst>
       <p:ext uri="{BB962C8B-B14F-4D97-AF65-F5344CB8AC3E}">
-        <p14:creationId xmlns:p14="http://schemas.microsoft.com/office/powerpoint/2010/main" val="4225703883"/>
+        <p14:creationId xmlns:p14="http://schemas.microsoft.com/office/powerpoint/2010/main" val="2388992153"/>
       </p:ext>
     </p:extLst>
   </p:cSld>
@@ -1227,7 +1316,7 @@
           <a:p>
             <a:r>
               <a:rPr lang="de-CH" dirty="0" smtClean="0"/>
-              <a:t>beide</a:t>
+              <a:t>Koch</a:t>
             </a:r>
             <a:endParaRPr lang="de-CH" dirty="0"/>
           </a:p>
@@ -1259,7 +1348,7 @@
     </p:spTree>
     <p:extLst>
       <p:ext uri="{BB962C8B-B14F-4D97-AF65-F5344CB8AC3E}">
-        <p14:creationId xmlns:p14="http://schemas.microsoft.com/office/powerpoint/2010/main" val="2291071018"/>
+        <p14:creationId xmlns:p14="http://schemas.microsoft.com/office/powerpoint/2010/main" val="4225703883"/>
       </p:ext>
     </p:extLst>
   </p:cSld>
@@ -1457,7 +1546,7 @@
           <a:p>
             <a:fld id="{1BA50D42-C9CD-4801-B293-61D1F53EC57E}" type="datetimeFigureOut">
               <a:rPr lang="de-DE" smtClean="0"/>
-              <a:t>11.01.2016</a:t>
+              <a:t>13.01.2016</a:t>
             </a:fld>
             <a:endParaRPr lang="de-DE"/>
           </a:p>
@@ -1657,7 +1746,7 @@
           <a:p>
             <a:fld id="{1BA50D42-C9CD-4801-B293-61D1F53EC57E}" type="datetimeFigureOut">
               <a:rPr lang="de-DE" smtClean="0"/>
-              <a:t>11.01.2016</a:t>
+              <a:t>13.01.2016</a:t>
             </a:fld>
             <a:endParaRPr lang="de-DE"/>
           </a:p>
@@ -1832,7 +1921,7 @@
           <a:p>
             <a:fld id="{1BA50D42-C9CD-4801-B293-61D1F53EC57E}" type="datetimeFigureOut">
               <a:rPr lang="de-DE" smtClean="0"/>
-              <a:t>11.01.2016</a:t>
+              <a:t>13.01.2016</a:t>
             </a:fld>
             <a:endParaRPr lang="de-DE"/>
           </a:p>
@@ -1997,7 +2086,7 @@
           <a:p>
             <a:fld id="{1BA50D42-C9CD-4801-B293-61D1F53EC57E}" type="datetimeFigureOut">
               <a:rPr lang="de-DE" smtClean="0"/>
-              <a:t>11.01.2016</a:t>
+              <a:t>13.01.2016</a:t>
             </a:fld>
             <a:endParaRPr lang="de-DE"/>
           </a:p>
@@ -2245,7 +2334,7 @@
           <a:p>
             <a:fld id="{1BA50D42-C9CD-4801-B293-61D1F53EC57E}" type="datetimeFigureOut">
               <a:rPr lang="de-DE" smtClean="0"/>
-              <a:t>11.01.2016</a:t>
+              <a:t>13.01.2016</a:t>
             </a:fld>
             <a:endParaRPr lang="de-DE"/>
           </a:p>
@@ -2563,7 +2652,7 @@
           <a:p>
             <a:fld id="{1BA50D42-C9CD-4801-B293-61D1F53EC57E}" type="datetimeFigureOut">
               <a:rPr lang="de-DE" smtClean="0"/>
-              <a:t>11.01.2016</a:t>
+              <a:t>13.01.2016</a:t>
             </a:fld>
             <a:endParaRPr lang="de-DE"/>
           </a:p>
@@ -3029,7 +3118,7 @@
           <a:p>
             <a:fld id="{1BA50D42-C9CD-4801-B293-61D1F53EC57E}" type="datetimeFigureOut">
               <a:rPr lang="de-DE" smtClean="0"/>
-              <a:t>11.01.2016</a:t>
+              <a:t>13.01.2016</a:t>
             </a:fld>
             <a:endParaRPr lang="de-DE"/>
           </a:p>
@@ -3177,7 +3266,7 @@
           <a:p>
             <a:fld id="{1BA50D42-C9CD-4801-B293-61D1F53EC57E}" type="datetimeFigureOut">
               <a:rPr lang="de-DE" smtClean="0"/>
-              <a:t>11.01.2016</a:t>
+              <a:t>13.01.2016</a:t>
             </a:fld>
             <a:endParaRPr lang="de-DE"/>
           </a:p>
@@ -3267,7 +3356,7 @@
           <a:p>
             <a:fld id="{1BA50D42-C9CD-4801-B293-61D1F53EC57E}" type="datetimeFigureOut">
               <a:rPr lang="de-DE" smtClean="0"/>
-              <a:t>11.01.2016</a:t>
+              <a:t>13.01.2016</a:t>
             </a:fld>
             <a:endParaRPr lang="de-DE"/>
           </a:p>
@@ -3541,7 +3630,7 @@
           <a:p>
             <a:fld id="{1BA50D42-C9CD-4801-B293-61D1F53EC57E}" type="datetimeFigureOut">
               <a:rPr lang="de-DE" smtClean="0"/>
-              <a:t>11.01.2016</a:t>
+              <a:t>13.01.2016</a:t>
             </a:fld>
             <a:endParaRPr lang="de-DE"/>
           </a:p>
@@ -3846,7 +3935,7 @@
           <a:p>
             <a:fld id="{1BA50D42-C9CD-4801-B293-61D1F53EC57E}" type="datetimeFigureOut">
               <a:rPr lang="de-DE" smtClean="0"/>
-              <a:t>11.01.2016</a:t>
+              <a:t>13.01.2016</a:t>
             </a:fld>
             <a:endParaRPr lang="de-DE"/>
           </a:p>
@@ -4144,7 +4233,7 @@
           <a:p>
             <a:fld id="{1BA50D42-C9CD-4801-B293-61D1F53EC57E}" type="datetimeFigureOut">
               <a:rPr lang="de-DE" smtClean="0"/>
-              <a:t>11.01.2016</a:t>
+              <a:t>13.01.2016</a:t>
             </a:fld>
             <a:endParaRPr lang="de-DE"/>
           </a:p>
@@ -4672,1695 +4761,6 @@
         </p:nvSpPr>
         <p:spPr/>
         <p:txBody>
-          <a:bodyPr/>
-          <a:lstStyle/>
-          <a:p>
-            <a:r>
-              <a:rPr lang="de-CH" dirty="0" smtClean="0"/>
-              <a:t>Fragen</a:t>
-            </a:r>
-            <a:endParaRPr lang="de-CH" dirty="0"/>
-          </a:p>
-        </p:txBody>
-      </p:sp>
-      <p:sp>
-        <p:nvSpPr>
-          <p:cNvPr id="3" name="Inhaltsplatzhalter 2"/>
-          <p:cNvSpPr>
-            <a:spLocks noGrp="1"/>
-          </p:cNvSpPr>
-          <p:nvPr>
-            <p:ph idx="1"/>
-          </p:nvPr>
-        </p:nvSpPr>
-        <p:spPr/>
-        <p:txBody>
-          <a:bodyPr/>
-          <a:lstStyle/>
-          <a:p>
-            <a:endParaRPr lang="de-CH" dirty="0"/>
-          </a:p>
-        </p:txBody>
-      </p:sp>
-      <p:pic>
-        <p:nvPicPr>
-          <p:cNvPr id="2050" name="Picture 2" descr="http://www.sando.at/hp/img/Fragezeichen.jpg"/>
-          <p:cNvPicPr>
-            <a:picLocks noChangeAspect="1" noChangeArrowheads="1"/>
-          </p:cNvPicPr>
-          <p:nvPr/>
-        </p:nvPicPr>
-        <p:blipFill>
-          <a:blip r:embed="rId3">
-            <a:extLst>
-              <a:ext uri="{28A0092B-C50C-407E-A947-70E740481C1C}">
-                <a14:useLocalDpi xmlns:a14="http://schemas.microsoft.com/office/drawing/2010/main" val="0"/>
-              </a:ext>
-            </a:extLst>
-          </a:blip>
-          <a:srcRect/>
-          <a:stretch>
-            <a:fillRect/>
-          </a:stretch>
-        </p:blipFill>
-        <p:spPr bwMode="auto">
-          <a:xfrm>
-            <a:off x="5796136" y="3285702"/>
-            <a:ext cx="3219450" cy="3381375"/>
-          </a:xfrm>
-          <a:prstGeom prst="rect">
-            <a:avLst/>
-          </a:prstGeom>
-          <a:noFill/>
-          <a:extLst>
-            <a:ext uri="{909E8E84-426E-40DD-AFC4-6F175D3DCCD1}">
-              <a14:hiddenFill xmlns:a14="http://schemas.microsoft.com/office/drawing/2010/main">
-                <a:solidFill>
-                  <a:srgbClr val="FFFFFF"/>
-                </a:solidFill>
-              </a14:hiddenFill>
-            </a:ext>
-          </a:extLst>
-        </p:spPr>
-      </p:pic>
-    </p:spTree>
-    <p:extLst>
-      <p:ext uri="{BB962C8B-B14F-4D97-AF65-F5344CB8AC3E}">
-        <p14:creationId xmlns:p14="http://schemas.microsoft.com/office/powerpoint/2010/main" val="827410420"/>
-      </p:ext>
-    </p:extLst>
-  </p:cSld>
-  <p:clrMapOvr>
-    <a:masterClrMapping/>
-  </p:clrMapOvr>
-  <p:timing>
-    <p:tnLst>
-      <p:par>
-        <p:cTn id="1" dur="indefinite" restart="never" nodeType="tmRoot"/>
-      </p:par>
-    </p:tnLst>
-  </p:timing>
-</p:sld>
-</file>
-
-<file path=ppt/slides/slide2.xml><?xml version="1.0" encoding="utf-8"?>
-<p:sld xmlns:a="http://schemas.openxmlformats.org/drawingml/2006/main" xmlns:r="http://schemas.openxmlformats.org/officeDocument/2006/relationships" xmlns:p="http://schemas.openxmlformats.org/presentationml/2006/main">
-  <p:cSld>
-    <p:spTree>
-      <p:nvGrpSpPr>
-        <p:cNvPr id="1" name=""/>
-        <p:cNvGrpSpPr/>
-        <p:nvPr/>
-      </p:nvGrpSpPr>
-      <p:grpSpPr>
-        <a:xfrm>
-          <a:off x="0" y="0"/>
-          <a:ext cx="0" cy="0"/>
-          <a:chOff x="0" y="0"/>
-          <a:chExt cx="0" cy="0"/>
-        </a:xfrm>
-      </p:grpSpPr>
-      <p:sp>
-        <p:nvSpPr>
-          <p:cNvPr id="2" name="Titel 1"/>
-          <p:cNvSpPr>
-            <a:spLocks noGrp="1"/>
-          </p:cNvSpPr>
-          <p:nvPr>
-            <p:ph type="title"/>
-          </p:nvPr>
-        </p:nvSpPr>
-        <p:spPr/>
-        <p:txBody>
-          <a:bodyPr/>
-          <a:lstStyle/>
-          <a:p>
-            <a:r>
-              <a:rPr lang="de-CH" dirty="0" smtClean="0"/>
-              <a:t>Demo</a:t>
-            </a:r>
-            <a:endParaRPr lang="de-CH" dirty="0"/>
-          </a:p>
-        </p:txBody>
-      </p:sp>
-      <p:sp>
-        <p:nvSpPr>
-          <p:cNvPr id="3" name="Inhaltsplatzhalter 2"/>
-          <p:cNvSpPr>
-            <a:spLocks noGrp="1"/>
-          </p:cNvSpPr>
-          <p:nvPr>
-            <p:ph idx="1"/>
-          </p:nvPr>
-        </p:nvSpPr>
-        <p:spPr/>
-        <p:txBody>
-          <a:bodyPr/>
-          <a:lstStyle/>
-          <a:p>
-            <a:endParaRPr lang="de-CH" dirty="0"/>
-          </a:p>
-        </p:txBody>
-      </p:sp>
-      <p:pic>
-        <p:nvPicPr>
-          <p:cNvPr id="5" name="Grafik 4"/>
-          <p:cNvPicPr/>
-          <p:nvPr/>
-        </p:nvPicPr>
-        <p:blipFill>
-          <a:blip r:embed="rId3"/>
-          <a:stretch>
-            <a:fillRect/>
-          </a:stretch>
-        </p:blipFill>
-        <p:spPr>
-          <a:xfrm>
-            <a:off x="971600" y="1628800"/>
-            <a:ext cx="7272808" cy="4868900"/>
-          </a:xfrm>
-          <a:prstGeom prst="rect">
-            <a:avLst/>
-          </a:prstGeom>
-        </p:spPr>
-      </p:pic>
-    </p:spTree>
-    <p:extLst>
-      <p:ext uri="{BB962C8B-B14F-4D97-AF65-F5344CB8AC3E}">
-        <p14:creationId xmlns:p14="http://schemas.microsoft.com/office/powerpoint/2010/main" val="1063946259"/>
-      </p:ext>
-    </p:extLst>
-  </p:cSld>
-  <p:clrMapOvr>
-    <a:masterClrMapping/>
-  </p:clrMapOvr>
-  <p:timing>
-    <p:tnLst>
-      <p:par>
-        <p:cTn id="1" dur="indefinite" restart="never" nodeType="tmRoot"/>
-      </p:par>
-    </p:tnLst>
-  </p:timing>
-</p:sld>
-</file>
-
-<file path=ppt/slides/slide3.xml><?xml version="1.0" encoding="utf-8"?>
-<p:sld xmlns:a="http://schemas.openxmlformats.org/drawingml/2006/main" xmlns:r="http://schemas.openxmlformats.org/officeDocument/2006/relationships" xmlns:p="http://schemas.openxmlformats.org/presentationml/2006/main">
-  <p:cSld>
-    <p:spTree>
-      <p:nvGrpSpPr>
-        <p:cNvPr id="1" name=""/>
-        <p:cNvGrpSpPr/>
-        <p:nvPr/>
-      </p:nvGrpSpPr>
-      <p:grpSpPr>
-        <a:xfrm>
-          <a:off x="0" y="0"/>
-          <a:ext cx="0" cy="0"/>
-          <a:chOff x="0" y="0"/>
-          <a:chExt cx="0" cy="0"/>
-        </a:xfrm>
-      </p:grpSpPr>
-      <p:sp>
-        <p:nvSpPr>
-          <p:cNvPr id="2" name="Titel 1"/>
-          <p:cNvSpPr>
-            <a:spLocks noGrp="1"/>
-          </p:cNvSpPr>
-          <p:nvPr>
-            <p:ph type="title"/>
-          </p:nvPr>
-        </p:nvSpPr>
-        <p:spPr/>
-        <p:txBody>
-          <a:bodyPr>
-            <a:normAutofit/>
-          </a:bodyPr>
-          <a:lstStyle/>
-          <a:p>
-            <a:r>
-              <a:rPr lang="de-CH" dirty="0"/>
-              <a:t>Projekt </a:t>
-            </a:r>
-            <a:r>
-              <a:rPr lang="de-CH" dirty="0" err="1"/>
-              <a:t>OpenGl</a:t>
-            </a:r>
-            <a:r>
-              <a:rPr lang="de-CH" dirty="0"/>
-              <a:t> </a:t>
-            </a:r>
-            <a:r>
-              <a:rPr lang="de-CH" dirty="0" err="1"/>
-              <a:t>Wavefront</a:t>
-            </a:r>
-            <a:r>
-              <a:rPr lang="de-CH" dirty="0"/>
-              <a:t> Viewer</a:t>
-            </a:r>
-          </a:p>
-        </p:txBody>
-      </p:sp>
-      <p:sp>
-        <p:nvSpPr>
-          <p:cNvPr id="3" name="Inhaltsplatzhalter 2"/>
-          <p:cNvSpPr>
-            <a:spLocks noGrp="1"/>
-          </p:cNvSpPr>
-          <p:nvPr>
-            <p:ph idx="1"/>
-          </p:nvPr>
-        </p:nvSpPr>
-        <p:spPr/>
-        <p:txBody>
-          <a:bodyPr/>
-          <a:lstStyle/>
-          <a:p>
-            <a:r>
-              <a:rPr lang="de-CH" dirty="0" smtClean="0"/>
-              <a:t>OpenGL / GLSL / Java </a:t>
-            </a:r>
-            <a:r>
-              <a:rPr lang="de-CH" dirty="0"/>
-              <a:t>/ LWJGL </a:t>
-            </a:r>
-            <a:endParaRPr lang="de-CH" dirty="0" smtClean="0"/>
-          </a:p>
-          <a:p>
-            <a:endParaRPr lang="de-CH" dirty="0" smtClean="0"/>
-          </a:p>
-          <a:p>
-            <a:r>
-              <a:rPr lang="de-CH" b="1" dirty="0" smtClean="0"/>
-              <a:t>Features</a:t>
-            </a:r>
-            <a:endParaRPr lang="de-CH" b="1" dirty="0"/>
-          </a:p>
-          <a:p>
-            <a:pPr lvl="1"/>
-            <a:r>
-              <a:rPr lang="de-CH" dirty="0" err="1" smtClean="0"/>
-              <a:t>Wavefront</a:t>
-            </a:r>
-            <a:r>
-              <a:rPr lang="de-CH" dirty="0" smtClean="0"/>
-              <a:t> OBJ öffnen</a:t>
-            </a:r>
-          </a:p>
-          <a:p>
-            <a:pPr lvl="1"/>
-            <a:r>
-              <a:rPr lang="de-CH" dirty="0" smtClean="0"/>
-              <a:t>Kamera-Mausrotation</a:t>
-            </a:r>
-          </a:p>
-          <a:p>
-            <a:pPr lvl="1"/>
-            <a:r>
-              <a:rPr lang="de-CH" dirty="0" smtClean="0"/>
-              <a:t>Gitternetz</a:t>
-            </a:r>
-          </a:p>
-          <a:p>
-            <a:pPr lvl="2"/>
-            <a:r>
-              <a:rPr lang="de-CH" dirty="0" smtClean="0"/>
-              <a:t>Projektion-</a:t>
-            </a:r>
-            <a:r>
-              <a:rPr lang="de-CH" dirty="0"/>
-              <a:t>, Transformation- und View </a:t>
-            </a:r>
-            <a:r>
-              <a:rPr lang="de-CH" dirty="0" smtClean="0"/>
-              <a:t>Matrix</a:t>
-            </a:r>
-          </a:p>
-          <a:p>
-            <a:pPr lvl="1"/>
-            <a:r>
-              <a:rPr lang="de-CH" dirty="0" smtClean="0"/>
-              <a:t>Beleuchtung</a:t>
-            </a:r>
-          </a:p>
-          <a:p>
-            <a:pPr lvl="2"/>
-            <a:r>
-              <a:rPr lang="de-CH" dirty="0" smtClean="0"/>
-              <a:t>Punktlicht</a:t>
-            </a:r>
-          </a:p>
-          <a:p>
-            <a:pPr lvl="2"/>
-            <a:r>
-              <a:rPr lang="de-CH" dirty="0" err="1" smtClean="0"/>
-              <a:t>Phong-Shading</a:t>
-            </a:r>
-            <a:endParaRPr lang="de-CH" dirty="0" smtClean="0"/>
-          </a:p>
-          <a:p>
-            <a:pPr lvl="2"/>
-            <a:r>
-              <a:rPr lang="de-CH" dirty="0" smtClean="0"/>
-              <a:t>GLSL</a:t>
-            </a:r>
-          </a:p>
-        </p:txBody>
-      </p:sp>
-    </p:spTree>
-    <p:extLst>
-      <p:ext uri="{BB962C8B-B14F-4D97-AF65-F5344CB8AC3E}">
-        <p14:creationId xmlns:p14="http://schemas.microsoft.com/office/powerpoint/2010/main" val="1338620769"/>
-      </p:ext>
-    </p:extLst>
-  </p:cSld>
-  <p:clrMapOvr>
-    <a:masterClrMapping/>
-  </p:clrMapOvr>
-  <p:timing>
-    <p:tnLst>
-      <p:par>
-        <p:cTn id="1" dur="indefinite" restart="never" nodeType="tmRoot"/>
-      </p:par>
-    </p:tnLst>
-  </p:timing>
-</p:sld>
-</file>
-
-<file path=ppt/slides/slide4.xml><?xml version="1.0" encoding="utf-8"?>
-<p:sld xmlns:a="http://schemas.openxmlformats.org/drawingml/2006/main" xmlns:r="http://schemas.openxmlformats.org/officeDocument/2006/relationships" xmlns:p="http://schemas.openxmlformats.org/presentationml/2006/main">
-  <p:cSld>
-    <p:spTree>
-      <p:nvGrpSpPr>
-        <p:cNvPr id="1" name=""/>
-        <p:cNvGrpSpPr/>
-        <p:nvPr/>
-      </p:nvGrpSpPr>
-      <p:grpSpPr>
-        <a:xfrm>
-          <a:off x="0" y="0"/>
-          <a:ext cx="0" cy="0"/>
-          <a:chOff x="0" y="0"/>
-          <a:chExt cx="0" cy="0"/>
-        </a:xfrm>
-      </p:grpSpPr>
-      <p:sp>
-        <p:nvSpPr>
-          <p:cNvPr id="2" name="Titel 1"/>
-          <p:cNvSpPr>
-            <a:spLocks noGrp="1"/>
-          </p:cNvSpPr>
-          <p:nvPr>
-            <p:ph type="title"/>
-          </p:nvPr>
-        </p:nvSpPr>
-        <p:spPr/>
-        <p:txBody>
-          <a:bodyPr/>
-          <a:lstStyle/>
-          <a:p>
-            <a:r>
-              <a:rPr lang="de-CH" dirty="0" err="1" smtClean="0"/>
-              <a:t>Wavefront</a:t>
-            </a:r>
-            <a:endParaRPr lang="de-CH" dirty="0"/>
-          </a:p>
-        </p:txBody>
-      </p:sp>
-      <p:sp>
-        <p:nvSpPr>
-          <p:cNvPr id="3" name="Inhaltsplatzhalter 2"/>
-          <p:cNvSpPr>
-            <a:spLocks noGrp="1"/>
-          </p:cNvSpPr>
-          <p:nvPr>
-            <p:ph idx="1"/>
-          </p:nvPr>
-        </p:nvSpPr>
-        <p:spPr/>
-        <p:txBody>
-          <a:bodyPr/>
-          <a:lstStyle/>
-          <a:p>
-            <a:r>
-              <a:rPr lang="de-CH" dirty="0" smtClean="0"/>
-              <a:t>Knoten</a:t>
-            </a:r>
-          </a:p>
-          <a:p>
-            <a:pPr lvl="1"/>
-            <a:r>
-              <a:rPr lang="de-CH" dirty="0" smtClean="0"/>
-              <a:t>v 1.0  1.0  -1.0</a:t>
-            </a:r>
-          </a:p>
-          <a:p>
-            <a:endParaRPr lang="de-CH" dirty="0" smtClean="0"/>
-          </a:p>
-          <a:p>
-            <a:r>
-              <a:rPr lang="de-CH" dirty="0" smtClean="0"/>
-              <a:t>Normalen</a:t>
-            </a:r>
-          </a:p>
-          <a:p>
-            <a:pPr lvl="1"/>
-            <a:r>
-              <a:rPr lang="de-CH" dirty="0" err="1"/>
-              <a:t>vn</a:t>
-            </a:r>
-            <a:r>
-              <a:rPr lang="de-CH" dirty="0"/>
-              <a:t> </a:t>
-            </a:r>
-            <a:r>
-              <a:rPr lang="de-CH" dirty="0" smtClean="0"/>
-              <a:t>0.0  -1.0  0.0</a:t>
-            </a:r>
-          </a:p>
-          <a:p>
-            <a:endParaRPr lang="de-CH" dirty="0" smtClean="0"/>
-          </a:p>
-          <a:p>
-            <a:r>
-              <a:rPr lang="de-CH" dirty="0" err="1" smtClean="0"/>
-              <a:t>Faces</a:t>
-            </a:r>
-            <a:endParaRPr lang="de-CH" dirty="0"/>
-          </a:p>
-          <a:p>
-            <a:pPr lvl="1"/>
-            <a:r>
-              <a:rPr lang="de-CH" dirty="0"/>
-              <a:t>f </a:t>
-            </a:r>
-            <a:r>
-              <a:rPr lang="de-CH" dirty="0" smtClean="0"/>
-              <a:t>2/1/2  3/2/3  5/3/5</a:t>
-            </a:r>
-          </a:p>
-          <a:p>
-            <a:endParaRPr lang="de-CH" dirty="0"/>
-          </a:p>
-        </p:txBody>
-      </p:sp>
-    </p:spTree>
-    <p:extLst>
-      <p:ext uri="{BB962C8B-B14F-4D97-AF65-F5344CB8AC3E}">
-        <p14:creationId xmlns:p14="http://schemas.microsoft.com/office/powerpoint/2010/main" val="3870029385"/>
-      </p:ext>
-    </p:extLst>
-  </p:cSld>
-  <p:clrMapOvr>
-    <a:masterClrMapping/>
-  </p:clrMapOvr>
-  <p:timing>
-    <p:tnLst>
-      <p:par>
-        <p:cTn id="1" dur="indefinite" restart="never" nodeType="tmRoot"/>
-      </p:par>
-    </p:tnLst>
-  </p:timing>
-</p:sld>
-</file>
-
-<file path=ppt/slides/slide5.xml><?xml version="1.0" encoding="utf-8"?>
-<p:sld xmlns:a="http://schemas.openxmlformats.org/drawingml/2006/main" xmlns:r="http://schemas.openxmlformats.org/officeDocument/2006/relationships" xmlns:p="http://schemas.openxmlformats.org/presentationml/2006/main">
-  <p:cSld>
-    <p:spTree>
-      <p:nvGrpSpPr>
-        <p:cNvPr id="1" name=""/>
-        <p:cNvGrpSpPr/>
-        <p:nvPr/>
-      </p:nvGrpSpPr>
-      <p:grpSpPr>
-        <a:xfrm>
-          <a:off x="0" y="0"/>
-          <a:ext cx="0" cy="0"/>
-          <a:chOff x="0" y="0"/>
-          <a:chExt cx="0" cy="0"/>
-        </a:xfrm>
-      </p:grpSpPr>
-      <p:sp>
-        <p:nvSpPr>
-          <p:cNvPr id="2" name="Titel 1"/>
-          <p:cNvSpPr>
-            <a:spLocks noGrp="1"/>
-          </p:cNvSpPr>
-          <p:nvPr>
-            <p:ph type="title"/>
-          </p:nvPr>
-        </p:nvSpPr>
-        <p:spPr/>
-        <p:txBody>
-          <a:bodyPr/>
-          <a:lstStyle/>
-          <a:p>
-            <a:r>
-              <a:rPr lang="de-CH" dirty="0" smtClean="0"/>
-              <a:t>Gitternetz </a:t>
-            </a:r>
-            <a:endParaRPr lang="de-CH" dirty="0"/>
-          </a:p>
-        </p:txBody>
-      </p:sp>
-      <p:sp>
-        <p:nvSpPr>
-          <p:cNvPr id="3" name="Inhaltsplatzhalter 2"/>
-          <p:cNvSpPr>
-            <a:spLocks noGrp="1"/>
-          </p:cNvSpPr>
-          <p:nvPr>
-            <p:ph idx="1"/>
-          </p:nvPr>
-        </p:nvSpPr>
-        <p:spPr/>
-        <p:txBody>
-          <a:bodyPr/>
-          <a:lstStyle/>
-          <a:p>
-            <a:r>
-              <a:rPr lang="de-CH" dirty="0" smtClean="0"/>
-              <a:t>2 Vertices im Speicher</a:t>
-            </a:r>
-          </a:p>
-          <a:p>
-            <a:pPr lvl="1"/>
-            <a:r>
-              <a:rPr lang="de-CH" dirty="0" smtClean="0"/>
-              <a:t>P1(0,0,0) und P2(1,0,0)</a:t>
-            </a:r>
-          </a:p>
-          <a:p>
-            <a:r>
-              <a:rPr lang="de-CH" dirty="0" smtClean="0"/>
-              <a:t>Jeder Geradenabschnitt referenziert P1 und P2</a:t>
-            </a:r>
-          </a:p>
-          <a:p>
-            <a:r>
-              <a:rPr lang="de-CH" dirty="0" smtClean="0"/>
-              <a:t>Bestimmung der Position mit einer Transformations-Matrix</a:t>
-            </a:r>
-          </a:p>
-          <a:p>
-            <a:r>
-              <a:rPr lang="de-CH" dirty="0" smtClean="0"/>
-              <a:t>Transformation</a:t>
-            </a:r>
-            <a:r>
-              <a:rPr lang="de-CH" dirty="0"/>
-              <a:t>: Translation, Rotation, </a:t>
-            </a:r>
-            <a:r>
-              <a:rPr lang="de-CH" dirty="0" smtClean="0"/>
-              <a:t>Streckung</a:t>
-            </a:r>
-            <a:endParaRPr lang="de-CH" dirty="0"/>
-          </a:p>
-          <a:p>
-            <a:endParaRPr lang="de-CH" dirty="0"/>
-          </a:p>
-        </p:txBody>
-      </p:sp>
-      <p:pic>
-        <p:nvPicPr>
-          <p:cNvPr id="2051" name="Picture 3"/>
-          <p:cNvPicPr>
-            <a:picLocks noChangeAspect="1" noChangeArrowheads="1"/>
-          </p:cNvPicPr>
-          <p:nvPr/>
-        </p:nvPicPr>
-        <p:blipFill>
-          <a:blip r:embed="rId3">
-            <a:extLst>
-              <a:ext uri="{28A0092B-C50C-407E-A947-70E740481C1C}">
-                <a14:useLocalDpi xmlns:a14="http://schemas.microsoft.com/office/drawing/2010/main" val="0"/>
-              </a:ext>
-            </a:extLst>
-          </a:blip>
-          <a:srcRect/>
-          <a:stretch>
-            <a:fillRect/>
-          </a:stretch>
-        </p:blipFill>
-        <p:spPr bwMode="auto">
-          <a:xfrm>
-            <a:off x="2915816" y="4077072"/>
-            <a:ext cx="3384418" cy="2383160"/>
-          </a:xfrm>
-          <a:prstGeom prst="rect">
-            <a:avLst/>
-          </a:prstGeom>
-          <a:noFill/>
-          <a:ln>
-            <a:noFill/>
-          </a:ln>
-          <a:extLst>
-            <a:ext uri="{909E8E84-426E-40DD-AFC4-6F175D3DCCD1}">
-              <a14:hiddenFill xmlns:a14="http://schemas.microsoft.com/office/drawing/2010/main">
-                <a:solidFill>
-                  <a:schemeClr val="accent1"/>
-                </a:solidFill>
-              </a14:hiddenFill>
-            </a:ext>
-            <a:ext uri="{91240B29-F687-4F45-9708-019B960494DF}">
-              <a14:hiddenLine xmlns:a14="http://schemas.microsoft.com/office/drawing/2010/main" w="9525">
-                <a:solidFill>
-                  <a:schemeClr val="tx1"/>
-                </a:solidFill>
-                <a:miter lim="800000"/>
-                <a:headEnd/>
-                <a:tailEnd/>
-              </a14:hiddenLine>
-            </a:ext>
-          </a:extLst>
-        </p:spPr>
-      </p:pic>
-    </p:spTree>
-    <p:extLst>
-      <p:ext uri="{BB962C8B-B14F-4D97-AF65-F5344CB8AC3E}">
-        <p14:creationId xmlns:p14="http://schemas.microsoft.com/office/powerpoint/2010/main" val="2366725241"/>
-      </p:ext>
-    </p:extLst>
-  </p:cSld>
-  <p:clrMapOvr>
-    <a:masterClrMapping/>
-  </p:clrMapOvr>
-  <p:timing>
-    <p:tnLst>
-      <p:par>
-        <p:cTn id="1" dur="indefinite" restart="never" nodeType="tmRoot"/>
-      </p:par>
-    </p:tnLst>
-  </p:timing>
-</p:sld>
-</file>
-
-<file path=ppt/slides/slide6.xml><?xml version="1.0" encoding="utf-8"?>
-<p:sld xmlns:a="http://schemas.openxmlformats.org/drawingml/2006/main" xmlns:r="http://schemas.openxmlformats.org/officeDocument/2006/relationships" xmlns:p="http://schemas.openxmlformats.org/presentationml/2006/main">
-  <p:cSld>
-    <p:spTree>
-      <p:nvGrpSpPr>
-        <p:cNvPr id="1" name=""/>
-        <p:cNvGrpSpPr/>
-        <p:nvPr/>
-      </p:nvGrpSpPr>
-      <p:grpSpPr>
-        <a:xfrm>
-          <a:off x="0" y="0"/>
-          <a:ext cx="0" cy="0"/>
-          <a:chOff x="0" y="0"/>
-          <a:chExt cx="0" cy="0"/>
-        </a:xfrm>
-      </p:grpSpPr>
-      <p:sp>
-        <p:nvSpPr>
-          <p:cNvPr id="2" name="Titel 1"/>
-          <p:cNvSpPr>
-            <a:spLocks noGrp="1"/>
-          </p:cNvSpPr>
-          <p:nvPr>
-            <p:ph type="title"/>
-          </p:nvPr>
-        </p:nvSpPr>
-        <p:spPr/>
-        <p:txBody>
-          <a:bodyPr>
-            <a:normAutofit/>
-          </a:bodyPr>
-          <a:lstStyle/>
-          <a:p>
-            <a:r>
-              <a:rPr lang="de-CH" dirty="0" smtClean="0"/>
-              <a:t>Kamera-Mausrotation</a:t>
-            </a:r>
-            <a:endParaRPr lang="de-CH" dirty="0"/>
-          </a:p>
-        </p:txBody>
-      </p:sp>
-      <p:sp>
-        <p:nvSpPr>
-          <p:cNvPr id="3" name="Inhaltsplatzhalter 2"/>
-          <p:cNvSpPr>
-            <a:spLocks noGrp="1"/>
-          </p:cNvSpPr>
-          <p:nvPr>
-            <p:ph idx="1"/>
-          </p:nvPr>
-        </p:nvSpPr>
-        <p:spPr/>
-        <p:txBody>
-          <a:bodyPr/>
-          <a:lstStyle/>
-          <a:p>
-            <a:r>
-              <a:rPr lang="de-CH" dirty="0" smtClean="0"/>
-              <a:t>Side </a:t>
-            </a:r>
-            <a:r>
-              <a:rPr lang="de-CH" dirty="0" err="1" smtClean="0"/>
-              <a:t>view</a:t>
-            </a:r>
-            <a:r>
-              <a:rPr lang="de-CH" dirty="0" smtClean="0"/>
-              <a:t>		Side </a:t>
-            </a:r>
-            <a:r>
-              <a:rPr lang="de-CH" dirty="0" err="1" smtClean="0"/>
-              <a:t>view</a:t>
-            </a:r>
-            <a:r>
-              <a:rPr lang="de-CH" dirty="0" smtClean="0"/>
-              <a:t>		        Top </a:t>
-            </a:r>
-            <a:r>
-              <a:rPr lang="de-CH" dirty="0" err="1" smtClean="0"/>
-              <a:t>view</a:t>
-            </a:r>
-            <a:endParaRPr lang="de-CH" dirty="0" smtClean="0"/>
-          </a:p>
-          <a:p>
-            <a:endParaRPr lang="de-CH" dirty="0"/>
-          </a:p>
-        </p:txBody>
-      </p:sp>
-      <p:pic>
-        <p:nvPicPr>
-          <p:cNvPr id="3075" name="Picture 3"/>
-          <p:cNvPicPr>
-            <a:picLocks noChangeAspect="1" noChangeArrowheads="1"/>
-          </p:cNvPicPr>
-          <p:nvPr/>
-        </p:nvPicPr>
-        <p:blipFill>
-          <a:blip r:embed="rId3">
-            <a:extLst>
-              <a:ext uri="{28A0092B-C50C-407E-A947-70E740481C1C}">
-                <a14:useLocalDpi xmlns:a14="http://schemas.microsoft.com/office/drawing/2010/main" val="0"/>
-              </a:ext>
-            </a:extLst>
-          </a:blip>
-          <a:srcRect/>
-          <a:stretch>
-            <a:fillRect/>
-          </a:stretch>
-        </p:blipFill>
-        <p:spPr bwMode="auto">
-          <a:xfrm>
-            <a:off x="601321" y="2924944"/>
-            <a:ext cx="7981950" cy="3286125"/>
-          </a:xfrm>
-          <a:prstGeom prst="rect">
-            <a:avLst/>
-          </a:prstGeom>
-          <a:noFill/>
-          <a:ln>
-            <a:noFill/>
-          </a:ln>
-          <a:extLst>
-            <a:ext uri="{909E8E84-426E-40DD-AFC4-6F175D3DCCD1}">
-              <a14:hiddenFill xmlns:a14="http://schemas.microsoft.com/office/drawing/2010/main">
-                <a:solidFill>
-                  <a:schemeClr val="accent1"/>
-                </a:solidFill>
-              </a14:hiddenFill>
-            </a:ext>
-            <a:ext uri="{91240B29-F687-4F45-9708-019B960494DF}">
-              <a14:hiddenLine xmlns:a14="http://schemas.microsoft.com/office/drawing/2010/main" w="9525">
-                <a:solidFill>
-                  <a:schemeClr val="tx1"/>
-                </a:solidFill>
-                <a:miter lim="800000"/>
-                <a:headEnd/>
-                <a:tailEnd/>
-              </a14:hiddenLine>
-            </a:ext>
-          </a:extLst>
-        </p:spPr>
-      </p:pic>
-      <p:sp>
-        <p:nvSpPr>
-          <p:cNvPr id="4" name="Rechteck 3"/>
-          <p:cNvSpPr/>
-          <p:nvPr/>
-        </p:nvSpPr>
-        <p:spPr>
-          <a:xfrm>
-            <a:off x="699398" y="2520913"/>
-            <a:ext cx="1224136" cy="792088"/>
-          </a:xfrm>
-          <a:prstGeom prst="rect">
-            <a:avLst/>
-          </a:prstGeom>
-        </p:spPr>
-        <p:style>
-          <a:lnRef idx="1">
-            <a:schemeClr val="accent1"/>
-          </a:lnRef>
-          <a:fillRef idx="2">
-            <a:schemeClr val="accent1"/>
-          </a:fillRef>
-          <a:effectRef idx="1">
-            <a:schemeClr val="accent1"/>
-          </a:effectRef>
-          <a:fontRef idx="minor">
-            <a:schemeClr val="dk1"/>
-          </a:fontRef>
-        </p:style>
-        <p:txBody>
-          <a:bodyPr rtlCol="0" anchor="ctr"/>
-          <a:lstStyle/>
-          <a:p>
-            <a:pPr algn="ctr"/>
-            <a:r>
-              <a:rPr lang="de-CH" sz="1600" dirty="0" err="1" smtClean="0"/>
-              <a:t>Distance</a:t>
-            </a:r>
-            <a:r>
-              <a:rPr lang="de-CH" sz="1600" dirty="0" smtClean="0"/>
-              <a:t> </a:t>
-            </a:r>
-            <a:r>
-              <a:rPr lang="de-CH" sz="1600" dirty="0" err="1" smtClean="0"/>
-              <a:t>to</a:t>
-            </a:r>
-            <a:r>
-              <a:rPr lang="de-CH" sz="1600" dirty="0" smtClean="0"/>
-              <a:t> </a:t>
-            </a:r>
-            <a:r>
-              <a:rPr lang="de-CH" sz="1600" dirty="0" err="1" smtClean="0"/>
-              <a:t>model</a:t>
-            </a:r>
-            <a:endParaRPr lang="de-CH" sz="1600" dirty="0"/>
-          </a:p>
-        </p:txBody>
-      </p:sp>
-      <p:sp>
-        <p:nvSpPr>
-          <p:cNvPr id="7" name="Rechteck 6"/>
-          <p:cNvSpPr/>
-          <p:nvPr/>
-        </p:nvSpPr>
-        <p:spPr>
-          <a:xfrm>
-            <a:off x="3563888" y="2528900"/>
-            <a:ext cx="1656184" cy="792088"/>
-          </a:xfrm>
-          <a:prstGeom prst="rect">
-            <a:avLst/>
-          </a:prstGeom>
-        </p:spPr>
-        <p:style>
-          <a:lnRef idx="1">
-            <a:schemeClr val="accent1"/>
-          </a:lnRef>
-          <a:fillRef idx="2">
-            <a:schemeClr val="accent1"/>
-          </a:fillRef>
-          <a:effectRef idx="1">
-            <a:schemeClr val="accent1"/>
-          </a:effectRef>
-          <a:fontRef idx="minor">
-            <a:schemeClr val="dk1"/>
-          </a:fontRef>
-        </p:style>
-        <p:txBody>
-          <a:bodyPr rtlCol="0" anchor="ctr"/>
-          <a:lstStyle/>
-          <a:p>
-            <a:pPr algn="ctr"/>
-            <a:r>
-              <a:rPr lang="de-CH" sz="1600" dirty="0" smtClean="0"/>
-              <a:t>y-rotation </a:t>
-            </a:r>
-            <a:r>
-              <a:rPr lang="de-CH" sz="1600" dirty="0" err="1" smtClean="0"/>
-              <a:t>of</a:t>
-            </a:r>
-            <a:r>
-              <a:rPr lang="de-CH" sz="1600" dirty="0" smtClean="0"/>
-              <a:t> </a:t>
-            </a:r>
-            <a:r>
-              <a:rPr lang="de-CH" sz="1600" dirty="0" err="1" smtClean="0"/>
-              <a:t>the</a:t>
-            </a:r>
-            <a:r>
-              <a:rPr lang="de-CH" sz="1600" dirty="0" smtClean="0"/>
-              <a:t> </a:t>
-            </a:r>
-            <a:r>
-              <a:rPr lang="de-CH" sz="1600" dirty="0" err="1" smtClean="0"/>
-              <a:t>camera</a:t>
-            </a:r>
-            <a:r>
-              <a:rPr lang="de-CH" sz="1600" dirty="0" smtClean="0"/>
-              <a:t> (</a:t>
-            </a:r>
-            <a:r>
-              <a:rPr lang="de-CH" sz="1600" dirty="0" err="1" smtClean="0"/>
-              <a:t>pitch</a:t>
-            </a:r>
-            <a:r>
-              <a:rPr lang="de-CH" sz="1600" dirty="0" smtClean="0"/>
-              <a:t>)</a:t>
-            </a:r>
-            <a:endParaRPr lang="de-CH" sz="1600" dirty="0"/>
-          </a:p>
-        </p:txBody>
-      </p:sp>
-      <p:sp>
-        <p:nvSpPr>
-          <p:cNvPr id="8" name="Rechteck 7"/>
-          <p:cNvSpPr/>
-          <p:nvPr/>
-        </p:nvSpPr>
-        <p:spPr>
-          <a:xfrm>
-            <a:off x="6519078" y="2270050"/>
-            <a:ext cx="1656184" cy="792088"/>
-          </a:xfrm>
-          <a:prstGeom prst="rect">
-            <a:avLst/>
-          </a:prstGeom>
-        </p:spPr>
-        <p:style>
-          <a:lnRef idx="1">
-            <a:schemeClr val="accent1"/>
-          </a:lnRef>
-          <a:fillRef idx="2">
-            <a:schemeClr val="accent1"/>
-          </a:fillRef>
-          <a:effectRef idx="1">
-            <a:schemeClr val="accent1"/>
-          </a:effectRef>
-          <a:fontRef idx="minor">
-            <a:schemeClr val="dk1"/>
-          </a:fontRef>
-        </p:style>
-        <p:txBody>
-          <a:bodyPr rtlCol="0" anchor="ctr"/>
-          <a:lstStyle/>
-          <a:p>
-            <a:pPr algn="ctr"/>
-            <a:r>
-              <a:rPr lang="de-CH" sz="1600" dirty="0" smtClean="0"/>
-              <a:t>Angle </a:t>
-            </a:r>
-            <a:r>
-              <a:rPr lang="de-CH" sz="1600" dirty="0" err="1" smtClean="0"/>
-              <a:t>around</a:t>
-            </a:r>
-            <a:r>
-              <a:rPr lang="de-CH" sz="1600" dirty="0" smtClean="0"/>
-              <a:t> </a:t>
-            </a:r>
-            <a:r>
-              <a:rPr lang="de-CH" sz="1600" dirty="0" err="1" smtClean="0"/>
-              <a:t>model</a:t>
-            </a:r>
-            <a:endParaRPr lang="de-CH" sz="1600" dirty="0"/>
-          </a:p>
-        </p:txBody>
-      </p:sp>
-    </p:spTree>
-    <p:extLst>
-      <p:ext uri="{BB962C8B-B14F-4D97-AF65-F5344CB8AC3E}">
-        <p14:creationId xmlns:p14="http://schemas.microsoft.com/office/powerpoint/2010/main" val="3767246220"/>
-      </p:ext>
-    </p:extLst>
-  </p:cSld>
-  <p:clrMapOvr>
-    <a:masterClrMapping/>
-  </p:clrMapOvr>
-  <p:timing>
-    <p:tnLst>
-      <p:par>
-        <p:cTn id="1" dur="indefinite" restart="never" nodeType="tmRoot"/>
-      </p:par>
-    </p:tnLst>
-  </p:timing>
-</p:sld>
-</file>
-
-<file path=ppt/slides/slide7.xml><?xml version="1.0" encoding="utf-8"?>
-<p:sld xmlns:a="http://schemas.openxmlformats.org/drawingml/2006/main" xmlns:r="http://schemas.openxmlformats.org/officeDocument/2006/relationships" xmlns:p="http://schemas.openxmlformats.org/presentationml/2006/main">
-  <p:cSld>
-    <p:spTree>
-      <p:nvGrpSpPr>
-        <p:cNvPr id="1" name=""/>
-        <p:cNvGrpSpPr/>
-        <p:nvPr/>
-      </p:nvGrpSpPr>
-      <p:grpSpPr>
-        <a:xfrm>
-          <a:off x="0" y="0"/>
-          <a:ext cx="0" cy="0"/>
-          <a:chOff x="0" y="0"/>
-          <a:chExt cx="0" cy="0"/>
-        </a:xfrm>
-      </p:grpSpPr>
-      <p:sp>
-        <p:nvSpPr>
-          <p:cNvPr id="2" name="Titel 1"/>
-          <p:cNvSpPr>
-            <a:spLocks noGrp="1"/>
-          </p:cNvSpPr>
-          <p:nvPr>
-            <p:ph type="title"/>
-          </p:nvPr>
-        </p:nvSpPr>
-        <p:spPr/>
-        <p:txBody>
-          <a:bodyPr/>
-          <a:lstStyle/>
-          <a:p>
-            <a:r>
-              <a:rPr lang="de-CH" dirty="0" smtClean="0"/>
-              <a:t>Kamera-Position</a:t>
-            </a:r>
-            <a:endParaRPr lang="de-CH" dirty="0"/>
-          </a:p>
-        </p:txBody>
-      </p:sp>
-      <p:sp>
-        <p:nvSpPr>
-          <p:cNvPr id="3" name="Inhaltsplatzhalter 2"/>
-          <p:cNvSpPr>
-            <a:spLocks noGrp="1"/>
-          </p:cNvSpPr>
-          <p:nvPr>
-            <p:ph idx="1"/>
-          </p:nvPr>
-        </p:nvSpPr>
-        <p:spPr/>
-        <p:txBody>
-          <a:bodyPr>
-            <a:normAutofit lnSpcReduction="10000"/>
-          </a:bodyPr>
-          <a:lstStyle/>
-          <a:p>
-            <a:endParaRPr lang="de-CH" dirty="0" smtClean="0"/>
-          </a:p>
-          <a:p>
-            <a:endParaRPr lang="de-CH" dirty="0"/>
-          </a:p>
-          <a:p>
-            <a:endParaRPr lang="de-CH" dirty="0" smtClean="0"/>
-          </a:p>
-          <a:p>
-            <a:endParaRPr lang="de-CH" dirty="0"/>
-          </a:p>
-          <a:p>
-            <a:endParaRPr lang="de-CH" dirty="0" smtClean="0"/>
-          </a:p>
-          <a:p>
-            <a:endParaRPr lang="de-CH" dirty="0"/>
-          </a:p>
-          <a:p>
-            <a:endParaRPr lang="de-CH" dirty="0" smtClean="0"/>
-          </a:p>
-          <a:p>
-            <a:endParaRPr lang="de-CH" dirty="0" smtClean="0"/>
-          </a:p>
-          <a:p>
-            <a:r>
-              <a:rPr lang="de-CH" sz="1800" dirty="0" err="1" smtClean="0">
-                <a:solidFill>
-                  <a:srgbClr val="0070C0"/>
-                </a:solidFill>
-              </a:rPr>
-              <a:t>posX</a:t>
-            </a:r>
-            <a:r>
-              <a:rPr lang="de-CH" sz="1800" dirty="0" smtClean="0">
-                <a:solidFill>
-                  <a:srgbClr val="0070C0"/>
-                </a:solidFill>
-              </a:rPr>
-              <a:t> </a:t>
-            </a:r>
-            <a:r>
-              <a:rPr lang="de-CH" sz="1800" dirty="0" smtClean="0"/>
-              <a:t>= </a:t>
-            </a:r>
-            <a:r>
-              <a:rPr lang="de-CH" sz="1800" dirty="0" err="1"/>
-              <a:t>horizontalDistance</a:t>
-            </a:r>
-            <a:r>
-              <a:rPr lang="de-CH" sz="1800" dirty="0"/>
-              <a:t> </a:t>
-            </a:r>
-            <a:r>
-              <a:rPr lang="de-CH" sz="1800" dirty="0" smtClean="0"/>
-              <a:t>* </a:t>
-            </a:r>
-            <a:r>
-              <a:rPr lang="de-CH" sz="1800" i="1" dirty="0" smtClean="0"/>
-              <a:t>sin</a:t>
-            </a:r>
-            <a:r>
-              <a:rPr lang="de-CH" sz="1800" dirty="0" smtClean="0"/>
-              <a:t>(</a:t>
-            </a:r>
-            <a:r>
-              <a:rPr lang="de-CH" sz="1800" b="1" dirty="0" err="1" smtClean="0">
-                <a:solidFill>
-                  <a:srgbClr val="FF0000"/>
-                </a:solidFill>
-              </a:rPr>
-              <a:t>angleAroundModel</a:t>
-            </a:r>
-            <a:r>
-              <a:rPr lang="de-CH" sz="1800" dirty="0" smtClean="0">
-                <a:solidFill>
-                  <a:srgbClr val="0070C0"/>
-                </a:solidFill>
-              </a:rPr>
-              <a:t>);</a:t>
-            </a:r>
-            <a:r>
-              <a:rPr lang="de-CH" sz="1800" dirty="0"/>
-              <a:t/>
-            </a:r>
-            <a:br>
-              <a:rPr lang="de-CH" sz="1800" dirty="0"/>
-            </a:br>
-            <a:r>
-              <a:rPr lang="de-CH" sz="1800" dirty="0" err="1" smtClean="0">
-                <a:solidFill>
-                  <a:srgbClr val="00B050"/>
-                </a:solidFill>
-              </a:rPr>
-              <a:t>posY</a:t>
-            </a:r>
-            <a:r>
-              <a:rPr lang="de-CH" sz="1800" dirty="0" smtClean="0">
-                <a:solidFill>
-                  <a:srgbClr val="00B050"/>
-                </a:solidFill>
-              </a:rPr>
-              <a:t> </a:t>
-            </a:r>
-            <a:r>
-              <a:rPr lang="de-CH" sz="1800" dirty="0"/>
-              <a:t>= </a:t>
-            </a:r>
-            <a:r>
-              <a:rPr lang="de-CH" sz="1800" dirty="0" err="1"/>
-              <a:t>horizontalDistance</a:t>
-            </a:r>
-            <a:r>
-              <a:rPr lang="de-CH" sz="1800" dirty="0"/>
-              <a:t> * </a:t>
-            </a:r>
-            <a:r>
-              <a:rPr lang="de-CH" sz="1800" i="1" dirty="0" smtClean="0"/>
-              <a:t>cos</a:t>
-            </a:r>
-            <a:r>
-              <a:rPr lang="de-CH" sz="1800" dirty="0" smtClean="0"/>
-              <a:t>(</a:t>
-            </a:r>
-            <a:r>
-              <a:rPr lang="de-CH" sz="1800" b="1" dirty="0" err="1" smtClean="0">
-                <a:solidFill>
-                  <a:srgbClr val="FF0000"/>
-                </a:solidFill>
-              </a:rPr>
-              <a:t>angleAroundModel</a:t>
-            </a:r>
-            <a:r>
-              <a:rPr lang="de-CH" sz="1800" dirty="0" smtClean="0">
-                <a:solidFill>
-                  <a:srgbClr val="00B050"/>
-                </a:solidFill>
-              </a:rPr>
-              <a:t>);</a:t>
-            </a:r>
-          </a:p>
-          <a:p>
-            <a:r>
-              <a:rPr lang="de-CH" sz="1800" b="1" dirty="0" err="1" smtClean="0"/>
-              <a:t>position</a:t>
-            </a:r>
-            <a:r>
-              <a:rPr lang="de-CH" sz="1800" dirty="0" err="1" smtClean="0"/>
-              <a:t>.</a:t>
-            </a:r>
-            <a:r>
-              <a:rPr lang="de-CH" sz="1800" b="1" dirty="0" err="1" smtClean="0"/>
-              <a:t>x</a:t>
-            </a:r>
-            <a:r>
-              <a:rPr lang="de-CH" sz="1800" b="1" dirty="0" smtClean="0"/>
-              <a:t> </a:t>
-            </a:r>
-            <a:r>
-              <a:rPr lang="de-CH" sz="1800" dirty="0"/>
-              <a:t>= - </a:t>
-            </a:r>
-            <a:r>
-              <a:rPr lang="de-CH" sz="1800" dirty="0" err="1" smtClean="0"/>
-              <a:t>posX</a:t>
-            </a:r>
-            <a:r>
-              <a:rPr lang="de-CH" sz="1800" dirty="0" smtClean="0"/>
-              <a:t>;</a:t>
-            </a:r>
-          </a:p>
-          <a:p>
-            <a:r>
-              <a:rPr lang="de-CH" sz="1800" b="1" dirty="0" err="1" smtClean="0"/>
-              <a:t>position</a:t>
-            </a:r>
-            <a:r>
-              <a:rPr lang="de-CH" sz="1800" dirty="0" err="1" smtClean="0"/>
-              <a:t>.</a:t>
-            </a:r>
-            <a:r>
-              <a:rPr lang="de-CH" sz="1800" b="1" dirty="0" err="1" smtClean="0"/>
-              <a:t>z</a:t>
-            </a:r>
-            <a:r>
-              <a:rPr lang="de-CH" sz="1800" b="1" dirty="0" smtClean="0"/>
-              <a:t> </a:t>
-            </a:r>
-            <a:r>
-              <a:rPr lang="de-CH" sz="1800" dirty="0"/>
-              <a:t>= - </a:t>
-            </a:r>
-            <a:r>
-              <a:rPr lang="de-CH" sz="1800" dirty="0" err="1" smtClean="0"/>
-              <a:t>posY</a:t>
-            </a:r>
-            <a:r>
-              <a:rPr lang="de-CH" sz="1800" dirty="0" smtClean="0"/>
-              <a:t>;</a:t>
-            </a:r>
-          </a:p>
-          <a:p>
-            <a:r>
-              <a:rPr lang="de-CH" sz="1800" b="1" dirty="0" err="1" smtClean="0"/>
-              <a:t>position</a:t>
-            </a:r>
-            <a:r>
-              <a:rPr lang="de-CH" sz="1800" dirty="0" err="1" smtClean="0"/>
-              <a:t>.</a:t>
-            </a:r>
-            <a:r>
-              <a:rPr lang="de-CH" sz="1800" b="1" dirty="0" err="1" smtClean="0"/>
-              <a:t>y</a:t>
-            </a:r>
-            <a:r>
-              <a:rPr lang="de-CH" sz="1800" b="1" dirty="0" smtClean="0"/>
-              <a:t> </a:t>
-            </a:r>
-            <a:r>
-              <a:rPr lang="de-CH" sz="1800" dirty="0"/>
-              <a:t>= </a:t>
-            </a:r>
-            <a:r>
-              <a:rPr lang="de-CH" sz="1800" dirty="0" err="1"/>
-              <a:t>verticalDistance</a:t>
-            </a:r>
-            <a:r>
-              <a:rPr lang="de-CH" sz="1800" dirty="0" smtClean="0"/>
-              <a:t>;</a:t>
-            </a:r>
-            <a:endParaRPr lang="de-CH" sz="1800" dirty="0"/>
-          </a:p>
-        </p:txBody>
-      </p:sp>
-      <p:pic>
-        <p:nvPicPr>
-          <p:cNvPr id="4099" name="Picture 3"/>
-          <p:cNvPicPr>
-            <a:picLocks noChangeAspect="1" noChangeArrowheads="1"/>
-          </p:cNvPicPr>
-          <p:nvPr/>
-        </p:nvPicPr>
-        <p:blipFill>
-          <a:blip r:embed="rId3">
-            <a:extLst>
-              <a:ext uri="{28A0092B-C50C-407E-A947-70E740481C1C}">
-                <a14:useLocalDpi xmlns:a14="http://schemas.microsoft.com/office/drawing/2010/main" val="0"/>
-              </a:ext>
-            </a:extLst>
-          </a:blip>
-          <a:srcRect/>
-          <a:stretch>
-            <a:fillRect/>
-          </a:stretch>
-        </p:blipFill>
-        <p:spPr bwMode="auto">
-          <a:xfrm>
-            <a:off x="2483768" y="1484784"/>
-            <a:ext cx="3901656" cy="2913137"/>
-          </a:xfrm>
-          <a:prstGeom prst="rect">
-            <a:avLst/>
-          </a:prstGeom>
-          <a:noFill/>
-          <a:ln>
-            <a:noFill/>
-          </a:ln>
-          <a:extLst>
-            <a:ext uri="{909E8E84-426E-40DD-AFC4-6F175D3DCCD1}">
-              <a14:hiddenFill xmlns:a14="http://schemas.microsoft.com/office/drawing/2010/main">
-                <a:solidFill>
-                  <a:schemeClr val="accent1"/>
-                </a:solidFill>
-              </a14:hiddenFill>
-            </a:ext>
-            <a:ext uri="{91240B29-F687-4F45-9708-019B960494DF}">
-              <a14:hiddenLine xmlns:a14="http://schemas.microsoft.com/office/drawing/2010/main" w="9525">
-                <a:solidFill>
-                  <a:schemeClr val="tx1"/>
-                </a:solidFill>
-                <a:miter lim="800000"/>
-                <a:headEnd/>
-                <a:tailEnd/>
-              </a14:hiddenLine>
-            </a:ext>
-          </a:extLst>
-        </p:spPr>
-      </p:pic>
-    </p:spTree>
-    <p:extLst>
-      <p:ext uri="{BB962C8B-B14F-4D97-AF65-F5344CB8AC3E}">
-        <p14:creationId xmlns:p14="http://schemas.microsoft.com/office/powerpoint/2010/main" val="855530621"/>
-      </p:ext>
-    </p:extLst>
-  </p:cSld>
-  <p:clrMapOvr>
-    <a:masterClrMapping/>
-  </p:clrMapOvr>
-  <p:timing>
-    <p:tnLst>
-      <p:par>
-        <p:cTn id="1" dur="indefinite" restart="never" nodeType="tmRoot"/>
-      </p:par>
-    </p:tnLst>
-  </p:timing>
-</p:sld>
-</file>
-
-<file path=ppt/slides/slide8.xml><?xml version="1.0" encoding="utf-8"?>
-<p:sld xmlns:a="http://schemas.openxmlformats.org/drawingml/2006/main" xmlns:r="http://schemas.openxmlformats.org/officeDocument/2006/relationships" xmlns:p="http://schemas.openxmlformats.org/presentationml/2006/main">
-  <p:cSld>
-    <p:spTree>
-      <p:nvGrpSpPr>
-        <p:cNvPr id="1" name=""/>
-        <p:cNvGrpSpPr/>
-        <p:nvPr/>
-      </p:nvGrpSpPr>
-      <p:grpSpPr>
-        <a:xfrm>
-          <a:off x="0" y="0"/>
-          <a:ext cx="0" cy="0"/>
-          <a:chOff x="0" y="0"/>
-          <a:chExt cx="0" cy="0"/>
-        </a:xfrm>
-      </p:grpSpPr>
-      <p:sp>
-        <p:nvSpPr>
-          <p:cNvPr id="2" name="Titel 1"/>
-          <p:cNvSpPr>
-            <a:spLocks noGrp="1"/>
-          </p:cNvSpPr>
-          <p:nvPr>
-            <p:ph type="title"/>
-          </p:nvPr>
-        </p:nvSpPr>
-        <p:spPr/>
-        <p:txBody>
-          <a:bodyPr/>
-          <a:lstStyle/>
-          <a:p>
-            <a:r>
-              <a:rPr lang="de-CH" dirty="0" smtClean="0"/>
-              <a:t>Kamera-Rotation</a:t>
-            </a:r>
-            <a:endParaRPr lang="de-CH" dirty="0"/>
-          </a:p>
-        </p:txBody>
-      </p:sp>
-      <p:sp>
-        <p:nvSpPr>
-          <p:cNvPr id="3" name="Inhaltsplatzhalter 2"/>
-          <p:cNvSpPr>
-            <a:spLocks noGrp="1"/>
-          </p:cNvSpPr>
-          <p:nvPr>
-            <p:ph idx="1"/>
-          </p:nvPr>
-        </p:nvSpPr>
-        <p:spPr/>
-        <p:txBody>
-          <a:bodyPr/>
-          <a:lstStyle/>
-          <a:p>
-            <a:r>
-              <a:rPr lang="de-CH" dirty="0" smtClean="0"/>
-              <a:t>Kamera Rotation (Blickrichtung) bestimmen</a:t>
-            </a:r>
-          </a:p>
-          <a:p>
-            <a:endParaRPr lang="de-CH" dirty="0" smtClean="0"/>
-          </a:p>
-          <a:p>
-            <a:endParaRPr lang="de-CH" dirty="0"/>
-          </a:p>
-          <a:p>
-            <a:endParaRPr lang="de-CH" dirty="0" smtClean="0"/>
-          </a:p>
-          <a:p>
-            <a:endParaRPr lang="de-CH" dirty="0"/>
-          </a:p>
-          <a:p>
-            <a:endParaRPr lang="de-CH" dirty="0"/>
-          </a:p>
-          <a:p>
-            <a:endParaRPr lang="de-CH" dirty="0" smtClean="0"/>
-          </a:p>
-          <a:p>
-            <a:endParaRPr lang="de-CH" dirty="0" smtClean="0"/>
-          </a:p>
-          <a:p>
-            <a:r>
-              <a:rPr lang="de-CH" dirty="0" err="1" smtClean="0"/>
-              <a:t>pitch</a:t>
-            </a:r>
-            <a:r>
-              <a:rPr lang="de-CH" dirty="0" smtClean="0"/>
-              <a:t> </a:t>
-            </a:r>
-            <a:r>
-              <a:rPr lang="de-CH" dirty="0"/>
-              <a:t>= </a:t>
-            </a:r>
-            <a:r>
-              <a:rPr lang="de-CH" dirty="0" err="1" smtClean="0"/>
-              <a:t>pitch</a:t>
-            </a:r>
-            <a:r>
-              <a:rPr lang="de-CH" dirty="0" smtClean="0"/>
-              <a:t> - </a:t>
-            </a:r>
-            <a:r>
-              <a:rPr lang="de-CH" dirty="0" err="1" smtClean="0"/>
-              <a:t>Mouse.</a:t>
-            </a:r>
-            <a:r>
-              <a:rPr lang="de-CH" i="1" dirty="0" err="1" smtClean="0"/>
-              <a:t>getDY</a:t>
-            </a:r>
-            <a:r>
-              <a:rPr lang="de-CH" dirty="0" smtClean="0"/>
-              <a:t>();</a:t>
-            </a:r>
-          </a:p>
-          <a:p>
-            <a:r>
-              <a:rPr lang="de-CH" b="1" dirty="0" err="1" smtClean="0">
-                <a:solidFill>
-                  <a:srgbClr val="92D050"/>
-                </a:solidFill>
-              </a:rPr>
-              <a:t>yaw</a:t>
-            </a:r>
-            <a:r>
-              <a:rPr lang="de-CH" b="1" dirty="0" smtClean="0">
-                <a:solidFill>
-                  <a:srgbClr val="92D050"/>
-                </a:solidFill>
-              </a:rPr>
-              <a:t> </a:t>
-            </a:r>
-            <a:r>
-              <a:rPr lang="de-CH" dirty="0"/>
-              <a:t>= 180 - </a:t>
-            </a:r>
-            <a:r>
-              <a:rPr lang="de-CH" dirty="0" err="1" smtClean="0"/>
-              <a:t>angleAroundModel</a:t>
-            </a:r>
-            <a:r>
-              <a:rPr lang="de-CH" dirty="0" smtClean="0"/>
-              <a:t>;</a:t>
-            </a:r>
-            <a:endParaRPr lang="de-CH" dirty="0"/>
-          </a:p>
-        </p:txBody>
-      </p:sp>
-      <p:pic>
-        <p:nvPicPr>
-          <p:cNvPr id="5122" name="Picture 2"/>
-          <p:cNvPicPr>
-            <a:picLocks noChangeAspect="1" noChangeArrowheads="1"/>
-          </p:cNvPicPr>
-          <p:nvPr/>
-        </p:nvPicPr>
-        <p:blipFill>
-          <a:blip r:embed="rId3">
-            <a:extLst>
-              <a:ext uri="{28A0092B-C50C-407E-A947-70E740481C1C}">
-                <a14:useLocalDpi xmlns:a14="http://schemas.microsoft.com/office/drawing/2010/main" val="0"/>
-              </a:ext>
-            </a:extLst>
-          </a:blip>
-          <a:srcRect/>
-          <a:stretch>
-            <a:fillRect/>
-          </a:stretch>
-        </p:blipFill>
-        <p:spPr bwMode="auto">
-          <a:xfrm>
-            <a:off x="683568" y="2204864"/>
-            <a:ext cx="4248472" cy="2582135"/>
-          </a:xfrm>
-          <a:prstGeom prst="rect">
-            <a:avLst/>
-          </a:prstGeom>
-          <a:noFill/>
-          <a:ln>
-            <a:noFill/>
-          </a:ln>
-          <a:extLst>
-            <a:ext uri="{909E8E84-426E-40DD-AFC4-6F175D3DCCD1}">
-              <a14:hiddenFill xmlns:a14="http://schemas.microsoft.com/office/drawing/2010/main">
-                <a:solidFill>
-                  <a:schemeClr val="accent1"/>
-                </a:solidFill>
-              </a14:hiddenFill>
-            </a:ext>
-            <a:ext uri="{91240B29-F687-4F45-9708-019B960494DF}">
-              <a14:hiddenLine xmlns:a14="http://schemas.microsoft.com/office/drawing/2010/main" w="9525">
-                <a:solidFill>
-                  <a:schemeClr val="tx1"/>
-                </a:solidFill>
-                <a:miter lim="800000"/>
-                <a:headEnd/>
-                <a:tailEnd/>
-              </a14:hiddenLine>
-            </a:ext>
-          </a:extLst>
-        </p:spPr>
-      </p:pic>
-      <p:pic>
-        <p:nvPicPr>
-          <p:cNvPr id="5126" name="Picture 6" descr="http://doc.aldebaran.com/2-1/_images/rollPitchYaw.png"/>
-          <p:cNvPicPr>
-            <a:picLocks noChangeAspect="1" noChangeArrowheads="1"/>
-          </p:cNvPicPr>
-          <p:nvPr/>
-        </p:nvPicPr>
-        <p:blipFill>
-          <a:blip r:embed="rId4">
-            <a:extLst>
-              <a:ext uri="{28A0092B-C50C-407E-A947-70E740481C1C}">
-                <a14:useLocalDpi xmlns:a14="http://schemas.microsoft.com/office/drawing/2010/main" val="0"/>
-              </a:ext>
-            </a:extLst>
-          </a:blip>
-          <a:srcRect/>
-          <a:stretch>
-            <a:fillRect/>
-          </a:stretch>
-        </p:blipFill>
-        <p:spPr bwMode="auto">
-          <a:xfrm>
-            <a:off x="5436096" y="2060848"/>
-            <a:ext cx="3312368" cy="3227653"/>
-          </a:xfrm>
-          <a:prstGeom prst="rect">
-            <a:avLst/>
-          </a:prstGeom>
-          <a:noFill/>
-          <a:extLst>
-            <a:ext uri="{909E8E84-426E-40DD-AFC4-6F175D3DCCD1}">
-              <a14:hiddenFill xmlns:a14="http://schemas.microsoft.com/office/drawing/2010/main">
-                <a:solidFill>
-                  <a:srgbClr val="FFFFFF"/>
-                </a:solidFill>
-              </a14:hiddenFill>
-            </a:ext>
-          </a:extLst>
-        </p:spPr>
-      </p:pic>
-    </p:spTree>
-    <p:extLst>
-      <p:ext uri="{BB962C8B-B14F-4D97-AF65-F5344CB8AC3E}">
-        <p14:creationId xmlns:p14="http://schemas.microsoft.com/office/powerpoint/2010/main" val="813252076"/>
-      </p:ext>
-    </p:extLst>
-  </p:cSld>
-  <p:clrMapOvr>
-    <a:masterClrMapping/>
-  </p:clrMapOvr>
-  <p:timing>
-    <p:tnLst>
-      <p:par>
-        <p:cTn id="1" dur="indefinite" restart="never" nodeType="tmRoot"/>
-      </p:par>
-    </p:tnLst>
-  </p:timing>
-</p:sld>
-</file>
-
-<file path=ppt/slides/slide9.xml><?xml version="1.0" encoding="utf-8"?>
-<p:sld xmlns:a="http://schemas.openxmlformats.org/drawingml/2006/main" xmlns:r="http://schemas.openxmlformats.org/officeDocument/2006/relationships" xmlns:p="http://schemas.openxmlformats.org/presentationml/2006/main">
-  <p:cSld>
-    <p:spTree>
-      <p:nvGrpSpPr>
-        <p:cNvPr id="1" name=""/>
-        <p:cNvGrpSpPr/>
-        <p:nvPr/>
-      </p:nvGrpSpPr>
-      <p:grpSpPr>
-        <a:xfrm>
-          <a:off x="0" y="0"/>
-          <a:ext cx="0" cy="0"/>
-          <a:chOff x="0" y="0"/>
-          <a:chExt cx="0" cy="0"/>
-        </a:xfrm>
-      </p:grpSpPr>
-      <p:sp>
-        <p:nvSpPr>
-          <p:cNvPr id="2" name="Titel 1"/>
-          <p:cNvSpPr>
-            <a:spLocks noGrp="1"/>
-          </p:cNvSpPr>
-          <p:nvPr>
-            <p:ph type="title"/>
-          </p:nvPr>
-        </p:nvSpPr>
-        <p:spPr/>
-        <p:txBody>
           <a:bodyPr>
             <a:normAutofit/>
           </a:bodyPr>
@@ -7091,6 +5491,2061 @@
     <p:extLst>
       <p:ext uri="{BB962C8B-B14F-4D97-AF65-F5344CB8AC3E}">
         <p14:creationId xmlns:p14="http://schemas.microsoft.com/office/powerpoint/2010/main" val="1552041186"/>
+      </p:ext>
+    </p:extLst>
+  </p:cSld>
+  <p:clrMapOvr>
+    <a:masterClrMapping/>
+  </p:clrMapOvr>
+  <p:timing>
+    <p:tnLst>
+      <p:par>
+        <p:cTn id="1" dur="indefinite" restart="never" nodeType="tmRoot"/>
+      </p:par>
+    </p:tnLst>
+  </p:timing>
+</p:sld>
+</file>
+
+<file path=ppt/slides/slide11.xml><?xml version="1.0" encoding="utf-8"?>
+<p:sld xmlns:a="http://schemas.openxmlformats.org/drawingml/2006/main" xmlns:r="http://schemas.openxmlformats.org/officeDocument/2006/relationships" xmlns:p="http://schemas.openxmlformats.org/presentationml/2006/main">
+  <p:cSld>
+    <p:spTree>
+      <p:nvGrpSpPr>
+        <p:cNvPr id="1" name=""/>
+        <p:cNvGrpSpPr/>
+        <p:nvPr/>
+      </p:nvGrpSpPr>
+      <p:grpSpPr>
+        <a:xfrm>
+          <a:off x="0" y="0"/>
+          <a:ext cx="0" cy="0"/>
+          <a:chOff x="0" y="0"/>
+          <a:chExt cx="0" cy="0"/>
+        </a:xfrm>
+      </p:grpSpPr>
+      <p:sp>
+        <p:nvSpPr>
+          <p:cNvPr id="2" name="Titel 1"/>
+          <p:cNvSpPr>
+            <a:spLocks noGrp="1"/>
+          </p:cNvSpPr>
+          <p:nvPr>
+            <p:ph type="title"/>
+          </p:nvPr>
+        </p:nvSpPr>
+        <p:spPr/>
+        <p:txBody>
+          <a:bodyPr/>
+          <a:lstStyle/>
+          <a:p>
+            <a:r>
+              <a:rPr lang="de-CH" dirty="0" smtClean="0"/>
+              <a:t>Fragen</a:t>
+            </a:r>
+            <a:endParaRPr lang="de-CH" dirty="0"/>
+          </a:p>
+        </p:txBody>
+      </p:sp>
+      <p:sp>
+        <p:nvSpPr>
+          <p:cNvPr id="3" name="Inhaltsplatzhalter 2"/>
+          <p:cNvSpPr>
+            <a:spLocks noGrp="1"/>
+          </p:cNvSpPr>
+          <p:nvPr>
+            <p:ph idx="1"/>
+          </p:nvPr>
+        </p:nvSpPr>
+        <p:spPr/>
+        <p:txBody>
+          <a:bodyPr/>
+          <a:lstStyle/>
+          <a:p>
+            <a:endParaRPr lang="de-CH" dirty="0"/>
+          </a:p>
+        </p:txBody>
+      </p:sp>
+      <p:pic>
+        <p:nvPicPr>
+          <p:cNvPr id="2050" name="Picture 2" descr="http://www.sando.at/hp/img/Fragezeichen.jpg"/>
+          <p:cNvPicPr>
+            <a:picLocks noChangeAspect="1" noChangeArrowheads="1"/>
+          </p:cNvPicPr>
+          <p:nvPr/>
+        </p:nvPicPr>
+        <p:blipFill>
+          <a:blip r:embed="rId3">
+            <a:extLst>
+              <a:ext uri="{28A0092B-C50C-407E-A947-70E740481C1C}">
+                <a14:useLocalDpi xmlns:a14="http://schemas.microsoft.com/office/drawing/2010/main" val="0"/>
+              </a:ext>
+            </a:extLst>
+          </a:blip>
+          <a:srcRect/>
+          <a:stretch>
+            <a:fillRect/>
+          </a:stretch>
+        </p:blipFill>
+        <p:spPr bwMode="auto">
+          <a:xfrm>
+            <a:off x="5796136" y="3285702"/>
+            <a:ext cx="3219450" cy="3381375"/>
+          </a:xfrm>
+          <a:prstGeom prst="rect">
+            <a:avLst/>
+          </a:prstGeom>
+          <a:noFill/>
+          <a:extLst>
+            <a:ext uri="{909E8E84-426E-40DD-AFC4-6F175D3DCCD1}">
+              <a14:hiddenFill xmlns:a14="http://schemas.microsoft.com/office/drawing/2010/main">
+                <a:solidFill>
+                  <a:srgbClr val="FFFFFF"/>
+                </a:solidFill>
+              </a14:hiddenFill>
+            </a:ext>
+          </a:extLst>
+        </p:spPr>
+      </p:pic>
+    </p:spTree>
+    <p:extLst>
+      <p:ext uri="{BB962C8B-B14F-4D97-AF65-F5344CB8AC3E}">
+        <p14:creationId xmlns:p14="http://schemas.microsoft.com/office/powerpoint/2010/main" val="827410420"/>
+      </p:ext>
+    </p:extLst>
+  </p:cSld>
+  <p:clrMapOvr>
+    <a:masterClrMapping/>
+  </p:clrMapOvr>
+  <p:timing>
+    <p:tnLst>
+      <p:par>
+        <p:cTn id="1" dur="indefinite" restart="never" nodeType="tmRoot"/>
+      </p:par>
+    </p:tnLst>
+  </p:timing>
+</p:sld>
+</file>
+
+<file path=ppt/slides/slide2.xml><?xml version="1.0" encoding="utf-8"?>
+<p:sld xmlns:a="http://schemas.openxmlformats.org/drawingml/2006/main" xmlns:r="http://schemas.openxmlformats.org/officeDocument/2006/relationships" xmlns:p="http://schemas.openxmlformats.org/presentationml/2006/main">
+  <p:cSld>
+    <p:spTree>
+      <p:nvGrpSpPr>
+        <p:cNvPr id="1" name=""/>
+        <p:cNvGrpSpPr/>
+        <p:nvPr/>
+      </p:nvGrpSpPr>
+      <p:grpSpPr>
+        <a:xfrm>
+          <a:off x="0" y="0"/>
+          <a:ext cx="0" cy="0"/>
+          <a:chOff x="0" y="0"/>
+          <a:chExt cx="0" cy="0"/>
+        </a:xfrm>
+      </p:grpSpPr>
+      <p:sp>
+        <p:nvSpPr>
+          <p:cNvPr id="2" name="Titel 1"/>
+          <p:cNvSpPr>
+            <a:spLocks noGrp="1"/>
+          </p:cNvSpPr>
+          <p:nvPr>
+            <p:ph type="title"/>
+          </p:nvPr>
+        </p:nvSpPr>
+        <p:spPr/>
+        <p:txBody>
+          <a:bodyPr/>
+          <a:lstStyle/>
+          <a:p>
+            <a:r>
+              <a:rPr lang="de-CH" dirty="0" smtClean="0"/>
+              <a:t>Demo</a:t>
+            </a:r>
+            <a:endParaRPr lang="de-CH" dirty="0"/>
+          </a:p>
+        </p:txBody>
+      </p:sp>
+      <p:sp>
+        <p:nvSpPr>
+          <p:cNvPr id="3" name="Inhaltsplatzhalter 2"/>
+          <p:cNvSpPr>
+            <a:spLocks noGrp="1"/>
+          </p:cNvSpPr>
+          <p:nvPr>
+            <p:ph idx="1"/>
+          </p:nvPr>
+        </p:nvSpPr>
+        <p:spPr/>
+        <p:txBody>
+          <a:bodyPr/>
+          <a:lstStyle/>
+          <a:p>
+            <a:endParaRPr lang="de-CH" dirty="0"/>
+          </a:p>
+        </p:txBody>
+      </p:sp>
+      <p:pic>
+        <p:nvPicPr>
+          <p:cNvPr id="5" name="Grafik 4"/>
+          <p:cNvPicPr/>
+          <p:nvPr/>
+        </p:nvPicPr>
+        <p:blipFill>
+          <a:blip r:embed="rId3"/>
+          <a:stretch>
+            <a:fillRect/>
+          </a:stretch>
+        </p:blipFill>
+        <p:spPr>
+          <a:xfrm>
+            <a:off x="971600" y="1628800"/>
+            <a:ext cx="7272808" cy="4868900"/>
+          </a:xfrm>
+          <a:prstGeom prst="rect">
+            <a:avLst/>
+          </a:prstGeom>
+        </p:spPr>
+      </p:pic>
+    </p:spTree>
+    <p:extLst>
+      <p:ext uri="{BB962C8B-B14F-4D97-AF65-F5344CB8AC3E}">
+        <p14:creationId xmlns:p14="http://schemas.microsoft.com/office/powerpoint/2010/main" val="1063946259"/>
+      </p:ext>
+    </p:extLst>
+  </p:cSld>
+  <p:clrMapOvr>
+    <a:masterClrMapping/>
+  </p:clrMapOvr>
+  <p:timing>
+    <p:tnLst>
+      <p:par>
+        <p:cTn id="1" dur="indefinite" restart="never" nodeType="tmRoot"/>
+      </p:par>
+    </p:tnLst>
+  </p:timing>
+</p:sld>
+</file>
+
+<file path=ppt/slides/slide3.xml><?xml version="1.0" encoding="utf-8"?>
+<p:sld xmlns:a="http://schemas.openxmlformats.org/drawingml/2006/main" xmlns:r="http://schemas.openxmlformats.org/officeDocument/2006/relationships" xmlns:p="http://schemas.openxmlformats.org/presentationml/2006/main">
+  <p:cSld>
+    <p:spTree>
+      <p:nvGrpSpPr>
+        <p:cNvPr id="1" name=""/>
+        <p:cNvGrpSpPr/>
+        <p:nvPr/>
+      </p:nvGrpSpPr>
+      <p:grpSpPr>
+        <a:xfrm>
+          <a:off x="0" y="0"/>
+          <a:ext cx="0" cy="0"/>
+          <a:chOff x="0" y="0"/>
+          <a:chExt cx="0" cy="0"/>
+        </a:xfrm>
+      </p:grpSpPr>
+      <p:sp>
+        <p:nvSpPr>
+          <p:cNvPr id="2" name="Titel 1"/>
+          <p:cNvSpPr>
+            <a:spLocks noGrp="1"/>
+          </p:cNvSpPr>
+          <p:nvPr>
+            <p:ph type="title"/>
+          </p:nvPr>
+        </p:nvSpPr>
+        <p:spPr/>
+        <p:txBody>
+          <a:bodyPr/>
+          <a:lstStyle/>
+          <a:p>
+            <a:r>
+              <a:rPr lang="de-CH" dirty="0" smtClean="0"/>
+              <a:t>Projekt OpenGL </a:t>
+            </a:r>
+            <a:r>
+              <a:rPr lang="de-CH" dirty="0" err="1" smtClean="0"/>
+              <a:t>Wavefront</a:t>
+            </a:r>
+            <a:r>
+              <a:rPr lang="de-CH" dirty="0" smtClean="0"/>
+              <a:t> Viewer</a:t>
+            </a:r>
+            <a:endParaRPr lang="de-CH" dirty="0"/>
+          </a:p>
+        </p:txBody>
+      </p:sp>
+      <p:sp>
+        <p:nvSpPr>
+          <p:cNvPr id="3" name="Inhaltsplatzhalter 2"/>
+          <p:cNvSpPr>
+            <a:spLocks noGrp="1"/>
+          </p:cNvSpPr>
+          <p:nvPr>
+            <p:ph idx="1"/>
+          </p:nvPr>
+        </p:nvSpPr>
+        <p:spPr/>
+        <p:txBody>
+          <a:bodyPr>
+            <a:noAutofit/>
+          </a:bodyPr>
+          <a:lstStyle/>
+          <a:p>
+            <a:pPr marL="0" indent="0">
+              <a:buNone/>
+            </a:pPr>
+            <a:r>
+              <a:rPr lang="de-CH" sz="1600" dirty="0" err="1"/>
+              <a:t>Wavefront</a:t>
+            </a:r>
+            <a:r>
+              <a:rPr lang="de-CH" sz="1600" dirty="0"/>
+              <a:t> </a:t>
+            </a:r>
+            <a:r>
+              <a:rPr lang="de-CH" sz="1600" dirty="0" err="1" smtClean="0"/>
+              <a:t>Obj</a:t>
+            </a:r>
+            <a:r>
+              <a:rPr lang="de-CH" sz="1600" dirty="0" smtClean="0"/>
+              <a:t> </a:t>
+            </a:r>
+          </a:p>
+          <a:p>
+            <a:pPr lvl="1"/>
+            <a:r>
+              <a:rPr lang="de-CH" sz="1600" dirty="0" smtClean="0"/>
+              <a:t>Datei einlesen</a:t>
+            </a:r>
+          </a:p>
+          <a:p>
+            <a:pPr marL="0" indent="0">
+              <a:buNone/>
+            </a:pPr>
+            <a:endParaRPr lang="de-CH" sz="1600" dirty="0" smtClean="0"/>
+          </a:p>
+          <a:p>
+            <a:pPr marL="0" indent="0">
+              <a:buNone/>
+            </a:pPr>
+            <a:r>
+              <a:rPr lang="de-CH" sz="1600" dirty="0" smtClean="0"/>
+              <a:t>Rendering</a:t>
+            </a:r>
+          </a:p>
+          <a:p>
+            <a:pPr lvl="1"/>
+            <a:r>
+              <a:rPr lang="de-CH" sz="1600" dirty="0" smtClean="0"/>
+              <a:t>3D Model gemäss </a:t>
+            </a:r>
+            <a:r>
+              <a:rPr lang="de-CH" sz="1600" dirty="0" err="1" smtClean="0"/>
+              <a:t>Obj</a:t>
+            </a:r>
+            <a:endParaRPr lang="de-CH" sz="1600" dirty="0" smtClean="0"/>
+          </a:p>
+          <a:p>
+            <a:pPr lvl="1"/>
+            <a:r>
+              <a:rPr lang="de-CH" sz="1600" dirty="0" smtClean="0"/>
+              <a:t>Gitternetz</a:t>
+            </a:r>
+          </a:p>
+          <a:p>
+            <a:pPr lvl="1"/>
+            <a:r>
+              <a:rPr lang="de-CH" sz="1600" dirty="0" smtClean="0"/>
+              <a:t>Sonne</a:t>
+            </a:r>
+          </a:p>
+          <a:p>
+            <a:pPr lvl="1"/>
+            <a:endParaRPr lang="de-CH" sz="1600" dirty="0" smtClean="0"/>
+          </a:p>
+          <a:p>
+            <a:pPr marL="0" indent="0">
+              <a:buNone/>
+            </a:pPr>
+            <a:r>
+              <a:rPr lang="de-CH" sz="1600" dirty="0" smtClean="0"/>
+              <a:t>Beleuchtung</a:t>
+            </a:r>
+            <a:endParaRPr lang="de-CH" sz="1600" dirty="0"/>
+          </a:p>
+          <a:p>
+            <a:pPr lvl="1"/>
+            <a:r>
+              <a:rPr lang="de-CH" sz="1600" dirty="0" smtClean="0"/>
+              <a:t>Statisches Punktlicht </a:t>
+            </a:r>
+          </a:p>
+          <a:p>
+            <a:pPr lvl="1"/>
+            <a:r>
+              <a:rPr lang="de-CH" sz="1600" dirty="0" err="1"/>
+              <a:t>Phong</a:t>
+            </a:r>
+            <a:r>
+              <a:rPr lang="de-CH" sz="1600" dirty="0"/>
+              <a:t> </a:t>
+            </a:r>
+            <a:r>
+              <a:rPr lang="de-CH" sz="1600" dirty="0" err="1"/>
+              <a:t>reflection</a:t>
+            </a:r>
+            <a:r>
+              <a:rPr lang="de-CH" sz="1600" dirty="0"/>
+              <a:t> </a:t>
+            </a:r>
+            <a:r>
+              <a:rPr lang="de-CH" sz="1600" dirty="0" err="1" smtClean="0"/>
+              <a:t>model</a:t>
+            </a:r>
+            <a:endParaRPr lang="de-CH" sz="1600" dirty="0" smtClean="0"/>
+          </a:p>
+          <a:p>
+            <a:pPr lvl="1"/>
+            <a:r>
+              <a:rPr lang="de-CH" sz="1600" dirty="0" smtClean="0"/>
+              <a:t>Ambientes, Diffuses, </a:t>
+            </a:r>
+            <a:r>
+              <a:rPr lang="de-CH" sz="1600" dirty="0" err="1" smtClean="0"/>
+              <a:t>Spekulares</a:t>
+            </a:r>
+            <a:r>
+              <a:rPr lang="de-CH" sz="1600" dirty="0" smtClean="0"/>
+              <a:t> Licht</a:t>
+            </a:r>
+          </a:p>
+          <a:p>
+            <a:pPr marL="0" indent="0">
+              <a:buNone/>
+            </a:pPr>
+            <a:endParaRPr lang="de-CH" sz="1600" dirty="0" smtClean="0"/>
+          </a:p>
+          <a:p>
+            <a:pPr marL="0" indent="0">
+              <a:buNone/>
+            </a:pPr>
+            <a:r>
+              <a:rPr lang="de-CH" sz="1600" dirty="0" smtClean="0"/>
+              <a:t>Matrizen</a:t>
+            </a:r>
+            <a:endParaRPr lang="de-CH" sz="1600" dirty="0"/>
+          </a:p>
+          <a:p>
+            <a:pPr lvl="1"/>
+            <a:r>
+              <a:rPr lang="de-CH" sz="1600" dirty="0" smtClean="0"/>
+              <a:t>Projektionsmatrix</a:t>
+            </a:r>
+            <a:endParaRPr lang="de-CH" sz="1600" dirty="0"/>
+          </a:p>
+          <a:p>
+            <a:pPr lvl="1"/>
+            <a:r>
+              <a:rPr lang="de-CH" sz="1600" dirty="0" smtClean="0"/>
+              <a:t>Transformationsmatrix</a:t>
+            </a:r>
+            <a:endParaRPr lang="de-CH" sz="1600" dirty="0"/>
+          </a:p>
+          <a:p>
+            <a:pPr lvl="1"/>
+            <a:endParaRPr lang="de-CH" sz="1600" dirty="0"/>
+          </a:p>
+        </p:txBody>
+      </p:sp>
+    </p:spTree>
+    <p:extLst>
+      <p:ext uri="{BB962C8B-B14F-4D97-AF65-F5344CB8AC3E}">
+        <p14:creationId xmlns:p14="http://schemas.microsoft.com/office/powerpoint/2010/main" val="2870412615"/>
+      </p:ext>
+    </p:extLst>
+  </p:cSld>
+  <p:clrMapOvr>
+    <a:masterClrMapping/>
+  </p:clrMapOvr>
+  <p:timing>
+    <p:tnLst>
+      <p:par>
+        <p:cTn id="1" dur="indefinite" restart="never" nodeType="tmRoot"/>
+      </p:par>
+    </p:tnLst>
+  </p:timing>
+</p:sld>
+</file>
+
+<file path=ppt/slides/slide4.xml><?xml version="1.0" encoding="utf-8"?>
+<p:sld xmlns:a="http://schemas.openxmlformats.org/drawingml/2006/main" xmlns:r="http://schemas.openxmlformats.org/officeDocument/2006/relationships" xmlns:p="http://schemas.openxmlformats.org/presentationml/2006/main">
+  <p:cSld>
+    <p:spTree>
+      <p:nvGrpSpPr>
+        <p:cNvPr id="1" name=""/>
+        <p:cNvGrpSpPr/>
+        <p:nvPr/>
+      </p:nvGrpSpPr>
+      <p:grpSpPr>
+        <a:xfrm>
+          <a:off x="0" y="0"/>
+          <a:ext cx="0" cy="0"/>
+          <a:chOff x="0" y="0"/>
+          <a:chExt cx="0" cy="0"/>
+        </a:xfrm>
+      </p:grpSpPr>
+      <p:sp>
+        <p:nvSpPr>
+          <p:cNvPr id="2" name="Titel 1"/>
+          <p:cNvSpPr>
+            <a:spLocks noGrp="1"/>
+          </p:cNvSpPr>
+          <p:nvPr>
+            <p:ph type="title"/>
+          </p:nvPr>
+        </p:nvSpPr>
+        <p:spPr/>
+        <p:txBody>
+          <a:bodyPr>
+            <a:normAutofit/>
+          </a:bodyPr>
+          <a:lstStyle/>
+          <a:p>
+            <a:r>
+              <a:rPr lang="de-CH" dirty="0" smtClean="0"/>
+              <a:t>Verwendete Technologien</a:t>
+            </a:r>
+            <a:endParaRPr lang="de-CH" dirty="0"/>
+          </a:p>
+        </p:txBody>
+      </p:sp>
+      <p:sp>
+        <p:nvSpPr>
+          <p:cNvPr id="3" name="Inhaltsplatzhalter 2"/>
+          <p:cNvSpPr>
+            <a:spLocks noGrp="1"/>
+          </p:cNvSpPr>
+          <p:nvPr>
+            <p:ph idx="1"/>
+          </p:nvPr>
+        </p:nvSpPr>
+        <p:spPr/>
+        <p:txBody>
+          <a:bodyPr>
+            <a:normAutofit/>
+          </a:bodyPr>
+          <a:lstStyle/>
+          <a:p>
+            <a:pPr marL="0" indent="0">
+              <a:buNone/>
+            </a:pPr>
+            <a:r>
+              <a:rPr lang="de-CH" sz="1800" dirty="0" smtClean="0"/>
+              <a:t>Entwicklungsumgebung</a:t>
+            </a:r>
+          </a:p>
+          <a:p>
+            <a:pPr lvl="1"/>
+            <a:r>
+              <a:rPr lang="de-CH" sz="1800" dirty="0" err="1" smtClean="0"/>
+              <a:t>Intellij</a:t>
+            </a:r>
+            <a:r>
+              <a:rPr lang="de-CH" sz="1800" dirty="0" smtClean="0"/>
+              <a:t> IDEA</a:t>
+            </a:r>
+          </a:p>
+          <a:p>
+            <a:pPr lvl="1"/>
+            <a:r>
+              <a:rPr lang="de-CH" sz="1800" dirty="0" err="1" smtClean="0"/>
+              <a:t>GitHub</a:t>
+            </a:r>
+            <a:endParaRPr lang="de-CH" sz="1800" dirty="0" smtClean="0"/>
+          </a:p>
+          <a:p>
+            <a:pPr marL="0" indent="0">
+              <a:buNone/>
+            </a:pPr>
+            <a:endParaRPr lang="de-CH" sz="1800" dirty="0" smtClean="0"/>
+          </a:p>
+          <a:p>
+            <a:pPr marL="0" indent="0">
+              <a:buNone/>
+            </a:pPr>
+            <a:r>
+              <a:rPr lang="de-CH" sz="1800" dirty="0" smtClean="0"/>
+              <a:t>3D Modellierung</a:t>
+            </a:r>
+          </a:p>
+          <a:p>
+            <a:pPr lvl="1"/>
+            <a:r>
+              <a:rPr lang="de-CH" sz="1800" dirty="0" smtClean="0"/>
+              <a:t>OpenGL</a:t>
+            </a:r>
+          </a:p>
+          <a:p>
+            <a:pPr marL="457200" lvl="2"/>
+            <a:r>
+              <a:rPr lang="de-CH" dirty="0" smtClean="0"/>
+              <a:t>LWJGL / Java</a:t>
+            </a:r>
+            <a:endParaRPr lang="de-CH" dirty="0"/>
+          </a:p>
+          <a:p>
+            <a:pPr marL="274320" lvl="2" indent="0">
+              <a:buNone/>
+            </a:pPr>
+            <a:endParaRPr lang="de-CH" dirty="0" smtClean="0"/>
+          </a:p>
+          <a:p>
+            <a:pPr marL="0" lvl="1" indent="0">
+              <a:buNone/>
+            </a:pPr>
+            <a:r>
+              <a:rPr lang="de-CH" sz="1800" dirty="0" err="1" smtClean="0"/>
+              <a:t>Shading</a:t>
+            </a:r>
+            <a:endParaRPr lang="de-CH" sz="1600" dirty="0" smtClean="0"/>
+          </a:p>
+          <a:p>
+            <a:pPr lvl="1"/>
+            <a:r>
+              <a:rPr lang="de-CH" sz="1800" dirty="0"/>
+              <a:t>VAO/VBO Konzept</a:t>
+            </a:r>
+          </a:p>
+          <a:p>
+            <a:pPr lvl="1"/>
+            <a:r>
+              <a:rPr lang="de-CH" sz="1800" dirty="0" smtClean="0"/>
+              <a:t>GLSL </a:t>
+            </a:r>
+            <a:r>
+              <a:rPr lang="de-CH" sz="1800" dirty="0"/>
+              <a:t>(OpenGL </a:t>
+            </a:r>
+            <a:r>
+              <a:rPr lang="de-CH" sz="1800" dirty="0" err="1"/>
+              <a:t>Shading</a:t>
+            </a:r>
+            <a:r>
+              <a:rPr lang="de-CH" sz="1800" dirty="0"/>
+              <a:t> </a:t>
+            </a:r>
+            <a:r>
+              <a:rPr lang="de-CH" sz="1800" dirty="0" smtClean="0"/>
+              <a:t>Language)</a:t>
+            </a:r>
+            <a:endParaRPr lang="de-CH" sz="1800" dirty="0"/>
+          </a:p>
+          <a:p>
+            <a:pPr lvl="1"/>
+            <a:r>
+              <a:rPr lang="de-CH" sz="1800" dirty="0" smtClean="0"/>
+              <a:t>Vertex und Fragment </a:t>
+            </a:r>
+            <a:r>
+              <a:rPr lang="de-CH" sz="1800" dirty="0" err="1" smtClean="0"/>
+              <a:t>Shader</a:t>
+            </a:r>
+            <a:endParaRPr lang="de-CH" sz="1800" dirty="0"/>
+          </a:p>
+        </p:txBody>
+      </p:sp>
+    </p:spTree>
+    <p:extLst>
+      <p:ext uri="{BB962C8B-B14F-4D97-AF65-F5344CB8AC3E}">
+        <p14:creationId xmlns:p14="http://schemas.microsoft.com/office/powerpoint/2010/main" val="1338620769"/>
+      </p:ext>
+    </p:extLst>
+  </p:cSld>
+  <p:clrMapOvr>
+    <a:masterClrMapping/>
+  </p:clrMapOvr>
+  <p:timing>
+    <p:tnLst>
+      <p:par>
+        <p:cTn id="1" dur="indefinite" restart="never" nodeType="tmRoot"/>
+      </p:par>
+    </p:tnLst>
+  </p:timing>
+</p:sld>
+</file>
+
+<file path=ppt/slides/slide5.xml><?xml version="1.0" encoding="utf-8"?>
+<p:sld xmlns:a="http://schemas.openxmlformats.org/drawingml/2006/main" xmlns:r="http://schemas.openxmlformats.org/officeDocument/2006/relationships" xmlns:p="http://schemas.openxmlformats.org/presentationml/2006/main">
+  <p:cSld>
+    <p:spTree>
+      <p:nvGrpSpPr>
+        <p:cNvPr id="1" name=""/>
+        <p:cNvGrpSpPr/>
+        <p:nvPr/>
+      </p:nvGrpSpPr>
+      <p:grpSpPr>
+        <a:xfrm>
+          <a:off x="0" y="0"/>
+          <a:ext cx="0" cy="0"/>
+          <a:chOff x="0" y="0"/>
+          <a:chExt cx="0" cy="0"/>
+        </a:xfrm>
+      </p:grpSpPr>
+      <p:sp>
+        <p:nvSpPr>
+          <p:cNvPr id="2" name="Titel 1"/>
+          <p:cNvSpPr>
+            <a:spLocks noGrp="1"/>
+          </p:cNvSpPr>
+          <p:nvPr>
+            <p:ph type="title"/>
+          </p:nvPr>
+        </p:nvSpPr>
+        <p:spPr/>
+        <p:txBody>
+          <a:bodyPr/>
+          <a:lstStyle/>
+          <a:p>
+            <a:r>
+              <a:rPr lang="de-CH" dirty="0" err="1" smtClean="0"/>
+              <a:t>Wavefront</a:t>
+            </a:r>
+            <a:r>
+              <a:rPr lang="de-CH" dirty="0" smtClean="0"/>
+              <a:t> </a:t>
+            </a:r>
+            <a:r>
+              <a:rPr lang="de-CH" dirty="0" err="1" smtClean="0"/>
+              <a:t>Obj</a:t>
+            </a:r>
+            <a:endParaRPr lang="de-CH" dirty="0"/>
+          </a:p>
+        </p:txBody>
+      </p:sp>
+      <p:sp>
+        <p:nvSpPr>
+          <p:cNvPr id="3" name="Inhaltsplatzhalter 2"/>
+          <p:cNvSpPr>
+            <a:spLocks noGrp="1"/>
+          </p:cNvSpPr>
+          <p:nvPr>
+            <p:ph idx="1"/>
+          </p:nvPr>
+        </p:nvSpPr>
+        <p:spPr/>
+        <p:txBody>
+          <a:bodyPr>
+            <a:normAutofit/>
+          </a:bodyPr>
+          <a:lstStyle/>
+          <a:p>
+            <a:r>
+              <a:rPr lang="de-CH" sz="1800" dirty="0"/>
+              <a:t> </a:t>
+            </a:r>
+            <a:r>
+              <a:rPr lang="de-CH" sz="1800" dirty="0" smtClean="0"/>
+              <a:t>Speicherung </a:t>
+            </a:r>
+            <a:r>
+              <a:rPr lang="de-CH" sz="1800" dirty="0"/>
+              <a:t>von </a:t>
+            </a:r>
+            <a:r>
+              <a:rPr lang="de-CH" sz="1800" dirty="0" smtClean="0"/>
+              <a:t>3D-Modellen</a:t>
+            </a:r>
+            <a:endParaRPr lang="de-CH" sz="1800" dirty="0"/>
+          </a:p>
+          <a:p>
+            <a:endParaRPr lang="de-CH" sz="1800" dirty="0" smtClean="0"/>
+          </a:p>
+          <a:p>
+            <a:r>
+              <a:rPr lang="de-CH" sz="1800" dirty="0" smtClean="0"/>
+              <a:t>Position des Knotens </a:t>
+            </a:r>
+            <a:r>
+              <a:rPr lang="de-CH" sz="1800" dirty="0" smtClean="0"/>
+              <a:t>(x, y, z)</a:t>
+            </a:r>
+            <a:endParaRPr lang="de-CH" sz="1800" dirty="0" smtClean="0"/>
+          </a:p>
+          <a:p>
+            <a:pPr lvl="1"/>
+            <a:r>
+              <a:rPr lang="de-CH" sz="1800" dirty="0"/>
+              <a:t>v  9.604447 </a:t>
+            </a:r>
+            <a:r>
+              <a:rPr lang="de-CH" sz="1800" dirty="0" smtClean="0"/>
+              <a:t>  13.692561   2.343446 </a:t>
+            </a:r>
+            <a:endParaRPr lang="de-CH" sz="1800" dirty="0"/>
+          </a:p>
+          <a:p>
+            <a:pPr lvl="1"/>
+            <a:r>
+              <a:rPr lang="de-CH" sz="1800" dirty="0"/>
+              <a:t>v  9.223882 </a:t>
+            </a:r>
+            <a:r>
+              <a:rPr lang="de-CH" sz="1800" dirty="0" smtClean="0"/>
+              <a:t>  12.535731   2.265898 </a:t>
+            </a:r>
+            <a:endParaRPr lang="de-CH" sz="1800" dirty="0"/>
+          </a:p>
+          <a:p>
+            <a:endParaRPr lang="de-CH" sz="1800" dirty="0" smtClean="0"/>
+          </a:p>
+          <a:p>
+            <a:r>
+              <a:rPr lang="de-CH" sz="1800" dirty="0" smtClean="0"/>
+              <a:t>Normalen Vektor (x, y, z)</a:t>
+            </a:r>
+            <a:endParaRPr lang="de-CH" sz="1800" dirty="0" smtClean="0"/>
+          </a:p>
+          <a:p>
+            <a:pPr lvl="1"/>
+            <a:r>
+              <a:rPr lang="de-CH" sz="1800" dirty="0" err="1"/>
+              <a:t>vn</a:t>
+            </a:r>
+            <a:r>
+              <a:rPr lang="de-CH" sz="1800" dirty="0"/>
+              <a:t>  -0.798000 </a:t>
+            </a:r>
+            <a:r>
+              <a:rPr lang="de-CH" sz="1800" dirty="0" smtClean="0"/>
+              <a:t>  -</a:t>
+            </a:r>
+            <a:r>
+              <a:rPr lang="de-CH" sz="1800" dirty="0"/>
+              <a:t>0.052478 </a:t>
+            </a:r>
+            <a:r>
+              <a:rPr lang="de-CH" sz="1800" dirty="0" smtClean="0"/>
+              <a:t>  0.600369 </a:t>
+            </a:r>
+            <a:endParaRPr lang="de-CH" sz="1800" dirty="0"/>
+          </a:p>
+          <a:p>
+            <a:pPr lvl="1"/>
+            <a:r>
+              <a:rPr lang="de-CH" sz="1800" dirty="0" err="1"/>
+              <a:t>vn</a:t>
+            </a:r>
+            <a:r>
+              <a:rPr lang="de-CH" sz="1800" dirty="0"/>
+              <a:t>  -0.797461 </a:t>
+            </a:r>
+            <a:r>
+              <a:rPr lang="de-CH" sz="1800" dirty="0" smtClean="0"/>
+              <a:t>  -</a:t>
+            </a:r>
+            <a:r>
+              <a:rPr lang="de-CH" sz="1800" dirty="0"/>
+              <a:t>0.094279 </a:t>
+            </a:r>
+            <a:r>
+              <a:rPr lang="de-CH" sz="1800" dirty="0" smtClean="0"/>
+              <a:t>  -</a:t>
+            </a:r>
+            <a:r>
+              <a:rPr lang="de-CH" sz="1800" dirty="0"/>
+              <a:t>0.595959 </a:t>
+            </a:r>
+          </a:p>
+          <a:p>
+            <a:endParaRPr lang="de-CH" sz="1800" dirty="0" smtClean="0"/>
+          </a:p>
+          <a:p>
+            <a:r>
+              <a:rPr lang="de-CH" sz="1800" dirty="0" smtClean="0"/>
+              <a:t>Face </a:t>
+            </a:r>
+            <a:r>
+              <a:rPr lang="de-CH" sz="1800" dirty="0" err="1" smtClean="0"/>
+              <a:t>Triangle</a:t>
+            </a:r>
+            <a:r>
+              <a:rPr lang="de-CH" sz="1800" dirty="0" smtClean="0"/>
+              <a:t> (Vertex/Normale/Textur)</a:t>
+            </a:r>
+            <a:endParaRPr lang="de-CH" sz="1800" dirty="0"/>
+          </a:p>
+          <a:p>
+            <a:pPr lvl="1"/>
+            <a:r>
+              <a:rPr lang="de-CH" sz="1800" dirty="0"/>
+              <a:t>f 478/412/678 </a:t>
+            </a:r>
+            <a:r>
+              <a:rPr lang="de-CH" sz="1800" dirty="0" smtClean="0"/>
+              <a:t>  481/417/625  482/435/616</a:t>
+            </a:r>
+            <a:endParaRPr lang="de-CH" sz="1800" dirty="0"/>
+          </a:p>
+          <a:p>
+            <a:pPr lvl="1"/>
+            <a:r>
+              <a:rPr lang="de-CH" sz="1800" dirty="0"/>
+              <a:t>f 482/435/616 </a:t>
+            </a:r>
+            <a:r>
+              <a:rPr lang="de-CH" sz="1800" dirty="0" smtClean="0"/>
+              <a:t>  476/431/468   477/423/656</a:t>
+            </a:r>
+            <a:endParaRPr lang="de-CH" sz="1800" dirty="0"/>
+          </a:p>
+          <a:p>
+            <a:endParaRPr lang="de-CH" sz="1600" dirty="0"/>
+          </a:p>
+        </p:txBody>
+      </p:sp>
+    </p:spTree>
+    <p:extLst>
+      <p:ext uri="{BB962C8B-B14F-4D97-AF65-F5344CB8AC3E}">
+        <p14:creationId xmlns:p14="http://schemas.microsoft.com/office/powerpoint/2010/main" val="3870029385"/>
+      </p:ext>
+    </p:extLst>
+  </p:cSld>
+  <p:clrMapOvr>
+    <a:masterClrMapping/>
+  </p:clrMapOvr>
+  <p:timing>
+    <p:tnLst>
+      <p:par>
+        <p:cTn id="1" dur="indefinite" restart="never" nodeType="tmRoot"/>
+      </p:par>
+    </p:tnLst>
+  </p:timing>
+</p:sld>
+</file>
+
+<file path=ppt/slides/slide6.xml><?xml version="1.0" encoding="utf-8"?>
+<p:sld xmlns:a="http://schemas.openxmlformats.org/drawingml/2006/main" xmlns:r="http://schemas.openxmlformats.org/officeDocument/2006/relationships" xmlns:p="http://schemas.openxmlformats.org/presentationml/2006/main">
+  <p:cSld>
+    <p:spTree>
+      <p:nvGrpSpPr>
+        <p:cNvPr id="1" name=""/>
+        <p:cNvGrpSpPr/>
+        <p:nvPr/>
+      </p:nvGrpSpPr>
+      <p:grpSpPr>
+        <a:xfrm>
+          <a:off x="0" y="0"/>
+          <a:ext cx="0" cy="0"/>
+          <a:chOff x="0" y="0"/>
+          <a:chExt cx="0" cy="0"/>
+        </a:xfrm>
+      </p:grpSpPr>
+      <p:sp>
+        <p:nvSpPr>
+          <p:cNvPr id="2" name="Titel 1"/>
+          <p:cNvSpPr>
+            <a:spLocks noGrp="1"/>
+          </p:cNvSpPr>
+          <p:nvPr>
+            <p:ph type="title"/>
+          </p:nvPr>
+        </p:nvSpPr>
+        <p:spPr/>
+        <p:txBody>
+          <a:bodyPr/>
+          <a:lstStyle/>
+          <a:p>
+            <a:r>
+              <a:rPr lang="de-CH" dirty="0" smtClean="0"/>
+              <a:t>Gitternetz </a:t>
+            </a:r>
+            <a:endParaRPr lang="de-CH" dirty="0"/>
+          </a:p>
+        </p:txBody>
+      </p:sp>
+      <p:sp>
+        <p:nvSpPr>
+          <p:cNvPr id="3" name="Inhaltsplatzhalter 2"/>
+          <p:cNvSpPr>
+            <a:spLocks noGrp="1"/>
+          </p:cNvSpPr>
+          <p:nvPr>
+            <p:ph idx="1"/>
+          </p:nvPr>
+        </p:nvSpPr>
+        <p:spPr/>
+        <p:txBody>
+          <a:bodyPr/>
+          <a:lstStyle/>
+          <a:p>
+            <a:r>
+              <a:rPr lang="de-CH" dirty="0" smtClean="0"/>
+              <a:t>2 Vertices im Speicher</a:t>
+            </a:r>
+          </a:p>
+          <a:p>
+            <a:pPr lvl="1"/>
+            <a:r>
+              <a:rPr lang="de-CH" dirty="0" smtClean="0"/>
+              <a:t>P1(0,0,0) und P2(1,0,0)</a:t>
+            </a:r>
+          </a:p>
+          <a:p>
+            <a:r>
+              <a:rPr lang="de-CH" dirty="0" smtClean="0"/>
+              <a:t>Jeder Geradenabschnitt referenziert P1 und P2</a:t>
+            </a:r>
+          </a:p>
+          <a:p>
+            <a:r>
+              <a:rPr lang="de-CH" dirty="0" smtClean="0"/>
+              <a:t>Bestimmung der Position mit einer Transformations-Matrix</a:t>
+            </a:r>
+          </a:p>
+          <a:p>
+            <a:r>
+              <a:rPr lang="de-CH" dirty="0" smtClean="0"/>
+              <a:t>Transformation</a:t>
+            </a:r>
+            <a:r>
+              <a:rPr lang="de-CH" dirty="0"/>
+              <a:t>: Translation, Rotation, </a:t>
+            </a:r>
+            <a:r>
+              <a:rPr lang="de-CH" dirty="0" smtClean="0"/>
+              <a:t>Streckung</a:t>
+            </a:r>
+            <a:endParaRPr lang="de-CH" dirty="0"/>
+          </a:p>
+          <a:p>
+            <a:endParaRPr lang="de-CH" dirty="0"/>
+          </a:p>
+        </p:txBody>
+      </p:sp>
+      <p:pic>
+        <p:nvPicPr>
+          <p:cNvPr id="2051" name="Picture 3"/>
+          <p:cNvPicPr>
+            <a:picLocks noChangeAspect="1" noChangeArrowheads="1"/>
+          </p:cNvPicPr>
+          <p:nvPr/>
+        </p:nvPicPr>
+        <p:blipFill>
+          <a:blip r:embed="rId3">
+            <a:extLst>
+              <a:ext uri="{28A0092B-C50C-407E-A947-70E740481C1C}">
+                <a14:useLocalDpi xmlns:a14="http://schemas.microsoft.com/office/drawing/2010/main" val="0"/>
+              </a:ext>
+            </a:extLst>
+          </a:blip>
+          <a:srcRect/>
+          <a:stretch>
+            <a:fillRect/>
+          </a:stretch>
+        </p:blipFill>
+        <p:spPr bwMode="auto">
+          <a:xfrm>
+            <a:off x="2915816" y="4077072"/>
+            <a:ext cx="3384418" cy="2383160"/>
+          </a:xfrm>
+          <a:prstGeom prst="rect">
+            <a:avLst/>
+          </a:prstGeom>
+          <a:noFill/>
+          <a:ln>
+            <a:noFill/>
+          </a:ln>
+          <a:extLst>
+            <a:ext uri="{909E8E84-426E-40DD-AFC4-6F175D3DCCD1}">
+              <a14:hiddenFill xmlns:a14="http://schemas.microsoft.com/office/drawing/2010/main">
+                <a:solidFill>
+                  <a:schemeClr val="accent1"/>
+                </a:solidFill>
+              </a14:hiddenFill>
+            </a:ext>
+            <a:ext uri="{91240B29-F687-4F45-9708-019B960494DF}">
+              <a14:hiddenLine xmlns:a14="http://schemas.microsoft.com/office/drawing/2010/main" w="9525">
+                <a:solidFill>
+                  <a:schemeClr val="tx1"/>
+                </a:solidFill>
+                <a:miter lim="800000"/>
+                <a:headEnd/>
+                <a:tailEnd/>
+              </a14:hiddenLine>
+            </a:ext>
+          </a:extLst>
+        </p:spPr>
+      </p:pic>
+    </p:spTree>
+    <p:extLst>
+      <p:ext uri="{BB962C8B-B14F-4D97-AF65-F5344CB8AC3E}">
+        <p14:creationId xmlns:p14="http://schemas.microsoft.com/office/powerpoint/2010/main" val="2366725241"/>
+      </p:ext>
+    </p:extLst>
+  </p:cSld>
+  <p:clrMapOvr>
+    <a:masterClrMapping/>
+  </p:clrMapOvr>
+  <p:timing>
+    <p:tnLst>
+      <p:par>
+        <p:cTn id="1" dur="indefinite" restart="never" nodeType="tmRoot"/>
+      </p:par>
+    </p:tnLst>
+  </p:timing>
+</p:sld>
+</file>
+
+<file path=ppt/slides/slide7.xml><?xml version="1.0" encoding="utf-8"?>
+<p:sld xmlns:a="http://schemas.openxmlformats.org/drawingml/2006/main" xmlns:r="http://schemas.openxmlformats.org/officeDocument/2006/relationships" xmlns:p="http://schemas.openxmlformats.org/presentationml/2006/main">
+  <p:cSld>
+    <p:spTree>
+      <p:nvGrpSpPr>
+        <p:cNvPr id="1" name=""/>
+        <p:cNvGrpSpPr/>
+        <p:nvPr/>
+      </p:nvGrpSpPr>
+      <p:grpSpPr>
+        <a:xfrm>
+          <a:off x="0" y="0"/>
+          <a:ext cx="0" cy="0"/>
+          <a:chOff x="0" y="0"/>
+          <a:chExt cx="0" cy="0"/>
+        </a:xfrm>
+      </p:grpSpPr>
+      <p:sp>
+        <p:nvSpPr>
+          <p:cNvPr id="2" name="Titel 1"/>
+          <p:cNvSpPr>
+            <a:spLocks noGrp="1"/>
+          </p:cNvSpPr>
+          <p:nvPr>
+            <p:ph type="title"/>
+          </p:nvPr>
+        </p:nvSpPr>
+        <p:spPr/>
+        <p:txBody>
+          <a:bodyPr>
+            <a:normAutofit/>
+          </a:bodyPr>
+          <a:lstStyle/>
+          <a:p>
+            <a:r>
+              <a:rPr lang="de-CH" dirty="0" smtClean="0"/>
+              <a:t>Kamera-Mausrotation</a:t>
+            </a:r>
+            <a:endParaRPr lang="de-CH" dirty="0"/>
+          </a:p>
+        </p:txBody>
+      </p:sp>
+      <p:sp>
+        <p:nvSpPr>
+          <p:cNvPr id="3" name="Inhaltsplatzhalter 2"/>
+          <p:cNvSpPr>
+            <a:spLocks noGrp="1"/>
+          </p:cNvSpPr>
+          <p:nvPr>
+            <p:ph idx="1"/>
+          </p:nvPr>
+        </p:nvSpPr>
+        <p:spPr/>
+        <p:txBody>
+          <a:bodyPr/>
+          <a:lstStyle/>
+          <a:p>
+            <a:r>
+              <a:rPr lang="de-CH" dirty="0" smtClean="0"/>
+              <a:t>Side </a:t>
+            </a:r>
+            <a:r>
+              <a:rPr lang="de-CH" dirty="0" err="1" smtClean="0"/>
+              <a:t>view</a:t>
+            </a:r>
+            <a:r>
+              <a:rPr lang="de-CH" dirty="0" smtClean="0"/>
+              <a:t>		Side </a:t>
+            </a:r>
+            <a:r>
+              <a:rPr lang="de-CH" dirty="0" err="1" smtClean="0"/>
+              <a:t>view</a:t>
+            </a:r>
+            <a:r>
+              <a:rPr lang="de-CH" dirty="0" smtClean="0"/>
+              <a:t>		        Top </a:t>
+            </a:r>
+            <a:r>
+              <a:rPr lang="de-CH" dirty="0" err="1" smtClean="0"/>
+              <a:t>view</a:t>
+            </a:r>
+            <a:endParaRPr lang="de-CH" dirty="0" smtClean="0"/>
+          </a:p>
+          <a:p>
+            <a:endParaRPr lang="de-CH" dirty="0"/>
+          </a:p>
+        </p:txBody>
+      </p:sp>
+      <p:pic>
+        <p:nvPicPr>
+          <p:cNvPr id="3075" name="Picture 3"/>
+          <p:cNvPicPr>
+            <a:picLocks noChangeAspect="1" noChangeArrowheads="1"/>
+          </p:cNvPicPr>
+          <p:nvPr/>
+        </p:nvPicPr>
+        <p:blipFill>
+          <a:blip r:embed="rId3">
+            <a:extLst>
+              <a:ext uri="{28A0092B-C50C-407E-A947-70E740481C1C}">
+                <a14:useLocalDpi xmlns:a14="http://schemas.microsoft.com/office/drawing/2010/main" val="0"/>
+              </a:ext>
+            </a:extLst>
+          </a:blip>
+          <a:srcRect/>
+          <a:stretch>
+            <a:fillRect/>
+          </a:stretch>
+        </p:blipFill>
+        <p:spPr bwMode="auto">
+          <a:xfrm>
+            <a:off x="601321" y="2924944"/>
+            <a:ext cx="7981950" cy="3286125"/>
+          </a:xfrm>
+          <a:prstGeom prst="rect">
+            <a:avLst/>
+          </a:prstGeom>
+          <a:noFill/>
+          <a:ln>
+            <a:noFill/>
+          </a:ln>
+          <a:extLst>
+            <a:ext uri="{909E8E84-426E-40DD-AFC4-6F175D3DCCD1}">
+              <a14:hiddenFill xmlns:a14="http://schemas.microsoft.com/office/drawing/2010/main">
+                <a:solidFill>
+                  <a:schemeClr val="accent1"/>
+                </a:solidFill>
+              </a14:hiddenFill>
+            </a:ext>
+            <a:ext uri="{91240B29-F687-4F45-9708-019B960494DF}">
+              <a14:hiddenLine xmlns:a14="http://schemas.microsoft.com/office/drawing/2010/main" w="9525">
+                <a:solidFill>
+                  <a:schemeClr val="tx1"/>
+                </a:solidFill>
+                <a:miter lim="800000"/>
+                <a:headEnd/>
+                <a:tailEnd/>
+              </a14:hiddenLine>
+            </a:ext>
+          </a:extLst>
+        </p:spPr>
+      </p:pic>
+      <p:sp>
+        <p:nvSpPr>
+          <p:cNvPr id="4" name="Rechteck 3"/>
+          <p:cNvSpPr/>
+          <p:nvPr/>
+        </p:nvSpPr>
+        <p:spPr>
+          <a:xfrm>
+            <a:off x="699398" y="2520913"/>
+            <a:ext cx="1224136" cy="792088"/>
+          </a:xfrm>
+          <a:prstGeom prst="rect">
+            <a:avLst/>
+          </a:prstGeom>
+        </p:spPr>
+        <p:style>
+          <a:lnRef idx="1">
+            <a:schemeClr val="accent1"/>
+          </a:lnRef>
+          <a:fillRef idx="2">
+            <a:schemeClr val="accent1"/>
+          </a:fillRef>
+          <a:effectRef idx="1">
+            <a:schemeClr val="accent1"/>
+          </a:effectRef>
+          <a:fontRef idx="minor">
+            <a:schemeClr val="dk1"/>
+          </a:fontRef>
+        </p:style>
+        <p:txBody>
+          <a:bodyPr rtlCol="0" anchor="ctr"/>
+          <a:lstStyle/>
+          <a:p>
+            <a:pPr algn="ctr"/>
+            <a:r>
+              <a:rPr lang="de-CH" sz="1600" dirty="0" err="1" smtClean="0"/>
+              <a:t>Distance</a:t>
+            </a:r>
+            <a:r>
+              <a:rPr lang="de-CH" sz="1600" dirty="0" smtClean="0"/>
+              <a:t> </a:t>
+            </a:r>
+            <a:r>
+              <a:rPr lang="de-CH" sz="1600" dirty="0" err="1" smtClean="0"/>
+              <a:t>to</a:t>
+            </a:r>
+            <a:r>
+              <a:rPr lang="de-CH" sz="1600" dirty="0" smtClean="0"/>
+              <a:t> </a:t>
+            </a:r>
+            <a:r>
+              <a:rPr lang="de-CH" sz="1600" dirty="0" err="1" smtClean="0"/>
+              <a:t>model</a:t>
+            </a:r>
+            <a:endParaRPr lang="de-CH" sz="1600" dirty="0"/>
+          </a:p>
+        </p:txBody>
+      </p:sp>
+      <p:sp>
+        <p:nvSpPr>
+          <p:cNvPr id="7" name="Rechteck 6"/>
+          <p:cNvSpPr/>
+          <p:nvPr/>
+        </p:nvSpPr>
+        <p:spPr>
+          <a:xfrm>
+            <a:off x="3563888" y="2528900"/>
+            <a:ext cx="1656184" cy="792088"/>
+          </a:xfrm>
+          <a:prstGeom prst="rect">
+            <a:avLst/>
+          </a:prstGeom>
+        </p:spPr>
+        <p:style>
+          <a:lnRef idx="1">
+            <a:schemeClr val="accent1"/>
+          </a:lnRef>
+          <a:fillRef idx="2">
+            <a:schemeClr val="accent1"/>
+          </a:fillRef>
+          <a:effectRef idx="1">
+            <a:schemeClr val="accent1"/>
+          </a:effectRef>
+          <a:fontRef idx="minor">
+            <a:schemeClr val="dk1"/>
+          </a:fontRef>
+        </p:style>
+        <p:txBody>
+          <a:bodyPr rtlCol="0" anchor="ctr"/>
+          <a:lstStyle/>
+          <a:p>
+            <a:pPr algn="ctr"/>
+            <a:r>
+              <a:rPr lang="de-CH" sz="1600" dirty="0" smtClean="0"/>
+              <a:t>y-rotation </a:t>
+            </a:r>
+            <a:r>
+              <a:rPr lang="de-CH" sz="1600" dirty="0" err="1" smtClean="0"/>
+              <a:t>of</a:t>
+            </a:r>
+            <a:r>
+              <a:rPr lang="de-CH" sz="1600" dirty="0" smtClean="0"/>
+              <a:t> </a:t>
+            </a:r>
+            <a:r>
+              <a:rPr lang="de-CH" sz="1600" dirty="0" err="1" smtClean="0"/>
+              <a:t>the</a:t>
+            </a:r>
+            <a:r>
+              <a:rPr lang="de-CH" sz="1600" dirty="0" smtClean="0"/>
+              <a:t> </a:t>
+            </a:r>
+            <a:r>
+              <a:rPr lang="de-CH" sz="1600" dirty="0" err="1" smtClean="0"/>
+              <a:t>camera</a:t>
+            </a:r>
+            <a:r>
+              <a:rPr lang="de-CH" sz="1600" dirty="0" smtClean="0"/>
+              <a:t> (</a:t>
+            </a:r>
+            <a:r>
+              <a:rPr lang="de-CH" sz="1600" dirty="0" err="1" smtClean="0"/>
+              <a:t>pitch</a:t>
+            </a:r>
+            <a:r>
+              <a:rPr lang="de-CH" sz="1600" dirty="0" smtClean="0"/>
+              <a:t>)</a:t>
+            </a:r>
+            <a:endParaRPr lang="de-CH" sz="1600" dirty="0"/>
+          </a:p>
+        </p:txBody>
+      </p:sp>
+      <p:sp>
+        <p:nvSpPr>
+          <p:cNvPr id="8" name="Rechteck 7"/>
+          <p:cNvSpPr/>
+          <p:nvPr/>
+        </p:nvSpPr>
+        <p:spPr>
+          <a:xfrm>
+            <a:off x="6519078" y="2270050"/>
+            <a:ext cx="1656184" cy="792088"/>
+          </a:xfrm>
+          <a:prstGeom prst="rect">
+            <a:avLst/>
+          </a:prstGeom>
+        </p:spPr>
+        <p:style>
+          <a:lnRef idx="1">
+            <a:schemeClr val="accent1"/>
+          </a:lnRef>
+          <a:fillRef idx="2">
+            <a:schemeClr val="accent1"/>
+          </a:fillRef>
+          <a:effectRef idx="1">
+            <a:schemeClr val="accent1"/>
+          </a:effectRef>
+          <a:fontRef idx="minor">
+            <a:schemeClr val="dk1"/>
+          </a:fontRef>
+        </p:style>
+        <p:txBody>
+          <a:bodyPr rtlCol="0" anchor="ctr"/>
+          <a:lstStyle/>
+          <a:p>
+            <a:pPr algn="ctr"/>
+            <a:r>
+              <a:rPr lang="de-CH" sz="1600" dirty="0" smtClean="0"/>
+              <a:t>Angle </a:t>
+            </a:r>
+            <a:r>
+              <a:rPr lang="de-CH" sz="1600" dirty="0" err="1" smtClean="0"/>
+              <a:t>around</a:t>
+            </a:r>
+            <a:r>
+              <a:rPr lang="de-CH" sz="1600" dirty="0" smtClean="0"/>
+              <a:t> </a:t>
+            </a:r>
+            <a:r>
+              <a:rPr lang="de-CH" sz="1600" dirty="0" err="1" smtClean="0"/>
+              <a:t>model</a:t>
+            </a:r>
+            <a:endParaRPr lang="de-CH" sz="1600" dirty="0"/>
+          </a:p>
+        </p:txBody>
+      </p:sp>
+    </p:spTree>
+    <p:extLst>
+      <p:ext uri="{BB962C8B-B14F-4D97-AF65-F5344CB8AC3E}">
+        <p14:creationId xmlns:p14="http://schemas.microsoft.com/office/powerpoint/2010/main" val="3767246220"/>
+      </p:ext>
+    </p:extLst>
+  </p:cSld>
+  <p:clrMapOvr>
+    <a:masterClrMapping/>
+  </p:clrMapOvr>
+  <p:timing>
+    <p:tnLst>
+      <p:par>
+        <p:cTn id="1" dur="indefinite" restart="never" nodeType="tmRoot"/>
+      </p:par>
+    </p:tnLst>
+  </p:timing>
+</p:sld>
+</file>
+
+<file path=ppt/slides/slide8.xml><?xml version="1.0" encoding="utf-8"?>
+<p:sld xmlns:a="http://schemas.openxmlformats.org/drawingml/2006/main" xmlns:r="http://schemas.openxmlformats.org/officeDocument/2006/relationships" xmlns:p="http://schemas.openxmlformats.org/presentationml/2006/main">
+  <p:cSld>
+    <p:spTree>
+      <p:nvGrpSpPr>
+        <p:cNvPr id="1" name=""/>
+        <p:cNvGrpSpPr/>
+        <p:nvPr/>
+      </p:nvGrpSpPr>
+      <p:grpSpPr>
+        <a:xfrm>
+          <a:off x="0" y="0"/>
+          <a:ext cx="0" cy="0"/>
+          <a:chOff x="0" y="0"/>
+          <a:chExt cx="0" cy="0"/>
+        </a:xfrm>
+      </p:grpSpPr>
+      <p:sp>
+        <p:nvSpPr>
+          <p:cNvPr id="2" name="Titel 1"/>
+          <p:cNvSpPr>
+            <a:spLocks noGrp="1"/>
+          </p:cNvSpPr>
+          <p:nvPr>
+            <p:ph type="title"/>
+          </p:nvPr>
+        </p:nvSpPr>
+        <p:spPr/>
+        <p:txBody>
+          <a:bodyPr/>
+          <a:lstStyle/>
+          <a:p>
+            <a:r>
+              <a:rPr lang="de-CH" dirty="0" smtClean="0"/>
+              <a:t>Kamera-Position</a:t>
+            </a:r>
+            <a:endParaRPr lang="de-CH" dirty="0"/>
+          </a:p>
+        </p:txBody>
+      </p:sp>
+      <p:sp>
+        <p:nvSpPr>
+          <p:cNvPr id="3" name="Inhaltsplatzhalter 2"/>
+          <p:cNvSpPr>
+            <a:spLocks noGrp="1"/>
+          </p:cNvSpPr>
+          <p:nvPr>
+            <p:ph idx="1"/>
+          </p:nvPr>
+        </p:nvSpPr>
+        <p:spPr/>
+        <p:txBody>
+          <a:bodyPr>
+            <a:normAutofit lnSpcReduction="10000"/>
+          </a:bodyPr>
+          <a:lstStyle/>
+          <a:p>
+            <a:endParaRPr lang="de-CH" dirty="0" smtClean="0"/>
+          </a:p>
+          <a:p>
+            <a:endParaRPr lang="de-CH" dirty="0"/>
+          </a:p>
+          <a:p>
+            <a:endParaRPr lang="de-CH" dirty="0" smtClean="0"/>
+          </a:p>
+          <a:p>
+            <a:endParaRPr lang="de-CH" dirty="0"/>
+          </a:p>
+          <a:p>
+            <a:endParaRPr lang="de-CH" dirty="0" smtClean="0"/>
+          </a:p>
+          <a:p>
+            <a:endParaRPr lang="de-CH" dirty="0"/>
+          </a:p>
+          <a:p>
+            <a:endParaRPr lang="de-CH" dirty="0" smtClean="0"/>
+          </a:p>
+          <a:p>
+            <a:endParaRPr lang="de-CH" dirty="0" smtClean="0"/>
+          </a:p>
+          <a:p>
+            <a:r>
+              <a:rPr lang="de-CH" sz="1800" dirty="0" err="1" smtClean="0">
+                <a:solidFill>
+                  <a:srgbClr val="0070C0"/>
+                </a:solidFill>
+              </a:rPr>
+              <a:t>posX</a:t>
+            </a:r>
+            <a:r>
+              <a:rPr lang="de-CH" sz="1800" dirty="0" smtClean="0">
+                <a:solidFill>
+                  <a:srgbClr val="0070C0"/>
+                </a:solidFill>
+              </a:rPr>
+              <a:t> </a:t>
+            </a:r>
+            <a:r>
+              <a:rPr lang="de-CH" sz="1800" dirty="0" smtClean="0"/>
+              <a:t>= </a:t>
+            </a:r>
+            <a:r>
+              <a:rPr lang="de-CH" sz="1800" dirty="0" err="1"/>
+              <a:t>horizontalDistance</a:t>
+            </a:r>
+            <a:r>
+              <a:rPr lang="de-CH" sz="1800" dirty="0"/>
+              <a:t> </a:t>
+            </a:r>
+            <a:r>
+              <a:rPr lang="de-CH" sz="1800" dirty="0" smtClean="0"/>
+              <a:t>* </a:t>
+            </a:r>
+            <a:r>
+              <a:rPr lang="de-CH" sz="1800" i="1" dirty="0" smtClean="0"/>
+              <a:t>sin</a:t>
+            </a:r>
+            <a:r>
+              <a:rPr lang="de-CH" sz="1800" dirty="0" smtClean="0"/>
+              <a:t>(</a:t>
+            </a:r>
+            <a:r>
+              <a:rPr lang="de-CH" sz="1800" b="1" dirty="0" err="1" smtClean="0">
+                <a:solidFill>
+                  <a:srgbClr val="FF0000"/>
+                </a:solidFill>
+              </a:rPr>
+              <a:t>angleAroundModel</a:t>
+            </a:r>
+            <a:r>
+              <a:rPr lang="de-CH" sz="1800" dirty="0" smtClean="0">
+                <a:solidFill>
+                  <a:srgbClr val="0070C0"/>
+                </a:solidFill>
+              </a:rPr>
+              <a:t>);</a:t>
+            </a:r>
+            <a:r>
+              <a:rPr lang="de-CH" sz="1800" dirty="0"/>
+              <a:t/>
+            </a:r>
+            <a:br>
+              <a:rPr lang="de-CH" sz="1800" dirty="0"/>
+            </a:br>
+            <a:r>
+              <a:rPr lang="de-CH" sz="1800" dirty="0" err="1" smtClean="0">
+                <a:solidFill>
+                  <a:srgbClr val="00B050"/>
+                </a:solidFill>
+              </a:rPr>
+              <a:t>posY</a:t>
+            </a:r>
+            <a:r>
+              <a:rPr lang="de-CH" sz="1800" dirty="0" smtClean="0">
+                <a:solidFill>
+                  <a:srgbClr val="00B050"/>
+                </a:solidFill>
+              </a:rPr>
+              <a:t> </a:t>
+            </a:r>
+            <a:r>
+              <a:rPr lang="de-CH" sz="1800" dirty="0"/>
+              <a:t>= </a:t>
+            </a:r>
+            <a:r>
+              <a:rPr lang="de-CH" sz="1800" dirty="0" err="1"/>
+              <a:t>horizontalDistance</a:t>
+            </a:r>
+            <a:r>
+              <a:rPr lang="de-CH" sz="1800" dirty="0"/>
+              <a:t> * </a:t>
+            </a:r>
+            <a:r>
+              <a:rPr lang="de-CH" sz="1800" i="1" dirty="0" smtClean="0"/>
+              <a:t>cos</a:t>
+            </a:r>
+            <a:r>
+              <a:rPr lang="de-CH" sz="1800" dirty="0" smtClean="0"/>
+              <a:t>(</a:t>
+            </a:r>
+            <a:r>
+              <a:rPr lang="de-CH" sz="1800" b="1" dirty="0" err="1" smtClean="0">
+                <a:solidFill>
+                  <a:srgbClr val="FF0000"/>
+                </a:solidFill>
+              </a:rPr>
+              <a:t>angleAroundModel</a:t>
+            </a:r>
+            <a:r>
+              <a:rPr lang="de-CH" sz="1800" dirty="0" smtClean="0">
+                <a:solidFill>
+                  <a:srgbClr val="00B050"/>
+                </a:solidFill>
+              </a:rPr>
+              <a:t>);</a:t>
+            </a:r>
+          </a:p>
+          <a:p>
+            <a:r>
+              <a:rPr lang="de-CH" sz="1800" b="1" dirty="0" err="1" smtClean="0"/>
+              <a:t>position</a:t>
+            </a:r>
+            <a:r>
+              <a:rPr lang="de-CH" sz="1800" dirty="0" err="1" smtClean="0"/>
+              <a:t>.</a:t>
+            </a:r>
+            <a:r>
+              <a:rPr lang="de-CH" sz="1800" b="1" dirty="0" err="1" smtClean="0"/>
+              <a:t>x</a:t>
+            </a:r>
+            <a:r>
+              <a:rPr lang="de-CH" sz="1800" b="1" dirty="0" smtClean="0"/>
+              <a:t> </a:t>
+            </a:r>
+            <a:r>
+              <a:rPr lang="de-CH" sz="1800" dirty="0"/>
+              <a:t>= - </a:t>
+            </a:r>
+            <a:r>
+              <a:rPr lang="de-CH" sz="1800" dirty="0" err="1" smtClean="0"/>
+              <a:t>posX</a:t>
+            </a:r>
+            <a:r>
+              <a:rPr lang="de-CH" sz="1800" dirty="0" smtClean="0"/>
+              <a:t>;</a:t>
+            </a:r>
+          </a:p>
+          <a:p>
+            <a:r>
+              <a:rPr lang="de-CH" sz="1800" b="1" dirty="0" err="1" smtClean="0"/>
+              <a:t>position</a:t>
+            </a:r>
+            <a:r>
+              <a:rPr lang="de-CH" sz="1800" dirty="0" err="1" smtClean="0"/>
+              <a:t>.</a:t>
+            </a:r>
+            <a:r>
+              <a:rPr lang="de-CH" sz="1800" b="1" dirty="0" err="1" smtClean="0"/>
+              <a:t>z</a:t>
+            </a:r>
+            <a:r>
+              <a:rPr lang="de-CH" sz="1800" b="1" dirty="0" smtClean="0"/>
+              <a:t> </a:t>
+            </a:r>
+            <a:r>
+              <a:rPr lang="de-CH" sz="1800" dirty="0"/>
+              <a:t>= - </a:t>
+            </a:r>
+            <a:r>
+              <a:rPr lang="de-CH" sz="1800" dirty="0" err="1" smtClean="0"/>
+              <a:t>posY</a:t>
+            </a:r>
+            <a:r>
+              <a:rPr lang="de-CH" sz="1800" dirty="0" smtClean="0"/>
+              <a:t>;</a:t>
+            </a:r>
+          </a:p>
+          <a:p>
+            <a:r>
+              <a:rPr lang="de-CH" sz="1800" b="1" dirty="0" err="1" smtClean="0"/>
+              <a:t>position</a:t>
+            </a:r>
+            <a:r>
+              <a:rPr lang="de-CH" sz="1800" dirty="0" err="1" smtClean="0"/>
+              <a:t>.</a:t>
+            </a:r>
+            <a:r>
+              <a:rPr lang="de-CH" sz="1800" b="1" dirty="0" err="1" smtClean="0"/>
+              <a:t>y</a:t>
+            </a:r>
+            <a:r>
+              <a:rPr lang="de-CH" sz="1800" b="1" dirty="0" smtClean="0"/>
+              <a:t> </a:t>
+            </a:r>
+            <a:r>
+              <a:rPr lang="de-CH" sz="1800" dirty="0"/>
+              <a:t>= </a:t>
+            </a:r>
+            <a:r>
+              <a:rPr lang="de-CH" sz="1800" dirty="0" err="1"/>
+              <a:t>verticalDistance</a:t>
+            </a:r>
+            <a:r>
+              <a:rPr lang="de-CH" sz="1800" dirty="0" smtClean="0"/>
+              <a:t>;</a:t>
+            </a:r>
+            <a:endParaRPr lang="de-CH" sz="1800" dirty="0"/>
+          </a:p>
+        </p:txBody>
+      </p:sp>
+      <p:pic>
+        <p:nvPicPr>
+          <p:cNvPr id="1026" name="Picture 2"/>
+          <p:cNvPicPr>
+            <a:picLocks noChangeAspect="1" noChangeArrowheads="1"/>
+          </p:cNvPicPr>
+          <p:nvPr/>
+        </p:nvPicPr>
+        <p:blipFill>
+          <a:blip r:embed="rId3">
+            <a:extLst>
+              <a:ext uri="{28A0092B-C50C-407E-A947-70E740481C1C}">
+                <a14:useLocalDpi xmlns:a14="http://schemas.microsoft.com/office/drawing/2010/main" val="0"/>
+              </a:ext>
+            </a:extLst>
+          </a:blip>
+          <a:srcRect/>
+          <a:stretch>
+            <a:fillRect/>
+          </a:stretch>
+        </p:blipFill>
+        <p:spPr bwMode="auto">
+          <a:xfrm>
+            <a:off x="2699792" y="1556792"/>
+            <a:ext cx="3476625" cy="2971800"/>
+          </a:xfrm>
+          <a:prstGeom prst="rect">
+            <a:avLst/>
+          </a:prstGeom>
+          <a:noFill/>
+          <a:ln>
+            <a:noFill/>
+          </a:ln>
+          <a:extLst>
+            <a:ext uri="{909E8E84-426E-40DD-AFC4-6F175D3DCCD1}">
+              <a14:hiddenFill xmlns:a14="http://schemas.microsoft.com/office/drawing/2010/main">
+                <a:solidFill>
+                  <a:schemeClr val="accent1"/>
+                </a:solidFill>
+              </a14:hiddenFill>
+            </a:ext>
+            <a:ext uri="{91240B29-F687-4F45-9708-019B960494DF}">
+              <a14:hiddenLine xmlns:a14="http://schemas.microsoft.com/office/drawing/2010/main" w="9525">
+                <a:solidFill>
+                  <a:schemeClr val="tx1"/>
+                </a:solidFill>
+                <a:miter lim="800000"/>
+                <a:headEnd/>
+                <a:tailEnd/>
+              </a14:hiddenLine>
+            </a:ext>
+          </a:extLst>
+        </p:spPr>
+      </p:pic>
+    </p:spTree>
+    <p:extLst>
+      <p:ext uri="{BB962C8B-B14F-4D97-AF65-F5344CB8AC3E}">
+        <p14:creationId xmlns:p14="http://schemas.microsoft.com/office/powerpoint/2010/main" val="855530621"/>
+      </p:ext>
+    </p:extLst>
+  </p:cSld>
+  <p:clrMapOvr>
+    <a:masterClrMapping/>
+  </p:clrMapOvr>
+  <p:timing>
+    <p:tnLst>
+      <p:par>
+        <p:cTn id="1" dur="indefinite" restart="never" nodeType="tmRoot"/>
+      </p:par>
+    </p:tnLst>
+  </p:timing>
+</p:sld>
+</file>
+
+<file path=ppt/slides/slide9.xml><?xml version="1.0" encoding="utf-8"?>
+<p:sld xmlns:a="http://schemas.openxmlformats.org/drawingml/2006/main" xmlns:r="http://schemas.openxmlformats.org/officeDocument/2006/relationships" xmlns:p="http://schemas.openxmlformats.org/presentationml/2006/main">
+  <p:cSld>
+    <p:spTree>
+      <p:nvGrpSpPr>
+        <p:cNvPr id="1" name=""/>
+        <p:cNvGrpSpPr/>
+        <p:nvPr/>
+      </p:nvGrpSpPr>
+      <p:grpSpPr>
+        <a:xfrm>
+          <a:off x="0" y="0"/>
+          <a:ext cx="0" cy="0"/>
+          <a:chOff x="0" y="0"/>
+          <a:chExt cx="0" cy="0"/>
+        </a:xfrm>
+      </p:grpSpPr>
+      <p:sp>
+        <p:nvSpPr>
+          <p:cNvPr id="2" name="Titel 1"/>
+          <p:cNvSpPr>
+            <a:spLocks noGrp="1"/>
+          </p:cNvSpPr>
+          <p:nvPr>
+            <p:ph type="title"/>
+          </p:nvPr>
+        </p:nvSpPr>
+        <p:spPr/>
+        <p:txBody>
+          <a:bodyPr/>
+          <a:lstStyle/>
+          <a:p>
+            <a:r>
+              <a:rPr lang="de-CH" dirty="0" smtClean="0"/>
+              <a:t>Kamera-Rotation</a:t>
+            </a:r>
+            <a:endParaRPr lang="de-CH" dirty="0"/>
+          </a:p>
+        </p:txBody>
+      </p:sp>
+      <p:sp>
+        <p:nvSpPr>
+          <p:cNvPr id="3" name="Inhaltsplatzhalter 2"/>
+          <p:cNvSpPr>
+            <a:spLocks noGrp="1"/>
+          </p:cNvSpPr>
+          <p:nvPr>
+            <p:ph idx="1"/>
+          </p:nvPr>
+        </p:nvSpPr>
+        <p:spPr/>
+        <p:txBody>
+          <a:bodyPr/>
+          <a:lstStyle/>
+          <a:p>
+            <a:r>
+              <a:rPr lang="de-CH" dirty="0" smtClean="0"/>
+              <a:t>Kamera Rotation (Blickrichtung) bestimmen</a:t>
+            </a:r>
+          </a:p>
+          <a:p>
+            <a:endParaRPr lang="de-CH" dirty="0" smtClean="0"/>
+          </a:p>
+          <a:p>
+            <a:endParaRPr lang="de-CH" dirty="0"/>
+          </a:p>
+          <a:p>
+            <a:endParaRPr lang="de-CH" dirty="0" smtClean="0"/>
+          </a:p>
+          <a:p>
+            <a:endParaRPr lang="de-CH" dirty="0"/>
+          </a:p>
+          <a:p>
+            <a:endParaRPr lang="de-CH" dirty="0"/>
+          </a:p>
+          <a:p>
+            <a:endParaRPr lang="de-CH" dirty="0" smtClean="0"/>
+          </a:p>
+          <a:p>
+            <a:endParaRPr lang="de-CH" dirty="0" smtClean="0"/>
+          </a:p>
+          <a:p>
+            <a:r>
+              <a:rPr lang="de-CH" dirty="0" err="1" smtClean="0"/>
+              <a:t>pitch</a:t>
+            </a:r>
+            <a:r>
+              <a:rPr lang="de-CH" dirty="0" smtClean="0"/>
+              <a:t> </a:t>
+            </a:r>
+            <a:r>
+              <a:rPr lang="de-CH" dirty="0"/>
+              <a:t>= </a:t>
+            </a:r>
+            <a:r>
+              <a:rPr lang="de-CH" dirty="0" smtClean="0"/>
+              <a:t>Wert gemäss </a:t>
+            </a:r>
+            <a:r>
+              <a:rPr lang="de-CH" dirty="0" err="1" smtClean="0"/>
+              <a:t>Mausrad</a:t>
+            </a:r>
+            <a:endParaRPr lang="de-CH" dirty="0" smtClean="0"/>
+          </a:p>
+          <a:p>
+            <a:r>
+              <a:rPr lang="de-CH" b="1" dirty="0" err="1" smtClean="0">
+                <a:solidFill>
+                  <a:srgbClr val="92D050"/>
+                </a:solidFill>
+              </a:rPr>
+              <a:t>yaw</a:t>
+            </a:r>
+            <a:r>
+              <a:rPr lang="de-CH" b="1" dirty="0" smtClean="0">
+                <a:solidFill>
+                  <a:srgbClr val="92D050"/>
+                </a:solidFill>
+              </a:rPr>
+              <a:t> </a:t>
+            </a:r>
+            <a:r>
+              <a:rPr lang="de-CH" dirty="0"/>
+              <a:t>= 180 - </a:t>
+            </a:r>
+            <a:r>
+              <a:rPr lang="de-CH" dirty="0" err="1" smtClean="0"/>
+              <a:t>angleAroundModel</a:t>
+            </a:r>
+            <a:r>
+              <a:rPr lang="de-CH" dirty="0" smtClean="0"/>
+              <a:t>;</a:t>
+            </a:r>
+            <a:endParaRPr lang="de-CH" dirty="0"/>
+          </a:p>
+        </p:txBody>
+      </p:sp>
+      <p:pic>
+        <p:nvPicPr>
+          <p:cNvPr id="5122" name="Picture 2"/>
+          <p:cNvPicPr>
+            <a:picLocks noChangeAspect="1" noChangeArrowheads="1"/>
+          </p:cNvPicPr>
+          <p:nvPr/>
+        </p:nvPicPr>
+        <p:blipFill>
+          <a:blip r:embed="rId3">
+            <a:extLst>
+              <a:ext uri="{28A0092B-C50C-407E-A947-70E740481C1C}">
+                <a14:useLocalDpi xmlns:a14="http://schemas.microsoft.com/office/drawing/2010/main" val="0"/>
+              </a:ext>
+            </a:extLst>
+          </a:blip>
+          <a:srcRect/>
+          <a:stretch>
+            <a:fillRect/>
+          </a:stretch>
+        </p:blipFill>
+        <p:spPr bwMode="auto">
+          <a:xfrm>
+            <a:off x="683568" y="2204864"/>
+            <a:ext cx="4248472" cy="2582135"/>
+          </a:xfrm>
+          <a:prstGeom prst="rect">
+            <a:avLst/>
+          </a:prstGeom>
+          <a:noFill/>
+          <a:ln>
+            <a:noFill/>
+          </a:ln>
+          <a:extLst>
+            <a:ext uri="{909E8E84-426E-40DD-AFC4-6F175D3DCCD1}">
+              <a14:hiddenFill xmlns:a14="http://schemas.microsoft.com/office/drawing/2010/main">
+                <a:solidFill>
+                  <a:schemeClr val="accent1"/>
+                </a:solidFill>
+              </a14:hiddenFill>
+            </a:ext>
+            <a:ext uri="{91240B29-F687-4F45-9708-019B960494DF}">
+              <a14:hiddenLine xmlns:a14="http://schemas.microsoft.com/office/drawing/2010/main" w="9525">
+                <a:solidFill>
+                  <a:schemeClr val="tx1"/>
+                </a:solidFill>
+                <a:miter lim="800000"/>
+                <a:headEnd/>
+                <a:tailEnd/>
+              </a14:hiddenLine>
+            </a:ext>
+          </a:extLst>
+        </p:spPr>
+      </p:pic>
+      <p:pic>
+        <p:nvPicPr>
+          <p:cNvPr id="5126" name="Picture 6" descr="http://doc.aldebaran.com/2-1/_images/rollPitchYaw.png"/>
+          <p:cNvPicPr>
+            <a:picLocks noChangeAspect="1" noChangeArrowheads="1"/>
+          </p:cNvPicPr>
+          <p:nvPr/>
+        </p:nvPicPr>
+        <p:blipFill>
+          <a:blip r:embed="rId4">
+            <a:extLst>
+              <a:ext uri="{28A0092B-C50C-407E-A947-70E740481C1C}">
+                <a14:useLocalDpi xmlns:a14="http://schemas.microsoft.com/office/drawing/2010/main" val="0"/>
+              </a:ext>
+            </a:extLst>
+          </a:blip>
+          <a:srcRect/>
+          <a:stretch>
+            <a:fillRect/>
+          </a:stretch>
+        </p:blipFill>
+        <p:spPr bwMode="auto">
+          <a:xfrm>
+            <a:off x="5436096" y="2060848"/>
+            <a:ext cx="3312368" cy="3227653"/>
+          </a:xfrm>
+          <a:prstGeom prst="rect">
+            <a:avLst/>
+          </a:prstGeom>
+          <a:noFill/>
+          <a:extLst>
+            <a:ext uri="{909E8E84-426E-40DD-AFC4-6F175D3DCCD1}">
+              <a14:hiddenFill xmlns:a14="http://schemas.microsoft.com/office/drawing/2010/main">
+                <a:solidFill>
+                  <a:srgbClr val="FFFFFF"/>
+                </a:solidFill>
+              </a14:hiddenFill>
+            </a:ext>
+          </a:extLst>
+        </p:spPr>
+      </p:pic>
+    </p:spTree>
+    <p:extLst>
+      <p:ext uri="{BB962C8B-B14F-4D97-AF65-F5344CB8AC3E}">
+        <p14:creationId xmlns:p14="http://schemas.microsoft.com/office/powerpoint/2010/main" val="813252076"/>
       </p:ext>
     </p:extLst>
   </p:cSld>

--- a/präsi-projekt-obj-geom.pptx
+++ b/präsi-projekt-obj-geom.pptx
@@ -9,8 +9,8 @@
   </p:notesMasterIdLst>
   <p:sldIdLst>
     <p:sldId id="256" r:id="rId2"/>
-    <p:sldId id="258" r:id="rId3"/>
-    <p:sldId id="266" r:id="rId4"/>
+    <p:sldId id="266" r:id="rId3"/>
+    <p:sldId id="258" r:id="rId4"/>
     <p:sldId id="257" r:id="rId5"/>
     <p:sldId id="263" r:id="rId6"/>
     <p:sldId id="261" r:id="rId7"/>
@@ -202,7 +202,7 @@
           <a:p>
             <a:fld id="{0A124C12-A3F9-436B-B427-937D56D33E8E}" type="datetimeFigureOut">
               <a:rPr lang="de-CH" smtClean="0"/>
-              <a:t>13.01.2016</a:t>
+              <a:t>15.01.2016</a:t>
             </a:fld>
             <a:endParaRPr lang="de-CH"/>
           </a:p>
@@ -515,10 +515,164 @@
           <a:lstStyle/>
           <a:p>
             <a:r>
-              <a:rPr lang="de-CH" dirty="0" err="1" smtClean="0"/>
-              <a:t>joel</a:t>
-            </a:r>
-            <a:endParaRPr lang="de-CH" dirty="0"/>
+              <a:rPr lang="de-CH" dirty="0" smtClean="0"/>
+              <a:t>Joel</a:t>
+            </a:r>
+          </a:p>
+          <a:p>
+            <a:endParaRPr lang="de-CH" sz="1200" kern="1200" dirty="0" smtClean="0">
+              <a:solidFill>
+                <a:schemeClr val="tx1"/>
+              </a:solidFill>
+              <a:effectLst/>
+              <a:latin typeface="+mn-lt"/>
+              <a:ea typeface="+mn-ea"/>
+              <a:cs typeface="+mn-cs"/>
+            </a:endParaRPr>
+          </a:p>
+          <a:p>
+            <a:r>
+              <a:rPr lang="de-CH" sz="1200" b="1" kern="1200" dirty="0" smtClean="0">
+                <a:solidFill>
+                  <a:schemeClr val="tx1"/>
+                </a:solidFill>
+                <a:effectLst/>
+                <a:latin typeface="+mn-lt"/>
+                <a:ea typeface="+mn-ea"/>
+                <a:cs typeface="+mn-cs"/>
+              </a:rPr>
+              <a:t>Rendern:</a:t>
+            </a:r>
+          </a:p>
+          <a:p>
+            <a:r>
+              <a:rPr lang="de-CH" sz="1200" kern="1200" dirty="0" smtClean="0">
+                <a:solidFill>
+                  <a:schemeClr val="tx1"/>
+                </a:solidFill>
+                <a:effectLst/>
+                <a:latin typeface="+mn-lt"/>
+                <a:ea typeface="+mn-ea"/>
+                <a:cs typeface="+mn-cs"/>
+              </a:rPr>
+              <a:t>bezeichnet den </a:t>
+            </a:r>
+            <a:r>
+              <a:rPr lang="de-CH" sz="1200" kern="1200" dirty="0" err="1" smtClean="0">
+                <a:solidFill>
+                  <a:schemeClr val="tx1"/>
+                </a:solidFill>
+                <a:effectLst/>
+                <a:latin typeface="+mn-lt"/>
+                <a:ea typeface="+mn-ea"/>
+                <a:cs typeface="+mn-cs"/>
+              </a:rPr>
+              <a:t>Proßess</a:t>
+            </a:r>
+            <a:r>
+              <a:rPr lang="de-CH" sz="1200" kern="1200" dirty="0" smtClean="0">
+                <a:solidFill>
+                  <a:schemeClr val="tx1"/>
+                </a:solidFill>
+                <a:effectLst/>
+                <a:latin typeface="+mn-lt"/>
+                <a:ea typeface="+mn-ea"/>
+                <a:cs typeface="+mn-cs"/>
+              </a:rPr>
+              <a:t> bei dem der Rechner ein Bild des jeweiligen Objektes erzeugt.</a:t>
+            </a:r>
+          </a:p>
+          <a:p>
+            <a:r>
+              <a:rPr lang="de-CH" sz="1200" kern="1200" dirty="0" smtClean="0">
+                <a:solidFill>
+                  <a:schemeClr val="tx1"/>
+                </a:solidFill>
+                <a:effectLst/>
+                <a:latin typeface="+mn-lt"/>
+                <a:ea typeface="+mn-ea"/>
+                <a:cs typeface="+mn-cs"/>
+              </a:rPr>
+              <a:t>Diese Objekte, wie Eingangs schon erwähnt bestehen aus geometrischen Primitiven, welche durch</a:t>
+            </a:r>
+            <a:r>
+              <a:rPr lang="de-CH" sz="1200" kern="1200" baseline="0" dirty="0" smtClean="0">
+                <a:solidFill>
+                  <a:schemeClr val="tx1"/>
+                </a:solidFill>
+                <a:effectLst/>
+                <a:latin typeface="+mn-lt"/>
+                <a:ea typeface="+mn-ea"/>
+                <a:cs typeface="+mn-cs"/>
+              </a:rPr>
+              <a:t> </a:t>
+            </a:r>
+            <a:r>
+              <a:rPr lang="de-CH" sz="1200" kern="1200" dirty="0" smtClean="0">
+                <a:solidFill>
+                  <a:schemeClr val="tx1"/>
+                </a:solidFill>
+                <a:effectLst/>
+                <a:latin typeface="+mn-lt"/>
+                <a:ea typeface="+mn-ea"/>
+                <a:cs typeface="+mn-cs"/>
+              </a:rPr>
+              <a:t>Vertices spezifiziert werden</a:t>
+            </a:r>
+          </a:p>
+          <a:p>
+            <a:endParaRPr lang="de-CH" dirty="0" smtClean="0"/>
+          </a:p>
+          <a:p>
+            <a:r>
+              <a:rPr lang="de-CH" b="1" dirty="0" smtClean="0"/>
+              <a:t>Beleuchtung:</a:t>
+            </a:r>
+          </a:p>
+          <a:p>
+            <a:pPr marL="171450" indent="-171450">
+              <a:buFont typeface="Arial" panose="020B0604020202020204" pitchFamily="34" charset="0"/>
+              <a:buChar char="•"/>
+            </a:pPr>
+            <a:r>
+              <a:rPr lang="de-CH" b="1" dirty="0" smtClean="0"/>
+              <a:t>Statisches</a:t>
+            </a:r>
+            <a:r>
+              <a:rPr lang="de-CH" b="1" baseline="0" dirty="0" smtClean="0"/>
+              <a:t> Punktlicht: </a:t>
+            </a:r>
+            <a:r>
+              <a:rPr lang="de-CH" b="0" baseline="0" dirty="0" smtClean="0"/>
+              <a:t>Sonne</a:t>
+            </a:r>
+          </a:p>
+          <a:p>
+            <a:pPr marL="171450" indent="-171450">
+              <a:buFont typeface="Arial" panose="020B0604020202020204" pitchFamily="34" charset="0"/>
+              <a:buChar char="•"/>
+            </a:pPr>
+            <a:r>
+              <a:rPr lang="de-CH" b="1" baseline="0" dirty="0" err="1" smtClean="0"/>
+              <a:t>Phong</a:t>
+            </a:r>
+            <a:r>
+              <a:rPr lang="de-CH" b="1" baseline="0" dirty="0" smtClean="0"/>
+              <a:t> </a:t>
+            </a:r>
+            <a:r>
+              <a:rPr lang="de-CH" b="1" baseline="0" dirty="0" err="1" smtClean="0"/>
+              <a:t>Reflection</a:t>
+            </a:r>
+            <a:r>
+              <a:rPr lang="de-CH" b="1" baseline="0" dirty="0" smtClean="0"/>
+              <a:t> Model:  </a:t>
+            </a:r>
+            <a:r>
+              <a:rPr lang="de-CH" b="0" baseline="0" dirty="0" smtClean="0"/>
+              <a:t>detaillierte Erläuterung folgt später.</a:t>
+            </a:r>
+            <a:endParaRPr lang="de-CH" b="1" dirty="0"/>
           </a:p>
         </p:txBody>
       </p:sp>
@@ -548,7 +702,7 @@
     </p:spTree>
     <p:extLst>
       <p:ext uri="{BB962C8B-B14F-4D97-AF65-F5344CB8AC3E}">
-        <p14:creationId xmlns:p14="http://schemas.microsoft.com/office/powerpoint/2010/main" val="1451443135"/>
+        <p14:creationId xmlns:p14="http://schemas.microsoft.com/office/powerpoint/2010/main" val="3115305498"/>
       </p:ext>
     </p:extLst>
   </p:cSld>
@@ -724,7 +878,7 @@
     </p:spTree>
     <p:extLst>
       <p:ext uri="{BB962C8B-B14F-4D97-AF65-F5344CB8AC3E}">
-        <p14:creationId xmlns:p14="http://schemas.microsoft.com/office/powerpoint/2010/main" val="3115305498"/>
+        <p14:creationId xmlns:p14="http://schemas.microsoft.com/office/powerpoint/2010/main" val="1451443135"/>
       </p:ext>
     </p:extLst>
   </p:cSld>
@@ -778,10 +932,642 @@
           <a:bodyPr/>
           <a:lstStyle/>
           <a:p>
-            <a:r>
-              <a:rPr lang="de-CH" dirty="0" err="1" smtClean="0"/>
-              <a:t>joel</a:t>
-            </a:r>
+            <a:pPr marL="0" marR="0" lvl="0" indent="0" algn="l" defTabSz="914400" rtl="0" eaLnBrk="1" fontAlgn="auto" latinLnBrk="0" hangingPunct="1">
+              <a:lnSpc>
+                <a:spcPct val="100000"/>
+              </a:lnSpc>
+              <a:spcBef>
+                <a:spcPts val="0"/>
+              </a:spcBef>
+              <a:spcAft>
+                <a:spcPts val="0"/>
+              </a:spcAft>
+              <a:buClrTx/>
+              <a:buSzTx/>
+              <a:buFontTx/>
+              <a:buNone/>
+              <a:tabLst/>
+              <a:defRPr/>
+            </a:pPr>
+            <a:endParaRPr lang="de-CH" sz="1200" b="1" kern="1200" dirty="0" smtClean="0">
+              <a:solidFill>
+                <a:schemeClr val="tx1"/>
+              </a:solidFill>
+              <a:effectLst/>
+              <a:latin typeface="+mn-lt"/>
+              <a:ea typeface="+mn-ea"/>
+              <a:cs typeface="+mn-cs"/>
+            </a:endParaRPr>
+          </a:p>
+          <a:p>
+            <a:pPr marL="0" marR="0" lvl="0" indent="0" algn="l" defTabSz="914400" rtl="0" eaLnBrk="1" fontAlgn="auto" latinLnBrk="0" hangingPunct="1">
+              <a:lnSpc>
+                <a:spcPct val="100000"/>
+              </a:lnSpc>
+              <a:spcBef>
+                <a:spcPts val="0"/>
+              </a:spcBef>
+              <a:spcAft>
+                <a:spcPts val="0"/>
+              </a:spcAft>
+              <a:buClrTx/>
+              <a:buSzTx/>
+              <a:buFontTx/>
+              <a:buNone/>
+              <a:tabLst/>
+              <a:defRPr/>
+            </a:pPr>
+            <a:r>
+              <a:rPr lang="de-CH" sz="1200" b="1" kern="1200" dirty="0" smtClean="0">
+                <a:solidFill>
+                  <a:schemeClr val="tx1"/>
+                </a:solidFill>
+                <a:effectLst/>
+                <a:latin typeface="+mn-lt"/>
+                <a:ea typeface="+mn-ea"/>
+                <a:cs typeface="+mn-cs"/>
+              </a:rPr>
+              <a:t>Vertex Array </a:t>
+            </a:r>
+            <a:r>
+              <a:rPr lang="de-CH" sz="1200" b="1" kern="1200" dirty="0" err="1" smtClean="0">
+                <a:solidFill>
+                  <a:schemeClr val="tx1"/>
+                </a:solidFill>
+                <a:effectLst/>
+                <a:latin typeface="+mn-lt"/>
+                <a:ea typeface="+mn-ea"/>
+                <a:cs typeface="+mn-cs"/>
+              </a:rPr>
+              <a:t>Object</a:t>
+            </a:r>
+            <a:r>
+              <a:rPr lang="de-CH" sz="1200" b="1" kern="1200" dirty="0" smtClean="0">
+                <a:solidFill>
+                  <a:schemeClr val="tx1"/>
+                </a:solidFill>
+                <a:effectLst/>
+                <a:latin typeface="+mn-lt"/>
+                <a:ea typeface="+mn-ea"/>
+                <a:cs typeface="+mn-cs"/>
+              </a:rPr>
+              <a:t> (VAO) und Vertex </a:t>
+            </a:r>
+            <a:r>
+              <a:rPr lang="de-CH" sz="1200" b="1" kern="1200" dirty="0" err="1" smtClean="0">
+                <a:solidFill>
+                  <a:schemeClr val="tx1"/>
+                </a:solidFill>
+                <a:effectLst/>
+                <a:latin typeface="+mn-lt"/>
+                <a:ea typeface="+mn-ea"/>
+                <a:cs typeface="+mn-cs"/>
+              </a:rPr>
+              <a:t>Buffer</a:t>
+            </a:r>
+            <a:r>
+              <a:rPr lang="de-CH" sz="1200" b="1" kern="1200" dirty="0" smtClean="0">
+                <a:solidFill>
+                  <a:schemeClr val="tx1"/>
+                </a:solidFill>
+                <a:effectLst/>
+                <a:latin typeface="+mn-lt"/>
+                <a:ea typeface="+mn-ea"/>
+                <a:cs typeface="+mn-cs"/>
+              </a:rPr>
+              <a:t> </a:t>
+            </a:r>
+            <a:r>
+              <a:rPr lang="de-CH" sz="1200" b="1" kern="1200" dirty="0" err="1" smtClean="0">
+                <a:solidFill>
+                  <a:schemeClr val="tx1"/>
+                </a:solidFill>
+                <a:effectLst/>
+                <a:latin typeface="+mn-lt"/>
+                <a:ea typeface="+mn-ea"/>
+                <a:cs typeface="+mn-cs"/>
+              </a:rPr>
+              <a:t>Object</a:t>
+            </a:r>
+            <a:r>
+              <a:rPr lang="de-CH" sz="1200" b="1" kern="1200" dirty="0" smtClean="0">
+                <a:solidFill>
+                  <a:schemeClr val="tx1"/>
+                </a:solidFill>
+                <a:effectLst/>
+                <a:latin typeface="+mn-lt"/>
+                <a:ea typeface="+mn-ea"/>
+                <a:cs typeface="+mn-cs"/>
+              </a:rPr>
+              <a:t> (VBO):</a:t>
+            </a:r>
+            <a:br>
+              <a:rPr lang="de-CH" sz="1200" b="1" kern="1200" dirty="0" smtClean="0">
+                <a:solidFill>
+                  <a:schemeClr val="tx1"/>
+                </a:solidFill>
+                <a:effectLst/>
+                <a:latin typeface="+mn-lt"/>
+                <a:ea typeface="+mn-ea"/>
+                <a:cs typeface="+mn-cs"/>
+              </a:rPr>
+            </a:br>
+            <a:r>
+              <a:rPr lang="de-CH" sz="1200" kern="1200" dirty="0" smtClean="0">
+                <a:solidFill>
+                  <a:schemeClr val="tx1"/>
+                </a:solidFill>
+                <a:effectLst/>
+                <a:latin typeface="+mn-lt"/>
+                <a:ea typeface="+mn-ea"/>
+                <a:cs typeface="+mn-cs"/>
+              </a:rPr>
+              <a:t>Das VBO enthält die eigentlichen </a:t>
+            </a:r>
+            <a:r>
+              <a:rPr lang="de-CH" sz="1200" kern="1200" dirty="0" err="1" smtClean="0">
+                <a:solidFill>
+                  <a:schemeClr val="tx1"/>
+                </a:solidFill>
+                <a:effectLst/>
+                <a:latin typeface="+mn-lt"/>
+                <a:ea typeface="+mn-ea"/>
+                <a:cs typeface="+mn-cs"/>
+              </a:rPr>
+              <a:t>Vertexdaten</a:t>
+            </a:r>
+            <a:r>
+              <a:rPr lang="de-CH" sz="1200" kern="1200" dirty="0" smtClean="0">
+                <a:solidFill>
+                  <a:schemeClr val="tx1"/>
+                </a:solidFill>
+                <a:effectLst/>
+                <a:latin typeface="+mn-lt"/>
+                <a:ea typeface="+mn-ea"/>
+                <a:cs typeface="+mn-cs"/>
+              </a:rPr>
+              <a:t> beispielsweise die Positionen, die </a:t>
+            </a:r>
+            <a:r>
+              <a:rPr lang="de-CH" sz="1200" kern="1200" dirty="0" err="1" smtClean="0">
+                <a:solidFill>
+                  <a:schemeClr val="tx1"/>
+                </a:solidFill>
+                <a:effectLst/>
+                <a:latin typeface="+mn-lt"/>
+                <a:ea typeface="+mn-ea"/>
+                <a:cs typeface="+mn-cs"/>
+              </a:rPr>
+              <a:t>Normalenvektoren</a:t>
+            </a:r>
+            <a:r>
+              <a:rPr lang="de-CH" sz="1200" kern="1200" dirty="0" smtClean="0">
+                <a:solidFill>
+                  <a:schemeClr val="tx1"/>
+                </a:solidFill>
+                <a:effectLst/>
+                <a:latin typeface="+mn-lt"/>
+                <a:ea typeface="+mn-ea"/>
+                <a:cs typeface="+mn-cs"/>
+              </a:rPr>
+              <a:t>, die Farben oder die Textur-</a:t>
+            </a:r>
+            <a:r>
+              <a:rPr lang="de-CH" sz="1200" kern="1200" dirty="0" err="1" smtClean="0">
+                <a:solidFill>
+                  <a:schemeClr val="tx1"/>
+                </a:solidFill>
+                <a:effectLst/>
+                <a:latin typeface="+mn-lt"/>
+                <a:ea typeface="+mn-ea"/>
+                <a:cs typeface="+mn-cs"/>
+              </a:rPr>
+              <a:t>Koordinatenen</a:t>
+            </a:r>
+            <a:r>
+              <a:rPr lang="de-CH" sz="1200" kern="1200" dirty="0" smtClean="0">
+                <a:solidFill>
+                  <a:schemeClr val="tx1"/>
+                </a:solidFill>
+                <a:effectLst/>
+                <a:latin typeface="+mn-lt"/>
+                <a:ea typeface="+mn-ea"/>
+                <a:cs typeface="+mn-cs"/>
+              </a:rPr>
+              <a:t>. Das VAO hingegen enthält die Informationen, in welchem VBO sich die benötigten Daten befinden und in welchem Format sie vorliegen, z.B. dass ein Vertex aus 3 </a:t>
+            </a:r>
+            <a:r>
+              <a:rPr lang="de-CH" sz="1200" kern="1200" dirty="0" err="1" smtClean="0">
+                <a:solidFill>
+                  <a:schemeClr val="tx1"/>
+                </a:solidFill>
+                <a:effectLst/>
+                <a:latin typeface="+mn-lt"/>
+                <a:ea typeface="+mn-ea"/>
+                <a:cs typeface="+mn-cs"/>
+              </a:rPr>
+              <a:t>floats</a:t>
+            </a:r>
+            <a:r>
+              <a:rPr lang="de-CH" sz="1200" kern="1200" dirty="0" smtClean="0">
+                <a:solidFill>
+                  <a:schemeClr val="tx1"/>
+                </a:solidFill>
+                <a:effectLst/>
+                <a:latin typeface="+mn-lt"/>
+                <a:ea typeface="+mn-ea"/>
+                <a:cs typeface="+mn-cs"/>
+              </a:rPr>
+              <a:t> für die Position, 3 </a:t>
+            </a:r>
+            <a:r>
+              <a:rPr lang="de-CH" sz="1200" kern="1200" dirty="0" err="1" smtClean="0">
+                <a:solidFill>
+                  <a:schemeClr val="tx1"/>
+                </a:solidFill>
+                <a:effectLst/>
+                <a:latin typeface="+mn-lt"/>
+                <a:ea typeface="+mn-ea"/>
+                <a:cs typeface="+mn-cs"/>
+              </a:rPr>
+              <a:t>bytes</a:t>
+            </a:r>
+            <a:r>
+              <a:rPr lang="de-CH" sz="1200" kern="1200" dirty="0" smtClean="0">
+                <a:solidFill>
+                  <a:schemeClr val="tx1"/>
+                </a:solidFill>
+                <a:effectLst/>
+                <a:latin typeface="+mn-lt"/>
+                <a:ea typeface="+mn-ea"/>
+                <a:cs typeface="+mn-cs"/>
+              </a:rPr>
+              <a:t> für den </a:t>
+            </a:r>
+            <a:r>
+              <a:rPr lang="de-CH" sz="1200" kern="1200" dirty="0" err="1" smtClean="0">
+                <a:solidFill>
+                  <a:schemeClr val="tx1"/>
+                </a:solidFill>
+                <a:effectLst/>
+                <a:latin typeface="+mn-lt"/>
+                <a:ea typeface="+mn-ea"/>
+                <a:cs typeface="+mn-cs"/>
+              </a:rPr>
+              <a:t>Normalenvektor</a:t>
+            </a:r>
+            <a:r>
+              <a:rPr lang="de-CH" sz="1200" kern="1200" dirty="0" smtClean="0">
+                <a:solidFill>
+                  <a:schemeClr val="tx1"/>
+                </a:solidFill>
+                <a:effectLst/>
+                <a:latin typeface="+mn-lt"/>
+                <a:ea typeface="+mn-ea"/>
+                <a:cs typeface="+mn-cs"/>
+              </a:rPr>
+              <a:t>.</a:t>
+            </a:r>
+            <a:br>
+              <a:rPr lang="de-CH" sz="1200" kern="1200" dirty="0" smtClean="0">
+                <a:solidFill>
+                  <a:schemeClr val="tx1"/>
+                </a:solidFill>
+                <a:effectLst/>
+                <a:latin typeface="+mn-lt"/>
+                <a:ea typeface="+mn-ea"/>
+                <a:cs typeface="+mn-cs"/>
+              </a:rPr>
+            </a:br>
+            <a:r>
+              <a:rPr lang="de-CH" sz="1200" kern="1200" dirty="0" smtClean="0">
+                <a:solidFill>
+                  <a:schemeClr val="tx1"/>
+                </a:solidFill>
+                <a:effectLst/>
+                <a:latin typeface="+mn-lt"/>
+                <a:ea typeface="+mn-ea"/>
+                <a:cs typeface="+mn-cs"/>
+              </a:rPr>
+              <a:t/>
+            </a:r>
+            <a:br>
+              <a:rPr lang="de-CH" sz="1200" kern="1200" dirty="0" smtClean="0">
+                <a:solidFill>
+                  <a:schemeClr val="tx1"/>
+                </a:solidFill>
+                <a:effectLst/>
+                <a:latin typeface="+mn-lt"/>
+                <a:ea typeface="+mn-ea"/>
+                <a:cs typeface="+mn-cs"/>
+              </a:rPr>
+            </a:br>
+            <a:r>
+              <a:rPr lang="de-CH" sz="1200" kern="1200" dirty="0" smtClean="0">
+                <a:solidFill>
+                  <a:schemeClr val="tx1"/>
+                </a:solidFill>
+                <a:effectLst/>
+                <a:latin typeface="+mn-lt"/>
+                <a:ea typeface="+mn-ea"/>
+                <a:cs typeface="+mn-cs"/>
+              </a:rPr>
+              <a:t>Der Vorteil vom Einsatz von VAO und VBO ist, dass die </a:t>
+            </a:r>
+            <a:r>
+              <a:rPr lang="de-CH" sz="1200" kern="1200" dirty="0" err="1" smtClean="0">
+                <a:solidFill>
+                  <a:schemeClr val="tx1"/>
+                </a:solidFill>
+                <a:effectLst/>
+                <a:latin typeface="+mn-lt"/>
+                <a:ea typeface="+mn-ea"/>
+                <a:cs typeface="+mn-cs"/>
+              </a:rPr>
+              <a:t>Vertexdaten</a:t>
+            </a:r>
+            <a:r>
+              <a:rPr lang="de-CH" sz="1200" kern="1200" dirty="0" smtClean="0">
+                <a:solidFill>
+                  <a:schemeClr val="tx1"/>
+                </a:solidFill>
+                <a:effectLst/>
+                <a:latin typeface="+mn-lt"/>
+                <a:ea typeface="+mn-ea"/>
+                <a:cs typeface="+mn-cs"/>
+              </a:rPr>
+              <a:t> im VRAM der Grafikkarte gespeichert werden, statt wie ohne Einsatz von VAO und VBO im Hauptspeicher der CPU. Das Problem bei einer Speicherung der </a:t>
+            </a:r>
+            <a:r>
+              <a:rPr lang="de-CH" sz="1200" kern="1200" dirty="0" err="1" smtClean="0">
+                <a:solidFill>
+                  <a:schemeClr val="tx1"/>
+                </a:solidFill>
+                <a:effectLst/>
+                <a:latin typeface="+mn-lt"/>
+                <a:ea typeface="+mn-ea"/>
+                <a:cs typeface="+mn-cs"/>
+              </a:rPr>
+              <a:t>Vertexdaten</a:t>
+            </a:r>
+            <a:r>
+              <a:rPr lang="de-CH" sz="1200" kern="1200" dirty="0" smtClean="0">
+                <a:solidFill>
+                  <a:schemeClr val="tx1"/>
+                </a:solidFill>
+                <a:effectLst/>
+                <a:latin typeface="+mn-lt"/>
+                <a:ea typeface="+mn-ea"/>
+                <a:cs typeface="+mn-cs"/>
+              </a:rPr>
+              <a:t> im Hauptspeicher ist, dass die Grafikkarte deutlich langsamer auf den Hauptspeicher  also auf das eigene VRAM zugreifen kann. Dies wirkt sich negativ auf die Performance der Anwendung aus, weil ein Flaschenhals zwischen CPU und GPU existiert. Dieser Flaschenhals kann mit dem Einsatz mit VAO und VBO umgangen werden. </a:t>
+            </a:r>
+          </a:p>
+          <a:p>
+            <a:endParaRPr lang="de-CH" sz="1200" kern="1200" dirty="0" smtClean="0">
+              <a:solidFill>
+                <a:schemeClr val="tx1"/>
+              </a:solidFill>
+              <a:effectLst/>
+              <a:latin typeface="+mn-lt"/>
+              <a:ea typeface="+mn-ea"/>
+              <a:cs typeface="+mn-cs"/>
+            </a:endParaRPr>
+          </a:p>
+          <a:p>
+            <a:endParaRPr lang="de-CH" sz="1200" kern="1200" dirty="0" smtClean="0">
+              <a:solidFill>
+                <a:schemeClr val="tx1"/>
+              </a:solidFill>
+              <a:effectLst/>
+              <a:latin typeface="+mn-lt"/>
+              <a:ea typeface="+mn-ea"/>
+              <a:cs typeface="+mn-cs"/>
+            </a:endParaRPr>
+          </a:p>
+          <a:p>
+            <a:pPr marL="0" marR="0" lvl="0" indent="0" algn="l" defTabSz="914400" rtl="0" eaLnBrk="1" fontAlgn="auto" latinLnBrk="0" hangingPunct="1">
+              <a:lnSpc>
+                <a:spcPct val="100000"/>
+              </a:lnSpc>
+              <a:spcBef>
+                <a:spcPts val="0"/>
+              </a:spcBef>
+              <a:spcAft>
+                <a:spcPts val="0"/>
+              </a:spcAft>
+              <a:buClrTx/>
+              <a:buSzTx/>
+              <a:buFontTx/>
+              <a:buNone/>
+              <a:tabLst/>
+              <a:defRPr/>
+            </a:pPr>
+            <a:r>
+              <a:rPr lang="de-CH" sz="1200" b="1" kern="1200" dirty="0" err="1" smtClean="0">
+                <a:solidFill>
+                  <a:schemeClr val="tx1"/>
+                </a:solidFill>
+                <a:effectLst/>
+                <a:latin typeface="+mn-lt"/>
+                <a:ea typeface="+mn-ea"/>
+                <a:cs typeface="+mn-cs"/>
+              </a:rPr>
+              <a:t>Shader</a:t>
+            </a:r>
+            <a:r>
+              <a:rPr lang="de-CH" sz="1200" b="1" kern="1200" baseline="0" dirty="0" smtClean="0">
+                <a:solidFill>
+                  <a:schemeClr val="tx1"/>
+                </a:solidFill>
+                <a:effectLst/>
+                <a:latin typeface="+mn-lt"/>
+                <a:ea typeface="+mn-ea"/>
+                <a:cs typeface="+mn-cs"/>
+              </a:rPr>
+              <a:t> &amp; GLSL:</a:t>
+            </a:r>
+            <a:r>
+              <a:rPr lang="de-CH" sz="1200" b="1" kern="1200" dirty="0" smtClean="0">
+                <a:solidFill>
+                  <a:schemeClr val="tx1"/>
+                </a:solidFill>
+                <a:effectLst/>
+                <a:latin typeface="+mn-lt"/>
+                <a:ea typeface="+mn-ea"/>
+                <a:cs typeface="+mn-cs"/>
+              </a:rPr>
+              <a:t/>
+            </a:r>
+            <a:br>
+              <a:rPr lang="de-CH" sz="1200" b="1" kern="1200" dirty="0" smtClean="0">
+                <a:solidFill>
+                  <a:schemeClr val="tx1"/>
+                </a:solidFill>
+                <a:effectLst/>
+                <a:latin typeface="+mn-lt"/>
+                <a:ea typeface="+mn-ea"/>
+                <a:cs typeface="+mn-cs"/>
+              </a:rPr>
+            </a:br>
+            <a:r>
+              <a:rPr lang="de-CH" sz="1200" kern="1200" dirty="0" smtClean="0">
+                <a:solidFill>
+                  <a:schemeClr val="tx1"/>
+                </a:solidFill>
+                <a:effectLst/>
+                <a:latin typeface="+mn-lt"/>
+                <a:ea typeface="+mn-ea"/>
+                <a:cs typeface="+mn-cs"/>
+              </a:rPr>
+              <a:t>GLSL ist eine C-ähnliche Programmiersprache, mit welcher es möglich, selbst </a:t>
+            </a:r>
+            <a:r>
+              <a:rPr lang="de-CH" sz="1200" kern="1200" dirty="0" err="1" smtClean="0">
+                <a:solidFill>
+                  <a:schemeClr val="tx1"/>
+                </a:solidFill>
+                <a:effectLst/>
+                <a:latin typeface="+mn-lt"/>
+                <a:ea typeface="+mn-ea"/>
+                <a:cs typeface="+mn-cs"/>
+              </a:rPr>
+              <a:t>Shaders</a:t>
+            </a:r>
+            <a:r>
+              <a:rPr lang="de-CH" sz="1200" kern="1200" dirty="0" smtClean="0">
+                <a:solidFill>
+                  <a:schemeClr val="tx1"/>
+                </a:solidFill>
+                <a:effectLst/>
+                <a:latin typeface="+mn-lt"/>
+                <a:ea typeface="+mn-ea"/>
+                <a:cs typeface="+mn-cs"/>
+              </a:rPr>
+              <a:t> zu schreiben und auf der GPU auszuführen. In der zu realisierenden Anwendung werden 2 verschiedene </a:t>
+            </a:r>
+            <a:r>
+              <a:rPr lang="de-CH" sz="1200" kern="1200" dirty="0" err="1" smtClean="0">
+                <a:solidFill>
+                  <a:schemeClr val="tx1"/>
+                </a:solidFill>
+                <a:effectLst/>
+                <a:latin typeface="+mn-lt"/>
+                <a:ea typeface="+mn-ea"/>
+                <a:cs typeface="+mn-cs"/>
+              </a:rPr>
+              <a:t>Shaders</a:t>
+            </a:r>
+            <a:r>
+              <a:rPr lang="de-CH" sz="1200" kern="1200" dirty="0" smtClean="0">
+                <a:solidFill>
+                  <a:schemeClr val="tx1"/>
+                </a:solidFill>
+                <a:effectLst/>
+                <a:latin typeface="+mn-lt"/>
+                <a:ea typeface="+mn-ea"/>
+                <a:cs typeface="+mn-cs"/>
+              </a:rPr>
+              <a:t> benötigt, den Fragment </a:t>
+            </a:r>
+            <a:r>
+              <a:rPr lang="de-CH" sz="1200" kern="1200" dirty="0" err="1" smtClean="0">
+                <a:solidFill>
+                  <a:schemeClr val="tx1"/>
+                </a:solidFill>
+                <a:effectLst/>
+                <a:latin typeface="+mn-lt"/>
+                <a:ea typeface="+mn-ea"/>
+                <a:cs typeface="+mn-cs"/>
+              </a:rPr>
+              <a:t>Shader</a:t>
+            </a:r>
+            <a:r>
+              <a:rPr lang="de-CH" sz="1200" kern="1200" dirty="0" smtClean="0">
+                <a:solidFill>
+                  <a:schemeClr val="tx1"/>
+                </a:solidFill>
+                <a:effectLst/>
+                <a:latin typeface="+mn-lt"/>
+                <a:ea typeface="+mn-ea"/>
+                <a:cs typeface="+mn-cs"/>
+              </a:rPr>
+              <a:t> und den Vertex </a:t>
+            </a:r>
+            <a:r>
+              <a:rPr lang="de-CH" sz="1200" kern="1200" dirty="0" err="1" smtClean="0">
+                <a:solidFill>
+                  <a:schemeClr val="tx1"/>
+                </a:solidFill>
+                <a:effectLst/>
+                <a:latin typeface="+mn-lt"/>
+                <a:ea typeface="+mn-ea"/>
+                <a:cs typeface="+mn-cs"/>
+              </a:rPr>
+              <a:t>Shader</a:t>
+            </a:r>
+            <a:r>
+              <a:rPr lang="de-CH" sz="1200" kern="1200" dirty="0" smtClean="0">
+                <a:solidFill>
+                  <a:schemeClr val="tx1"/>
+                </a:solidFill>
+                <a:effectLst/>
+                <a:latin typeface="+mn-lt"/>
+                <a:ea typeface="+mn-ea"/>
+                <a:cs typeface="+mn-cs"/>
+              </a:rPr>
+              <a:t>. Der Vertex </a:t>
+            </a:r>
+            <a:r>
+              <a:rPr lang="de-CH" sz="1200" kern="1200" dirty="0" err="1" smtClean="0">
+                <a:solidFill>
+                  <a:schemeClr val="tx1"/>
+                </a:solidFill>
+                <a:effectLst/>
+                <a:latin typeface="+mn-lt"/>
+                <a:ea typeface="+mn-ea"/>
+                <a:cs typeface="+mn-cs"/>
+              </a:rPr>
+              <a:t>Shader</a:t>
+            </a:r>
+            <a:r>
+              <a:rPr lang="de-CH" sz="1200" kern="1200" dirty="0" smtClean="0">
+                <a:solidFill>
+                  <a:schemeClr val="tx1"/>
+                </a:solidFill>
+                <a:effectLst/>
+                <a:latin typeface="+mn-lt"/>
+                <a:ea typeface="+mn-ea"/>
+                <a:cs typeface="+mn-cs"/>
+              </a:rPr>
+              <a:t> wird pro Vertex (Knoten) aufgerufen und er dient dazu die Geometrie einer Szene zu manipulieren (View, Projektion, Transformation). Der Fragment </a:t>
+            </a:r>
+            <a:r>
+              <a:rPr lang="de-CH" sz="1200" kern="1200" dirty="0" err="1" smtClean="0">
+                <a:solidFill>
+                  <a:schemeClr val="tx1"/>
+                </a:solidFill>
+                <a:effectLst/>
+                <a:latin typeface="+mn-lt"/>
+                <a:ea typeface="+mn-ea"/>
+                <a:cs typeface="+mn-cs"/>
+              </a:rPr>
+              <a:t>Shader</a:t>
+            </a:r>
+            <a:r>
+              <a:rPr lang="de-CH" sz="1200" kern="1200" dirty="0" smtClean="0">
+                <a:solidFill>
+                  <a:schemeClr val="tx1"/>
+                </a:solidFill>
+                <a:effectLst/>
+                <a:latin typeface="+mn-lt"/>
+                <a:ea typeface="+mn-ea"/>
+                <a:cs typeface="+mn-cs"/>
+              </a:rPr>
+              <a:t> bestimmt den Farbwert pro Pixel.</a:t>
+            </a:r>
+          </a:p>
+          <a:p>
             <a:endParaRPr lang="de-CH" dirty="0"/>
           </a:p>
         </p:txBody>
@@ -872,7 +1658,82 @@
             </a:r>
             <a:r>
               <a:rPr lang="de-CH" baseline="0" dirty="0" smtClean="0"/>
-              <a:t> zeigen - </a:t>
+              <a:t> </a:t>
+            </a:r>
+            <a:r>
+              <a:rPr lang="de-CH" baseline="0" dirty="0" smtClean="0"/>
+              <a:t>zeigen</a:t>
+            </a:r>
+          </a:p>
+          <a:p>
+            <a:r>
+              <a:rPr lang="de-CH" baseline="0" dirty="0" smtClean="0"/>
+              <a:t>OBJ (oder .</a:t>
+            </a:r>
+            <a:r>
+              <a:rPr lang="de-CH" baseline="0" dirty="0" err="1" smtClean="0"/>
+              <a:t>obj</a:t>
+            </a:r>
+            <a:r>
+              <a:rPr lang="de-CH" baseline="0" dirty="0" smtClean="0"/>
+              <a:t>) ist ein offenes Dateiformat zum Speichern von dreidimensionalen geometrischen Formen. Das von </a:t>
+            </a:r>
+            <a:r>
+              <a:rPr lang="de-CH" baseline="0" dirty="0" err="1" smtClean="0"/>
+              <a:t>Wavefront</a:t>
+            </a:r>
+            <a:r>
+              <a:rPr lang="de-CH" baseline="0" dirty="0" smtClean="0"/>
+              <a:t> Technologies entwickelte Format wird von vielen 3D-Grafikprogrammen unterstützt und ist daher geeignet für die programm- und plattformübergreifende Weitergabe von 3D-Modellen.</a:t>
+            </a:r>
+          </a:p>
+          <a:p>
+            <a:endParaRPr lang="de-CH" baseline="0" dirty="0" smtClean="0"/>
+          </a:p>
+          <a:p>
+            <a:pPr marL="171450" indent="-171450">
+              <a:buFontTx/>
+              <a:buChar char="-"/>
+            </a:pPr>
+            <a:r>
+              <a:rPr lang="de-CH" baseline="0" dirty="0" smtClean="0"/>
+              <a:t>Generierung der </a:t>
+            </a:r>
+            <a:r>
+              <a:rPr lang="de-CH" baseline="0" dirty="0" err="1" smtClean="0"/>
+              <a:t>Obj</a:t>
+            </a:r>
+            <a:r>
+              <a:rPr lang="de-CH" baseline="0" dirty="0" smtClean="0"/>
+              <a:t>-Files mit Blender (Kostenlose </a:t>
+            </a:r>
+            <a:r>
+              <a:rPr lang="de-CH" baseline="0" dirty="0" err="1" smtClean="0"/>
+              <a:t>Opensource</a:t>
+            </a:r>
+            <a:r>
+              <a:rPr lang="de-CH" baseline="0" dirty="0" smtClean="0"/>
+              <a:t> Software zur Erstellung von 3D Grafiken und Software)</a:t>
+            </a:r>
+          </a:p>
+          <a:p>
+            <a:pPr marL="0" indent="0">
+              <a:buFontTx/>
+              <a:buNone/>
+            </a:pPr>
+            <a:endParaRPr lang="de-CH" baseline="0" dirty="0" smtClean="0"/>
+          </a:p>
+          <a:p>
+            <a:endParaRPr lang="de-CH" baseline="0" dirty="0" smtClean="0"/>
+          </a:p>
+          <a:p>
+            <a:r>
+              <a:rPr lang="de-CH" baseline="0" dirty="0" smtClean="0"/>
+              <a:t> </a:t>
+            </a:r>
+            <a:r>
+              <a:rPr lang="de-CH" baseline="0" dirty="0" smtClean="0"/>
+              <a:t>- </a:t>
             </a:r>
             <a:r>
               <a:rPr lang="de-CH" baseline="0" dirty="0" err="1" smtClean="0"/>
@@ -1546,7 +2407,7 @@
           <a:p>
             <a:fld id="{1BA50D42-C9CD-4801-B293-61D1F53EC57E}" type="datetimeFigureOut">
               <a:rPr lang="de-DE" smtClean="0"/>
-              <a:t>13.01.2016</a:t>
+              <a:t>15.01.2016</a:t>
             </a:fld>
             <a:endParaRPr lang="de-DE"/>
           </a:p>
@@ -1746,7 +2607,7 @@
           <a:p>
             <a:fld id="{1BA50D42-C9CD-4801-B293-61D1F53EC57E}" type="datetimeFigureOut">
               <a:rPr lang="de-DE" smtClean="0"/>
-              <a:t>13.01.2016</a:t>
+              <a:t>15.01.2016</a:t>
             </a:fld>
             <a:endParaRPr lang="de-DE"/>
           </a:p>
@@ -1921,7 +2782,7 @@
           <a:p>
             <a:fld id="{1BA50D42-C9CD-4801-B293-61D1F53EC57E}" type="datetimeFigureOut">
               <a:rPr lang="de-DE" smtClean="0"/>
-              <a:t>13.01.2016</a:t>
+              <a:t>15.01.2016</a:t>
             </a:fld>
             <a:endParaRPr lang="de-DE"/>
           </a:p>
@@ -2086,7 +2947,7 @@
           <a:p>
             <a:fld id="{1BA50D42-C9CD-4801-B293-61D1F53EC57E}" type="datetimeFigureOut">
               <a:rPr lang="de-DE" smtClean="0"/>
-              <a:t>13.01.2016</a:t>
+              <a:t>15.01.2016</a:t>
             </a:fld>
             <a:endParaRPr lang="de-DE"/>
           </a:p>
@@ -2334,7 +3195,7 @@
           <a:p>
             <a:fld id="{1BA50D42-C9CD-4801-B293-61D1F53EC57E}" type="datetimeFigureOut">
               <a:rPr lang="de-DE" smtClean="0"/>
-              <a:t>13.01.2016</a:t>
+              <a:t>15.01.2016</a:t>
             </a:fld>
             <a:endParaRPr lang="de-DE"/>
           </a:p>
@@ -2652,7 +3513,7 @@
           <a:p>
             <a:fld id="{1BA50D42-C9CD-4801-B293-61D1F53EC57E}" type="datetimeFigureOut">
               <a:rPr lang="de-DE" smtClean="0"/>
-              <a:t>13.01.2016</a:t>
+              <a:t>15.01.2016</a:t>
             </a:fld>
             <a:endParaRPr lang="de-DE"/>
           </a:p>
@@ -3118,7 +3979,7 @@
           <a:p>
             <a:fld id="{1BA50D42-C9CD-4801-B293-61D1F53EC57E}" type="datetimeFigureOut">
               <a:rPr lang="de-DE" smtClean="0"/>
-              <a:t>13.01.2016</a:t>
+              <a:t>15.01.2016</a:t>
             </a:fld>
             <a:endParaRPr lang="de-DE"/>
           </a:p>
@@ -3266,7 +4127,7 @@
           <a:p>
             <a:fld id="{1BA50D42-C9CD-4801-B293-61D1F53EC57E}" type="datetimeFigureOut">
               <a:rPr lang="de-DE" smtClean="0"/>
-              <a:t>13.01.2016</a:t>
+              <a:t>15.01.2016</a:t>
             </a:fld>
             <a:endParaRPr lang="de-DE"/>
           </a:p>
@@ -3356,7 +4217,7 @@
           <a:p>
             <a:fld id="{1BA50D42-C9CD-4801-B293-61D1F53EC57E}" type="datetimeFigureOut">
               <a:rPr lang="de-DE" smtClean="0"/>
-              <a:t>13.01.2016</a:t>
+              <a:t>15.01.2016</a:t>
             </a:fld>
             <a:endParaRPr lang="de-DE"/>
           </a:p>
@@ -3630,7 +4491,7 @@
           <a:p>
             <a:fld id="{1BA50D42-C9CD-4801-B293-61D1F53EC57E}" type="datetimeFigureOut">
               <a:rPr lang="de-DE" smtClean="0"/>
-              <a:t>13.01.2016</a:t>
+              <a:t>15.01.2016</a:t>
             </a:fld>
             <a:endParaRPr lang="de-DE"/>
           </a:p>
@@ -3935,7 +4796,7 @@
           <a:p>
             <a:fld id="{1BA50D42-C9CD-4801-B293-61D1F53EC57E}" type="datetimeFigureOut">
               <a:rPr lang="de-DE" smtClean="0"/>
-              <a:t>13.01.2016</a:t>
+              <a:t>15.01.2016</a:t>
             </a:fld>
             <a:endParaRPr lang="de-DE"/>
           </a:p>
@@ -4233,7 +5094,7 @@
           <a:p>
             <a:fld id="{1BA50D42-C9CD-4801-B293-61D1F53EC57E}" type="datetimeFigureOut">
               <a:rPr lang="de-DE" smtClean="0"/>
-              <a:t>13.01.2016</a:t>
+              <a:t>15.01.2016</a:t>
             </a:fld>
             <a:endParaRPr lang="de-DE"/>
           </a:p>
@@ -5661,6 +6522,259 @@
           <a:p>
             <a:r>
               <a:rPr lang="de-CH" dirty="0" smtClean="0"/>
+              <a:t>Projekt OpenGL </a:t>
+            </a:r>
+            <a:r>
+              <a:rPr lang="de-CH" dirty="0" err="1" smtClean="0"/>
+              <a:t>Wavefront</a:t>
+            </a:r>
+            <a:r>
+              <a:rPr lang="de-CH" dirty="0" smtClean="0"/>
+              <a:t> Viewer</a:t>
+            </a:r>
+            <a:endParaRPr lang="de-CH" dirty="0"/>
+          </a:p>
+        </p:txBody>
+      </p:sp>
+      <p:sp>
+        <p:nvSpPr>
+          <p:cNvPr id="3" name="Inhaltsplatzhalter 2"/>
+          <p:cNvSpPr>
+            <a:spLocks noGrp="1"/>
+          </p:cNvSpPr>
+          <p:nvPr>
+            <p:ph idx="1"/>
+          </p:nvPr>
+        </p:nvSpPr>
+        <p:spPr/>
+        <p:txBody>
+          <a:bodyPr>
+            <a:noAutofit/>
+          </a:bodyPr>
+          <a:lstStyle/>
+          <a:p>
+            <a:pPr marL="0" indent="0">
+              <a:buNone/>
+            </a:pPr>
+            <a:r>
+              <a:rPr lang="de-CH" sz="1600" dirty="0" err="1"/>
+              <a:t>Wavefront</a:t>
+            </a:r>
+            <a:r>
+              <a:rPr lang="de-CH" sz="1600" dirty="0"/>
+              <a:t> </a:t>
+            </a:r>
+            <a:r>
+              <a:rPr lang="de-CH" sz="1600" dirty="0" err="1" smtClean="0"/>
+              <a:t>Obj</a:t>
+            </a:r>
+            <a:r>
+              <a:rPr lang="de-CH" sz="1600" dirty="0" smtClean="0"/>
+              <a:t>: </a:t>
+            </a:r>
+            <a:endParaRPr lang="de-CH" sz="1600" dirty="0" smtClean="0"/>
+          </a:p>
+          <a:p>
+            <a:pPr lvl="1"/>
+            <a:r>
+              <a:rPr lang="de-CH" sz="1600" dirty="0" smtClean="0"/>
+              <a:t>Datei einlesen</a:t>
+            </a:r>
+          </a:p>
+          <a:p>
+            <a:pPr marL="0" indent="0">
+              <a:buNone/>
+            </a:pPr>
+            <a:endParaRPr lang="de-CH" sz="1600" dirty="0" smtClean="0"/>
+          </a:p>
+          <a:p>
+            <a:pPr marL="0" indent="0">
+              <a:buNone/>
+            </a:pPr>
+            <a:r>
+              <a:rPr lang="de-CH" sz="1600" dirty="0" smtClean="0"/>
+              <a:t>Rendering:</a:t>
+            </a:r>
+            <a:endParaRPr lang="de-CH" sz="1600" dirty="0" smtClean="0"/>
+          </a:p>
+          <a:p>
+            <a:pPr lvl="1"/>
+            <a:r>
+              <a:rPr lang="de-CH" sz="1600" dirty="0" smtClean="0"/>
+              <a:t>3D Model gemäss </a:t>
+            </a:r>
+            <a:r>
+              <a:rPr lang="de-CH" sz="1600" dirty="0" err="1" smtClean="0"/>
+              <a:t>Obj</a:t>
+            </a:r>
+            <a:endParaRPr lang="de-CH" sz="1600" dirty="0" smtClean="0"/>
+          </a:p>
+          <a:p>
+            <a:pPr lvl="1"/>
+            <a:r>
+              <a:rPr lang="de-CH" sz="1600" dirty="0" smtClean="0"/>
+              <a:t>Gitternetz</a:t>
+            </a:r>
+          </a:p>
+          <a:p>
+            <a:pPr lvl="1"/>
+            <a:r>
+              <a:rPr lang="de-CH" sz="1600" dirty="0" smtClean="0"/>
+              <a:t>Sonne</a:t>
+            </a:r>
+          </a:p>
+          <a:p>
+            <a:pPr lvl="1"/>
+            <a:endParaRPr lang="de-CH" sz="1600" dirty="0" smtClean="0"/>
+          </a:p>
+          <a:p>
+            <a:pPr marL="0" indent="0">
+              <a:buNone/>
+            </a:pPr>
+            <a:r>
+              <a:rPr lang="de-CH" sz="1600" dirty="0" smtClean="0"/>
+              <a:t>Beleuchtung:</a:t>
+            </a:r>
+            <a:endParaRPr lang="de-CH" sz="1600" dirty="0"/>
+          </a:p>
+          <a:p>
+            <a:pPr lvl="1"/>
+            <a:r>
+              <a:rPr lang="de-CH" sz="1600" dirty="0" smtClean="0"/>
+              <a:t>Statisches Punktlicht </a:t>
+            </a:r>
+          </a:p>
+          <a:p>
+            <a:pPr lvl="1"/>
+            <a:r>
+              <a:rPr lang="de-CH" sz="1600" dirty="0" err="1"/>
+              <a:t>Phong</a:t>
+            </a:r>
+            <a:r>
+              <a:rPr lang="de-CH" sz="1600" dirty="0"/>
+              <a:t> </a:t>
+            </a:r>
+            <a:r>
+              <a:rPr lang="de-CH" sz="1600" dirty="0" err="1"/>
+              <a:t>reflection</a:t>
+            </a:r>
+            <a:r>
+              <a:rPr lang="de-CH" sz="1600" dirty="0"/>
+              <a:t> </a:t>
+            </a:r>
+            <a:r>
+              <a:rPr lang="de-CH" sz="1600" dirty="0" err="1" smtClean="0"/>
+              <a:t>model</a:t>
+            </a:r>
+            <a:endParaRPr lang="de-CH" sz="1600" dirty="0" smtClean="0"/>
+          </a:p>
+          <a:p>
+            <a:pPr lvl="1"/>
+            <a:r>
+              <a:rPr lang="de-CH" sz="1600" dirty="0" smtClean="0"/>
+              <a:t>Ambientes, Diffuses, </a:t>
+            </a:r>
+            <a:r>
+              <a:rPr lang="de-CH" sz="1600" dirty="0" err="1" smtClean="0"/>
+              <a:t>Spekulares</a:t>
+            </a:r>
+            <a:r>
+              <a:rPr lang="de-CH" sz="1600" dirty="0" smtClean="0"/>
+              <a:t> Licht</a:t>
+            </a:r>
+          </a:p>
+          <a:p>
+            <a:pPr marL="0" indent="0">
+              <a:buNone/>
+            </a:pPr>
+            <a:endParaRPr lang="de-CH" sz="1600" dirty="0" smtClean="0"/>
+          </a:p>
+          <a:p>
+            <a:pPr marL="0" indent="0">
+              <a:buNone/>
+            </a:pPr>
+            <a:r>
+              <a:rPr lang="de-CH" sz="1600" dirty="0" smtClean="0"/>
+              <a:t>Matrizen:</a:t>
+            </a:r>
+            <a:endParaRPr lang="de-CH" sz="1600" dirty="0"/>
+          </a:p>
+          <a:p>
+            <a:pPr lvl="1"/>
+            <a:r>
+              <a:rPr lang="de-CH" sz="1600" dirty="0" smtClean="0"/>
+              <a:t>Projektionsmatrix</a:t>
+            </a:r>
+            <a:endParaRPr lang="de-CH" sz="1600" dirty="0"/>
+          </a:p>
+          <a:p>
+            <a:pPr lvl="1"/>
+            <a:r>
+              <a:rPr lang="de-CH" sz="1600" dirty="0" smtClean="0"/>
+              <a:t>Transformationsmatrix</a:t>
+            </a:r>
+            <a:endParaRPr lang="de-CH" sz="1600" dirty="0"/>
+          </a:p>
+          <a:p>
+            <a:pPr lvl="1"/>
+            <a:endParaRPr lang="de-CH" sz="1600" dirty="0"/>
+          </a:p>
+        </p:txBody>
+      </p:sp>
+    </p:spTree>
+    <p:extLst>
+      <p:ext uri="{BB962C8B-B14F-4D97-AF65-F5344CB8AC3E}">
+        <p14:creationId xmlns:p14="http://schemas.microsoft.com/office/powerpoint/2010/main" val="2870412615"/>
+      </p:ext>
+    </p:extLst>
+  </p:cSld>
+  <p:clrMapOvr>
+    <a:masterClrMapping/>
+  </p:clrMapOvr>
+  <p:timing>
+    <p:tnLst>
+      <p:par>
+        <p:cTn id="1" dur="indefinite" restart="never" nodeType="tmRoot"/>
+      </p:par>
+    </p:tnLst>
+  </p:timing>
+</p:sld>
+</file>
+
+<file path=ppt/slides/slide3.xml><?xml version="1.0" encoding="utf-8"?>
+<p:sld xmlns:a="http://schemas.openxmlformats.org/drawingml/2006/main" xmlns:r="http://schemas.openxmlformats.org/officeDocument/2006/relationships" xmlns:p="http://schemas.openxmlformats.org/presentationml/2006/main">
+  <p:cSld>
+    <p:spTree>
+      <p:nvGrpSpPr>
+        <p:cNvPr id="1" name=""/>
+        <p:cNvGrpSpPr/>
+        <p:nvPr/>
+      </p:nvGrpSpPr>
+      <p:grpSpPr>
+        <a:xfrm>
+          <a:off x="0" y="0"/>
+          <a:ext cx="0" cy="0"/>
+          <a:chOff x="0" y="0"/>
+          <a:chExt cx="0" cy="0"/>
+        </a:xfrm>
+      </p:grpSpPr>
+      <p:sp>
+        <p:nvSpPr>
+          <p:cNvPr id="2" name="Titel 1"/>
+          <p:cNvSpPr>
+            <a:spLocks noGrp="1"/>
+          </p:cNvSpPr>
+          <p:nvPr>
+            <p:ph type="title"/>
+          </p:nvPr>
+        </p:nvSpPr>
+        <p:spPr/>
+        <p:txBody>
+          <a:bodyPr/>
+          <a:lstStyle/>
+          <a:p>
+            <a:r>
+              <a:rPr lang="de-CH" dirty="0" smtClean="0"/>
               <a:t>Demo</a:t>
             </a:r>
             <a:endParaRPr lang="de-CH" dirty="0"/>
@@ -5728,257 +6842,6 @@
 </p:sld>
 </file>
 
-<file path=ppt/slides/slide3.xml><?xml version="1.0" encoding="utf-8"?>
-<p:sld xmlns:a="http://schemas.openxmlformats.org/drawingml/2006/main" xmlns:r="http://schemas.openxmlformats.org/officeDocument/2006/relationships" xmlns:p="http://schemas.openxmlformats.org/presentationml/2006/main">
-  <p:cSld>
-    <p:spTree>
-      <p:nvGrpSpPr>
-        <p:cNvPr id="1" name=""/>
-        <p:cNvGrpSpPr/>
-        <p:nvPr/>
-      </p:nvGrpSpPr>
-      <p:grpSpPr>
-        <a:xfrm>
-          <a:off x="0" y="0"/>
-          <a:ext cx="0" cy="0"/>
-          <a:chOff x="0" y="0"/>
-          <a:chExt cx="0" cy="0"/>
-        </a:xfrm>
-      </p:grpSpPr>
-      <p:sp>
-        <p:nvSpPr>
-          <p:cNvPr id="2" name="Titel 1"/>
-          <p:cNvSpPr>
-            <a:spLocks noGrp="1"/>
-          </p:cNvSpPr>
-          <p:nvPr>
-            <p:ph type="title"/>
-          </p:nvPr>
-        </p:nvSpPr>
-        <p:spPr/>
-        <p:txBody>
-          <a:bodyPr/>
-          <a:lstStyle/>
-          <a:p>
-            <a:r>
-              <a:rPr lang="de-CH" dirty="0" smtClean="0"/>
-              <a:t>Projekt OpenGL </a:t>
-            </a:r>
-            <a:r>
-              <a:rPr lang="de-CH" dirty="0" err="1" smtClean="0"/>
-              <a:t>Wavefront</a:t>
-            </a:r>
-            <a:r>
-              <a:rPr lang="de-CH" dirty="0" smtClean="0"/>
-              <a:t> Viewer</a:t>
-            </a:r>
-            <a:endParaRPr lang="de-CH" dirty="0"/>
-          </a:p>
-        </p:txBody>
-      </p:sp>
-      <p:sp>
-        <p:nvSpPr>
-          <p:cNvPr id="3" name="Inhaltsplatzhalter 2"/>
-          <p:cNvSpPr>
-            <a:spLocks noGrp="1"/>
-          </p:cNvSpPr>
-          <p:nvPr>
-            <p:ph idx="1"/>
-          </p:nvPr>
-        </p:nvSpPr>
-        <p:spPr/>
-        <p:txBody>
-          <a:bodyPr>
-            <a:noAutofit/>
-          </a:bodyPr>
-          <a:lstStyle/>
-          <a:p>
-            <a:pPr marL="0" indent="0">
-              <a:buNone/>
-            </a:pPr>
-            <a:r>
-              <a:rPr lang="de-CH" sz="1600" dirty="0" err="1"/>
-              <a:t>Wavefront</a:t>
-            </a:r>
-            <a:r>
-              <a:rPr lang="de-CH" sz="1600" dirty="0"/>
-              <a:t> </a:t>
-            </a:r>
-            <a:r>
-              <a:rPr lang="de-CH" sz="1600" dirty="0" err="1" smtClean="0"/>
-              <a:t>Obj</a:t>
-            </a:r>
-            <a:r>
-              <a:rPr lang="de-CH" sz="1600" dirty="0" smtClean="0"/>
-              <a:t> </a:t>
-            </a:r>
-          </a:p>
-          <a:p>
-            <a:pPr lvl="1"/>
-            <a:r>
-              <a:rPr lang="de-CH" sz="1600" dirty="0" smtClean="0"/>
-              <a:t>Datei einlesen</a:t>
-            </a:r>
-          </a:p>
-          <a:p>
-            <a:pPr marL="0" indent="0">
-              <a:buNone/>
-            </a:pPr>
-            <a:endParaRPr lang="de-CH" sz="1600" dirty="0" smtClean="0"/>
-          </a:p>
-          <a:p>
-            <a:pPr marL="0" indent="0">
-              <a:buNone/>
-            </a:pPr>
-            <a:r>
-              <a:rPr lang="de-CH" sz="1600" dirty="0" smtClean="0"/>
-              <a:t>Rendering</a:t>
-            </a:r>
-          </a:p>
-          <a:p>
-            <a:pPr lvl="1"/>
-            <a:r>
-              <a:rPr lang="de-CH" sz="1600" dirty="0" smtClean="0"/>
-              <a:t>3D Model gemäss </a:t>
-            </a:r>
-            <a:r>
-              <a:rPr lang="de-CH" sz="1600" dirty="0" err="1" smtClean="0"/>
-              <a:t>Obj</a:t>
-            </a:r>
-            <a:endParaRPr lang="de-CH" sz="1600" dirty="0" smtClean="0"/>
-          </a:p>
-          <a:p>
-            <a:pPr lvl="1"/>
-            <a:r>
-              <a:rPr lang="de-CH" sz="1600" dirty="0" smtClean="0"/>
-              <a:t>Gitternetz</a:t>
-            </a:r>
-          </a:p>
-          <a:p>
-            <a:pPr lvl="1"/>
-            <a:r>
-              <a:rPr lang="de-CH" sz="1600" dirty="0" smtClean="0"/>
-              <a:t>Sonne</a:t>
-            </a:r>
-          </a:p>
-          <a:p>
-            <a:pPr lvl="1"/>
-            <a:endParaRPr lang="de-CH" sz="1600" dirty="0" smtClean="0"/>
-          </a:p>
-          <a:p>
-            <a:pPr marL="0" indent="0">
-              <a:buNone/>
-            </a:pPr>
-            <a:r>
-              <a:rPr lang="de-CH" sz="1600" dirty="0" smtClean="0"/>
-              <a:t>Beleuchtung</a:t>
-            </a:r>
-            <a:endParaRPr lang="de-CH" sz="1600" dirty="0"/>
-          </a:p>
-          <a:p>
-            <a:pPr lvl="1"/>
-            <a:r>
-              <a:rPr lang="de-CH" sz="1600" dirty="0" smtClean="0"/>
-              <a:t>Statisches Punktlicht </a:t>
-            </a:r>
-          </a:p>
-          <a:p>
-            <a:pPr lvl="1"/>
-            <a:r>
-              <a:rPr lang="de-CH" sz="1600" dirty="0" err="1"/>
-              <a:t>Phong</a:t>
-            </a:r>
-            <a:r>
-              <a:rPr lang="de-CH" sz="1600" dirty="0"/>
-              <a:t> </a:t>
-            </a:r>
-            <a:r>
-              <a:rPr lang="de-CH" sz="1600" dirty="0" err="1"/>
-              <a:t>reflection</a:t>
-            </a:r>
-            <a:r>
-              <a:rPr lang="de-CH" sz="1600" dirty="0"/>
-              <a:t> </a:t>
-            </a:r>
-            <a:r>
-              <a:rPr lang="de-CH" sz="1600" dirty="0" err="1" smtClean="0"/>
-              <a:t>model</a:t>
-            </a:r>
-            <a:endParaRPr lang="de-CH" sz="1600" dirty="0" smtClean="0"/>
-          </a:p>
-          <a:p>
-            <a:pPr lvl="1"/>
-            <a:r>
-              <a:rPr lang="de-CH" sz="1600" dirty="0" smtClean="0"/>
-              <a:t>Ambientes, Diffuses, </a:t>
-            </a:r>
-            <a:r>
-              <a:rPr lang="de-CH" sz="1600" dirty="0" err="1" smtClean="0"/>
-              <a:t>Spekulares</a:t>
-            </a:r>
-            <a:r>
-              <a:rPr lang="de-CH" sz="1600" dirty="0" smtClean="0"/>
-              <a:t> Licht</a:t>
-            </a:r>
-          </a:p>
-          <a:p>
-            <a:pPr marL="0" indent="0">
-              <a:buNone/>
-            </a:pPr>
-            <a:endParaRPr lang="de-CH" sz="1600" dirty="0" smtClean="0"/>
-          </a:p>
-          <a:p>
-            <a:pPr marL="0" indent="0">
-              <a:buNone/>
-            </a:pPr>
-            <a:r>
-              <a:rPr lang="de-CH" sz="1600" dirty="0" smtClean="0"/>
-              <a:t>Matrizen</a:t>
-            </a:r>
-            <a:endParaRPr lang="de-CH" sz="1600" dirty="0"/>
-          </a:p>
-          <a:p>
-            <a:pPr lvl="1"/>
-            <a:r>
-              <a:rPr lang="de-CH" sz="1600" dirty="0" smtClean="0"/>
-              <a:t>Projektionsmatrix</a:t>
-            </a:r>
-            <a:endParaRPr lang="de-CH" sz="1600" dirty="0"/>
-          </a:p>
-          <a:p>
-            <a:pPr lvl="1"/>
-            <a:r>
-              <a:rPr lang="de-CH" sz="1600" dirty="0" smtClean="0"/>
-              <a:t>Transformationsmatrix</a:t>
-            </a:r>
-            <a:endParaRPr lang="de-CH" sz="1600" dirty="0"/>
-          </a:p>
-          <a:p>
-            <a:pPr lvl="1"/>
-            <a:endParaRPr lang="de-CH" sz="1600" dirty="0"/>
-          </a:p>
-        </p:txBody>
-      </p:sp>
-    </p:spTree>
-    <p:extLst>
-      <p:ext uri="{BB962C8B-B14F-4D97-AF65-F5344CB8AC3E}">
-        <p14:creationId xmlns:p14="http://schemas.microsoft.com/office/powerpoint/2010/main" val="2870412615"/>
-      </p:ext>
-    </p:extLst>
-  </p:cSld>
-  <p:clrMapOvr>
-    <a:masterClrMapping/>
-  </p:clrMapOvr>
-  <p:timing>
-    <p:tnLst>
-      <p:par>
-        <p:cTn id="1" dur="indefinite" restart="never" nodeType="tmRoot"/>
-      </p:par>
-    </p:tnLst>
-  </p:timing>
-</p:sld>
-</file>
-
 <file path=ppt/slides/slide4.xml><?xml version="1.0" encoding="utf-8"?>
 <p:sld xmlns:a="http://schemas.openxmlformats.org/drawingml/2006/main" xmlns:r="http://schemas.openxmlformats.org/officeDocument/2006/relationships" xmlns:p="http://schemas.openxmlformats.org/presentationml/2006/main">
   <p:cSld>
@@ -6043,8 +6906,9 @@
             </a:pPr>
             <a:r>
               <a:rPr lang="de-CH" sz="1800" dirty="0" smtClean="0"/>
-              <a:t>Entwicklungsumgebung</a:t>
-            </a:r>
+              <a:t>Entwicklungsumgebung:</a:t>
+            </a:r>
+            <a:endParaRPr lang="de-CH" sz="1800" dirty="0" smtClean="0"/>
           </a:p>
           <a:p>
             <a:pPr lvl="1"/>
@@ -6062,6 +6926,14 @@
             <a:r>
               <a:rPr lang="de-CH" sz="1800" dirty="0" err="1" smtClean="0"/>
               <a:t>GitHub</a:t>
+            </a:r>
+            <a:endParaRPr lang="de-CH" sz="1800" dirty="0" smtClean="0"/>
+          </a:p>
+          <a:p>
+            <a:pPr lvl="1"/>
+            <a:r>
+              <a:rPr lang="de-CH" sz="1800" dirty="0" err="1" smtClean="0"/>
+              <a:t>Maven</a:t>
             </a:r>
             <a:endParaRPr lang="de-CH" sz="1800" dirty="0" smtClean="0"/>
           </a:p>
@@ -6077,8 +6949,13 @@
             </a:pPr>
             <a:r>
               <a:rPr lang="de-CH" sz="1800" dirty="0" smtClean="0"/>
-              <a:t>3D Modellierung</a:t>
-            </a:r>
+              <a:t>3D </a:t>
+            </a:r>
+            <a:r>
+              <a:rPr lang="de-CH" sz="1800" dirty="0" smtClean="0"/>
+              <a:t>Modellierung:</a:t>
+            </a:r>
+            <a:endParaRPr lang="de-CH" sz="1800" dirty="0" smtClean="0"/>
           </a:p>
           <a:p>
             <a:pPr lvl="1"/>
@@ -6108,6 +6985,10 @@
             <a:r>
               <a:rPr lang="de-CH" sz="1800" dirty="0" err="1" smtClean="0"/>
               <a:t>Shading</a:t>
+            </a:r>
+            <a:r>
+              <a:rPr lang="de-CH" sz="1800" dirty="0" smtClean="0"/>
+              <a:t>:</a:t>
             </a:r>
             <a:endParaRPr lang="de-CH" sz="1600" dirty="0" smtClean="0"/>
           </a:p>
@@ -6265,11 +7146,11 @@
           <a:p>
             <a:r>
               <a:rPr lang="de-CH" sz="1800" dirty="0" smtClean="0"/>
-              <a:t>Position des Knotens </a:t>
+              <a:t>Position des Knotens (x, y, z</a:t>
             </a:r>
             <a:r>
               <a:rPr lang="de-CH" sz="1800" dirty="0" smtClean="0"/>
-              <a:t>(x, y, z)</a:t>
+              <a:t>):</a:t>
             </a:r>
             <a:endParaRPr lang="de-CH" sz="1800" dirty="0" smtClean="0"/>
           </a:p>
@@ -6303,7 +7184,11 @@
           <a:p>
             <a:r>
               <a:rPr lang="de-CH" sz="1800" dirty="0" smtClean="0"/>
-              <a:t>Normalen Vektor (x, y, z)</a:t>
+              <a:t>Normalen Vektor (x, y, z</a:t>
+            </a:r>
+            <a:r>
+              <a:rPr lang="de-CH" sz="1800" dirty="0" smtClean="0"/>
+              <a:t>):</a:t>
             </a:r>
             <a:endParaRPr lang="de-CH" sz="1800" dirty="0" smtClean="0"/>
           </a:p>
@@ -6372,7 +7257,11 @@
             </a:r>
             <a:r>
               <a:rPr lang="de-CH" sz="1800" dirty="0" smtClean="0"/>
-              <a:t> (Vertex/Normale/Textur)</a:t>
+              <a:t> (Vertex/Normale/Textur</a:t>
+            </a:r>
+            <a:r>
+              <a:rPr lang="de-CH" sz="1800" dirty="0" smtClean="0"/>
+              <a:t>):</a:t>
             </a:r>
             <a:endParaRPr lang="de-CH" sz="1800" dirty="0"/>
           </a:p>
@@ -6482,8 +7371,13 @@
           <a:p>
             <a:r>
               <a:rPr lang="de-CH" dirty="0" smtClean="0"/>
-              <a:t>2 Vertices im Speicher</a:t>
-            </a:r>
+              <a:t>2 Vertices im </a:t>
+            </a:r>
+            <a:r>
+              <a:rPr lang="de-CH" dirty="0" smtClean="0"/>
+              <a:t>Speicher:</a:t>
+            </a:r>
+            <a:endParaRPr lang="de-CH" dirty="0" smtClean="0"/>
           </a:p>
           <a:p>
             <a:pPr lvl="1"/>

--- a/präsi-projekt-obj-geom.pptx
+++ b/präsi-projekt-obj-geom.pptx
@@ -202,7 +202,7 @@
           <a:p>
             <a:fld id="{0A124C12-A3F9-436B-B427-937D56D33E8E}" type="datetimeFigureOut">
               <a:rPr lang="de-CH" smtClean="0"/>
-              <a:t>15.01.2016</a:t>
+              <a:t>16.01.2016</a:t>
             </a:fld>
             <a:endParaRPr lang="de-CH"/>
           </a:p>
@@ -558,7 +558,7 @@
               <a:t>bezeichnet den </a:t>
             </a:r>
             <a:r>
-              <a:rPr lang="de-CH" sz="1200" kern="1200" dirty="0" err="1" smtClean="0">
+              <a:rPr lang="de-CH" sz="1200" kern="1200" dirty="0" smtClean="0">
                 <a:solidFill>
                   <a:schemeClr val="tx1"/>
                 </a:solidFill>
@@ -567,7 +567,7 @@
                 <a:ea typeface="+mn-ea"/>
                 <a:cs typeface="+mn-cs"/>
               </a:rPr>
-              <a:t>Proßess</a:t>
+              <a:t>Prozess </a:t>
             </a:r>
             <a:r>
               <a:rPr lang="de-CH" sz="1200" kern="1200" dirty="0" smtClean="0">
@@ -579,7 +579,7 @@
                 <a:ea typeface="+mn-ea"/>
                 <a:cs typeface="+mn-cs"/>
               </a:rPr>
-              <a:t> bei dem der Rechner ein Bild des jeweiligen Objektes erzeugt.</a:t>
+              <a:t>bei dem der Rechner ein Bild des jeweiligen Objektes erzeugt.</a:t>
             </a:r>
           </a:p>
           <a:p>
@@ -670,8 +670,177 @@
             </a:r>
             <a:r>
               <a:rPr lang="de-CH" b="0" baseline="0" dirty="0" smtClean="0"/>
-              <a:t>detaillierte Erläuterung folgt später.</a:t>
-            </a:r>
+              <a:t>zur Berechnung der Beleuchtung von Objekten, in unserem Fall die Beleuchtung des mit dem </a:t>
+            </a:r>
+            <a:r>
+              <a:rPr lang="de-CH" b="0" baseline="0" dirty="0" err="1" smtClean="0"/>
+              <a:t>Obj</a:t>
+            </a:r>
+            <a:r>
+              <a:rPr lang="de-CH" b="0" baseline="0" dirty="0" smtClean="0"/>
+              <a:t>-Reader geladenen Objekts. Das </a:t>
+            </a:r>
+            <a:r>
+              <a:rPr lang="de-CH" b="0" baseline="0" dirty="0" err="1" smtClean="0"/>
+              <a:t>Phong</a:t>
+            </a:r>
+            <a:r>
+              <a:rPr lang="de-CH" b="0" baseline="0" dirty="0" smtClean="0"/>
+              <a:t> </a:t>
+            </a:r>
+            <a:r>
+              <a:rPr lang="de-CH" b="0" baseline="0" dirty="0" err="1" smtClean="0"/>
+              <a:t>reflection</a:t>
+            </a:r>
+            <a:r>
+              <a:rPr lang="de-CH" b="0" baseline="0" dirty="0" smtClean="0"/>
+              <a:t> Model ist in die 3 Einzelkomponenten </a:t>
+            </a:r>
+            <a:r>
+              <a:rPr lang="de-CH" b="0" baseline="0" dirty="0" err="1" smtClean="0"/>
+              <a:t>Ambient</a:t>
+            </a:r>
+            <a:r>
+              <a:rPr lang="de-CH" b="0" baseline="0" dirty="0" smtClean="0"/>
+              <a:t>-, Diffuse- und </a:t>
+            </a:r>
+            <a:r>
+              <a:rPr lang="de-CH" b="0" baseline="0" dirty="0" err="1" smtClean="0"/>
+              <a:t>Spekular</a:t>
+            </a:r>
+            <a:r>
+              <a:rPr lang="de-CH" b="0" baseline="0" dirty="0" smtClean="0"/>
+              <a:t>-Licht unterteilt.</a:t>
+            </a:r>
+          </a:p>
+          <a:p>
+            <a:pPr marL="628650" lvl="1" indent="-171450">
+              <a:buFont typeface="Arial" panose="020B0604020202020204" pitchFamily="34" charset="0"/>
+              <a:buChar char="•"/>
+            </a:pPr>
+            <a:r>
+              <a:rPr lang="de-CH" b="1" baseline="0" dirty="0" err="1" smtClean="0"/>
+              <a:t>Ambient</a:t>
+            </a:r>
+            <a:r>
+              <a:rPr lang="de-CH" b="0" baseline="0" dirty="0" smtClean="0"/>
+              <a:t>: </a:t>
+            </a:r>
+            <a:r>
+              <a:rPr lang="de-CH" b="0" baseline="0" dirty="0" err="1" smtClean="0"/>
+              <a:t>Ambient</a:t>
+            </a:r>
+            <a:r>
+              <a:rPr lang="de-CH" b="0" baseline="0" dirty="0" smtClean="0"/>
+              <a:t>-Komponente des reflektierten Lichts ist unabhängig vom Einfallswinkel des </a:t>
+            </a:r>
+            <a:r>
+              <a:rPr lang="de-CH" b="0" baseline="0" dirty="0" err="1" smtClean="0"/>
+              <a:t>Lichtsrahls</a:t>
+            </a:r>
+            <a:r>
+              <a:rPr lang="de-CH" b="0" baseline="0" dirty="0" smtClean="0"/>
+              <a:t> und vom Blickwinkel des Beobachters der Szene. Nur abhängig vor Intensität des Umgebungslichts.</a:t>
+            </a:r>
+          </a:p>
+          <a:p>
+            <a:pPr marL="628650" lvl="1" indent="-171450">
+              <a:buFont typeface="Arial" panose="020B0604020202020204" pitchFamily="34" charset="0"/>
+              <a:buChar char="•"/>
+            </a:pPr>
+            <a:r>
+              <a:rPr lang="de-CH" b="1" baseline="0" dirty="0" smtClean="0"/>
+              <a:t>Diffuses</a:t>
+            </a:r>
+            <a:r>
+              <a:rPr lang="de-CH" b="0" baseline="0" dirty="0" smtClean="0"/>
+              <a:t>: Reflektion in alle Richtungen unabhängig vom Standpunkt des Betrachters. Lichtstärke hängt jedoch vom Einfallswinkel des Lichtstrahls der Punktlichtquelle ab.</a:t>
+            </a:r>
+          </a:p>
+          <a:p>
+            <a:pPr marL="628650" lvl="1" indent="-171450">
+              <a:buFont typeface="Arial" panose="020B0604020202020204" pitchFamily="34" charset="0"/>
+              <a:buChar char="•"/>
+            </a:pPr>
+            <a:r>
+              <a:rPr lang="de-CH" b="1" baseline="0" dirty="0" err="1" smtClean="0"/>
+              <a:t>Spekular</a:t>
+            </a:r>
+            <a:r>
+              <a:rPr lang="de-CH" b="0" baseline="0" dirty="0" smtClean="0"/>
+              <a:t>: Spiegelnde Komponente. Vom Einfallswinkel des Lichtstrahls und vom Reflexionsfaktor (Materialkonstante) und vom Blickwinkel des Beobachters in der Szene abhängig</a:t>
+            </a:r>
+          </a:p>
+          <a:p>
+            <a:pPr marL="171450" lvl="0" indent="-171450">
+              <a:buFont typeface="Arial" panose="020B0604020202020204" pitchFamily="34" charset="0"/>
+              <a:buChar char="•"/>
+            </a:pPr>
+            <a:r>
+              <a:rPr lang="de-CH" b="1" baseline="0" dirty="0" smtClean="0"/>
+              <a:t>Projektionsmatrix:  </a:t>
+            </a:r>
+            <a:r>
+              <a:rPr lang="de-CH" sz="1200" kern="1200" dirty="0" smtClean="0">
+                <a:solidFill>
+                  <a:schemeClr val="tx1"/>
+                </a:solidFill>
+                <a:effectLst/>
+                <a:latin typeface="+mn-lt"/>
+                <a:ea typeface="+mn-ea"/>
+                <a:cs typeface="+mn-cs"/>
+              </a:rPr>
+              <a:t>lässt weit entfernte Objekte (in Richtung Z-Achse) kleiner darstellen und nahe bei der Kamera liegende Objekte grösser.</a:t>
+            </a:r>
+          </a:p>
+          <a:p>
+            <a:pPr marL="171450" lvl="0" indent="-171450">
+              <a:buFont typeface="Arial" panose="020B0604020202020204" pitchFamily="34" charset="0"/>
+              <a:buChar char="•"/>
+            </a:pPr>
+            <a:r>
+              <a:rPr lang="de-CH" b="1" baseline="0" dirty="0" err="1" smtClean="0"/>
+              <a:t>Viewmatrix</a:t>
+            </a:r>
+            <a:r>
+              <a:rPr lang="de-CH" b="1" baseline="0" dirty="0" smtClean="0"/>
+              <a:t>: </a:t>
+            </a:r>
+            <a:r>
+              <a:rPr lang="de-CH" b="0" baseline="0" dirty="0" smtClean="0"/>
+              <a:t>Für die Bewegung der Kamera</a:t>
+            </a:r>
+          </a:p>
+          <a:p>
+            <a:pPr marL="171450" lvl="0" indent="-171450">
+              <a:buFont typeface="Arial" panose="020B0604020202020204" pitchFamily="34" charset="0"/>
+              <a:buChar char="•"/>
+            </a:pPr>
+            <a:r>
+              <a:rPr lang="de-CH" b="1" baseline="0" dirty="0" smtClean="0"/>
+              <a:t>Transformationsmatrix: </a:t>
+            </a:r>
+            <a:r>
+              <a:rPr lang="de-CH" b="0" baseline="0" dirty="0" smtClean="0"/>
+              <a:t>Enthält Translation, Rotation um alle Achsen und die Streckung, mit der Objekte manipuliert werden können.</a:t>
+            </a:r>
+            <a:br>
+              <a:rPr lang="de-CH" b="0" baseline="0" dirty="0" smtClean="0"/>
+            </a:br>
+            <a:endParaRPr lang="de-CH" b="0" baseline="0" dirty="0" smtClean="0"/>
+          </a:p>
+          <a:p>
+            <a:pPr marL="628650" lvl="1" indent="-171450">
+              <a:buFont typeface="Arial" panose="020B0604020202020204" pitchFamily="34" charset="0"/>
+              <a:buChar char="•"/>
+            </a:pPr>
+            <a:endParaRPr lang="de-CH" b="0" baseline="0" dirty="0" smtClean="0"/>
+          </a:p>
+          <a:p>
+            <a:pPr marL="171450" indent="-171450">
+              <a:buFont typeface="Arial" panose="020B0604020202020204" pitchFamily="34" charset="0"/>
+              <a:buChar char="•"/>
+            </a:pPr>
             <a:endParaRPr lang="de-CH" b="1" dirty="0"/>
           </a:p>
         </p:txBody>
@@ -1059,9 +1228,9 @@
                 <a:ea typeface="+mn-ea"/>
                 <a:cs typeface="+mn-cs"/>
               </a:rPr>
-              <a:t> (VBO):</a:t>
-            </a:r>
-            <a:br>
+              <a:t> (VBO</a:t>
+            </a:r>
+            <a:r>
               <a:rPr lang="de-CH" sz="1200" b="1" kern="1200" dirty="0" smtClean="0">
                 <a:solidFill>
                   <a:schemeClr val="tx1"/>
@@ -1071,9 +1240,29 @@
                 <a:ea typeface="+mn-ea"/>
                 <a:cs typeface="+mn-cs"/>
               </a:rPr>
-            </a:br>
-            <a:r>
-              <a:rPr lang="de-CH" sz="1200" kern="1200" dirty="0" smtClean="0">
+              <a:t>):</a:t>
+            </a:r>
+          </a:p>
+          <a:p>
+            <a:pPr marL="171450" marR="0" lvl="0" indent="-171450" algn="l" defTabSz="914400" rtl="0" eaLnBrk="1" fontAlgn="auto" latinLnBrk="0" hangingPunct="1">
+              <a:lnSpc>
+                <a:spcPct val="100000"/>
+              </a:lnSpc>
+              <a:spcBef>
+                <a:spcPts val="0"/>
+              </a:spcBef>
+              <a:spcAft>
+                <a:spcPts val="0"/>
+              </a:spcAft>
+              <a:buClrTx/>
+              <a:buSzTx/>
+              <a:buFont typeface="Arial" panose="020B0604020202020204" pitchFamily="34" charset="0"/>
+              <a:buChar char="•"/>
+              <a:tabLst/>
+              <a:defRPr/>
+            </a:pPr>
+            <a:r>
+              <a:rPr lang="de-CH" sz="1200" b="1" kern="1200" dirty="0" smtClean="0">
                 <a:solidFill>
                   <a:schemeClr val="tx1"/>
                 </a:solidFill>
@@ -1082,10 +1271,53 @@
                 <a:ea typeface="+mn-ea"/>
                 <a:cs typeface="+mn-cs"/>
               </a:rPr>
-              <a:t>Das VBO enthält die eigentlichen </a:t>
-            </a:r>
-            <a:r>
-              <a:rPr lang="de-CH" sz="1200" kern="1200" dirty="0" err="1" smtClean="0">
+              <a:t>VBO</a:t>
+            </a:r>
+            <a:r>
+              <a:rPr lang="de-CH" sz="1200" b="0" kern="1200" dirty="0" smtClean="0">
+                <a:solidFill>
+                  <a:schemeClr val="tx1"/>
+                </a:solidFill>
+                <a:effectLst/>
+                <a:latin typeface="+mn-lt"/>
+                <a:ea typeface="+mn-ea"/>
+                <a:cs typeface="+mn-cs"/>
+              </a:rPr>
+              <a:t>:</a:t>
+            </a:r>
+            <a:r>
+              <a:rPr lang="de-CH" sz="1200" b="0" kern="1200" baseline="0" dirty="0" smtClean="0">
+                <a:solidFill>
+                  <a:schemeClr val="tx1"/>
+                </a:solidFill>
+                <a:effectLst/>
+                <a:latin typeface="+mn-lt"/>
+                <a:ea typeface="+mn-ea"/>
+                <a:cs typeface="+mn-cs"/>
+              </a:rPr>
+              <a:t> </a:t>
+            </a:r>
+          </a:p>
+          <a:p>
+            <a:pPr marL="628650" marR="0" lvl="1" indent="-171450" algn="l" defTabSz="914400" rtl="0" eaLnBrk="1" fontAlgn="auto" latinLnBrk="0" hangingPunct="1">
+              <a:lnSpc>
+                <a:spcPct val="100000"/>
+              </a:lnSpc>
+              <a:spcBef>
+                <a:spcPts val="0"/>
+              </a:spcBef>
+              <a:spcAft>
+                <a:spcPts val="0"/>
+              </a:spcAft>
+              <a:buClrTx/>
+              <a:buSzTx/>
+              <a:buFont typeface="Arial" panose="020B0604020202020204" pitchFamily="34" charset="0"/>
+              <a:buChar char="•"/>
+              <a:tabLst/>
+              <a:defRPr/>
+            </a:pPr>
+            <a:r>
+              <a:rPr lang="de-CH" sz="1200" b="0" kern="1200" dirty="0" err="1" smtClean="0">
                 <a:solidFill>
                   <a:schemeClr val="tx1"/>
                 </a:solidFill>
@@ -1097,7 +1329,7 @@
               <a:t>Vertexdaten</a:t>
             </a:r>
             <a:r>
-              <a:rPr lang="de-CH" sz="1200" kern="1200" dirty="0" smtClean="0">
+              <a:rPr lang="de-CH" sz="1200" b="0" kern="1200" baseline="0" dirty="0" smtClean="0">
                 <a:solidFill>
                   <a:schemeClr val="tx1"/>
                 </a:solidFill>
@@ -1106,10 +1338,10 @@
                 <a:ea typeface="+mn-ea"/>
                 <a:cs typeface="+mn-cs"/>
               </a:rPr>
-              <a:t> beispielsweise die Positionen, die </a:t>
-            </a:r>
-            <a:r>
-              <a:rPr lang="de-CH" sz="1200" kern="1200" dirty="0" err="1" smtClean="0">
+              <a:t> (Positionen, </a:t>
+            </a:r>
+            <a:r>
+              <a:rPr lang="de-CH" sz="1200" b="0" kern="1200" baseline="0" dirty="0" err="1" smtClean="0">
                 <a:solidFill>
                   <a:schemeClr val="tx1"/>
                 </a:solidFill>
@@ -1121,7 +1353,7 @@
               <a:t>Normalenvektoren</a:t>
             </a:r>
             <a:r>
-              <a:rPr lang="de-CH" sz="1200" kern="1200" dirty="0" smtClean="0">
+              <a:rPr lang="de-CH" sz="1200" b="0" kern="1200" baseline="0" dirty="0" smtClean="0">
                 <a:solidFill>
                   <a:schemeClr val="tx1"/>
                 </a:solidFill>
@@ -1130,10 +1362,29 @@
                 <a:ea typeface="+mn-ea"/>
                 <a:cs typeface="+mn-cs"/>
               </a:rPr>
-              <a:t>, die Farben oder die Textur-</a:t>
-            </a:r>
-            <a:r>
-              <a:rPr lang="de-CH" sz="1200" kern="1200" dirty="0" err="1" smtClean="0">
+              <a:t>, Farben oder Textur-Koordinaten</a:t>
+            </a:r>
+          </a:p>
+          <a:p>
+            <a:pPr marL="171450" marR="0" lvl="0" indent="-171450" algn="l" defTabSz="914400" rtl="0" eaLnBrk="1" fontAlgn="auto" latinLnBrk="0" hangingPunct="1">
+              <a:lnSpc>
+                <a:spcPct val="100000"/>
+              </a:lnSpc>
+              <a:spcBef>
+                <a:spcPts val="0"/>
+              </a:spcBef>
+              <a:spcAft>
+                <a:spcPts val="0"/>
+              </a:spcAft>
+              <a:buClrTx/>
+              <a:buSzTx/>
+              <a:buFont typeface="Arial" panose="020B0604020202020204" pitchFamily="34" charset="0"/>
+              <a:buChar char="•"/>
+              <a:tabLst/>
+              <a:defRPr/>
+            </a:pPr>
+            <a:r>
+              <a:rPr lang="de-CH" sz="1200" b="1" kern="1200" baseline="0" dirty="0" smtClean="0">
                 <a:solidFill>
                   <a:schemeClr val="tx1"/>
                 </a:solidFill>
@@ -1142,10 +1393,29 @@
                 <a:ea typeface="+mn-ea"/>
                 <a:cs typeface="+mn-cs"/>
               </a:rPr>
-              <a:t>Koordinatenen</a:t>
-            </a:r>
-            <a:r>
-              <a:rPr lang="de-CH" sz="1200" kern="1200" dirty="0" smtClean="0">
+              <a:t>VAO:</a:t>
+            </a:r>
+          </a:p>
+          <a:p>
+            <a:pPr marL="628650" marR="0" lvl="1" indent="-171450" algn="l" defTabSz="914400" rtl="0" eaLnBrk="1" fontAlgn="auto" latinLnBrk="0" hangingPunct="1">
+              <a:lnSpc>
+                <a:spcPct val="100000"/>
+              </a:lnSpc>
+              <a:spcBef>
+                <a:spcPts val="0"/>
+              </a:spcBef>
+              <a:spcAft>
+                <a:spcPts val="0"/>
+              </a:spcAft>
+              <a:buClrTx/>
+              <a:buSzTx/>
+              <a:buFont typeface="Arial" panose="020B0604020202020204" pitchFamily="34" charset="0"/>
+              <a:buChar char="•"/>
+              <a:tabLst/>
+              <a:defRPr/>
+            </a:pPr>
+            <a:r>
+              <a:rPr lang="de-CH" sz="1200" b="0" kern="1200" baseline="0" dirty="0" smtClean="0">
                 <a:solidFill>
                   <a:schemeClr val="tx1"/>
                 </a:solidFill>
@@ -1154,7 +1424,31 @@
                 <a:ea typeface="+mn-ea"/>
                 <a:cs typeface="+mn-cs"/>
               </a:rPr>
-              <a:t>. Das VAO hingegen enthält die Informationen, in welchem VBO sich die benötigten Daten befinden und in welchem Format sie vorliegen, z.B. dass ein Vertex aus 3 </a:t>
+              <a:t>Informationen, in welchem VBO sich die benötigten Daten befinden und in welchem Format sie vorliegen </a:t>
+            </a:r>
+            <a:r>
+              <a:rPr lang="de-CH" sz="1200" kern="1200" dirty="0" smtClean="0">
+                <a:solidFill>
+                  <a:schemeClr val="tx1"/>
+                </a:solidFill>
+                <a:effectLst/>
+                <a:latin typeface="+mn-lt"/>
+                <a:ea typeface="+mn-ea"/>
+                <a:cs typeface="+mn-cs"/>
+              </a:rPr>
+              <a:t>z.B</a:t>
+            </a:r>
+            <a:r>
+              <a:rPr lang="de-CH" sz="1200" kern="1200" dirty="0" smtClean="0">
+                <a:solidFill>
+                  <a:schemeClr val="tx1"/>
+                </a:solidFill>
+                <a:effectLst/>
+                <a:latin typeface="+mn-lt"/>
+                <a:ea typeface="+mn-ea"/>
+                <a:cs typeface="+mn-cs"/>
+              </a:rPr>
+              <a:t>. dass ein Vertex aus 3 </a:t>
             </a:r>
             <a:r>
               <a:rPr lang="de-CH" sz="1200" kern="1200" dirty="0" err="1" smtClean="0">
@@ -1228,8 +1522,27 @@
               </a:rPr>
               <a:t>.</a:t>
             </a:r>
-            <a:br>
-              <a:rPr lang="de-CH" sz="1200" kern="1200" dirty="0" smtClean="0">
+          </a:p>
+          <a:p>
+            <a:pPr marL="171450" marR="0" lvl="0" indent="-171450" algn="l" defTabSz="914400" rtl="0" eaLnBrk="1" fontAlgn="auto" latinLnBrk="0" hangingPunct="1">
+              <a:lnSpc>
+                <a:spcPct val="100000"/>
+              </a:lnSpc>
+              <a:spcBef>
+                <a:spcPts val="0"/>
+              </a:spcBef>
+              <a:spcAft>
+                <a:spcPts val="0"/>
+              </a:spcAft>
+              <a:buClrTx/>
+              <a:buSzTx/>
+              <a:buFont typeface="Arial" panose="020B0604020202020204" pitchFamily="34" charset="0"/>
+              <a:buChar char="•"/>
+              <a:tabLst/>
+              <a:defRPr/>
+            </a:pPr>
+            <a:r>
+              <a:rPr lang="de-CH" sz="1200" b="1" kern="1200" dirty="0" smtClean="0">
                 <a:solidFill>
                   <a:schemeClr val="tx1"/>
                 </a:solidFill>
@@ -1238,42 +1551,27 @@
                 <a:ea typeface="+mn-ea"/>
                 <a:cs typeface="+mn-cs"/>
               </a:rPr>
-            </a:br>
-            <a:r>
-              <a:rPr lang="de-CH" sz="1200" kern="1200" dirty="0" smtClean="0">
-                <a:solidFill>
-                  <a:schemeClr val="tx1"/>
-                </a:solidFill>
-                <a:effectLst/>
-                <a:latin typeface="+mn-lt"/>
-                <a:ea typeface="+mn-ea"/>
-                <a:cs typeface="+mn-cs"/>
-              </a:rPr>
-              <a:t/>
-            </a:r>
-            <a:br>
-              <a:rPr lang="de-CH" sz="1200" kern="1200" dirty="0" smtClean="0">
-                <a:solidFill>
-                  <a:schemeClr val="tx1"/>
-                </a:solidFill>
-                <a:effectLst/>
-                <a:latin typeface="+mn-lt"/>
-                <a:ea typeface="+mn-ea"/>
-                <a:cs typeface="+mn-cs"/>
-              </a:rPr>
-            </a:br>
-            <a:r>
-              <a:rPr lang="de-CH" sz="1200" kern="1200" dirty="0" smtClean="0">
-                <a:solidFill>
-                  <a:schemeClr val="tx1"/>
-                </a:solidFill>
-                <a:effectLst/>
-                <a:latin typeface="+mn-lt"/>
-                <a:ea typeface="+mn-ea"/>
-                <a:cs typeface="+mn-cs"/>
-              </a:rPr>
-              <a:t>Der Vorteil vom Einsatz von VAO und VBO ist, dass die </a:t>
-            </a:r>
+              <a:t>Vorteil vom Einsatz von VAO und VBO:</a:t>
+            </a:r>
+          </a:p>
+          <a:p>
+            <a:pPr marL="628650" marR="0" lvl="1" indent="-171450" algn="l" defTabSz="914400" rtl="0" eaLnBrk="1" fontAlgn="auto" latinLnBrk="0" hangingPunct="1">
+              <a:lnSpc>
+                <a:spcPct val="100000"/>
+              </a:lnSpc>
+              <a:spcBef>
+                <a:spcPts val="0"/>
+              </a:spcBef>
+              <a:spcAft>
+                <a:spcPts val="0"/>
+              </a:spcAft>
+              <a:buClrTx/>
+              <a:buSzTx/>
+              <a:buFont typeface="Arial" panose="020B0604020202020204" pitchFamily="34" charset="0"/>
+              <a:buChar char="•"/>
+              <a:tabLst/>
+              <a:defRPr/>
+            </a:pPr>
             <a:r>
               <a:rPr lang="de-CH" sz="1200" kern="1200" dirty="0" err="1" smtClean="0">
                 <a:solidFill>
@@ -1296,10 +1594,10 @@
                 <a:ea typeface="+mn-ea"/>
                 <a:cs typeface="+mn-cs"/>
               </a:rPr>
-              <a:t> im VRAM der Grafikkarte gespeichert werden, statt wie ohne Einsatz von VAO und VBO im Hauptspeicher der CPU. Das Problem bei einer Speicherung der </a:t>
-            </a:r>
-            <a:r>
-              <a:rPr lang="de-CH" sz="1200" kern="1200" dirty="0" err="1" smtClean="0">
+              <a:t> werden im </a:t>
+            </a:r>
+            <a:r>
+              <a:rPr lang="de-CH" sz="1200" kern="1200" dirty="0" smtClean="0">
                 <a:solidFill>
                   <a:schemeClr val="tx1"/>
                 </a:solidFill>
@@ -1308,7 +1606,7 @@
                 <a:ea typeface="+mn-ea"/>
                 <a:cs typeface="+mn-cs"/>
               </a:rPr>
-              <a:t>Vertexdaten</a:t>
+              <a:t>VRAM der Grafikkarte </a:t>
             </a:r>
             <a:r>
               <a:rPr lang="de-CH" sz="1200" kern="1200" dirty="0" smtClean="0">
@@ -1320,8 +1618,94 @@
                 <a:ea typeface="+mn-ea"/>
                 <a:cs typeface="+mn-cs"/>
               </a:rPr>
-              <a:t> im Hauptspeicher ist, dass die Grafikkarte deutlich langsamer auf den Hauptspeicher  also auf das eigene VRAM zugreifen kann. Dies wirkt sich negativ auf die Performance der Anwendung aus, weil ein Flaschenhals zwischen CPU und GPU existiert. Dieser Flaschenhals kann mit dem Einsatz mit VAO und VBO umgangen werden. </a:t>
-            </a:r>
+              <a:t>gespeichert, </a:t>
+            </a:r>
+            <a:r>
+              <a:rPr lang="de-CH" sz="1200" kern="1200" dirty="0" smtClean="0">
+                <a:solidFill>
+                  <a:schemeClr val="tx1"/>
+                </a:solidFill>
+                <a:effectLst/>
+                <a:latin typeface="+mn-lt"/>
+                <a:ea typeface="+mn-ea"/>
+                <a:cs typeface="+mn-cs"/>
+              </a:rPr>
+              <a:t>statt wie ohne Einsatz von VAO und VBO im Hauptspeicher der CPU. </a:t>
+            </a:r>
+            <a:endParaRPr lang="de-CH" sz="1200" kern="1200" dirty="0" smtClean="0">
+              <a:solidFill>
+                <a:schemeClr val="tx1"/>
+              </a:solidFill>
+              <a:effectLst/>
+              <a:latin typeface="+mn-lt"/>
+              <a:ea typeface="+mn-ea"/>
+              <a:cs typeface="+mn-cs"/>
+            </a:endParaRPr>
+          </a:p>
+          <a:p>
+            <a:pPr marL="457200" marR="0" lvl="1" indent="0" algn="l" defTabSz="914400" rtl="0" eaLnBrk="1" fontAlgn="auto" latinLnBrk="0" hangingPunct="1">
+              <a:lnSpc>
+                <a:spcPct val="100000"/>
+              </a:lnSpc>
+              <a:spcBef>
+                <a:spcPts val="0"/>
+              </a:spcBef>
+              <a:spcAft>
+                <a:spcPts val="0"/>
+              </a:spcAft>
+              <a:buClrTx/>
+              <a:buSzTx/>
+              <a:buFont typeface="Arial" panose="020B0604020202020204" pitchFamily="34" charset="0"/>
+              <a:buNone/>
+              <a:tabLst/>
+              <a:defRPr/>
+            </a:pPr>
+            <a:r>
+              <a:rPr lang="de-CH" sz="1200" kern="1200" dirty="0" smtClean="0">
+                <a:solidFill>
+                  <a:schemeClr val="tx1"/>
+                </a:solidFill>
+                <a:effectLst/>
+                <a:latin typeface="+mn-lt"/>
+                <a:ea typeface="+mn-ea"/>
+                <a:cs typeface="+mn-cs"/>
+              </a:rPr>
+              <a:t>=&gt; Grafikkarte kann deutlich</a:t>
+            </a:r>
+            <a:r>
+              <a:rPr lang="de-CH" sz="1200" kern="1200" baseline="0" dirty="0" smtClean="0">
+                <a:solidFill>
+                  <a:schemeClr val="tx1"/>
+                </a:solidFill>
+                <a:effectLst/>
+                <a:latin typeface="+mn-lt"/>
+                <a:ea typeface="+mn-ea"/>
+                <a:cs typeface="+mn-cs"/>
+              </a:rPr>
+              <a:t> langsamer auf Hauptspeicher zugreifen als auf das VRAM. Dies wirkt sich negativ auf Performance aus. </a:t>
+            </a:r>
+            <a:r>
+              <a:rPr lang="de-CH" sz="1200" kern="1200" baseline="0" dirty="0" smtClean="0">
+                <a:solidFill>
+                  <a:schemeClr val="tx1"/>
+                </a:solidFill>
+                <a:effectLst/>
+                <a:latin typeface="+mn-lt"/>
+                <a:ea typeface="+mn-ea"/>
+                <a:cs typeface="+mn-cs"/>
+                <a:sym typeface="Wingdings" panose="05000000000000000000" pitchFamily="2" charset="2"/>
+              </a:rPr>
+              <a:t> Flaschenhals zwischen CPU und GPU. (hat man bei der FPS Nummer (120) gesehen.</a:t>
+            </a:r>
+            <a:endParaRPr lang="de-CH" sz="1200" kern="1200" dirty="0" smtClean="0">
+              <a:solidFill>
+                <a:schemeClr val="tx1"/>
+              </a:solidFill>
+              <a:effectLst/>
+              <a:latin typeface="+mn-lt"/>
+              <a:ea typeface="+mn-ea"/>
+              <a:cs typeface="+mn-cs"/>
+            </a:endParaRPr>
           </a:p>
           <a:p>
             <a:endParaRPr lang="de-CH" sz="1200" kern="1200" dirty="0" smtClean="0">
@@ -1385,10 +1769,10 @@
                 <a:ea typeface="+mn-ea"/>
                 <a:cs typeface="+mn-cs"/>
               </a:rPr>
-              <a:t> &amp; GLSL:</a:t>
-            </a:r>
-            <a:r>
-              <a:rPr lang="de-CH" sz="1200" b="1" kern="1200" dirty="0" smtClean="0">
+              <a:t> &amp; GLSL</a:t>
+            </a:r>
+            <a:r>
+              <a:rPr lang="de-CH" sz="1200" b="1" kern="1200" baseline="0" dirty="0" smtClean="0">
                 <a:solidFill>
                   <a:schemeClr val="tx1"/>
                 </a:solidFill>
@@ -1397,10 +1781,29 @@
                 <a:ea typeface="+mn-ea"/>
                 <a:cs typeface="+mn-cs"/>
               </a:rPr>
-              <a:t/>
-            </a:r>
-            <a:br>
-              <a:rPr lang="de-CH" sz="1200" b="1" kern="1200" dirty="0" smtClean="0">
+              <a:t>:</a:t>
+            </a:r>
+          </a:p>
+          <a:p>
+            <a:pPr marL="171450" marR="0" lvl="0" indent="-171450" algn="l" defTabSz="914400" rtl="0" eaLnBrk="1" fontAlgn="auto" latinLnBrk="0" hangingPunct="1">
+              <a:lnSpc>
+                <a:spcPct val="100000"/>
+              </a:lnSpc>
+              <a:spcBef>
+                <a:spcPts val="0"/>
+              </a:spcBef>
+              <a:spcAft>
+                <a:spcPts val="0"/>
+              </a:spcAft>
+              <a:buClrTx/>
+              <a:buSzTx/>
+              <a:buFont typeface="Arial" panose="020B0604020202020204" pitchFamily="34" charset="0"/>
+              <a:buChar char="•"/>
+              <a:tabLst/>
+              <a:defRPr/>
+            </a:pPr>
+            <a:r>
+              <a:rPr lang="de-CH" sz="1200" b="0" kern="1200" baseline="0" dirty="0" smtClean="0">
                 <a:solidFill>
                   <a:schemeClr val="tx1"/>
                 </a:solidFill>
@@ -1409,9 +1812,29 @@
                 <a:ea typeface="+mn-ea"/>
                 <a:cs typeface="+mn-cs"/>
               </a:rPr>
-            </a:br>
-            <a:r>
-              <a:rPr lang="de-CH" sz="1200" kern="1200" dirty="0" smtClean="0">
+              <a:t>C-ähnliche Programmiersprache </a:t>
+            </a:r>
+          </a:p>
+          <a:p>
+            <a:pPr marL="171450" marR="0" lvl="0" indent="-171450" algn="l" defTabSz="914400" rtl="0" eaLnBrk="1" fontAlgn="auto" latinLnBrk="0" hangingPunct="1">
+              <a:lnSpc>
+                <a:spcPct val="100000"/>
+              </a:lnSpc>
+              <a:spcBef>
+                <a:spcPts val="0"/>
+              </a:spcBef>
+              <a:spcAft>
+                <a:spcPts val="0"/>
+              </a:spcAft>
+              <a:buClrTx/>
+              <a:buSzTx/>
+              <a:buFont typeface="Arial" panose="020B0604020202020204" pitchFamily="34" charset="0"/>
+              <a:buChar char="•"/>
+              <a:tabLst/>
+              <a:defRPr/>
+            </a:pPr>
+            <a:r>
+              <a:rPr lang="de-CH" sz="1200" b="0" kern="1200" baseline="0" dirty="0" smtClean="0">
                 <a:solidFill>
                   <a:schemeClr val="tx1"/>
                 </a:solidFill>
@@ -1420,10 +1843,10 @@
                 <a:ea typeface="+mn-ea"/>
                 <a:cs typeface="+mn-cs"/>
               </a:rPr>
-              <a:t>GLSL ist eine C-ähnliche Programmiersprache, mit welcher es möglich, selbst </a:t>
-            </a:r>
-            <a:r>
-              <a:rPr lang="de-CH" sz="1200" kern="1200" dirty="0" err="1" smtClean="0">
+              <a:t>Ermöglicht das Schreiben von </a:t>
+            </a:r>
+            <a:r>
+              <a:rPr lang="de-CH" sz="1200" b="0" kern="1200" baseline="0" dirty="0" err="1" smtClean="0">
                 <a:solidFill>
                   <a:schemeClr val="tx1"/>
                 </a:solidFill>
@@ -1435,7 +1858,7 @@
               <a:t>Shaders</a:t>
             </a:r>
             <a:r>
-              <a:rPr lang="de-CH" sz="1200" kern="1200" dirty="0" smtClean="0">
+              <a:rPr lang="de-CH" sz="1200" b="0" kern="1200" baseline="0" dirty="0" smtClean="0">
                 <a:solidFill>
                   <a:schemeClr val="tx1"/>
                 </a:solidFill>
@@ -1444,10 +1867,10 @@
                 <a:ea typeface="+mn-ea"/>
                 <a:cs typeface="+mn-cs"/>
               </a:rPr>
-              <a:t> zu schreiben und auf der GPU auszuführen. In der zu realisierenden Anwendung werden 2 verschiedene </a:t>
-            </a:r>
-            <a:r>
-              <a:rPr lang="de-CH" sz="1200" kern="1200" dirty="0" err="1" smtClean="0">
+              <a:t>. </a:t>
+            </a:r>
+            <a:r>
+              <a:rPr lang="de-CH" sz="1200" b="0" kern="1200" baseline="0" dirty="0" err="1" smtClean="0">
                 <a:solidFill>
                   <a:schemeClr val="tx1"/>
                 </a:solidFill>
@@ -1456,10 +1879,10 @@
                 <a:ea typeface="+mn-ea"/>
                 <a:cs typeface="+mn-cs"/>
               </a:rPr>
-              <a:t>Shaders</a:t>
-            </a:r>
-            <a:r>
-              <a:rPr lang="de-CH" sz="1200" kern="1200" dirty="0" smtClean="0">
+              <a:t>Shading</a:t>
+            </a:r>
+            <a:r>
+              <a:rPr lang="de-CH" sz="1200" b="0" kern="1200" baseline="0" dirty="0" smtClean="0">
                 <a:solidFill>
                   <a:schemeClr val="tx1"/>
                 </a:solidFill>
@@ -1468,10 +1891,29 @@
                 <a:ea typeface="+mn-ea"/>
                 <a:cs typeface="+mn-cs"/>
               </a:rPr>
-              <a:t> benötigt, den Fragment </a:t>
-            </a:r>
-            <a:r>
-              <a:rPr lang="de-CH" sz="1200" kern="1200" dirty="0" err="1" smtClean="0">
+              <a:t> = Veränderung einzelner Vertices und Fragmente innerhalb der Grafikpipeline. Berechnet Aussehen eines Objekts und erzeugen Spezialeffekte.</a:t>
+            </a:r>
+          </a:p>
+          <a:p>
+            <a:pPr marL="171450" marR="0" lvl="0" indent="-171450" algn="l" defTabSz="914400" rtl="0" eaLnBrk="1" fontAlgn="auto" latinLnBrk="0" hangingPunct="1">
+              <a:lnSpc>
+                <a:spcPct val="100000"/>
+              </a:lnSpc>
+              <a:spcBef>
+                <a:spcPts val="0"/>
+              </a:spcBef>
+              <a:spcAft>
+                <a:spcPts val="0"/>
+              </a:spcAft>
+              <a:buClrTx/>
+              <a:buSzTx/>
+              <a:buFont typeface="Arial" panose="020B0604020202020204" pitchFamily="34" charset="0"/>
+              <a:buChar char="•"/>
+              <a:tabLst/>
+              <a:defRPr/>
+            </a:pPr>
+            <a:r>
+              <a:rPr lang="de-CH" sz="1200" kern="1200" dirty="0" smtClean="0">
                 <a:solidFill>
                   <a:schemeClr val="tx1"/>
                 </a:solidFill>
@@ -1480,7 +1922,7 @@
                 <a:ea typeface="+mn-ea"/>
                 <a:cs typeface="+mn-cs"/>
               </a:rPr>
-              <a:t>Shader</a:t>
+              <a:t>Der </a:t>
             </a:r>
             <a:r>
               <a:rPr lang="de-CH" sz="1200" kern="1200" dirty="0" smtClean="0">
@@ -1492,31 +1934,7 @@
                 <a:ea typeface="+mn-ea"/>
                 <a:cs typeface="+mn-cs"/>
               </a:rPr>
-              <a:t> und den Vertex </a:t>
-            </a:r>
-            <a:r>
-              <a:rPr lang="de-CH" sz="1200" kern="1200" dirty="0" err="1" smtClean="0">
-                <a:solidFill>
-                  <a:schemeClr val="tx1"/>
-                </a:solidFill>
-                <a:effectLst/>
-                <a:latin typeface="+mn-lt"/>
-                <a:ea typeface="+mn-ea"/>
-                <a:cs typeface="+mn-cs"/>
-              </a:rPr>
-              <a:t>Shader</a:t>
-            </a:r>
-            <a:r>
-              <a:rPr lang="de-CH" sz="1200" kern="1200" dirty="0" smtClean="0">
-                <a:solidFill>
-                  <a:schemeClr val="tx1"/>
-                </a:solidFill>
-                <a:effectLst/>
-                <a:latin typeface="+mn-lt"/>
-                <a:ea typeface="+mn-ea"/>
-                <a:cs typeface="+mn-cs"/>
-              </a:rPr>
-              <a:t>. Der Vertex </a:t>
+              <a:t>Vertex </a:t>
             </a:r>
             <a:r>
               <a:rPr lang="de-CH" sz="1200" kern="1200" dirty="0" err="1" smtClean="0">
@@ -1658,11 +2076,7 @@
             </a:r>
             <a:r>
               <a:rPr lang="de-CH" baseline="0" dirty="0" smtClean="0"/>
-              <a:t> </a:t>
-            </a:r>
-            <a:r>
-              <a:rPr lang="de-CH" baseline="0" dirty="0" smtClean="0"/>
-              <a:t>zeigen</a:t>
+              <a:t> zeigen</a:t>
             </a:r>
           </a:p>
           <a:p>
@@ -1713,14 +2127,12 @@
             </a:r>
             <a:r>
               <a:rPr lang="de-CH" baseline="0" dirty="0" smtClean="0"/>
-              <a:t> Software zur Erstellung von 3D Grafiken und Software)</a:t>
-            </a:r>
-          </a:p>
-          <a:p>
-            <a:pPr marL="0" indent="0">
-              <a:buFontTx/>
-              <a:buNone/>
-            </a:pPr>
+              <a:t> Software zur Erstellung von 3D Grafiken und Software</a:t>
+            </a:r>
+            <a:r>
+              <a:rPr lang="de-CH" baseline="0" dirty="0" smtClean="0"/>
+              <a:t>)</a:t>
+            </a:r>
             <a:endParaRPr lang="de-CH" baseline="0" dirty="0" smtClean="0"/>
           </a:p>
           <a:p>
@@ -1729,11 +2141,7 @@
           <a:p>
             <a:r>
               <a:rPr lang="de-CH" baseline="0" dirty="0" smtClean="0"/>
-              <a:t> </a:t>
-            </a:r>
-            <a:r>
-              <a:rPr lang="de-CH" baseline="0" dirty="0" smtClean="0"/>
-              <a:t>- </a:t>
+              <a:t> - </a:t>
             </a:r>
             <a:r>
               <a:rPr lang="de-CH" baseline="0" dirty="0" err="1" smtClean="0"/>
@@ -1824,9 +2232,66 @@
           <a:lstStyle/>
           <a:p>
             <a:r>
-              <a:rPr lang="de-CH" dirty="0" err="1" smtClean="0"/>
-              <a:t>joel</a:t>
-            </a:r>
+              <a:rPr lang="de-CH" dirty="0" smtClean="0"/>
+              <a:t>Joel</a:t>
+            </a:r>
+          </a:p>
+          <a:p>
+            <a:pPr marL="171450" indent="-171450">
+              <a:buFont typeface="Arial" panose="020B0604020202020204" pitchFamily="34" charset="0"/>
+              <a:buChar char="•"/>
+            </a:pPr>
+            <a:r>
+              <a:rPr lang="de-CH" dirty="0" smtClean="0"/>
+              <a:t>Nur</a:t>
+            </a:r>
+            <a:r>
+              <a:rPr lang="de-CH" baseline="0" dirty="0" smtClean="0"/>
+              <a:t> 2 Vertices für P1 und P2 im Speicher. -&gt; Linie wo 1 PX Lang ist.</a:t>
+            </a:r>
+          </a:p>
+          <a:p>
+            <a:pPr marL="171450" indent="-171450">
+              <a:buFont typeface="Arial" panose="020B0604020202020204" pitchFamily="34" charset="0"/>
+              <a:buChar char="•"/>
+            </a:pPr>
+            <a:r>
+              <a:rPr lang="de-CH" baseline="0" dirty="0" smtClean="0"/>
+              <a:t>Position dieses Geradenabschnitts berechnen wir dann mit einer Transformations-Matrix.</a:t>
+            </a:r>
+          </a:p>
+          <a:p>
+            <a:pPr marL="171450" indent="-171450">
+              <a:buFont typeface="Arial" panose="020B0604020202020204" pitchFamily="34" charset="0"/>
+              <a:buChar char="•"/>
+            </a:pPr>
+            <a:r>
+              <a:rPr lang="de-CH" baseline="0" dirty="0" smtClean="0"/>
+              <a:t>Translation: parallele Verschiebung</a:t>
+            </a:r>
+          </a:p>
+          <a:p>
+            <a:pPr marL="171450" indent="-171450">
+              <a:buFont typeface="Arial" panose="020B0604020202020204" pitchFamily="34" charset="0"/>
+              <a:buChar char="•"/>
+            </a:pPr>
+            <a:r>
+              <a:rPr lang="de-CH" baseline="0" dirty="0" smtClean="0"/>
+              <a:t>Rotation: Drehung</a:t>
+            </a:r>
+          </a:p>
+          <a:p>
+            <a:pPr marL="171450" indent="-171450">
+              <a:buFont typeface="Arial" panose="020B0604020202020204" pitchFamily="34" charset="0"/>
+              <a:buChar char="•"/>
+            </a:pPr>
+            <a:r>
+              <a:rPr lang="de-CH" baseline="0" dirty="0" smtClean="0"/>
+              <a:t>Streckung: auf die gewünschte Länge</a:t>
+            </a:r>
+            <a:endParaRPr lang="de-CH" dirty="0" smtClean="0"/>
+          </a:p>
+          <a:p>
             <a:endParaRPr lang="de-CH" dirty="0"/>
           </a:p>
         </p:txBody>
@@ -2407,7 +2872,7 @@
           <a:p>
             <a:fld id="{1BA50D42-C9CD-4801-B293-61D1F53EC57E}" type="datetimeFigureOut">
               <a:rPr lang="de-DE" smtClean="0"/>
-              <a:t>15.01.2016</a:t>
+              <a:t>16.01.2016</a:t>
             </a:fld>
             <a:endParaRPr lang="de-DE"/>
           </a:p>
@@ -2607,7 +3072,7 @@
           <a:p>
             <a:fld id="{1BA50D42-C9CD-4801-B293-61D1F53EC57E}" type="datetimeFigureOut">
               <a:rPr lang="de-DE" smtClean="0"/>
-              <a:t>15.01.2016</a:t>
+              <a:t>16.01.2016</a:t>
             </a:fld>
             <a:endParaRPr lang="de-DE"/>
           </a:p>
@@ -2782,7 +3247,7 @@
           <a:p>
             <a:fld id="{1BA50D42-C9CD-4801-B293-61D1F53EC57E}" type="datetimeFigureOut">
               <a:rPr lang="de-DE" smtClean="0"/>
-              <a:t>15.01.2016</a:t>
+              <a:t>16.01.2016</a:t>
             </a:fld>
             <a:endParaRPr lang="de-DE"/>
           </a:p>
@@ -2947,7 +3412,7 @@
           <a:p>
             <a:fld id="{1BA50D42-C9CD-4801-B293-61D1F53EC57E}" type="datetimeFigureOut">
               <a:rPr lang="de-DE" smtClean="0"/>
-              <a:t>15.01.2016</a:t>
+              <a:t>16.01.2016</a:t>
             </a:fld>
             <a:endParaRPr lang="de-DE"/>
           </a:p>
@@ -3195,7 +3660,7 @@
           <a:p>
             <a:fld id="{1BA50D42-C9CD-4801-B293-61D1F53EC57E}" type="datetimeFigureOut">
               <a:rPr lang="de-DE" smtClean="0"/>
-              <a:t>15.01.2016</a:t>
+              <a:t>16.01.2016</a:t>
             </a:fld>
             <a:endParaRPr lang="de-DE"/>
           </a:p>
@@ -3513,7 +3978,7 @@
           <a:p>
             <a:fld id="{1BA50D42-C9CD-4801-B293-61D1F53EC57E}" type="datetimeFigureOut">
               <a:rPr lang="de-DE" smtClean="0"/>
-              <a:t>15.01.2016</a:t>
+              <a:t>16.01.2016</a:t>
             </a:fld>
             <a:endParaRPr lang="de-DE"/>
           </a:p>
@@ -3979,7 +4444,7 @@
           <a:p>
             <a:fld id="{1BA50D42-C9CD-4801-B293-61D1F53EC57E}" type="datetimeFigureOut">
               <a:rPr lang="de-DE" smtClean="0"/>
-              <a:t>15.01.2016</a:t>
+              <a:t>16.01.2016</a:t>
             </a:fld>
             <a:endParaRPr lang="de-DE"/>
           </a:p>
@@ -4127,7 +4592,7 @@
           <a:p>
             <a:fld id="{1BA50D42-C9CD-4801-B293-61D1F53EC57E}" type="datetimeFigureOut">
               <a:rPr lang="de-DE" smtClean="0"/>
-              <a:t>15.01.2016</a:t>
+              <a:t>16.01.2016</a:t>
             </a:fld>
             <a:endParaRPr lang="de-DE"/>
           </a:p>
@@ -4217,7 +4682,7 @@
           <a:p>
             <a:fld id="{1BA50D42-C9CD-4801-B293-61D1F53EC57E}" type="datetimeFigureOut">
               <a:rPr lang="de-DE" smtClean="0"/>
-              <a:t>15.01.2016</a:t>
+              <a:t>16.01.2016</a:t>
             </a:fld>
             <a:endParaRPr lang="de-DE"/>
           </a:p>
@@ -4491,7 +4956,7 @@
           <a:p>
             <a:fld id="{1BA50D42-C9CD-4801-B293-61D1F53EC57E}" type="datetimeFigureOut">
               <a:rPr lang="de-DE" smtClean="0"/>
-              <a:t>15.01.2016</a:t>
+              <a:t>16.01.2016</a:t>
             </a:fld>
             <a:endParaRPr lang="de-DE"/>
           </a:p>
@@ -4796,7 +5261,7 @@
           <a:p>
             <a:fld id="{1BA50D42-C9CD-4801-B293-61D1F53EC57E}" type="datetimeFigureOut">
               <a:rPr lang="de-DE" smtClean="0"/>
-              <a:t>15.01.2016</a:t>
+              <a:t>16.01.2016</a:t>
             </a:fld>
             <a:endParaRPr lang="de-DE"/>
           </a:p>
@@ -5094,7 +5559,7 @@
           <a:p>
             <a:fld id="{1BA50D42-C9CD-4801-B293-61D1F53EC57E}" type="datetimeFigureOut">
               <a:rPr lang="de-DE" smtClean="0"/>
-              <a:t>15.01.2016</a:t>
+              <a:t>16.01.2016</a:t>
             </a:fld>
             <a:endParaRPr lang="de-DE"/>
           </a:p>
@@ -6572,7 +7037,6 @@
               <a:rPr lang="de-CH" sz="1600" dirty="0" smtClean="0"/>
               <a:t>: </a:t>
             </a:r>
-            <a:endParaRPr lang="de-CH" sz="1600" dirty="0" smtClean="0"/>
           </a:p>
           <a:p>
             <a:pPr lvl="1"/>
@@ -6595,7 +7059,6 @@
               <a:rPr lang="de-CH" sz="1600" dirty="0" smtClean="0"/>
               <a:t>Rendering:</a:t>
             </a:r>
-            <a:endParaRPr lang="de-CH" sz="1600" dirty="0" smtClean="0"/>
           </a:p>
           <a:p>
             <a:pPr lvl="1"/>
@@ -6606,6 +7069,10 @@
             <a:r>
               <a:rPr lang="de-CH" sz="1600" dirty="0" err="1" smtClean="0"/>
               <a:t>Obj</a:t>
+            </a:r>
+            <a:r>
+              <a:rPr lang="de-CH" sz="1600" dirty="0" smtClean="0"/>
+              <a:t>-File</a:t>
             </a:r>
             <a:endParaRPr lang="de-CH" sz="1600" dirty="0" smtClean="0"/>
           </a:p>
@@ -6666,20 +7133,32 @@
               <a:rPr lang="de-CH" sz="1600" dirty="0" err="1" smtClean="0"/>
               <a:t>model</a:t>
             </a:r>
-            <a:endParaRPr lang="de-CH" sz="1600" dirty="0" smtClean="0"/>
-          </a:p>
-          <a:p>
-            <a:pPr lvl="1"/>
             <a:r>
               <a:rPr lang="de-CH" sz="1600" dirty="0" smtClean="0"/>
-              <a:t>Ambientes, Diffuses, </a:t>
-            </a:r>
-            <a:r>
-              <a:rPr lang="de-CH" sz="1600" dirty="0" err="1" smtClean="0"/>
+              <a:t>:</a:t>
+            </a:r>
+            <a:r>
+              <a:rPr lang="de-CH" sz="1600" dirty="0"/>
+              <a:t> </a:t>
+            </a:r>
+            <a:r>
+              <a:rPr lang="de-CH" sz="1400" dirty="0" smtClean="0"/>
+              <a:t>Ambientes</a:t>
+            </a:r>
+            <a:r>
+              <a:rPr lang="de-CH" sz="1400" dirty="0" smtClean="0"/>
+              <a:t>, </a:t>
+            </a:r>
+            <a:r>
+              <a:rPr lang="de-CH" sz="1400" dirty="0" smtClean="0"/>
+              <a:t>Diffuses und </a:t>
+            </a:r>
+            <a:r>
+              <a:rPr lang="de-CH" sz="1400" dirty="0" err="1" smtClean="0"/>
               <a:t>Spekulares</a:t>
             </a:r>
             <a:r>
-              <a:rPr lang="de-CH" sz="1600" dirty="0" smtClean="0"/>
+              <a:rPr lang="de-CH" sz="1400" dirty="0" smtClean="0"/>
               <a:t> Licht</a:t>
             </a:r>
           </a:p>
@@ -6704,6 +7183,13 @@
             <a:r>
               <a:rPr lang="de-CH" sz="1600" dirty="0" smtClean="0"/>
               <a:t>Projektionsmatrix</a:t>
+            </a:r>
+          </a:p>
+          <a:p>
+            <a:pPr lvl="1"/>
+            <a:r>
+              <a:rPr lang="de-CH" sz="1600" dirty="0" err="1" smtClean="0"/>
+              <a:t>Viewmatrix</a:t>
             </a:r>
             <a:endParaRPr lang="de-CH" sz="1600" dirty="0"/>
           </a:p>
@@ -6908,7 +7394,6 @@
               <a:rPr lang="de-CH" sz="1800" dirty="0" smtClean="0"/>
               <a:t>Entwicklungsumgebung:</a:t>
             </a:r>
-            <a:endParaRPr lang="de-CH" sz="1800" dirty="0" smtClean="0"/>
           </a:p>
           <a:p>
             <a:pPr lvl="1"/>
@@ -6949,13 +7434,8 @@
             </a:pPr>
             <a:r>
               <a:rPr lang="de-CH" sz="1800" dirty="0" smtClean="0"/>
-              <a:t>3D </a:t>
-            </a:r>
-            <a:r>
-              <a:rPr lang="de-CH" sz="1800" dirty="0" smtClean="0"/>
-              <a:t>Modellierung:</a:t>
-            </a:r>
-            <a:endParaRPr lang="de-CH" sz="1800" dirty="0" smtClean="0"/>
+              <a:t>3D Modellierung:</a:t>
+            </a:r>
           </a:p>
           <a:p>
             <a:pPr lvl="1"/>
@@ -7123,10 +7603,6 @@
           <a:lstStyle/>
           <a:p>
             <a:r>
-              <a:rPr lang="de-CH" sz="1800" dirty="0"/>
-              <a:t> </a:t>
-            </a:r>
-            <a:r>
               <a:rPr lang="de-CH" sz="1800" dirty="0" smtClean="0"/>
               <a:t>Speicherung </a:t>
             </a:r>
@@ -7146,13 +7622,8 @@
           <a:p>
             <a:r>
               <a:rPr lang="de-CH" sz="1800" dirty="0" smtClean="0"/>
-              <a:t>Position des Knotens (x, y, z</a:t>
-            </a:r>
-            <a:r>
-              <a:rPr lang="de-CH" sz="1800" dirty="0" smtClean="0"/>
-              <a:t>):</a:t>
-            </a:r>
-            <a:endParaRPr lang="de-CH" sz="1800" dirty="0" smtClean="0"/>
+              <a:t>Position des Knotens (x, y, z):</a:t>
+            </a:r>
           </a:p>
           <a:p>
             <a:pPr lvl="1"/>
@@ -7184,13 +7655,8 @@
           <a:p>
             <a:r>
               <a:rPr lang="de-CH" sz="1800" dirty="0" smtClean="0"/>
-              <a:t>Normalen Vektor (x, y, z</a:t>
-            </a:r>
-            <a:r>
-              <a:rPr lang="de-CH" sz="1800" dirty="0" smtClean="0"/>
-              <a:t>):</a:t>
-            </a:r>
-            <a:endParaRPr lang="de-CH" sz="1800" dirty="0" smtClean="0"/>
+              <a:t>Normalen Vektor (x, y, z):</a:t>
+            </a:r>
           </a:p>
           <a:p>
             <a:pPr lvl="1"/>
@@ -7257,11 +7723,7 @@
             </a:r>
             <a:r>
               <a:rPr lang="de-CH" sz="1800" dirty="0" smtClean="0"/>
-              <a:t> (Vertex/Normale/Textur</a:t>
-            </a:r>
-            <a:r>
-              <a:rPr lang="de-CH" sz="1800" dirty="0" smtClean="0"/>
-              <a:t>):</a:t>
+              <a:t> (Vertex/Normale/Textur):</a:t>
             </a:r>
             <a:endParaRPr lang="de-CH" sz="1800" dirty="0"/>
           </a:p>
@@ -7371,13 +7833,8 @@
           <a:p>
             <a:r>
               <a:rPr lang="de-CH" dirty="0" smtClean="0"/>
-              <a:t>2 Vertices im </a:t>
-            </a:r>
-            <a:r>
-              <a:rPr lang="de-CH" dirty="0" smtClean="0"/>
-              <a:t>Speicher:</a:t>
-            </a:r>
-            <a:endParaRPr lang="de-CH" dirty="0" smtClean="0"/>
+              <a:t>2 Vertices im Speicher:</a:t>
+            </a:r>
           </a:p>
           <a:p>
             <a:pPr lvl="1"/>
@@ -7549,9 +8006,12 @@
           <a:bodyPr/>
           <a:lstStyle/>
           <a:p>
+            <a:pPr marL="0" indent="0">
+              <a:buNone/>
+            </a:pPr>
             <a:r>
               <a:rPr lang="de-CH" dirty="0" smtClean="0"/>
-              <a:t>Side </a:t>
+              <a:t> Side </a:t>
             </a:r>
             <a:r>
               <a:rPr lang="de-CH" dirty="0" err="1" smtClean="0"/>
@@ -7559,7 +8019,11 @@
             </a:r>
             <a:r>
               <a:rPr lang="de-CH" dirty="0" smtClean="0"/>
-              <a:t>		Side </a:t>
+              <a:t>		</a:t>
+            </a:r>
+            <a:r>
+              <a:rPr lang="de-CH" dirty="0" smtClean="0"/>
+              <a:t>     Side </a:t>
             </a:r>
             <a:r>
               <a:rPr lang="de-CH" dirty="0" err="1" smtClean="0"/>
@@ -7642,7 +8106,7 @@
         </p:nvSpPr>
         <p:spPr>
           <a:xfrm>
-            <a:off x="699398" y="2520913"/>
+            <a:off x="667858" y="2313770"/>
             <a:ext cx="1224136" cy="792088"/>
           </a:xfrm>
           <a:prstGeom prst="rect">
@@ -7700,7 +8164,7 @@
         </p:nvSpPr>
         <p:spPr>
           <a:xfrm>
-            <a:off x="3563888" y="2528900"/>
+            <a:off x="3563888" y="2313770"/>
             <a:ext cx="1656184" cy="792088"/>
           </a:xfrm>
           <a:prstGeom prst="rect">

--- a/präsi-projekt-obj-geom.pptx
+++ b/präsi-projekt-obj-geom.pptx
@@ -21,7 +21,7 @@
     <p:sldId id="260" r:id="rId12"/>
   </p:sldIdLst>
   <p:sldSz cx="9144000" cy="6858000" type="screen4x3"/>
-  <p:notesSz cx="6858000" cy="9144000"/>
+  <p:notesSz cx="7105650" cy="10239375"/>
   <p:defaultTextStyle>
     <a:defPPr>
       <a:defRPr lang="de-DE"/>
@@ -155,17 +155,17 @@
         <p:spPr>
           <a:xfrm>
             <a:off x="0" y="0"/>
-            <a:ext cx="2971800" cy="457200"/>
+            <a:ext cx="3079115" cy="511969"/>
           </a:xfrm>
           <a:prstGeom prst="rect">
             <a:avLst/>
           </a:prstGeom>
         </p:spPr>
         <p:txBody>
-          <a:bodyPr vert="horz" lIns="91440" tIns="45720" rIns="91440" bIns="45720" rtlCol="0"/>
+          <a:bodyPr vert="horz" lIns="99112" tIns="49556" rIns="99112" bIns="49556" rtlCol="0"/>
           <a:lstStyle>
             <a:lvl1pPr algn="l">
-              <a:defRPr sz="1200"/>
+              <a:defRPr sz="1300"/>
             </a:lvl1pPr>
           </a:lstStyle>
           <a:p>
@@ -185,18 +185,18 @@
         </p:nvSpPr>
         <p:spPr>
           <a:xfrm>
-            <a:off x="3884613" y="0"/>
-            <a:ext cx="2971800" cy="457200"/>
+            <a:off x="4024891" y="0"/>
+            <a:ext cx="3079115" cy="511969"/>
           </a:xfrm>
           <a:prstGeom prst="rect">
             <a:avLst/>
           </a:prstGeom>
         </p:spPr>
         <p:txBody>
-          <a:bodyPr vert="horz" lIns="91440" tIns="45720" rIns="91440" bIns="45720" rtlCol="0"/>
+          <a:bodyPr vert="horz" lIns="99112" tIns="49556" rIns="99112" bIns="49556" rtlCol="0"/>
           <a:lstStyle>
             <a:lvl1pPr algn="r">
-              <a:defRPr sz="1200"/>
+              <a:defRPr sz="1300"/>
             </a:lvl1pPr>
           </a:lstStyle>
           <a:p>
@@ -220,8 +220,8 @@
         </p:nvSpPr>
         <p:spPr>
           <a:xfrm>
-            <a:off x="1143000" y="685800"/>
-            <a:ext cx="4572000" cy="3429000"/>
+            <a:off x="993775" y="768350"/>
+            <a:ext cx="5118100" cy="3840163"/>
           </a:xfrm>
           <a:prstGeom prst="rect">
             <a:avLst/>
@@ -234,7 +234,7 @@
           </a:ln>
         </p:spPr>
         <p:txBody>
-          <a:bodyPr vert="horz" lIns="91440" tIns="45720" rIns="91440" bIns="45720" rtlCol="0" anchor="ctr"/>
+          <a:bodyPr vert="horz" lIns="99112" tIns="49556" rIns="99112" bIns="49556" rtlCol="0" anchor="ctr"/>
           <a:lstStyle/>
           <a:p>
             <a:endParaRPr lang="de-CH"/>
@@ -253,15 +253,15 @@
         </p:nvSpPr>
         <p:spPr>
           <a:xfrm>
-            <a:off x="685800" y="4343400"/>
-            <a:ext cx="5486400" cy="4114800"/>
+            <a:off x="710565" y="4863703"/>
+            <a:ext cx="5684520" cy="4607719"/>
           </a:xfrm>
           <a:prstGeom prst="rect">
             <a:avLst/>
           </a:prstGeom>
         </p:spPr>
         <p:txBody>
-          <a:bodyPr vert="horz" lIns="91440" tIns="45720" rIns="91440" bIns="45720" rtlCol="0"/>
+          <a:bodyPr vert="horz" lIns="99112" tIns="49556" rIns="99112" bIns="49556" rtlCol="0"/>
           <a:lstStyle/>
           <a:p>
             <a:pPr lvl="0"/>
@@ -313,18 +313,18 @@
         </p:nvSpPr>
         <p:spPr>
           <a:xfrm>
-            <a:off x="0" y="8685213"/>
-            <a:ext cx="2971800" cy="457200"/>
+            <a:off x="0" y="9725629"/>
+            <a:ext cx="3079115" cy="511969"/>
           </a:xfrm>
           <a:prstGeom prst="rect">
             <a:avLst/>
           </a:prstGeom>
         </p:spPr>
         <p:txBody>
-          <a:bodyPr vert="horz" lIns="91440" tIns="45720" rIns="91440" bIns="45720" rtlCol="0" anchor="b"/>
+          <a:bodyPr vert="horz" lIns="99112" tIns="49556" rIns="99112" bIns="49556" rtlCol="0" anchor="b"/>
           <a:lstStyle>
             <a:lvl1pPr algn="l">
-              <a:defRPr sz="1200"/>
+              <a:defRPr sz="1300"/>
             </a:lvl1pPr>
           </a:lstStyle>
           <a:p>
@@ -344,18 +344,18 @@
         </p:nvSpPr>
         <p:spPr>
           <a:xfrm>
-            <a:off x="3884613" y="8685213"/>
-            <a:ext cx="2971800" cy="457200"/>
+            <a:off x="4024891" y="9725629"/>
+            <a:ext cx="3079115" cy="511969"/>
           </a:xfrm>
           <a:prstGeom prst="rect">
             <a:avLst/>
           </a:prstGeom>
         </p:spPr>
         <p:txBody>
-          <a:bodyPr vert="horz" lIns="91440" tIns="45720" rIns="91440" bIns="45720" rtlCol="0" anchor="b"/>
+          <a:bodyPr vert="horz" lIns="99112" tIns="49556" rIns="99112" bIns="49556" rtlCol="0" anchor="b"/>
           <a:lstStyle>
             <a:lvl1pPr algn="r">
-              <a:defRPr sz="1200"/>
+              <a:defRPr sz="1300"/>
             </a:lvl1pPr>
           </a:lstStyle>
           <a:p>
@@ -520,104 +520,24 @@
             </a:r>
           </a:p>
           <a:p>
-            <a:endParaRPr lang="de-CH" sz="1200" kern="1200" dirty="0" smtClean="0">
-              <a:solidFill>
-                <a:schemeClr val="tx1"/>
-              </a:solidFill>
-              <a:effectLst/>
-              <a:latin typeface="+mn-lt"/>
-              <a:ea typeface="+mn-ea"/>
-              <a:cs typeface="+mn-cs"/>
-            </a:endParaRPr>
-          </a:p>
-          <a:p>
-            <a:r>
-              <a:rPr lang="de-CH" sz="1200" b="1" kern="1200" dirty="0" smtClean="0">
-                <a:solidFill>
-                  <a:schemeClr val="tx1"/>
-                </a:solidFill>
-                <a:effectLst/>
-                <a:latin typeface="+mn-lt"/>
-                <a:ea typeface="+mn-ea"/>
-                <a:cs typeface="+mn-cs"/>
-              </a:rPr>
+            <a:endParaRPr lang="de-CH" sz="1300" dirty="0"/>
+          </a:p>
+          <a:p>
+            <a:r>
+              <a:rPr lang="de-CH" sz="1300" b="1" dirty="0"/>
               <a:t>Rendern:</a:t>
             </a:r>
           </a:p>
           <a:p>
             <a:r>
-              <a:rPr lang="de-CH" sz="1200" kern="1200" dirty="0" smtClean="0">
-                <a:solidFill>
-                  <a:schemeClr val="tx1"/>
-                </a:solidFill>
-                <a:effectLst/>
-                <a:latin typeface="+mn-lt"/>
-                <a:ea typeface="+mn-ea"/>
-                <a:cs typeface="+mn-cs"/>
-              </a:rPr>
-              <a:t>bezeichnet den </a:t>
-            </a:r>
-            <a:r>
-              <a:rPr lang="de-CH" sz="1200" kern="1200" dirty="0" smtClean="0">
-                <a:solidFill>
-                  <a:schemeClr val="tx1"/>
-                </a:solidFill>
-                <a:effectLst/>
-                <a:latin typeface="+mn-lt"/>
-                <a:ea typeface="+mn-ea"/>
-                <a:cs typeface="+mn-cs"/>
-              </a:rPr>
-              <a:t>Prozess </a:t>
-            </a:r>
-            <a:r>
-              <a:rPr lang="de-CH" sz="1200" kern="1200" dirty="0" smtClean="0">
-                <a:solidFill>
-                  <a:schemeClr val="tx1"/>
-                </a:solidFill>
-                <a:effectLst/>
-                <a:latin typeface="+mn-lt"/>
-                <a:ea typeface="+mn-ea"/>
-                <a:cs typeface="+mn-cs"/>
-              </a:rPr>
-              <a:t>bei dem der Rechner ein Bild des jeweiligen Objektes erzeugt.</a:t>
-            </a:r>
-          </a:p>
-          <a:p>
-            <a:r>
-              <a:rPr lang="de-CH" sz="1200" kern="1200" dirty="0" smtClean="0">
-                <a:solidFill>
-                  <a:schemeClr val="tx1"/>
-                </a:solidFill>
-                <a:effectLst/>
-                <a:latin typeface="+mn-lt"/>
-                <a:ea typeface="+mn-ea"/>
-                <a:cs typeface="+mn-cs"/>
-              </a:rPr>
-              <a:t>Diese Objekte, wie Eingangs schon erwähnt bestehen aus geometrischen Primitiven, welche durch</a:t>
-            </a:r>
-            <a:r>
-              <a:rPr lang="de-CH" sz="1200" kern="1200" baseline="0" dirty="0" smtClean="0">
-                <a:solidFill>
-                  <a:schemeClr val="tx1"/>
-                </a:solidFill>
-                <a:effectLst/>
-                <a:latin typeface="+mn-lt"/>
-                <a:ea typeface="+mn-ea"/>
-                <a:cs typeface="+mn-cs"/>
-              </a:rPr>
-              <a:t> </a:t>
-            </a:r>
-            <a:r>
-              <a:rPr lang="de-CH" sz="1200" kern="1200" dirty="0" smtClean="0">
-                <a:solidFill>
-                  <a:schemeClr val="tx1"/>
-                </a:solidFill>
-                <a:effectLst/>
-                <a:latin typeface="+mn-lt"/>
-                <a:ea typeface="+mn-ea"/>
-                <a:cs typeface="+mn-cs"/>
-              </a:rPr>
-              <a:t>Vertices spezifiziert werden</a:t>
+              <a:rPr lang="de-CH" sz="1300" dirty="0"/>
+              <a:t>bezeichnet den Prozess bei dem der Rechner ein Bild des jeweiligen Objektes erzeugt.</a:t>
+            </a:r>
+          </a:p>
+          <a:p>
+            <a:r>
+              <a:rPr lang="de-CH" sz="1300" dirty="0"/>
+              <a:t>Diese Objekte, wie Eingangs schon erwähnt bestehen aus geometrischen Primitiven, welche durch Vertices spezifiziert werden</a:t>
             </a:r>
           </a:p>
           <a:p>
@@ -630,7 +550,7 @@
             </a:r>
           </a:p>
           <a:p>
-            <a:pPr marL="171450" indent="-171450">
+            <a:pPr marL="185835" indent="-185835">
               <a:buFont typeface="Arial" panose="020B0604020202020204" pitchFamily="34" charset="0"/>
               <a:buChar char="•"/>
             </a:pPr>
@@ -648,7 +568,7 @@
             </a:r>
           </a:p>
           <a:p>
-            <a:pPr marL="171450" indent="-171450">
+            <a:pPr marL="185835" indent="-185835">
               <a:buFont typeface="Arial" panose="020B0604020202020204" pitchFamily="34" charset="0"/>
               <a:buChar char="•"/>
             </a:pPr>
@@ -714,7 +634,7 @@
             </a:r>
           </a:p>
           <a:p>
-            <a:pPr marL="628650" lvl="1" indent="-171450">
+            <a:pPr marL="681394" lvl="1" indent="-185835">
               <a:buFont typeface="Arial" panose="020B0604020202020204" pitchFamily="34" charset="0"/>
               <a:buChar char="•"/>
             </a:pPr>
@@ -744,7 +664,7 @@
             </a:r>
           </a:p>
           <a:p>
-            <a:pPr marL="628650" lvl="1" indent="-171450">
+            <a:pPr marL="681394" lvl="1" indent="-185835">
               <a:buFont typeface="Arial" panose="020B0604020202020204" pitchFamily="34" charset="0"/>
               <a:buChar char="•"/>
             </a:pPr>
@@ -758,7 +678,7 @@
             </a:r>
           </a:p>
           <a:p>
-            <a:pPr marL="628650" lvl="1" indent="-171450">
+            <a:pPr marL="681394" lvl="1" indent="-185835">
               <a:buFont typeface="Arial" panose="020B0604020202020204" pitchFamily="34" charset="0"/>
               <a:buChar char="•"/>
             </a:pPr>
@@ -772,7 +692,7 @@
             </a:r>
           </a:p>
           <a:p>
-            <a:pPr marL="171450" lvl="0" indent="-171450">
+            <a:pPr marL="185835" indent="-185835">
               <a:buFont typeface="Arial" panose="020B0604020202020204" pitchFamily="34" charset="0"/>
               <a:buChar char="•"/>
             </a:pPr>
@@ -781,20 +701,12 @@
               <a:t>Projektionsmatrix:  </a:t>
             </a:r>
             <a:r>
-              <a:rPr lang="de-CH" sz="1200" kern="1200" dirty="0" smtClean="0">
-                <a:solidFill>
-                  <a:schemeClr val="tx1"/>
-                </a:solidFill>
-                <a:effectLst/>
-                <a:latin typeface="+mn-lt"/>
-                <a:ea typeface="+mn-ea"/>
-                <a:cs typeface="+mn-cs"/>
-              </a:rPr>
+              <a:rPr lang="de-CH" sz="1300" dirty="0"/>
               <a:t>lässt weit entfernte Objekte (in Richtung Z-Achse) kleiner darstellen und nahe bei der Kamera liegende Objekte grösser.</a:t>
             </a:r>
           </a:p>
           <a:p>
-            <a:pPr marL="171450" lvl="0" indent="-171450">
+            <a:pPr marL="185835" indent="-185835">
               <a:buFont typeface="Arial" panose="020B0604020202020204" pitchFamily="34" charset="0"/>
               <a:buChar char="•"/>
             </a:pPr>
@@ -812,7 +724,7 @@
             </a:r>
           </a:p>
           <a:p>
-            <a:pPr marL="171450" lvl="0" indent="-171450">
+            <a:pPr marL="185835" indent="-185835">
               <a:buFont typeface="Arial" panose="020B0604020202020204" pitchFamily="34" charset="0"/>
               <a:buChar char="•"/>
             </a:pPr>
@@ -830,14 +742,14 @@
             <a:endParaRPr lang="de-CH" b="0" baseline="0" dirty="0" smtClean="0"/>
           </a:p>
           <a:p>
-            <a:pPr marL="628650" lvl="1" indent="-171450">
+            <a:pPr marL="681394" lvl="1" indent="-185835">
               <a:buFont typeface="Arial" panose="020B0604020202020204" pitchFamily="34" charset="0"/>
               <a:buChar char="•"/>
             </a:pPr>
             <a:endParaRPr lang="de-CH" b="0" baseline="0" dirty="0" smtClean="0"/>
           </a:p>
           <a:p>
-            <a:pPr marL="171450" indent="-171450">
+            <a:pPr marL="185835" indent="-185835">
               <a:buFont typeface="Arial" panose="020B0604020202020204" pitchFamily="34" charset="0"/>
               <a:buChar char="•"/>
             </a:pPr>
@@ -1101,887 +1013,251 @@
           <a:bodyPr/>
           <a:lstStyle/>
           <a:p>
-            <a:pPr marL="0" marR="0" lvl="0" indent="0" algn="l" defTabSz="914400" rtl="0" eaLnBrk="1" fontAlgn="auto" latinLnBrk="0" hangingPunct="1">
-              <a:lnSpc>
-                <a:spcPct val="100000"/>
-              </a:lnSpc>
-              <a:spcBef>
-                <a:spcPts val="0"/>
-              </a:spcBef>
-              <a:spcAft>
-                <a:spcPts val="0"/>
-              </a:spcAft>
-              <a:buClrTx/>
-              <a:buSzTx/>
-              <a:buFontTx/>
-              <a:buNone/>
-              <a:tabLst/>
+            <a:pPr defTabSz="991118">
               <a:defRPr/>
             </a:pPr>
-            <a:endParaRPr lang="de-CH" sz="1200" b="1" kern="1200" dirty="0" smtClean="0">
-              <a:solidFill>
-                <a:schemeClr val="tx1"/>
-              </a:solidFill>
-              <a:effectLst/>
-              <a:latin typeface="+mn-lt"/>
-              <a:ea typeface="+mn-ea"/>
-              <a:cs typeface="+mn-cs"/>
-            </a:endParaRPr>
-          </a:p>
-          <a:p>
-            <a:pPr marL="0" marR="0" lvl="0" indent="0" algn="l" defTabSz="914400" rtl="0" eaLnBrk="1" fontAlgn="auto" latinLnBrk="0" hangingPunct="1">
-              <a:lnSpc>
-                <a:spcPct val="100000"/>
-              </a:lnSpc>
-              <a:spcBef>
-                <a:spcPts val="0"/>
-              </a:spcBef>
-              <a:spcAft>
-                <a:spcPts val="0"/>
-              </a:spcAft>
-              <a:buClrTx/>
-              <a:buSzTx/>
-              <a:buFontTx/>
-              <a:buNone/>
-              <a:tabLst/>
+            <a:endParaRPr lang="de-CH" sz="1300" b="1" dirty="0"/>
+          </a:p>
+          <a:p>
+            <a:pPr defTabSz="991118">
               <a:defRPr/>
             </a:pPr>
             <a:r>
-              <a:rPr lang="de-CH" sz="1200" b="1" kern="1200" dirty="0" smtClean="0">
-                <a:solidFill>
-                  <a:schemeClr val="tx1"/>
-                </a:solidFill>
-                <a:effectLst/>
-                <a:latin typeface="+mn-lt"/>
-                <a:ea typeface="+mn-ea"/>
-                <a:cs typeface="+mn-cs"/>
-              </a:rPr>
+              <a:rPr lang="de-CH" sz="1300" b="1" dirty="0"/>
               <a:t>Vertex Array </a:t>
             </a:r>
             <a:r>
-              <a:rPr lang="de-CH" sz="1200" b="1" kern="1200" dirty="0" err="1" smtClean="0">
-                <a:solidFill>
-                  <a:schemeClr val="tx1"/>
-                </a:solidFill>
-                <a:effectLst/>
-                <a:latin typeface="+mn-lt"/>
-                <a:ea typeface="+mn-ea"/>
-                <a:cs typeface="+mn-cs"/>
-              </a:rPr>
+              <a:rPr lang="de-CH" sz="1300" b="1" dirty="0" err="1"/>
               <a:t>Object</a:t>
             </a:r>
             <a:r>
-              <a:rPr lang="de-CH" sz="1200" b="1" kern="1200" dirty="0" smtClean="0">
-                <a:solidFill>
-                  <a:schemeClr val="tx1"/>
-                </a:solidFill>
-                <a:effectLst/>
-                <a:latin typeface="+mn-lt"/>
-                <a:ea typeface="+mn-ea"/>
-                <a:cs typeface="+mn-cs"/>
-              </a:rPr>
+              <a:rPr lang="de-CH" sz="1300" b="1" dirty="0"/>
               <a:t> (VAO) und Vertex </a:t>
             </a:r>
             <a:r>
-              <a:rPr lang="de-CH" sz="1200" b="1" kern="1200" dirty="0" err="1" smtClean="0">
-                <a:solidFill>
-                  <a:schemeClr val="tx1"/>
-                </a:solidFill>
-                <a:effectLst/>
-                <a:latin typeface="+mn-lt"/>
-                <a:ea typeface="+mn-ea"/>
-                <a:cs typeface="+mn-cs"/>
-              </a:rPr>
+              <a:rPr lang="de-CH" sz="1300" b="1" dirty="0" err="1"/>
               <a:t>Buffer</a:t>
             </a:r>
             <a:r>
-              <a:rPr lang="de-CH" sz="1200" b="1" kern="1200" dirty="0" smtClean="0">
-                <a:solidFill>
-                  <a:schemeClr val="tx1"/>
-                </a:solidFill>
-                <a:effectLst/>
-                <a:latin typeface="+mn-lt"/>
-                <a:ea typeface="+mn-ea"/>
-                <a:cs typeface="+mn-cs"/>
-              </a:rPr>
+              <a:rPr lang="de-CH" sz="1300" b="1" dirty="0"/>
               <a:t> </a:t>
             </a:r>
             <a:r>
-              <a:rPr lang="de-CH" sz="1200" b="1" kern="1200" dirty="0" err="1" smtClean="0">
-                <a:solidFill>
-                  <a:schemeClr val="tx1"/>
-                </a:solidFill>
-                <a:effectLst/>
-                <a:latin typeface="+mn-lt"/>
-                <a:ea typeface="+mn-ea"/>
-                <a:cs typeface="+mn-cs"/>
-              </a:rPr>
+              <a:rPr lang="de-CH" sz="1300" b="1" dirty="0" err="1"/>
               <a:t>Object</a:t>
             </a:r>
             <a:r>
-              <a:rPr lang="de-CH" sz="1200" b="1" kern="1200" dirty="0" smtClean="0">
-                <a:solidFill>
-                  <a:schemeClr val="tx1"/>
-                </a:solidFill>
-                <a:effectLst/>
-                <a:latin typeface="+mn-lt"/>
-                <a:ea typeface="+mn-ea"/>
-                <a:cs typeface="+mn-cs"/>
-              </a:rPr>
-              <a:t> (VBO</a:t>
-            </a:r>
-            <a:r>
-              <a:rPr lang="de-CH" sz="1200" b="1" kern="1200" dirty="0" smtClean="0">
-                <a:solidFill>
-                  <a:schemeClr val="tx1"/>
-                </a:solidFill>
-                <a:effectLst/>
-                <a:latin typeface="+mn-lt"/>
-                <a:ea typeface="+mn-ea"/>
-                <a:cs typeface="+mn-cs"/>
-              </a:rPr>
-              <a:t>):</a:t>
-            </a:r>
-          </a:p>
-          <a:p>
-            <a:pPr marL="171450" marR="0" lvl="0" indent="-171450" algn="l" defTabSz="914400" rtl="0" eaLnBrk="1" fontAlgn="auto" latinLnBrk="0" hangingPunct="1">
-              <a:lnSpc>
-                <a:spcPct val="100000"/>
-              </a:lnSpc>
-              <a:spcBef>
-                <a:spcPts val="0"/>
-              </a:spcBef>
-              <a:spcAft>
-                <a:spcPts val="0"/>
-              </a:spcAft>
-              <a:buClrTx/>
-              <a:buSzTx/>
+              <a:rPr lang="de-CH" sz="1300" b="1" dirty="0"/>
+              <a:t> (VBO):</a:t>
+            </a:r>
+          </a:p>
+          <a:p>
+            <a:pPr marL="185835" indent="-185835" defTabSz="991118">
               <a:buFont typeface="Arial" panose="020B0604020202020204" pitchFamily="34" charset="0"/>
               <a:buChar char="•"/>
-              <a:tabLst/>
               <a:defRPr/>
             </a:pPr>
             <a:r>
-              <a:rPr lang="de-CH" sz="1200" b="1" kern="1200" dirty="0" smtClean="0">
-                <a:solidFill>
-                  <a:schemeClr val="tx1"/>
-                </a:solidFill>
-                <a:effectLst/>
-                <a:latin typeface="+mn-lt"/>
-                <a:ea typeface="+mn-ea"/>
-                <a:cs typeface="+mn-cs"/>
-              </a:rPr>
+              <a:rPr lang="de-CH" sz="1300" b="1" dirty="0"/>
               <a:t>VBO</a:t>
             </a:r>
             <a:r>
-              <a:rPr lang="de-CH" sz="1200" b="0" kern="1200" dirty="0" smtClean="0">
-                <a:solidFill>
-                  <a:schemeClr val="tx1"/>
-                </a:solidFill>
-                <a:effectLst/>
-                <a:latin typeface="+mn-lt"/>
-                <a:ea typeface="+mn-ea"/>
-                <a:cs typeface="+mn-cs"/>
-              </a:rPr>
-              <a:t>:</a:t>
-            </a:r>
-            <a:r>
-              <a:rPr lang="de-CH" sz="1200" b="0" kern="1200" baseline="0" dirty="0" smtClean="0">
-                <a:solidFill>
-                  <a:schemeClr val="tx1"/>
-                </a:solidFill>
-                <a:effectLst/>
-                <a:latin typeface="+mn-lt"/>
-                <a:ea typeface="+mn-ea"/>
-                <a:cs typeface="+mn-cs"/>
-              </a:rPr>
-              <a:t> </a:t>
-            </a:r>
-          </a:p>
-          <a:p>
-            <a:pPr marL="628650" marR="0" lvl="1" indent="-171450" algn="l" defTabSz="914400" rtl="0" eaLnBrk="1" fontAlgn="auto" latinLnBrk="0" hangingPunct="1">
-              <a:lnSpc>
-                <a:spcPct val="100000"/>
-              </a:lnSpc>
-              <a:spcBef>
-                <a:spcPts val="0"/>
-              </a:spcBef>
-              <a:spcAft>
-                <a:spcPts val="0"/>
-              </a:spcAft>
-              <a:buClrTx/>
-              <a:buSzTx/>
+              <a:rPr lang="de-CH" sz="1300" dirty="0"/>
+              <a:t>: </a:t>
+            </a:r>
+          </a:p>
+          <a:p>
+            <a:pPr marL="681394" lvl="1" indent="-185835" defTabSz="991118">
               <a:buFont typeface="Arial" panose="020B0604020202020204" pitchFamily="34" charset="0"/>
               <a:buChar char="•"/>
-              <a:tabLst/>
               <a:defRPr/>
             </a:pPr>
             <a:r>
-              <a:rPr lang="de-CH" sz="1200" b="0" kern="1200" dirty="0" err="1" smtClean="0">
-                <a:solidFill>
-                  <a:schemeClr val="tx1"/>
-                </a:solidFill>
-                <a:effectLst/>
-                <a:latin typeface="+mn-lt"/>
-                <a:ea typeface="+mn-ea"/>
-                <a:cs typeface="+mn-cs"/>
-              </a:rPr>
+              <a:rPr lang="de-CH" sz="1300" dirty="0" err="1"/>
               <a:t>Vertexdaten</a:t>
             </a:r>
             <a:r>
-              <a:rPr lang="de-CH" sz="1200" b="0" kern="1200" baseline="0" dirty="0" smtClean="0">
-                <a:solidFill>
-                  <a:schemeClr val="tx1"/>
-                </a:solidFill>
-                <a:effectLst/>
-                <a:latin typeface="+mn-lt"/>
-                <a:ea typeface="+mn-ea"/>
-                <a:cs typeface="+mn-cs"/>
-              </a:rPr>
+              <a:rPr lang="de-CH" sz="1300" dirty="0"/>
               <a:t> (Positionen, </a:t>
             </a:r>
             <a:r>
-              <a:rPr lang="de-CH" sz="1200" b="0" kern="1200" baseline="0" dirty="0" err="1" smtClean="0">
-                <a:solidFill>
-                  <a:schemeClr val="tx1"/>
-                </a:solidFill>
-                <a:effectLst/>
-                <a:latin typeface="+mn-lt"/>
-                <a:ea typeface="+mn-ea"/>
-                <a:cs typeface="+mn-cs"/>
-              </a:rPr>
+              <a:rPr lang="de-CH" sz="1300" dirty="0" err="1"/>
               <a:t>Normalenvektoren</a:t>
             </a:r>
             <a:r>
-              <a:rPr lang="de-CH" sz="1200" b="0" kern="1200" baseline="0" dirty="0" smtClean="0">
-                <a:solidFill>
-                  <a:schemeClr val="tx1"/>
-                </a:solidFill>
-                <a:effectLst/>
-                <a:latin typeface="+mn-lt"/>
-                <a:ea typeface="+mn-ea"/>
-                <a:cs typeface="+mn-cs"/>
-              </a:rPr>
+              <a:rPr lang="de-CH" sz="1300" dirty="0"/>
               <a:t>, Farben oder Textur-Koordinaten</a:t>
             </a:r>
           </a:p>
           <a:p>
-            <a:pPr marL="171450" marR="0" lvl="0" indent="-171450" algn="l" defTabSz="914400" rtl="0" eaLnBrk="1" fontAlgn="auto" latinLnBrk="0" hangingPunct="1">
-              <a:lnSpc>
-                <a:spcPct val="100000"/>
-              </a:lnSpc>
-              <a:spcBef>
-                <a:spcPts val="0"/>
-              </a:spcBef>
-              <a:spcAft>
-                <a:spcPts val="0"/>
-              </a:spcAft>
-              <a:buClrTx/>
-              <a:buSzTx/>
+            <a:pPr marL="185835" indent="-185835" defTabSz="991118">
               <a:buFont typeface="Arial" panose="020B0604020202020204" pitchFamily="34" charset="0"/>
               <a:buChar char="•"/>
-              <a:tabLst/>
               <a:defRPr/>
             </a:pPr>
             <a:r>
-              <a:rPr lang="de-CH" sz="1200" b="1" kern="1200" baseline="0" dirty="0" smtClean="0">
-                <a:solidFill>
-                  <a:schemeClr val="tx1"/>
-                </a:solidFill>
-                <a:effectLst/>
-                <a:latin typeface="+mn-lt"/>
-                <a:ea typeface="+mn-ea"/>
-                <a:cs typeface="+mn-cs"/>
-              </a:rPr>
+              <a:rPr lang="de-CH" sz="1300" b="1" dirty="0"/>
               <a:t>VAO:</a:t>
             </a:r>
           </a:p>
           <a:p>
-            <a:pPr marL="628650" marR="0" lvl="1" indent="-171450" algn="l" defTabSz="914400" rtl="0" eaLnBrk="1" fontAlgn="auto" latinLnBrk="0" hangingPunct="1">
-              <a:lnSpc>
-                <a:spcPct val="100000"/>
-              </a:lnSpc>
-              <a:spcBef>
-                <a:spcPts val="0"/>
-              </a:spcBef>
-              <a:spcAft>
-                <a:spcPts val="0"/>
-              </a:spcAft>
-              <a:buClrTx/>
-              <a:buSzTx/>
+            <a:pPr marL="681394" lvl="1" indent="-185835" defTabSz="991118">
               <a:buFont typeface="Arial" panose="020B0604020202020204" pitchFamily="34" charset="0"/>
               <a:buChar char="•"/>
-              <a:tabLst/>
               <a:defRPr/>
             </a:pPr>
             <a:r>
-              <a:rPr lang="de-CH" sz="1200" b="0" kern="1200" baseline="0" dirty="0" smtClean="0">
-                <a:solidFill>
-                  <a:schemeClr val="tx1"/>
-                </a:solidFill>
-                <a:effectLst/>
-                <a:latin typeface="+mn-lt"/>
-                <a:ea typeface="+mn-ea"/>
-                <a:cs typeface="+mn-cs"/>
-              </a:rPr>
-              <a:t>Informationen, in welchem VBO sich die benötigten Daten befinden und in welchem Format sie vorliegen </a:t>
-            </a:r>
-            <a:r>
-              <a:rPr lang="de-CH" sz="1200" kern="1200" dirty="0" smtClean="0">
-                <a:solidFill>
-                  <a:schemeClr val="tx1"/>
-                </a:solidFill>
-                <a:effectLst/>
-                <a:latin typeface="+mn-lt"/>
-                <a:ea typeface="+mn-ea"/>
-                <a:cs typeface="+mn-cs"/>
-              </a:rPr>
-              <a:t>z.B</a:t>
-            </a:r>
-            <a:r>
-              <a:rPr lang="de-CH" sz="1200" kern="1200" dirty="0" smtClean="0">
-                <a:solidFill>
-                  <a:schemeClr val="tx1"/>
-                </a:solidFill>
-                <a:effectLst/>
-                <a:latin typeface="+mn-lt"/>
-                <a:ea typeface="+mn-ea"/>
-                <a:cs typeface="+mn-cs"/>
-              </a:rPr>
-              <a:t>. dass ein Vertex aus 3 </a:t>
-            </a:r>
-            <a:r>
-              <a:rPr lang="de-CH" sz="1200" kern="1200" dirty="0" err="1" smtClean="0">
-                <a:solidFill>
-                  <a:schemeClr val="tx1"/>
-                </a:solidFill>
-                <a:effectLst/>
-                <a:latin typeface="+mn-lt"/>
-                <a:ea typeface="+mn-ea"/>
-                <a:cs typeface="+mn-cs"/>
-              </a:rPr>
+              <a:rPr lang="de-CH" sz="1300" dirty="0"/>
+              <a:t>Informationen, in welchem VBO sich die benötigten Daten befinden und in welchem Format sie vorliegen z.B. dass ein Vertex aus 3 </a:t>
+            </a:r>
+            <a:r>
+              <a:rPr lang="de-CH" sz="1300" dirty="0" err="1"/>
               <a:t>floats</a:t>
             </a:r>
             <a:r>
-              <a:rPr lang="de-CH" sz="1200" kern="1200" dirty="0" smtClean="0">
-                <a:solidFill>
-                  <a:schemeClr val="tx1"/>
-                </a:solidFill>
-                <a:effectLst/>
-                <a:latin typeface="+mn-lt"/>
-                <a:ea typeface="+mn-ea"/>
-                <a:cs typeface="+mn-cs"/>
-              </a:rPr>
+              <a:rPr lang="de-CH" sz="1300" dirty="0"/>
               <a:t> für die Position, 3 </a:t>
             </a:r>
             <a:r>
-              <a:rPr lang="de-CH" sz="1200" kern="1200" dirty="0" err="1" smtClean="0">
-                <a:solidFill>
-                  <a:schemeClr val="tx1"/>
-                </a:solidFill>
-                <a:effectLst/>
-                <a:latin typeface="+mn-lt"/>
-                <a:ea typeface="+mn-ea"/>
-                <a:cs typeface="+mn-cs"/>
-              </a:rPr>
+              <a:rPr lang="de-CH" sz="1300" dirty="0" err="1"/>
               <a:t>bytes</a:t>
             </a:r>
             <a:r>
-              <a:rPr lang="de-CH" sz="1200" kern="1200" dirty="0" smtClean="0">
-                <a:solidFill>
-                  <a:schemeClr val="tx1"/>
-                </a:solidFill>
-                <a:effectLst/>
-                <a:latin typeface="+mn-lt"/>
-                <a:ea typeface="+mn-ea"/>
-                <a:cs typeface="+mn-cs"/>
-              </a:rPr>
+              <a:rPr lang="de-CH" sz="1300" dirty="0"/>
               <a:t> für den </a:t>
             </a:r>
             <a:r>
-              <a:rPr lang="de-CH" sz="1200" kern="1200" dirty="0" err="1" smtClean="0">
-                <a:solidFill>
-                  <a:schemeClr val="tx1"/>
-                </a:solidFill>
-                <a:effectLst/>
-                <a:latin typeface="+mn-lt"/>
-                <a:ea typeface="+mn-ea"/>
-                <a:cs typeface="+mn-cs"/>
-              </a:rPr>
+              <a:rPr lang="de-CH" sz="1300" dirty="0" err="1"/>
               <a:t>Normalenvektor</a:t>
             </a:r>
             <a:r>
-              <a:rPr lang="de-CH" sz="1200" kern="1200" dirty="0" smtClean="0">
-                <a:solidFill>
-                  <a:schemeClr val="tx1"/>
-                </a:solidFill>
-                <a:effectLst/>
-                <a:latin typeface="+mn-lt"/>
-                <a:ea typeface="+mn-ea"/>
-                <a:cs typeface="+mn-cs"/>
-              </a:rPr>
+              <a:rPr lang="de-CH" sz="1300" dirty="0"/>
               <a:t>.</a:t>
             </a:r>
           </a:p>
           <a:p>
-            <a:pPr marL="171450" marR="0" lvl="0" indent="-171450" algn="l" defTabSz="914400" rtl="0" eaLnBrk="1" fontAlgn="auto" latinLnBrk="0" hangingPunct="1">
-              <a:lnSpc>
-                <a:spcPct val="100000"/>
-              </a:lnSpc>
-              <a:spcBef>
-                <a:spcPts val="0"/>
-              </a:spcBef>
-              <a:spcAft>
-                <a:spcPts val="0"/>
-              </a:spcAft>
-              <a:buClrTx/>
-              <a:buSzTx/>
+            <a:pPr marL="185835" indent="-185835" defTabSz="991118">
               <a:buFont typeface="Arial" panose="020B0604020202020204" pitchFamily="34" charset="0"/>
               <a:buChar char="•"/>
-              <a:tabLst/>
               <a:defRPr/>
             </a:pPr>
             <a:r>
-              <a:rPr lang="de-CH" sz="1200" b="1" kern="1200" dirty="0" smtClean="0">
-                <a:solidFill>
-                  <a:schemeClr val="tx1"/>
-                </a:solidFill>
-                <a:effectLst/>
-                <a:latin typeface="+mn-lt"/>
-                <a:ea typeface="+mn-ea"/>
-                <a:cs typeface="+mn-cs"/>
-              </a:rPr>
+              <a:rPr lang="de-CH" sz="1300" b="1" dirty="0"/>
               <a:t>Vorteil vom Einsatz von VAO und VBO:</a:t>
             </a:r>
           </a:p>
           <a:p>
-            <a:pPr marL="628650" marR="0" lvl="1" indent="-171450" algn="l" defTabSz="914400" rtl="0" eaLnBrk="1" fontAlgn="auto" latinLnBrk="0" hangingPunct="1">
-              <a:lnSpc>
-                <a:spcPct val="100000"/>
-              </a:lnSpc>
-              <a:spcBef>
-                <a:spcPts val="0"/>
-              </a:spcBef>
-              <a:spcAft>
-                <a:spcPts val="0"/>
-              </a:spcAft>
-              <a:buClrTx/>
-              <a:buSzTx/>
+            <a:pPr marL="681394" lvl="1" indent="-185835" defTabSz="991118">
               <a:buFont typeface="Arial" panose="020B0604020202020204" pitchFamily="34" charset="0"/>
               <a:buChar char="•"/>
-              <a:tabLst/>
               <a:defRPr/>
             </a:pPr>
             <a:r>
-              <a:rPr lang="de-CH" sz="1200" kern="1200" dirty="0" err="1" smtClean="0">
-                <a:solidFill>
-                  <a:schemeClr val="tx1"/>
-                </a:solidFill>
-                <a:effectLst/>
-                <a:latin typeface="+mn-lt"/>
-                <a:ea typeface="+mn-ea"/>
-                <a:cs typeface="+mn-cs"/>
-              </a:rPr>
+              <a:rPr lang="de-CH" sz="1300" dirty="0" err="1"/>
               <a:t>Vertexdaten</a:t>
             </a:r>
             <a:r>
-              <a:rPr lang="de-CH" sz="1200" kern="1200" dirty="0" smtClean="0">
-                <a:solidFill>
-                  <a:schemeClr val="tx1"/>
-                </a:solidFill>
-                <a:effectLst/>
-                <a:latin typeface="+mn-lt"/>
-                <a:ea typeface="+mn-ea"/>
-                <a:cs typeface="+mn-cs"/>
-              </a:rPr>
-              <a:t> werden im </a:t>
-            </a:r>
-            <a:r>
-              <a:rPr lang="de-CH" sz="1200" kern="1200" dirty="0" smtClean="0">
-                <a:solidFill>
-                  <a:schemeClr val="tx1"/>
-                </a:solidFill>
-                <a:effectLst/>
-                <a:latin typeface="+mn-lt"/>
-                <a:ea typeface="+mn-ea"/>
-                <a:cs typeface="+mn-cs"/>
-              </a:rPr>
-              <a:t>VRAM der Grafikkarte </a:t>
-            </a:r>
-            <a:r>
-              <a:rPr lang="de-CH" sz="1200" kern="1200" dirty="0" smtClean="0">
-                <a:solidFill>
-                  <a:schemeClr val="tx1"/>
-                </a:solidFill>
-                <a:effectLst/>
-                <a:latin typeface="+mn-lt"/>
-                <a:ea typeface="+mn-ea"/>
-                <a:cs typeface="+mn-cs"/>
-              </a:rPr>
-              <a:t>gespeichert, </a:t>
-            </a:r>
-            <a:r>
-              <a:rPr lang="de-CH" sz="1200" kern="1200" dirty="0" smtClean="0">
-                <a:solidFill>
-                  <a:schemeClr val="tx1"/>
-                </a:solidFill>
-                <a:effectLst/>
-                <a:latin typeface="+mn-lt"/>
-                <a:ea typeface="+mn-ea"/>
-                <a:cs typeface="+mn-cs"/>
-              </a:rPr>
-              <a:t>statt wie ohne Einsatz von VAO und VBO im Hauptspeicher der CPU. </a:t>
-            </a:r>
-            <a:endParaRPr lang="de-CH" sz="1200" kern="1200" dirty="0" smtClean="0">
-              <a:solidFill>
-                <a:schemeClr val="tx1"/>
-              </a:solidFill>
-              <a:effectLst/>
-              <a:latin typeface="+mn-lt"/>
-              <a:ea typeface="+mn-ea"/>
-              <a:cs typeface="+mn-cs"/>
-            </a:endParaRPr>
-          </a:p>
-          <a:p>
-            <a:pPr marL="457200" marR="0" lvl="1" indent="0" algn="l" defTabSz="914400" rtl="0" eaLnBrk="1" fontAlgn="auto" latinLnBrk="0" hangingPunct="1">
-              <a:lnSpc>
-                <a:spcPct val="100000"/>
-              </a:lnSpc>
-              <a:spcBef>
-                <a:spcPts val="0"/>
-              </a:spcBef>
-              <a:spcAft>
-                <a:spcPts val="0"/>
-              </a:spcAft>
-              <a:buClrTx/>
-              <a:buSzTx/>
-              <a:buFont typeface="Arial" panose="020B0604020202020204" pitchFamily="34" charset="0"/>
-              <a:buNone/>
-              <a:tabLst/>
+              <a:rPr lang="de-CH" sz="1300" dirty="0"/>
+              <a:t> werden im VRAM der Grafikkarte gespeichert, statt wie ohne Einsatz von VAO und VBO im Hauptspeicher der CPU. </a:t>
+            </a:r>
+          </a:p>
+          <a:p>
+            <a:pPr marL="495559" lvl="1" defTabSz="991118">
               <a:defRPr/>
             </a:pPr>
             <a:r>
-              <a:rPr lang="de-CH" sz="1200" kern="1200" dirty="0" smtClean="0">
-                <a:solidFill>
-                  <a:schemeClr val="tx1"/>
-                </a:solidFill>
-                <a:effectLst/>
-                <a:latin typeface="+mn-lt"/>
-                <a:ea typeface="+mn-ea"/>
-                <a:cs typeface="+mn-cs"/>
-              </a:rPr>
-              <a:t>=&gt; Grafikkarte kann deutlich</a:t>
-            </a:r>
-            <a:r>
-              <a:rPr lang="de-CH" sz="1200" kern="1200" baseline="0" dirty="0" smtClean="0">
-                <a:solidFill>
-                  <a:schemeClr val="tx1"/>
-                </a:solidFill>
-                <a:effectLst/>
-                <a:latin typeface="+mn-lt"/>
-                <a:ea typeface="+mn-ea"/>
-                <a:cs typeface="+mn-cs"/>
-              </a:rPr>
-              <a:t> langsamer auf Hauptspeicher zugreifen als auf das VRAM. Dies wirkt sich negativ auf Performance aus. </a:t>
-            </a:r>
-            <a:r>
-              <a:rPr lang="de-CH" sz="1200" kern="1200" baseline="0" dirty="0" smtClean="0">
-                <a:solidFill>
-                  <a:schemeClr val="tx1"/>
-                </a:solidFill>
-                <a:effectLst/>
-                <a:latin typeface="+mn-lt"/>
-                <a:ea typeface="+mn-ea"/>
-                <a:cs typeface="+mn-cs"/>
+              <a:rPr lang="de-CH" sz="1300" dirty="0"/>
+              <a:t>=&gt; Grafikkarte kann deutlich langsamer auf Hauptspeicher zugreifen als auf das VRAM. Dies wirkt sich negativ auf Performance aus. </a:t>
+            </a:r>
+            <a:r>
+              <a:rPr lang="de-CH" sz="1300" dirty="0">
                 <a:sym typeface="Wingdings" panose="05000000000000000000" pitchFamily="2" charset="2"/>
               </a:rPr>
               <a:t> Flaschenhals zwischen CPU und GPU. (hat man bei der FPS Nummer (120) gesehen.</a:t>
             </a:r>
-            <a:endParaRPr lang="de-CH" sz="1200" kern="1200" dirty="0" smtClean="0">
-              <a:solidFill>
-                <a:schemeClr val="tx1"/>
-              </a:solidFill>
-              <a:effectLst/>
-              <a:latin typeface="+mn-lt"/>
-              <a:ea typeface="+mn-ea"/>
-              <a:cs typeface="+mn-cs"/>
-            </a:endParaRPr>
-          </a:p>
-          <a:p>
-            <a:endParaRPr lang="de-CH" sz="1200" kern="1200" dirty="0" smtClean="0">
-              <a:solidFill>
-                <a:schemeClr val="tx1"/>
-              </a:solidFill>
-              <a:effectLst/>
-              <a:latin typeface="+mn-lt"/>
-              <a:ea typeface="+mn-ea"/>
-              <a:cs typeface="+mn-cs"/>
-            </a:endParaRPr>
-          </a:p>
-          <a:p>
-            <a:endParaRPr lang="de-CH" sz="1200" kern="1200" dirty="0" smtClean="0">
-              <a:solidFill>
-                <a:schemeClr val="tx1"/>
-              </a:solidFill>
-              <a:effectLst/>
-              <a:latin typeface="+mn-lt"/>
-              <a:ea typeface="+mn-ea"/>
-              <a:cs typeface="+mn-cs"/>
-            </a:endParaRPr>
-          </a:p>
-          <a:p>
-            <a:pPr marL="0" marR="0" lvl="0" indent="0" algn="l" defTabSz="914400" rtl="0" eaLnBrk="1" fontAlgn="auto" latinLnBrk="0" hangingPunct="1">
-              <a:lnSpc>
-                <a:spcPct val="100000"/>
-              </a:lnSpc>
-              <a:spcBef>
-                <a:spcPts val="0"/>
-              </a:spcBef>
-              <a:spcAft>
-                <a:spcPts val="0"/>
-              </a:spcAft>
-              <a:buClrTx/>
-              <a:buSzTx/>
-              <a:buFontTx/>
-              <a:buNone/>
-              <a:tabLst/>
+            <a:endParaRPr lang="de-CH" sz="1300" dirty="0"/>
+          </a:p>
+          <a:p>
+            <a:endParaRPr lang="de-CH" sz="1300" dirty="0"/>
+          </a:p>
+          <a:p>
+            <a:endParaRPr lang="de-CH" sz="1300" dirty="0"/>
+          </a:p>
+          <a:p>
+            <a:pPr defTabSz="991118">
               <a:defRPr/>
             </a:pPr>
             <a:r>
-              <a:rPr lang="de-CH" sz="1200" b="1" kern="1200" dirty="0" err="1" smtClean="0">
-                <a:solidFill>
-                  <a:schemeClr val="tx1"/>
-                </a:solidFill>
-                <a:effectLst/>
-                <a:latin typeface="+mn-lt"/>
-                <a:ea typeface="+mn-ea"/>
-                <a:cs typeface="+mn-cs"/>
-              </a:rPr>
+              <a:rPr lang="de-CH" sz="1300" b="1" dirty="0" err="1"/>
               <a:t>Shader</a:t>
             </a:r>
             <a:r>
-              <a:rPr lang="de-CH" sz="1200" b="1" kern="1200" baseline="0" dirty="0" smtClean="0">
-                <a:solidFill>
-                  <a:schemeClr val="tx1"/>
-                </a:solidFill>
-                <a:effectLst/>
-                <a:latin typeface="+mn-lt"/>
-                <a:ea typeface="+mn-ea"/>
-                <a:cs typeface="+mn-cs"/>
-              </a:rPr>
-              <a:t> &amp; GLSL</a:t>
-            </a:r>
-            <a:r>
-              <a:rPr lang="de-CH" sz="1200" b="1" kern="1200" baseline="0" dirty="0" smtClean="0">
-                <a:solidFill>
-                  <a:schemeClr val="tx1"/>
-                </a:solidFill>
-                <a:effectLst/>
-                <a:latin typeface="+mn-lt"/>
-                <a:ea typeface="+mn-ea"/>
-                <a:cs typeface="+mn-cs"/>
-              </a:rPr>
-              <a:t>:</a:t>
-            </a:r>
-          </a:p>
-          <a:p>
-            <a:pPr marL="171450" marR="0" lvl="0" indent="-171450" algn="l" defTabSz="914400" rtl="0" eaLnBrk="1" fontAlgn="auto" latinLnBrk="0" hangingPunct="1">
-              <a:lnSpc>
-                <a:spcPct val="100000"/>
-              </a:lnSpc>
-              <a:spcBef>
-                <a:spcPts val="0"/>
-              </a:spcBef>
-              <a:spcAft>
-                <a:spcPts val="0"/>
-              </a:spcAft>
-              <a:buClrTx/>
-              <a:buSzTx/>
+              <a:rPr lang="de-CH" sz="1300" b="1" dirty="0"/>
+              <a:t> &amp; GLSL:</a:t>
+            </a:r>
+          </a:p>
+          <a:p>
+            <a:pPr marL="185835" indent="-185835" defTabSz="991118">
               <a:buFont typeface="Arial" panose="020B0604020202020204" pitchFamily="34" charset="0"/>
               <a:buChar char="•"/>
-              <a:tabLst/>
               <a:defRPr/>
             </a:pPr>
             <a:r>
-              <a:rPr lang="de-CH" sz="1200" b="0" kern="1200" baseline="0" dirty="0" smtClean="0">
-                <a:solidFill>
-                  <a:schemeClr val="tx1"/>
-                </a:solidFill>
-                <a:effectLst/>
-                <a:latin typeface="+mn-lt"/>
-                <a:ea typeface="+mn-ea"/>
-                <a:cs typeface="+mn-cs"/>
-              </a:rPr>
+              <a:rPr lang="de-CH" sz="1300" dirty="0"/>
               <a:t>C-ähnliche Programmiersprache </a:t>
             </a:r>
           </a:p>
           <a:p>
-            <a:pPr marL="171450" marR="0" lvl="0" indent="-171450" algn="l" defTabSz="914400" rtl="0" eaLnBrk="1" fontAlgn="auto" latinLnBrk="0" hangingPunct="1">
-              <a:lnSpc>
-                <a:spcPct val="100000"/>
-              </a:lnSpc>
-              <a:spcBef>
-                <a:spcPts val="0"/>
-              </a:spcBef>
-              <a:spcAft>
-                <a:spcPts val="0"/>
-              </a:spcAft>
-              <a:buClrTx/>
-              <a:buSzTx/>
+            <a:pPr marL="185835" indent="-185835" defTabSz="991118">
               <a:buFont typeface="Arial" panose="020B0604020202020204" pitchFamily="34" charset="0"/>
               <a:buChar char="•"/>
-              <a:tabLst/>
               <a:defRPr/>
             </a:pPr>
             <a:r>
-              <a:rPr lang="de-CH" sz="1200" b="0" kern="1200" baseline="0" dirty="0" smtClean="0">
-                <a:solidFill>
-                  <a:schemeClr val="tx1"/>
-                </a:solidFill>
-                <a:effectLst/>
-                <a:latin typeface="+mn-lt"/>
-                <a:ea typeface="+mn-ea"/>
-                <a:cs typeface="+mn-cs"/>
-              </a:rPr>
+              <a:rPr lang="de-CH" sz="1300" dirty="0"/>
               <a:t>Ermöglicht das Schreiben von </a:t>
             </a:r>
             <a:r>
-              <a:rPr lang="de-CH" sz="1200" b="0" kern="1200" baseline="0" dirty="0" err="1" smtClean="0">
-                <a:solidFill>
-                  <a:schemeClr val="tx1"/>
-                </a:solidFill>
-                <a:effectLst/>
-                <a:latin typeface="+mn-lt"/>
-                <a:ea typeface="+mn-ea"/>
-                <a:cs typeface="+mn-cs"/>
-              </a:rPr>
+              <a:rPr lang="de-CH" sz="1300" dirty="0" err="1"/>
               <a:t>Shaders</a:t>
             </a:r>
             <a:r>
-              <a:rPr lang="de-CH" sz="1200" b="0" kern="1200" baseline="0" dirty="0" smtClean="0">
-                <a:solidFill>
-                  <a:schemeClr val="tx1"/>
-                </a:solidFill>
-                <a:effectLst/>
-                <a:latin typeface="+mn-lt"/>
-                <a:ea typeface="+mn-ea"/>
-                <a:cs typeface="+mn-cs"/>
-              </a:rPr>
+              <a:rPr lang="de-CH" sz="1300" dirty="0"/>
               <a:t>. </a:t>
             </a:r>
             <a:r>
-              <a:rPr lang="de-CH" sz="1200" b="0" kern="1200" baseline="0" dirty="0" err="1" smtClean="0">
-                <a:solidFill>
-                  <a:schemeClr val="tx1"/>
-                </a:solidFill>
-                <a:effectLst/>
-                <a:latin typeface="+mn-lt"/>
-                <a:ea typeface="+mn-ea"/>
-                <a:cs typeface="+mn-cs"/>
-              </a:rPr>
+              <a:rPr lang="de-CH" sz="1300" dirty="0" err="1"/>
               <a:t>Shading</a:t>
             </a:r>
             <a:r>
-              <a:rPr lang="de-CH" sz="1200" b="0" kern="1200" baseline="0" dirty="0" smtClean="0">
-                <a:solidFill>
-                  <a:schemeClr val="tx1"/>
-                </a:solidFill>
-                <a:effectLst/>
-                <a:latin typeface="+mn-lt"/>
-                <a:ea typeface="+mn-ea"/>
-                <a:cs typeface="+mn-cs"/>
-              </a:rPr>
+              <a:rPr lang="de-CH" sz="1300" dirty="0"/>
               <a:t> = Veränderung einzelner Vertices und Fragmente innerhalb der Grafikpipeline. Berechnet Aussehen eines Objekts und erzeugen Spezialeffekte.</a:t>
             </a:r>
           </a:p>
           <a:p>
-            <a:pPr marL="171450" marR="0" lvl="0" indent="-171450" algn="l" defTabSz="914400" rtl="0" eaLnBrk="1" fontAlgn="auto" latinLnBrk="0" hangingPunct="1">
-              <a:lnSpc>
-                <a:spcPct val="100000"/>
-              </a:lnSpc>
-              <a:spcBef>
-                <a:spcPts val="0"/>
-              </a:spcBef>
-              <a:spcAft>
-                <a:spcPts val="0"/>
-              </a:spcAft>
-              <a:buClrTx/>
-              <a:buSzTx/>
+            <a:pPr marL="185835" indent="-185835" defTabSz="991118">
               <a:buFont typeface="Arial" panose="020B0604020202020204" pitchFamily="34" charset="0"/>
               <a:buChar char="•"/>
-              <a:tabLst/>
               <a:defRPr/>
             </a:pPr>
             <a:r>
-              <a:rPr lang="de-CH" sz="1200" kern="1200" dirty="0" smtClean="0">
-                <a:solidFill>
-                  <a:schemeClr val="tx1"/>
-                </a:solidFill>
-                <a:effectLst/>
-                <a:latin typeface="+mn-lt"/>
-                <a:ea typeface="+mn-ea"/>
-                <a:cs typeface="+mn-cs"/>
-              </a:rPr>
-              <a:t>Der </a:t>
-            </a:r>
-            <a:r>
-              <a:rPr lang="de-CH" sz="1200" kern="1200" dirty="0" smtClean="0">
-                <a:solidFill>
-                  <a:schemeClr val="tx1"/>
-                </a:solidFill>
-                <a:effectLst/>
-                <a:latin typeface="+mn-lt"/>
-                <a:ea typeface="+mn-ea"/>
-                <a:cs typeface="+mn-cs"/>
-              </a:rPr>
-              <a:t>Vertex </a:t>
-            </a:r>
-            <a:r>
-              <a:rPr lang="de-CH" sz="1200" kern="1200" dirty="0" err="1" smtClean="0">
-                <a:solidFill>
-                  <a:schemeClr val="tx1"/>
-                </a:solidFill>
-                <a:effectLst/>
-                <a:latin typeface="+mn-lt"/>
-                <a:ea typeface="+mn-ea"/>
-                <a:cs typeface="+mn-cs"/>
-              </a:rPr>
+              <a:rPr lang="de-CH" sz="1300" dirty="0"/>
+              <a:t>Der Vertex </a:t>
+            </a:r>
+            <a:r>
+              <a:rPr lang="de-CH" sz="1300" dirty="0" err="1"/>
               <a:t>Shader</a:t>
             </a:r>
             <a:r>
-              <a:rPr lang="de-CH" sz="1200" kern="1200" dirty="0" smtClean="0">
-                <a:solidFill>
-                  <a:schemeClr val="tx1"/>
-                </a:solidFill>
-                <a:effectLst/>
-                <a:latin typeface="+mn-lt"/>
-                <a:ea typeface="+mn-ea"/>
-                <a:cs typeface="+mn-cs"/>
-              </a:rPr>
+              <a:rPr lang="de-CH" sz="1300" dirty="0"/>
               <a:t> wird pro Vertex (Knoten) aufgerufen und er dient dazu die Geometrie einer Szene zu manipulieren (View, Projektion, Transformation). Der Fragment </a:t>
             </a:r>
             <a:r>
-              <a:rPr lang="de-CH" sz="1200" kern="1200" dirty="0" err="1" smtClean="0">
-                <a:solidFill>
-                  <a:schemeClr val="tx1"/>
-                </a:solidFill>
-                <a:effectLst/>
-                <a:latin typeface="+mn-lt"/>
-                <a:ea typeface="+mn-ea"/>
-                <a:cs typeface="+mn-cs"/>
-              </a:rPr>
+              <a:rPr lang="de-CH" sz="1300" dirty="0" err="1"/>
               <a:t>Shader</a:t>
             </a:r>
             <a:r>
-              <a:rPr lang="de-CH" sz="1200" kern="1200" dirty="0" smtClean="0">
-                <a:solidFill>
-                  <a:schemeClr val="tx1"/>
-                </a:solidFill>
-                <a:effectLst/>
-                <a:latin typeface="+mn-lt"/>
-                <a:ea typeface="+mn-ea"/>
-                <a:cs typeface="+mn-cs"/>
-              </a:rPr>
+              <a:rPr lang="de-CH" sz="1300" dirty="0"/>
               <a:t> bestimmt den Farbwert pro Pixel.</a:t>
             </a:r>
           </a:p>
@@ -2105,7 +1381,7 @@
             <a:endParaRPr lang="de-CH" baseline="0" dirty="0" smtClean="0"/>
           </a:p>
           <a:p>
-            <a:pPr marL="171450" indent="-171450">
+            <a:pPr marL="185835" indent="-185835">
               <a:buFontTx/>
               <a:buChar char="-"/>
             </a:pPr>
@@ -2237,7 +1513,7 @@
             </a:r>
           </a:p>
           <a:p>
-            <a:pPr marL="171450" indent="-171450">
+            <a:pPr marL="185835" indent="-185835">
               <a:buFont typeface="Arial" panose="020B0604020202020204" pitchFamily="34" charset="0"/>
               <a:buChar char="•"/>
             </a:pPr>
@@ -2251,7 +1527,7 @@
             </a:r>
           </a:p>
           <a:p>
-            <a:pPr marL="171450" indent="-171450">
+            <a:pPr marL="185835" indent="-185835">
               <a:buFont typeface="Arial" panose="020B0604020202020204" pitchFamily="34" charset="0"/>
               <a:buChar char="•"/>
             </a:pPr>
@@ -2261,7 +1537,7 @@
             </a:r>
           </a:p>
           <a:p>
-            <a:pPr marL="171450" indent="-171450">
+            <a:pPr marL="185835" indent="-185835">
               <a:buFont typeface="Arial" panose="020B0604020202020204" pitchFamily="34" charset="0"/>
               <a:buChar char="•"/>
             </a:pPr>
@@ -2271,7 +1547,7 @@
             </a:r>
           </a:p>
           <a:p>
-            <a:pPr marL="171450" indent="-171450">
+            <a:pPr marL="185835" indent="-185835">
               <a:buFont typeface="Arial" panose="020B0604020202020204" pitchFamily="34" charset="0"/>
               <a:buChar char="•"/>
             </a:pPr>
@@ -2281,7 +1557,7 @@
             </a:r>
           </a:p>
           <a:p>
-            <a:pPr marL="171450" indent="-171450">
+            <a:pPr marL="185835" indent="-185835">
               <a:buFont typeface="Arial" panose="020B0604020202020204" pitchFamily="34" charset="0"/>
               <a:buChar char="•"/>
             </a:pPr>
@@ -6032,7 +5308,21 @@
           <a:p>
             <a:r>
               <a:rPr lang="de-CH" dirty="0" smtClean="0"/>
-              <a:t>Joel Holzer, Michael Koch</a:t>
+              <a:t>Joel </a:t>
+            </a:r>
+            <a:r>
+              <a:rPr lang="de-CH" dirty="0" smtClean="0"/>
+              <a:t>Holzer, Michael </a:t>
+            </a:r>
+            <a:r>
+              <a:rPr lang="de-CH" dirty="0" smtClean="0"/>
+              <a:t>Koch</a:t>
+            </a:r>
+          </a:p>
+          <a:p>
+            <a:r>
+              <a:rPr lang="de-CH" dirty="0" smtClean="0"/>
+              <a:t>18.01.2016</a:t>
             </a:r>
             <a:endParaRPr lang="de-CH" dirty="0"/>
           </a:p>

--- a/präsi-projekt-obj-geom.pptx
+++ b/präsi-projekt-obj-geom.pptx
@@ -202,7 +202,7 @@
           <a:p>
             <a:fld id="{0A124C12-A3F9-436B-B427-937D56D33E8E}" type="datetimeFigureOut">
               <a:rPr lang="de-CH" smtClean="0"/>
-              <a:t>16.01.2016</a:t>
+              <a:t>17.01.2016</a:t>
             </a:fld>
             <a:endParaRPr lang="de-CH"/>
           </a:p>
@@ -1403,13 +1403,8 @@
             </a:r>
             <a:r>
               <a:rPr lang="de-CH" baseline="0" dirty="0" smtClean="0"/>
-              <a:t> Software zur Erstellung von 3D Grafiken und Software</a:t>
-            </a:r>
-            <a:r>
-              <a:rPr lang="de-CH" baseline="0" dirty="0" smtClean="0"/>
-              <a:t>)</a:t>
-            </a:r>
-            <a:endParaRPr lang="de-CH" baseline="0" dirty="0" smtClean="0"/>
+              <a:t> Software zur Erstellung von 3D Grafiken und Software)</a:t>
+            </a:r>
           </a:p>
           <a:p>
             <a:endParaRPr lang="de-CH" baseline="0" dirty="0" smtClean="0"/>
@@ -2148,7 +2143,7 @@
           <a:p>
             <a:fld id="{1BA50D42-C9CD-4801-B293-61D1F53EC57E}" type="datetimeFigureOut">
               <a:rPr lang="de-DE" smtClean="0"/>
-              <a:t>16.01.2016</a:t>
+              <a:t>17.01.2016</a:t>
             </a:fld>
             <a:endParaRPr lang="de-DE"/>
           </a:p>
@@ -2348,7 +2343,7 @@
           <a:p>
             <a:fld id="{1BA50D42-C9CD-4801-B293-61D1F53EC57E}" type="datetimeFigureOut">
               <a:rPr lang="de-DE" smtClean="0"/>
-              <a:t>16.01.2016</a:t>
+              <a:t>17.01.2016</a:t>
             </a:fld>
             <a:endParaRPr lang="de-DE"/>
           </a:p>
@@ -2523,7 +2518,7 @@
           <a:p>
             <a:fld id="{1BA50D42-C9CD-4801-B293-61D1F53EC57E}" type="datetimeFigureOut">
               <a:rPr lang="de-DE" smtClean="0"/>
-              <a:t>16.01.2016</a:t>
+              <a:t>17.01.2016</a:t>
             </a:fld>
             <a:endParaRPr lang="de-DE"/>
           </a:p>
@@ -2688,7 +2683,7 @@
           <a:p>
             <a:fld id="{1BA50D42-C9CD-4801-B293-61D1F53EC57E}" type="datetimeFigureOut">
               <a:rPr lang="de-DE" smtClean="0"/>
-              <a:t>16.01.2016</a:t>
+              <a:t>17.01.2016</a:t>
             </a:fld>
             <a:endParaRPr lang="de-DE"/>
           </a:p>
@@ -2936,7 +2931,7 @@
           <a:p>
             <a:fld id="{1BA50D42-C9CD-4801-B293-61D1F53EC57E}" type="datetimeFigureOut">
               <a:rPr lang="de-DE" smtClean="0"/>
-              <a:t>16.01.2016</a:t>
+              <a:t>17.01.2016</a:t>
             </a:fld>
             <a:endParaRPr lang="de-DE"/>
           </a:p>
@@ -3254,7 +3249,7 @@
           <a:p>
             <a:fld id="{1BA50D42-C9CD-4801-B293-61D1F53EC57E}" type="datetimeFigureOut">
               <a:rPr lang="de-DE" smtClean="0"/>
-              <a:t>16.01.2016</a:t>
+              <a:t>17.01.2016</a:t>
             </a:fld>
             <a:endParaRPr lang="de-DE"/>
           </a:p>
@@ -3720,7 +3715,7 @@
           <a:p>
             <a:fld id="{1BA50D42-C9CD-4801-B293-61D1F53EC57E}" type="datetimeFigureOut">
               <a:rPr lang="de-DE" smtClean="0"/>
-              <a:t>16.01.2016</a:t>
+              <a:t>17.01.2016</a:t>
             </a:fld>
             <a:endParaRPr lang="de-DE"/>
           </a:p>
@@ -3868,7 +3863,7 @@
           <a:p>
             <a:fld id="{1BA50D42-C9CD-4801-B293-61D1F53EC57E}" type="datetimeFigureOut">
               <a:rPr lang="de-DE" smtClean="0"/>
-              <a:t>16.01.2016</a:t>
+              <a:t>17.01.2016</a:t>
             </a:fld>
             <a:endParaRPr lang="de-DE"/>
           </a:p>
@@ -3958,7 +3953,7 @@
           <a:p>
             <a:fld id="{1BA50D42-C9CD-4801-B293-61D1F53EC57E}" type="datetimeFigureOut">
               <a:rPr lang="de-DE" smtClean="0"/>
-              <a:t>16.01.2016</a:t>
+              <a:t>17.01.2016</a:t>
             </a:fld>
             <a:endParaRPr lang="de-DE"/>
           </a:p>
@@ -4232,7 +4227,7 @@
           <a:p>
             <a:fld id="{1BA50D42-C9CD-4801-B293-61D1F53EC57E}" type="datetimeFigureOut">
               <a:rPr lang="de-DE" smtClean="0"/>
-              <a:t>16.01.2016</a:t>
+              <a:t>17.01.2016</a:t>
             </a:fld>
             <a:endParaRPr lang="de-DE"/>
           </a:p>
@@ -4537,7 +4532,7 @@
           <a:p>
             <a:fld id="{1BA50D42-C9CD-4801-B293-61D1F53EC57E}" type="datetimeFigureOut">
               <a:rPr lang="de-DE" smtClean="0"/>
-              <a:t>16.01.2016</a:t>
+              <a:t>17.01.2016</a:t>
             </a:fld>
             <a:endParaRPr lang="de-DE"/>
           </a:p>
@@ -4835,7 +4830,7 @@
           <a:p>
             <a:fld id="{1BA50D42-C9CD-4801-B293-61D1F53EC57E}" type="datetimeFigureOut">
               <a:rPr lang="de-DE" smtClean="0"/>
-              <a:t>16.01.2016</a:t>
+              <a:t>17.01.2016</a:t>
             </a:fld>
             <a:endParaRPr lang="de-DE"/>
           </a:p>
@@ -5308,15 +5303,7 @@
           <a:p>
             <a:r>
               <a:rPr lang="de-CH" dirty="0" smtClean="0"/>
-              <a:t>Joel </a:t>
-            </a:r>
-            <a:r>
-              <a:rPr lang="de-CH" dirty="0" smtClean="0"/>
-              <a:t>Holzer, Michael </a:t>
-            </a:r>
-            <a:r>
-              <a:rPr lang="de-CH" dirty="0" smtClean="0"/>
-              <a:t>Koch</a:t>
+              <a:t>Joel Holzer, Michael Koch</a:t>
             </a:r>
           </a:p>
           <a:p>
@@ -6364,7 +6351,6 @@
               <a:rPr lang="de-CH" sz="1600" dirty="0" smtClean="0"/>
               <a:t>-File</a:t>
             </a:r>
-            <a:endParaRPr lang="de-CH" sz="1600" dirty="0" smtClean="0"/>
           </a:p>
           <a:p>
             <a:pPr lvl="1"/>
@@ -6433,15 +6419,7 @@
             </a:r>
             <a:r>
               <a:rPr lang="de-CH" sz="1400" dirty="0" smtClean="0"/>
-              <a:t>Ambientes</a:t>
-            </a:r>
-            <a:r>
-              <a:rPr lang="de-CH" sz="1400" dirty="0" smtClean="0"/>
-              <a:t>, </a:t>
-            </a:r>
-            <a:r>
-              <a:rPr lang="de-CH" sz="1400" dirty="0" smtClean="0"/>
-              <a:t>Diffuses und </a:t>
+              <a:t>Ambientes, Diffuses und </a:t>
             </a:r>
             <a:r>
               <a:rPr lang="de-CH" sz="1400" dirty="0" err="1" smtClean="0"/>
@@ -7309,11 +7287,7 @@
             </a:r>
             <a:r>
               <a:rPr lang="de-CH" dirty="0" smtClean="0"/>
-              <a:t>		</a:t>
-            </a:r>
-            <a:r>
-              <a:rPr lang="de-CH" dirty="0" smtClean="0"/>
-              <a:t>     Side </a:t>
+              <a:t>		     Side </a:t>
             </a:r>
             <a:r>
               <a:rPr lang="de-CH" dirty="0" err="1" smtClean="0"/>
@@ -7744,7 +7718,7 @@
                   <a:srgbClr val="00B050"/>
                 </a:solidFill>
               </a:rPr>
-              <a:t>posY</a:t>
+              <a:t>posZ</a:t>
             </a:r>
             <a:r>
               <a:rPr lang="de-CH" sz="1800" dirty="0" smtClean="0">
@@ -7844,12 +7818,13 @@
             </a:r>
             <a:r>
               <a:rPr lang="de-CH" sz="1800" dirty="0" err="1" smtClean="0"/>
-              <a:t>posY</a:t>
+              <a:t>posZ</a:t>
             </a:r>
             <a:r>
               <a:rPr lang="de-CH" sz="1800" dirty="0" smtClean="0"/>
               <a:t>;</a:t>
             </a:r>
+            <a:endParaRPr lang="de-CH" sz="1800" dirty="0" smtClean="0"/>
           </a:p>
           <a:p>
             <a:r>
@@ -7886,7 +7861,7 @@
       </p:sp>
       <p:pic>
         <p:nvPicPr>
-          <p:cNvPr id="1026" name="Picture 2"/>
+          <p:cNvPr id="4" name="Picture 2"/>
           <p:cNvPicPr>
             <a:picLocks noChangeAspect="1" noChangeArrowheads="1"/>
           </p:cNvPicPr>
@@ -7907,8 +7882,8 @@
         </p:blipFill>
         <p:spPr bwMode="auto">
           <a:xfrm>
-            <a:off x="2699792" y="1556792"/>
-            <a:ext cx="3476625" cy="2971800"/>
+            <a:off x="2456812" y="1484784"/>
+            <a:ext cx="3706566" cy="3168352"/>
           </a:xfrm>
           <a:prstGeom prst="rect">
             <a:avLst/>

--- a/präsi-projekt-obj-geom.pptx
+++ b/präsi-projekt-obj-geom.pptx
@@ -202,7 +202,7 @@
           <a:p>
             <a:fld id="{0A124C12-A3F9-436B-B427-937D56D33E8E}" type="datetimeFigureOut">
               <a:rPr lang="de-CH" smtClean="0"/>
-              <a:t>17.01.2016</a:t>
+              <a:t>18.01.2016</a:t>
             </a:fld>
             <a:endParaRPr lang="de-CH"/>
           </a:p>
@@ -1649,8 +1649,32 @@
           <a:p>
             <a:r>
               <a:rPr lang="de-CH" dirty="0" smtClean="0"/>
-              <a:t>koch</a:t>
-            </a:r>
+              <a:t>Koch</a:t>
+            </a:r>
+          </a:p>
+          <a:p>
+            <a:r>
+              <a:rPr lang="de-CH" dirty="0" smtClean="0"/>
+              <a:t>Ziel: Kamera um Model</a:t>
+            </a:r>
+            <a:r>
+              <a:rPr lang="de-CH" baseline="0" dirty="0" smtClean="0"/>
+              <a:t> (Zentrum) drehen.</a:t>
+            </a:r>
+          </a:p>
+          <a:p>
+            <a:endParaRPr lang="de-CH" baseline="0" dirty="0" smtClean="0"/>
+          </a:p>
+          <a:p>
+            <a:r>
+              <a:rPr lang="de-CH" baseline="0" dirty="0" smtClean="0"/>
+              <a:t>Zu Berechnen: Kamera-Position und Kamera-Rotation</a:t>
+            </a:r>
+          </a:p>
+          <a:p>
+            <a:endParaRPr lang="de-CH" baseline="0" dirty="0" smtClean="0"/>
+          </a:p>
+          <a:p>
             <a:endParaRPr lang="de-CH" dirty="0"/>
           </a:p>
         </p:txBody>
@@ -1914,6 +1938,60 @@
             <a:r>
               <a:rPr lang="de-CH" dirty="0" smtClean="0"/>
               <a:t>Koch</a:t>
+            </a:r>
+          </a:p>
+          <a:p>
+            <a:endParaRPr lang="de-CH" dirty="0" smtClean="0"/>
+          </a:p>
+          <a:p>
+            <a:r>
+              <a:rPr lang="de-CH" dirty="0" smtClean="0"/>
+              <a:t>Code aus Fragment </a:t>
+            </a:r>
+            <a:r>
+              <a:rPr lang="de-CH" dirty="0" err="1" smtClean="0"/>
+              <a:t>Shader</a:t>
+            </a:r>
+            <a:endParaRPr lang="de-CH" dirty="0" smtClean="0"/>
+          </a:p>
+          <a:p>
+            <a:endParaRPr lang="de-CH" dirty="0" smtClean="0"/>
+          </a:p>
+          <a:p>
+            <a:r>
+              <a:rPr lang="de-CH" dirty="0" err="1" smtClean="0"/>
+              <a:t>Reflectivity</a:t>
+            </a:r>
+            <a:r>
+              <a:rPr lang="de-CH" dirty="0" smtClean="0"/>
+              <a:t>: Wert besagt wie stark</a:t>
+            </a:r>
+            <a:r>
+              <a:rPr lang="de-CH" baseline="0" dirty="0" smtClean="0"/>
+              <a:t> die Oberfläche des Materials spiegelt: dicke des </a:t>
+            </a:r>
+            <a:r>
+              <a:rPr lang="de-CH" baseline="0" dirty="0" err="1" smtClean="0"/>
+              <a:t>reflectedLight</a:t>
+            </a:r>
+            <a:r>
+              <a:rPr lang="de-CH" baseline="0" dirty="0" smtClean="0"/>
+              <a:t> Vektors.</a:t>
+            </a:r>
+            <a:endParaRPr lang="de-CH" dirty="0" smtClean="0"/>
+          </a:p>
+          <a:p>
+            <a:r>
+              <a:rPr lang="de-CH" dirty="0" err="1" smtClean="0"/>
+              <a:t>ShineDamper</a:t>
+            </a:r>
+            <a:r>
+              <a:rPr lang="de-CH" dirty="0" smtClean="0"/>
+              <a:t>:</a:t>
+            </a:r>
+            <a:r>
+              <a:rPr lang="de-CH" baseline="0" dirty="0" smtClean="0"/>
+              <a:t> Beschreibt wie stark sich eine Winkelveränderung auswirkt.</a:t>
             </a:r>
             <a:endParaRPr lang="de-CH" dirty="0"/>
           </a:p>
@@ -2143,7 +2221,7 @@
           <a:p>
             <a:fld id="{1BA50D42-C9CD-4801-B293-61D1F53EC57E}" type="datetimeFigureOut">
               <a:rPr lang="de-DE" smtClean="0"/>
-              <a:t>17.01.2016</a:t>
+              <a:t>18.01.2016</a:t>
             </a:fld>
             <a:endParaRPr lang="de-DE"/>
           </a:p>
@@ -2343,7 +2421,7 @@
           <a:p>
             <a:fld id="{1BA50D42-C9CD-4801-B293-61D1F53EC57E}" type="datetimeFigureOut">
               <a:rPr lang="de-DE" smtClean="0"/>
-              <a:t>17.01.2016</a:t>
+              <a:t>18.01.2016</a:t>
             </a:fld>
             <a:endParaRPr lang="de-DE"/>
           </a:p>
@@ -2518,7 +2596,7 @@
           <a:p>
             <a:fld id="{1BA50D42-C9CD-4801-B293-61D1F53EC57E}" type="datetimeFigureOut">
               <a:rPr lang="de-DE" smtClean="0"/>
-              <a:t>17.01.2016</a:t>
+              <a:t>18.01.2016</a:t>
             </a:fld>
             <a:endParaRPr lang="de-DE"/>
           </a:p>
@@ -2683,7 +2761,7 @@
           <a:p>
             <a:fld id="{1BA50D42-C9CD-4801-B293-61D1F53EC57E}" type="datetimeFigureOut">
               <a:rPr lang="de-DE" smtClean="0"/>
-              <a:t>17.01.2016</a:t>
+              <a:t>18.01.2016</a:t>
             </a:fld>
             <a:endParaRPr lang="de-DE"/>
           </a:p>
@@ -2931,7 +3009,7 @@
           <a:p>
             <a:fld id="{1BA50D42-C9CD-4801-B293-61D1F53EC57E}" type="datetimeFigureOut">
               <a:rPr lang="de-DE" smtClean="0"/>
-              <a:t>17.01.2016</a:t>
+              <a:t>18.01.2016</a:t>
             </a:fld>
             <a:endParaRPr lang="de-DE"/>
           </a:p>
@@ -3249,7 +3327,7 @@
           <a:p>
             <a:fld id="{1BA50D42-C9CD-4801-B293-61D1F53EC57E}" type="datetimeFigureOut">
               <a:rPr lang="de-DE" smtClean="0"/>
-              <a:t>17.01.2016</a:t>
+              <a:t>18.01.2016</a:t>
             </a:fld>
             <a:endParaRPr lang="de-DE"/>
           </a:p>
@@ -3715,7 +3793,7 @@
           <a:p>
             <a:fld id="{1BA50D42-C9CD-4801-B293-61D1F53EC57E}" type="datetimeFigureOut">
               <a:rPr lang="de-DE" smtClean="0"/>
-              <a:t>17.01.2016</a:t>
+              <a:t>18.01.2016</a:t>
             </a:fld>
             <a:endParaRPr lang="de-DE"/>
           </a:p>
@@ -3863,7 +3941,7 @@
           <a:p>
             <a:fld id="{1BA50D42-C9CD-4801-B293-61D1F53EC57E}" type="datetimeFigureOut">
               <a:rPr lang="de-DE" smtClean="0"/>
-              <a:t>17.01.2016</a:t>
+              <a:t>18.01.2016</a:t>
             </a:fld>
             <a:endParaRPr lang="de-DE"/>
           </a:p>
@@ -3953,7 +4031,7 @@
           <a:p>
             <a:fld id="{1BA50D42-C9CD-4801-B293-61D1F53EC57E}" type="datetimeFigureOut">
               <a:rPr lang="de-DE" smtClean="0"/>
-              <a:t>17.01.2016</a:t>
+              <a:t>18.01.2016</a:t>
             </a:fld>
             <a:endParaRPr lang="de-DE"/>
           </a:p>
@@ -4227,7 +4305,7 @@
           <a:p>
             <a:fld id="{1BA50D42-C9CD-4801-B293-61D1F53EC57E}" type="datetimeFigureOut">
               <a:rPr lang="de-DE" smtClean="0"/>
-              <a:t>17.01.2016</a:t>
+              <a:t>18.01.2016</a:t>
             </a:fld>
             <a:endParaRPr lang="de-DE"/>
           </a:p>
@@ -4532,7 +4610,7 @@
           <a:p>
             <a:fld id="{1BA50D42-C9CD-4801-B293-61D1F53EC57E}" type="datetimeFigureOut">
               <a:rPr lang="de-DE" smtClean="0"/>
-              <a:t>17.01.2016</a:t>
+              <a:t>18.01.2016</a:t>
             </a:fld>
             <a:endParaRPr lang="de-DE"/>
           </a:p>
@@ -4830,7 +4908,7 @@
           <a:p>
             <a:fld id="{1BA50D42-C9CD-4801-B293-61D1F53EC57E}" type="datetimeFigureOut">
               <a:rPr lang="de-DE" smtClean="0"/>
-              <a:t>17.01.2016</a:t>
+              <a:t>18.01.2016</a:t>
             </a:fld>
             <a:endParaRPr lang="de-DE"/>
           </a:p>
@@ -5515,12 +5593,8 @@
               <a:t>(</a:t>
             </a:r>
             <a:r>
-              <a:rPr lang="de-CH" sz="1400" dirty="0" err="1"/>
+              <a:rPr lang="de-CH" sz="1400" dirty="0" err="1" smtClean="0"/>
               <a:t>diffuseFactor</a:t>
-            </a:r>
-            <a:r>
-              <a:rPr lang="de-CH" sz="1400" dirty="0"/>
-              <a:t> </a:t>
             </a:r>
             <a:r>
               <a:rPr lang="de-CH" sz="1400" dirty="0" smtClean="0"/>
@@ -7824,7 +7898,6 @@
               <a:rPr lang="de-CH" sz="1800" dirty="0" smtClean="0"/>
               <a:t>;</a:t>
             </a:r>
-            <a:endParaRPr lang="de-CH" sz="1800" dirty="0" smtClean="0"/>
           </a:p>
           <a:p>
             <a:r>
@@ -8015,27 +8088,11 @@
             <a:endParaRPr lang="de-CH" dirty="0" smtClean="0"/>
           </a:p>
           <a:p>
-            <a:r>
-              <a:rPr lang="de-CH" dirty="0" err="1" smtClean="0"/>
-              <a:t>pitch</a:t>
-            </a:r>
-            <a:r>
-              <a:rPr lang="de-CH" dirty="0" smtClean="0"/>
-              <a:t> </a:t>
-            </a:r>
-            <a:r>
-              <a:rPr lang="de-CH" dirty="0"/>
-              <a:t>= </a:t>
-            </a:r>
-            <a:r>
-              <a:rPr lang="de-CH" dirty="0" smtClean="0"/>
-              <a:t>Wert gemäss </a:t>
-            </a:r>
-            <a:r>
-              <a:rPr lang="de-CH" dirty="0" err="1" smtClean="0"/>
-              <a:t>Mausrad</a:t>
-            </a:r>
-            <a:endParaRPr lang="de-CH" dirty="0" smtClean="0"/>
+            <a:endParaRPr lang="de-CH" b="1" dirty="0" smtClean="0">
+              <a:solidFill>
+                <a:srgbClr val="92D050"/>
+              </a:solidFill>
+            </a:endParaRPr>
           </a:p>
           <a:p>
             <a:r>
@@ -8093,7 +8150,7 @@
         </p:blipFill>
         <p:spPr bwMode="auto">
           <a:xfrm>
-            <a:off x="683568" y="2204864"/>
+            <a:off x="683568" y="2564904"/>
             <a:ext cx="4248472" cy="2582135"/>
           </a:xfrm>
           <a:prstGeom prst="rect">
@@ -8147,7 +8204,7 @@
         </p:blipFill>
         <p:spPr bwMode="auto">
           <a:xfrm>
-            <a:off x="5436096" y="2060848"/>
+            <a:off x="5418304" y="2132856"/>
             <a:ext cx="3312368" cy="3227653"/>
           </a:xfrm>
           <a:prstGeom prst="rect">
